--- a/advML_final_presentation.pptx
+++ b/advML_final_presentation.pptx
@@ -1,12 +1,15 @@
 
 <file path=ppt/presentation.xml><?xml version="1.0" encoding="utf-8"?>
-<p:presentation xmlns:a="http://schemas.openxmlformats.org/drawingml/2006/main" xmlns:r="http://schemas.openxmlformats.org/officeDocument/2006/relationships" xmlns:p="http://schemas.openxmlformats.org/presentationml/2006/main" saveSubsetFonts="1" autoCompressPictures="0">
+<p:presentation xmlns:a="http://schemas.openxmlformats.org/drawingml/2006/main" xmlns:r="http://schemas.openxmlformats.org/officeDocument/2006/relationships" xmlns:p="http://schemas.openxmlformats.org/presentationml/2006/main" showSpecialPlsOnTitleSld="0" saveSubsetFonts="1" autoCompressPictures="0">
   <p:sldMasterIdLst>
     <p:sldMasterId id="2147483945" r:id="rId1"/>
   </p:sldMasterIdLst>
   <p:notesMasterIdLst>
-    <p:notesMasterId r:id="rId13"/>
+    <p:notesMasterId r:id="rId11"/>
   </p:notesMasterIdLst>
+  <p:handoutMasterIdLst>
+    <p:handoutMasterId r:id="rId12"/>
+  </p:handoutMasterIdLst>
   <p:sldIdLst>
     <p:sldId id="256" r:id="rId2"/>
     <p:sldId id="257" r:id="rId3"/>
@@ -17,8 +20,6 @@
     <p:sldId id="265" r:id="rId8"/>
     <p:sldId id="266" r:id="rId9"/>
     <p:sldId id="263" r:id="rId10"/>
-    <p:sldId id="264" r:id="rId11"/>
-    <p:sldId id="259" r:id="rId12"/>
   </p:sldIdLst>
   <p:sldSz cx="9144000" cy="6858000" type="screen4x3"/>
   <p:notesSz cx="6858000" cy="9144000"/>
@@ -887,7 +888,14 @@
     </dgm:pt>
     <dgm:pt modelId="{DB993A1F-DCC0-6D4F-A720-62572C74F8FD}">
       <dgm:prSet phldrT="[Text]" custT="1"/>
-      <dgm:spPr/>
+      <dgm:spPr>
+        <a:solidFill>
+          <a:schemeClr val="tx1">
+            <a:lumMod val="75000"/>
+            <a:lumOff val="25000"/>
+          </a:schemeClr>
+        </a:solidFill>
+      </dgm:spPr>
       <dgm:t>
         <a:bodyPr/>
         <a:lstStyle/>
@@ -927,7 +935,11 @@
     </dgm:pt>
     <dgm:pt modelId="{6CC67F6B-EDC4-5B4C-A9CC-7E6D5D2C1869}">
       <dgm:prSet phldrT="[Text]" custT="1"/>
-      <dgm:spPr/>
+      <dgm:spPr>
+        <a:solidFill>
+          <a:srgbClr val="404040"/>
+        </a:solidFill>
+      </dgm:spPr>
       <dgm:t>
         <a:bodyPr/>
         <a:lstStyle/>
@@ -967,7 +979,11 @@
     </dgm:pt>
     <dgm:pt modelId="{D6B78F93-8577-5645-AE05-7C69DE5EF158}">
       <dgm:prSet phldrT="[Text]" custT="1"/>
-      <dgm:spPr/>
+      <dgm:spPr>
+        <a:solidFill>
+          <a:srgbClr val="404040"/>
+        </a:solidFill>
+      </dgm:spPr>
       <dgm:t>
         <a:bodyPr/>
         <a:lstStyle/>
@@ -1007,7 +1023,11 @@
     </dgm:pt>
     <dgm:pt modelId="{FC887BE9-A9B3-B74C-A2B0-E918F25F6BF0}">
       <dgm:prSet phldrT="[Text]" custT="1"/>
-      <dgm:spPr/>
+      <dgm:spPr>
+        <a:solidFill>
+          <a:srgbClr val="404040"/>
+        </a:solidFill>
+      </dgm:spPr>
       <dgm:t>
         <a:bodyPr/>
         <a:lstStyle/>
@@ -1047,7 +1067,11 @@
     </dgm:pt>
     <dgm:pt modelId="{92C6156D-355A-3244-B996-BFB12681984E}">
       <dgm:prSet phldrT="[Text]" custT="1"/>
-      <dgm:spPr/>
+      <dgm:spPr>
+        <a:solidFill>
+          <a:srgbClr val="404040"/>
+        </a:solidFill>
+      </dgm:spPr>
       <dgm:t>
         <a:bodyPr/>
         <a:lstStyle/>
@@ -1094,6 +1118,13 @@
         </dgm:presLayoutVars>
       </dgm:prSet>
       <dgm:spPr/>
+      <dgm:t>
+        <a:bodyPr/>
+        <a:lstStyle/>
+        <a:p>
+          <a:endParaRPr lang="en-US"/>
+        </a:p>
+      </dgm:t>
     </dgm:pt>
     <dgm:pt modelId="{6AE7E4A4-22D1-834E-AFE5-28EDE0260AC4}" type="pres">
       <dgm:prSet presAssocID="{92C6156D-355A-3244-B996-BFB12681984E}" presName="boxAndChildren" presStyleCnt="0"/>
@@ -1102,6 +1133,13 @@
     <dgm:pt modelId="{8C06F1EE-4471-4843-9109-007FF8270AA3}" type="pres">
       <dgm:prSet presAssocID="{92C6156D-355A-3244-B996-BFB12681984E}" presName="parentTextBox" presStyleLbl="node1" presStyleIdx="0" presStyleCnt="5"/>
       <dgm:spPr/>
+      <dgm:t>
+        <a:bodyPr/>
+        <a:lstStyle/>
+        <a:p>
+          <a:endParaRPr lang="en-US"/>
+        </a:p>
+      </dgm:t>
     </dgm:pt>
     <dgm:pt modelId="{78FD649C-28F5-144E-824E-D0CD9752A1AC}" type="pres">
       <dgm:prSet presAssocID="{A1AA3E7B-58E8-3D40-8868-E16DE1D40733}" presName="sp" presStyleCnt="0"/>
@@ -1114,6 +1152,13 @@
     <dgm:pt modelId="{866A76A9-FAC2-1346-B8F0-3A50088A25C9}" type="pres">
       <dgm:prSet presAssocID="{FC887BE9-A9B3-B74C-A2B0-E918F25F6BF0}" presName="parentTextArrow" presStyleLbl="node1" presStyleIdx="1" presStyleCnt="5"/>
       <dgm:spPr/>
+      <dgm:t>
+        <a:bodyPr/>
+        <a:lstStyle/>
+        <a:p>
+          <a:endParaRPr lang="en-US"/>
+        </a:p>
+      </dgm:t>
     </dgm:pt>
     <dgm:pt modelId="{844B930E-358F-2343-9B56-383B07DF1F24}" type="pres">
       <dgm:prSet presAssocID="{13675552-8E7C-6E40-9F94-A9800749CB03}" presName="sp" presStyleCnt="0"/>
@@ -1126,6 +1171,13 @@
     <dgm:pt modelId="{2D7BB818-DDEF-EA4B-B201-61BB3721CAA1}" type="pres">
       <dgm:prSet presAssocID="{D6B78F93-8577-5645-AE05-7C69DE5EF158}" presName="parentTextArrow" presStyleLbl="node1" presStyleIdx="2" presStyleCnt="5"/>
       <dgm:spPr/>
+      <dgm:t>
+        <a:bodyPr/>
+        <a:lstStyle/>
+        <a:p>
+          <a:endParaRPr lang="en-US"/>
+        </a:p>
+      </dgm:t>
     </dgm:pt>
     <dgm:pt modelId="{4170B6B7-6F4F-FC41-8669-E1054C6CBC6B}" type="pres">
       <dgm:prSet presAssocID="{786EE89C-B736-3546-B719-B4D3F25E0E5B}" presName="sp" presStyleCnt="0"/>
@@ -1138,6 +1190,13 @@
     <dgm:pt modelId="{A17588A0-CAAF-7C4B-9A1B-3AC1853AF553}" type="pres">
       <dgm:prSet presAssocID="{6CC67F6B-EDC4-5B4C-A9CC-7E6D5D2C1869}" presName="parentTextArrow" presStyleLbl="node1" presStyleIdx="3" presStyleCnt="5"/>
       <dgm:spPr/>
+      <dgm:t>
+        <a:bodyPr/>
+        <a:lstStyle/>
+        <a:p>
+          <a:endParaRPr lang="en-US"/>
+        </a:p>
+      </dgm:t>
     </dgm:pt>
     <dgm:pt modelId="{773CC7DE-20DC-D342-978A-77B0A5742262}" type="pres">
       <dgm:prSet presAssocID="{D932A611-DE29-F547-9629-61D6D3F60C38}" presName="sp" presStyleCnt="0"/>
@@ -1148,22 +1207,29 @@
       <dgm:spPr/>
     </dgm:pt>
     <dgm:pt modelId="{45997A44-0423-3641-B68A-C641C9ED4B0E}" type="pres">
-      <dgm:prSet presAssocID="{DB993A1F-DCC0-6D4F-A720-62572C74F8FD}" presName="parentTextArrow" presStyleLbl="node1" presStyleIdx="4" presStyleCnt="5"/>
+      <dgm:prSet presAssocID="{DB993A1F-DCC0-6D4F-A720-62572C74F8FD}" presName="parentTextArrow" presStyleLbl="node1" presStyleIdx="4" presStyleCnt="5" custLinFactNeighborX="1873" custLinFactNeighborY="-221"/>
       <dgm:spPr/>
+      <dgm:t>
+        <a:bodyPr/>
+        <a:lstStyle/>
+        <a:p>
+          <a:endParaRPr lang="en-US"/>
+        </a:p>
+      </dgm:t>
     </dgm:pt>
   </dgm:ptLst>
   <dgm:cxnLst>
+    <dgm:cxn modelId="{821B68ED-7C4E-2148-BC56-057DEC3D056C}" srcId="{5FDB6CB0-71F0-ED41-8ECA-5884E7F1ECFE}" destId="{6CC67F6B-EDC4-5B4C-A9CC-7E6D5D2C1869}" srcOrd="1" destOrd="0" parTransId="{4972DCB8-DE90-EF43-A711-59E24798216A}" sibTransId="{786EE89C-B736-3546-B719-B4D3F25E0E5B}"/>
+    <dgm:cxn modelId="{A3C10CD6-6818-4B4E-B3C6-8B057FB95078}" type="presOf" srcId="{92C6156D-355A-3244-B996-BFB12681984E}" destId="{8C06F1EE-4471-4843-9109-007FF8270AA3}" srcOrd="0" destOrd="0" presId="urn:microsoft.com/office/officeart/2005/8/layout/process4"/>
+    <dgm:cxn modelId="{57A61A84-9CF1-514A-9C11-BF5DAA67249D}" type="presOf" srcId="{D6B78F93-8577-5645-AE05-7C69DE5EF158}" destId="{2D7BB818-DDEF-EA4B-B201-61BB3721CAA1}" srcOrd="0" destOrd="0" presId="urn:microsoft.com/office/officeart/2005/8/layout/process4"/>
+    <dgm:cxn modelId="{5F1309CB-E310-1D4C-990D-440736CF971D}" srcId="{5FDB6CB0-71F0-ED41-8ECA-5884E7F1ECFE}" destId="{DB993A1F-DCC0-6D4F-A720-62572C74F8FD}" srcOrd="0" destOrd="0" parTransId="{DF9CEE43-CD4C-8E4A-A358-357DA02C90A3}" sibTransId="{D932A611-DE29-F547-9629-61D6D3F60C38}"/>
+    <dgm:cxn modelId="{A0371E19-C3CD-AB4E-B992-363C4F158543}" srcId="{5FDB6CB0-71F0-ED41-8ECA-5884E7F1ECFE}" destId="{92C6156D-355A-3244-B996-BFB12681984E}" srcOrd="4" destOrd="0" parTransId="{052E5149-D2CE-054E-A7C6-A3BE2B5BCCBB}" sibTransId="{0073625C-E435-6442-A0D2-D2B772717BB0}"/>
+    <dgm:cxn modelId="{2700F331-5113-4D44-AC8F-B6043B2D3C38}" type="presOf" srcId="{FC887BE9-A9B3-B74C-A2B0-E918F25F6BF0}" destId="{866A76A9-FAC2-1346-B8F0-3A50088A25C9}" srcOrd="0" destOrd="0" presId="urn:microsoft.com/office/officeart/2005/8/layout/process4"/>
     <dgm:cxn modelId="{F3F08FB5-D629-864C-BD01-1BFB4E6292D3}" type="presOf" srcId="{6CC67F6B-EDC4-5B4C-A9CC-7E6D5D2C1869}" destId="{A17588A0-CAAF-7C4B-9A1B-3AC1853AF553}" srcOrd="0" destOrd="0" presId="urn:microsoft.com/office/officeart/2005/8/layout/process4"/>
+    <dgm:cxn modelId="{C9F0167C-0B07-894E-915D-913590B9A4FD}" type="presOf" srcId="{DB993A1F-DCC0-6D4F-A720-62572C74F8FD}" destId="{45997A44-0423-3641-B68A-C641C9ED4B0E}" srcOrd="0" destOrd="0" presId="urn:microsoft.com/office/officeart/2005/8/layout/process4"/>
+    <dgm:cxn modelId="{8A25EDAF-8F65-C944-AF08-31DE498EEC5D}" srcId="{5FDB6CB0-71F0-ED41-8ECA-5884E7F1ECFE}" destId="{FC887BE9-A9B3-B74C-A2B0-E918F25F6BF0}" srcOrd="3" destOrd="0" parTransId="{53D8F0BF-0EBC-9F42-A65F-BF9E39AFD1F9}" sibTransId="{A1AA3E7B-58E8-3D40-8868-E16DE1D40733}"/>
     <dgm:cxn modelId="{D95D8A80-4799-2C4C-B685-7EFEAF44E7BF}" srcId="{5FDB6CB0-71F0-ED41-8ECA-5884E7F1ECFE}" destId="{D6B78F93-8577-5645-AE05-7C69DE5EF158}" srcOrd="2" destOrd="0" parTransId="{282B72A0-BA94-674C-9946-66E7933F0583}" sibTransId="{13675552-8E7C-6E40-9F94-A9800749CB03}"/>
-    <dgm:cxn modelId="{2700F331-5113-4D44-AC8F-B6043B2D3C38}" type="presOf" srcId="{FC887BE9-A9B3-B74C-A2B0-E918F25F6BF0}" destId="{866A76A9-FAC2-1346-B8F0-3A50088A25C9}" srcOrd="0" destOrd="0" presId="urn:microsoft.com/office/officeart/2005/8/layout/process4"/>
-    <dgm:cxn modelId="{821B68ED-7C4E-2148-BC56-057DEC3D056C}" srcId="{5FDB6CB0-71F0-ED41-8ECA-5884E7F1ECFE}" destId="{6CC67F6B-EDC4-5B4C-A9CC-7E6D5D2C1869}" srcOrd="1" destOrd="0" parTransId="{4972DCB8-DE90-EF43-A711-59E24798216A}" sibTransId="{786EE89C-B736-3546-B719-B4D3F25E0E5B}"/>
     <dgm:cxn modelId="{5F24010A-8F13-5A43-A48C-B9C4448836D3}" type="presOf" srcId="{5FDB6CB0-71F0-ED41-8ECA-5884E7F1ECFE}" destId="{89607BFA-39DD-AB41-8BBD-C9C66AFBDE9A}" srcOrd="0" destOrd="0" presId="urn:microsoft.com/office/officeart/2005/8/layout/process4"/>
-    <dgm:cxn modelId="{8A25EDAF-8F65-C944-AF08-31DE498EEC5D}" srcId="{5FDB6CB0-71F0-ED41-8ECA-5884E7F1ECFE}" destId="{FC887BE9-A9B3-B74C-A2B0-E918F25F6BF0}" srcOrd="3" destOrd="0" parTransId="{53D8F0BF-0EBC-9F42-A65F-BF9E39AFD1F9}" sibTransId="{A1AA3E7B-58E8-3D40-8868-E16DE1D40733}"/>
-    <dgm:cxn modelId="{5F1309CB-E310-1D4C-990D-440736CF971D}" srcId="{5FDB6CB0-71F0-ED41-8ECA-5884E7F1ECFE}" destId="{DB993A1F-DCC0-6D4F-A720-62572C74F8FD}" srcOrd="0" destOrd="0" parTransId="{DF9CEE43-CD4C-8E4A-A358-357DA02C90A3}" sibTransId="{D932A611-DE29-F547-9629-61D6D3F60C38}"/>
-    <dgm:cxn modelId="{57A61A84-9CF1-514A-9C11-BF5DAA67249D}" type="presOf" srcId="{D6B78F93-8577-5645-AE05-7C69DE5EF158}" destId="{2D7BB818-DDEF-EA4B-B201-61BB3721CAA1}" srcOrd="0" destOrd="0" presId="urn:microsoft.com/office/officeart/2005/8/layout/process4"/>
-    <dgm:cxn modelId="{A3C10CD6-6818-4B4E-B3C6-8B057FB95078}" type="presOf" srcId="{92C6156D-355A-3244-B996-BFB12681984E}" destId="{8C06F1EE-4471-4843-9109-007FF8270AA3}" srcOrd="0" destOrd="0" presId="urn:microsoft.com/office/officeart/2005/8/layout/process4"/>
-    <dgm:cxn modelId="{A0371E19-C3CD-AB4E-B992-363C4F158543}" srcId="{5FDB6CB0-71F0-ED41-8ECA-5884E7F1ECFE}" destId="{92C6156D-355A-3244-B996-BFB12681984E}" srcOrd="4" destOrd="0" parTransId="{052E5149-D2CE-054E-A7C6-A3BE2B5BCCBB}" sibTransId="{0073625C-E435-6442-A0D2-D2B772717BB0}"/>
-    <dgm:cxn modelId="{C9F0167C-0B07-894E-915D-913590B9A4FD}" type="presOf" srcId="{DB993A1F-DCC0-6D4F-A720-62572C74F8FD}" destId="{45997A44-0423-3641-B68A-C641C9ED4B0E}" srcOrd="0" destOrd="0" presId="urn:microsoft.com/office/officeart/2005/8/layout/process4"/>
     <dgm:cxn modelId="{65D7697A-0E7B-8944-9E84-5D4CBECBAE85}" type="presParOf" srcId="{89607BFA-39DD-AB41-8BBD-C9C66AFBDE9A}" destId="{6AE7E4A4-22D1-834E-AFE5-28EDE0260AC4}" srcOrd="0" destOrd="0" presId="urn:microsoft.com/office/officeart/2005/8/layout/process4"/>
     <dgm:cxn modelId="{BB1538EB-642E-5946-B4FA-E6D61967F064}" type="presParOf" srcId="{6AE7E4A4-22D1-834E-AFE5-28EDE0260AC4}" destId="{8C06F1EE-4471-4843-9109-007FF8270AA3}" srcOrd="0" destOrd="0" presId="urn:microsoft.com/office/officeart/2005/8/layout/process4"/>
     <dgm:cxn modelId="{16B3CA56-01E3-1C44-A5C7-AA43CAFB8FB9}" type="presParOf" srcId="{89607BFA-39DD-AB41-8BBD-C9C66AFBDE9A}" destId="{78FD649C-28F5-144E-824E-D0CD9752A1AC}" srcOrd="1" destOrd="0" presId="urn:microsoft.com/office/officeart/2005/8/layout/process4"/>
@@ -1211,12 +1277,7 @@
           <a:avLst/>
         </a:prstGeom>
         <a:solidFill>
-          <a:schemeClr val="dk2">
-            <a:hueOff val="0"/>
-            <a:satOff val="0"/>
-            <a:lumOff val="0"/>
-            <a:alphaOff val="0"/>
-          </a:schemeClr>
+          <a:srgbClr val="404040"/>
         </a:solidFill>
         <a:ln w="25400" cap="flat" cmpd="sng" algn="ctr">
           <a:solidFill>
@@ -1288,12 +1349,7 @@
           <a:avLst/>
         </a:prstGeom>
         <a:solidFill>
-          <a:schemeClr val="dk2">
-            <a:hueOff val="0"/>
-            <a:satOff val="0"/>
-            <a:lumOff val="0"/>
-            <a:alphaOff val="0"/>
-          </a:schemeClr>
+          <a:srgbClr val="404040"/>
         </a:solidFill>
         <a:ln w="25400" cap="flat" cmpd="sng" algn="ctr">
           <a:solidFill>
@@ -1365,12 +1421,7 @@
           <a:avLst/>
         </a:prstGeom>
         <a:solidFill>
-          <a:schemeClr val="dk2">
-            <a:hueOff val="0"/>
-            <a:satOff val="0"/>
-            <a:lumOff val="0"/>
-            <a:alphaOff val="0"/>
-          </a:schemeClr>
+          <a:srgbClr val="404040"/>
         </a:solidFill>
         <a:ln w="25400" cap="flat" cmpd="sng" algn="ctr">
           <a:solidFill>
@@ -1442,12 +1493,7 @@
           <a:avLst/>
         </a:prstGeom>
         <a:solidFill>
-          <a:schemeClr val="dk2">
-            <a:hueOff val="0"/>
-            <a:satOff val="0"/>
-            <a:lumOff val="0"/>
-            <a:alphaOff val="0"/>
-          </a:schemeClr>
+          <a:srgbClr val="404040"/>
         </a:solidFill>
         <a:ln w="25400" cap="flat" cmpd="sng" algn="ctr">
           <a:solidFill>
@@ -1512,18 +1558,16 @@
       </dsp:nvSpPr>
       <dsp:spPr>
         <a:xfrm rot="10800000">
-          <a:off x="0" y="2163"/>
+          <a:off x="0" y="0"/>
           <a:ext cx="6381387" cy="980580"/>
         </a:xfrm>
         <a:prstGeom prst="upArrowCallout">
           <a:avLst/>
         </a:prstGeom>
         <a:solidFill>
-          <a:schemeClr val="dk2">
-            <a:hueOff val="0"/>
-            <a:satOff val="0"/>
-            <a:lumOff val="0"/>
-            <a:alphaOff val="0"/>
+          <a:schemeClr val="tx1">
+            <a:lumMod val="75000"/>
+            <a:lumOff val="25000"/>
           </a:schemeClr>
         </a:solidFill>
         <a:ln w="25400" cap="flat" cmpd="sng" algn="ctr">
@@ -1578,7 +1622,7 @@
         </a:p>
       </dsp:txBody>
       <dsp:txXfrm rot="10800000">
-        <a:off x="0" y="2163"/>
+        <a:off x="0" y="0"/>
         <a:ext cx="6381387" cy="637151"/>
       </dsp:txXfrm>
     </dsp:sp>
@@ -2973,6 +3017,172 @@
 </dgm:styleDef>
 </file>
 
+<file path=ppt/handoutMasters/handoutMaster1.xml><?xml version="1.0" encoding="utf-8"?>
+<p:handoutMaster xmlns:a="http://schemas.openxmlformats.org/drawingml/2006/main" xmlns:r="http://schemas.openxmlformats.org/officeDocument/2006/relationships" xmlns:p="http://schemas.openxmlformats.org/presentationml/2006/main">
+  <p:cSld>
+    <p:bg>
+      <p:bgRef idx="1001">
+        <a:schemeClr val="bg1"/>
+      </p:bgRef>
+    </p:bg>
+    <p:spTree>
+      <p:nvGrpSpPr>
+        <p:cNvPr id="1" name=""/>
+        <p:cNvGrpSpPr/>
+        <p:nvPr/>
+      </p:nvGrpSpPr>
+      <p:grpSpPr>
+        <a:xfrm>
+          <a:off x="0" y="0"/>
+          <a:ext cx="0" cy="0"/>
+          <a:chOff x="0" y="0"/>
+          <a:chExt cx="0" cy="0"/>
+        </a:xfrm>
+      </p:grpSpPr>
+      <p:sp>
+        <p:nvSpPr>
+          <p:cNvPr id="2" name="Header Placeholder 1"/>
+          <p:cNvSpPr>
+            <a:spLocks noGrp="1"/>
+          </p:cNvSpPr>
+          <p:nvPr>
+            <p:ph type="hdr" sz="quarter"/>
+          </p:nvPr>
+        </p:nvSpPr>
+        <p:spPr>
+          <a:xfrm>
+            <a:off x="0" y="0"/>
+            <a:ext cx="2971800" cy="457200"/>
+          </a:xfrm>
+          <a:prstGeom prst="rect">
+            <a:avLst/>
+          </a:prstGeom>
+        </p:spPr>
+        <p:txBody>
+          <a:bodyPr vert="horz" lIns="91440" tIns="45720" rIns="91440" bIns="45720" rtlCol="0"/>
+          <a:lstStyle>
+            <a:lvl1pPr algn="l">
+              <a:defRPr sz="1200"/>
+            </a:lvl1pPr>
+          </a:lstStyle>
+          <a:p>
+            <a:endParaRPr lang="en-US"/>
+          </a:p>
+        </p:txBody>
+      </p:sp>
+      <p:sp>
+        <p:nvSpPr>
+          <p:cNvPr id="3" name="Date Placeholder 2"/>
+          <p:cNvSpPr>
+            <a:spLocks noGrp="1"/>
+          </p:cNvSpPr>
+          <p:nvPr>
+            <p:ph type="dt" sz="quarter" idx="1"/>
+          </p:nvPr>
+        </p:nvSpPr>
+        <p:spPr>
+          <a:xfrm>
+            <a:off x="3884613" y="0"/>
+            <a:ext cx="2971800" cy="457200"/>
+          </a:xfrm>
+          <a:prstGeom prst="rect">
+            <a:avLst/>
+          </a:prstGeom>
+        </p:spPr>
+        <p:txBody>
+          <a:bodyPr vert="horz" lIns="91440" tIns="45720" rIns="91440" bIns="45720" rtlCol="0"/>
+          <a:lstStyle>
+            <a:lvl1pPr algn="r">
+              <a:defRPr sz="1200"/>
+            </a:lvl1pPr>
+          </a:lstStyle>
+          <a:p>
+            <a:fld id="{7C474597-4297-884D-9A69-EE305FAF9711}" type="datetimeFigureOut">
+              <a:rPr lang="en-US" smtClean="0"/>
+              <a:t>3/12/15</a:t>
+            </a:fld>
+            <a:endParaRPr lang="en-US"/>
+          </a:p>
+        </p:txBody>
+      </p:sp>
+      <p:sp>
+        <p:nvSpPr>
+          <p:cNvPr id="4" name="Footer Placeholder 3"/>
+          <p:cNvSpPr>
+            <a:spLocks noGrp="1"/>
+          </p:cNvSpPr>
+          <p:nvPr>
+            <p:ph type="ftr" sz="quarter" idx="2"/>
+          </p:nvPr>
+        </p:nvSpPr>
+        <p:spPr>
+          <a:xfrm>
+            <a:off x="0" y="8685213"/>
+            <a:ext cx="2971800" cy="457200"/>
+          </a:xfrm>
+          <a:prstGeom prst="rect">
+            <a:avLst/>
+          </a:prstGeom>
+        </p:spPr>
+        <p:txBody>
+          <a:bodyPr vert="horz" lIns="91440" tIns="45720" rIns="91440" bIns="45720" rtlCol="0" anchor="b"/>
+          <a:lstStyle>
+            <a:lvl1pPr algn="l">
+              <a:defRPr sz="1200"/>
+            </a:lvl1pPr>
+          </a:lstStyle>
+          <a:p>
+            <a:endParaRPr lang="en-US"/>
+          </a:p>
+        </p:txBody>
+      </p:sp>
+      <p:sp>
+        <p:nvSpPr>
+          <p:cNvPr id="5" name="Slide Number Placeholder 4"/>
+          <p:cNvSpPr>
+            <a:spLocks noGrp="1"/>
+          </p:cNvSpPr>
+          <p:nvPr>
+            <p:ph type="sldNum" sz="quarter" idx="3"/>
+          </p:nvPr>
+        </p:nvSpPr>
+        <p:spPr>
+          <a:xfrm>
+            <a:off x="3884613" y="8685213"/>
+            <a:ext cx="2971800" cy="457200"/>
+          </a:xfrm>
+          <a:prstGeom prst="rect">
+            <a:avLst/>
+          </a:prstGeom>
+        </p:spPr>
+        <p:txBody>
+          <a:bodyPr vert="horz" lIns="91440" tIns="45720" rIns="91440" bIns="45720" rtlCol="0" anchor="b"/>
+          <a:lstStyle>
+            <a:lvl1pPr algn="r">
+              <a:defRPr sz="1200"/>
+            </a:lvl1pPr>
+          </a:lstStyle>
+          <a:p>
+            <a:fld id="{3843C9DE-ECFD-6D44-9966-EA26F3F7731E}" type="slidenum">
+              <a:rPr lang="en-US" smtClean="0"/>
+              <a:t>‹#›</a:t>
+            </a:fld>
+            <a:endParaRPr lang="en-US"/>
+          </a:p>
+        </p:txBody>
+      </p:sp>
+    </p:spTree>
+    <p:extLst>
+      <p:ext uri="{BB962C8B-B14F-4D97-AF65-F5344CB8AC3E}">
+        <p14:creationId xmlns:p14="http://schemas.microsoft.com/office/powerpoint/2010/main" val="1477442342"/>
+      </p:ext>
+    </p:extLst>
+  </p:cSld>
+  <p:clrMap bg1="lt1" tx1="dk1" bg2="lt2" tx2="dk2" accent1="accent1" accent2="accent2" accent3="accent3" accent4="accent4" accent5="accent5" accent6="accent6" hlink="hlink" folHlink="folHlink"/>
+  <p:hf hdr="0" ftr="0" dt="0"/>
+</p:handoutMaster>
+</file>
+
 <file path=ppt/notesMasters/notesMaster1.xml><?xml version="1.0" encoding="utf-8"?>
 <p:notesMaster xmlns:a="http://schemas.openxmlformats.org/drawingml/2006/main" xmlns:r="http://schemas.openxmlformats.org/officeDocument/2006/relationships" xmlns:p="http://schemas.openxmlformats.org/presentationml/2006/main">
   <p:cSld>
@@ -3055,7 +3265,7 @@
           <a:p>
             <a:fld id="{28E13A5B-324C-3840-A9CE-48CD7516FDA1}" type="datetimeFigureOut">
               <a:rPr lang="en-US" smtClean="0"/>
-              <a:t>3/10/15</a:t>
+              <a:t>3/12/15</a:t>
             </a:fld>
             <a:endParaRPr lang="en-US"/>
           </a:p>
@@ -3228,6 +3438,7 @@
     </p:extLst>
   </p:cSld>
   <p:clrMap bg1="lt1" tx1="dk1" bg2="lt2" tx2="dk2" accent1="accent1" accent2="accent2" accent3="accent3" accent4="accent4" accent5="accent5" accent6="accent6" hlink="hlink" folHlink="folHlink"/>
+  <p:hf hdr="0" ftr="0" dt="0"/>
   <p:notesStyle>
     <a:lvl1pPr marL="0" algn="l" defTabSz="457200" rtl="0" eaLnBrk="1" latinLnBrk="0" hangingPunct="1">
       <a:defRPr sz="1200" kern="1200">
@@ -3367,10 +3578,6 @@
           <a:bodyPr/>
           <a:lstStyle/>
           <a:p>
-            <a:r>
-              <a:rPr lang="en-US" dirty="0" smtClean="0"/>
-              <a:t>Goal: Create a recommendation engine that would predict a user’s rating of a business</a:t>
-            </a:r>
             <a:endParaRPr lang="en-US" dirty="0"/>
           </a:p>
         </p:txBody>
@@ -3392,7 +3599,7 @@
           <a:p>
             <a:fld id="{E62071CC-3D4A-4349-B91F-BD9682BEE911}" type="slidenum">
               <a:rPr lang="en-US" smtClean="0"/>
-              <a:t>3</a:t>
+              <a:t>1</a:t>
             </a:fld>
             <a:endParaRPr lang="en-US"/>
           </a:p>
@@ -3401,7 +3608,7 @@
     </p:spTree>
     <p:extLst>
       <p:ext uri="{BB962C8B-B14F-4D97-AF65-F5344CB8AC3E}">
-        <p14:creationId xmlns:p14="http://schemas.microsoft.com/office/powerpoint/2010/main" val="1041421386"/>
+        <p14:creationId xmlns:p14="http://schemas.microsoft.com/office/powerpoint/2010/main" val="2056938994"/>
       </p:ext>
     </p:extLst>
   </p:cSld>
@@ -3455,6 +3662,10 @@
           <a:bodyPr/>
           <a:lstStyle/>
           <a:p>
+            <a:r>
+              <a:rPr lang="en-US" dirty="0" smtClean="0"/>
+              <a:t>Goal: Create a recommendation engine that would predict a user’s rating of a business</a:t>
+            </a:r>
             <a:endParaRPr lang="en-US" dirty="0"/>
           </a:p>
         </p:txBody>
@@ -3476,7 +3687,7 @@
           <a:p>
             <a:fld id="{E62071CC-3D4A-4349-B91F-BD9682BEE911}" type="slidenum">
               <a:rPr lang="en-US" smtClean="0"/>
-              <a:t>5</a:t>
+              <a:t>3</a:t>
             </a:fld>
             <a:endParaRPr lang="en-US"/>
           </a:p>
@@ -3485,7 +3696,7 @@
     </p:spTree>
     <p:extLst>
       <p:ext uri="{BB962C8B-B14F-4D97-AF65-F5344CB8AC3E}">
-        <p14:creationId xmlns:p14="http://schemas.microsoft.com/office/powerpoint/2010/main" val="2120283149"/>
+        <p14:creationId xmlns:p14="http://schemas.microsoft.com/office/powerpoint/2010/main" val="1041421386"/>
       </p:ext>
     </p:extLst>
   </p:cSld>
@@ -3539,10 +3750,6 @@
           <a:bodyPr/>
           <a:lstStyle/>
           <a:p>
-            <a:r>
-              <a:rPr lang="en-US" dirty="0" smtClean="0"/>
-              <a:t>Our biggest challenge: sanitizing our training and testing data</a:t>
-            </a:r>
             <a:endParaRPr lang="en-US" dirty="0"/>
           </a:p>
         </p:txBody>
@@ -3564,7 +3771,7 @@
           <a:p>
             <a:fld id="{E62071CC-3D4A-4349-B91F-BD9682BEE911}" type="slidenum">
               <a:rPr lang="en-US" smtClean="0"/>
-              <a:t>6</a:t>
+              <a:t>5</a:t>
             </a:fld>
             <a:endParaRPr lang="en-US"/>
           </a:p>
@@ -3573,7 +3780,7 @@
     </p:spTree>
     <p:extLst>
       <p:ext uri="{BB962C8B-B14F-4D97-AF65-F5344CB8AC3E}">
-        <p14:creationId xmlns:p14="http://schemas.microsoft.com/office/powerpoint/2010/main" val="3217748303"/>
+        <p14:creationId xmlns:p14="http://schemas.microsoft.com/office/powerpoint/2010/main" val="2120283149"/>
       </p:ext>
     </p:extLst>
   </p:cSld>
@@ -3627,6 +3834,10 @@
           <a:bodyPr/>
           <a:lstStyle/>
           <a:p>
+            <a:r>
+              <a:rPr lang="en-US" dirty="0" smtClean="0"/>
+              <a:t>Our biggest challenge: sanitizing our training and testing data</a:t>
+            </a:r>
             <a:endParaRPr lang="en-US" dirty="0"/>
           </a:p>
         </p:txBody>
@@ -3648,7 +3859,7 @@
           <a:p>
             <a:fld id="{E62071CC-3D4A-4349-B91F-BD9682BEE911}" type="slidenum">
               <a:rPr lang="en-US" smtClean="0"/>
-              <a:t>7</a:t>
+              <a:t>6</a:t>
             </a:fld>
             <a:endParaRPr lang="en-US"/>
           </a:p>
@@ -3711,15 +3922,7 @@
           <a:bodyPr/>
           <a:lstStyle/>
           <a:p>
-            <a:r>
-              <a:rPr lang="en-US" dirty="0" smtClean="0"/>
-              <a:t>Our biggest hurdle</a:t>
-            </a:r>
-            <a:r>
-              <a:rPr lang="en-US" smtClean="0"/>
-              <a:t>: predicting </a:t>
-            </a:r>
-            <a:endParaRPr lang="en-US"/>
+            <a:endParaRPr lang="en-US" dirty="0"/>
           </a:p>
         </p:txBody>
       </p:sp>
@@ -3740,7 +3943,7 @@
           <a:p>
             <a:fld id="{E62071CC-3D4A-4349-B91F-BD9682BEE911}" type="slidenum">
               <a:rPr lang="en-US" smtClean="0"/>
-              <a:t>8</a:t>
+              <a:t>7</a:t>
             </a:fld>
             <a:endParaRPr lang="en-US"/>
           </a:p>
@@ -3805,13 +4008,13 @@
           <a:p>
             <a:r>
               <a:rPr lang="en-US" dirty="0" smtClean="0"/>
-              <a:t>Was originally going to</a:t>
+              <a:t>Our biggest hurdle</a:t>
             </a:r>
             <a:r>
-              <a:rPr lang="en-US" baseline="0" dirty="0" smtClean="0"/>
-              <a:t> retrieve restaurant data in SF via Yelp API &amp; web scraping; not enough time to execute this, so we leveraged existing data instead</a:t>
+              <a:rPr lang="en-US" smtClean="0"/>
+              <a:t>: predicting </a:t>
             </a:r>
-            <a:endParaRPr lang="en-US" dirty="0"/>
+            <a:endParaRPr lang="en-US"/>
           </a:p>
         </p:txBody>
       </p:sp>
@@ -3832,7 +4035,7 @@
           <a:p>
             <a:fld id="{E62071CC-3D4A-4349-B91F-BD9682BEE911}" type="slidenum">
               <a:rPr lang="en-US" smtClean="0"/>
-              <a:t>11</a:t>
+              <a:t>8</a:t>
             </a:fld>
             <a:endParaRPr lang="en-US"/>
           </a:p>
@@ -3841,7 +4044,7 @@
     </p:spTree>
     <p:extLst>
       <p:ext uri="{BB962C8B-B14F-4D97-AF65-F5344CB8AC3E}">
-        <p14:creationId xmlns:p14="http://schemas.microsoft.com/office/powerpoint/2010/main" val="128499349"/>
+        <p14:creationId xmlns:p14="http://schemas.microsoft.com/office/powerpoint/2010/main" val="3217748303"/>
       </p:ext>
     </p:extLst>
   </p:cSld>
@@ -3870,6 +4073,106 @@
       </p:grpSpPr>
       <p:sp>
         <p:nvSpPr>
+          <p:cNvPr id="8" name="Rectangle 7"/>
+          <p:cNvSpPr/>
+          <p:nvPr userDrawn="1"/>
+        </p:nvSpPr>
+        <p:spPr>
+          <a:xfrm>
+            <a:off x="0" y="0"/>
+            <a:ext cx="9144000" cy="1939636"/>
+          </a:xfrm>
+          <a:prstGeom prst="rect">
+            <a:avLst/>
+          </a:prstGeom>
+          <a:solidFill>
+            <a:schemeClr val="bg1">
+              <a:lumMod val="85000"/>
+            </a:schemeClr>
+          </a:solidFill>
+          <a:ln>
+            <a:solidFill>
+              <a:schemeClr val="bg1">
+                <a:lumMod val="75000"/>
+              </a:schemeClr>
+            </a:solidFill>
+          </a:ln>
+          <a:effectLst/>
+        </p:spPr>
+        <p:style>
+          <a:lnRef idx="1">
+            <a:schemeClr val="accent1"/>
+          </a:lnRef>
+          <a:fillRef idx="3">
+            <a:schemeClr val="accent1"/>
+          </a:fillRef>
+          <a:effectRef idx="2">
+            <a:schemeClr val="accent1"/>
+          </a:effectRef>
+          <a:fontRef idx="minor">
+            <a:schemeClr val="lt1"/>
+          </a:fontRef>
+        </p:style>
+        <p:txBody>
+          <a:bodyPr rtlCol="0" anchor="ctr"/>
+          <a:lstStyle/>
+          <a:p>
+            <a:pPr algn="ctr"/>
+            <a:endParaRPr lang="en-US"/>
+          </a:p>
+        </p:txBody>
+      </p:sp>
+      <p:sp>
+        <p:nvSpPr>
+          <p:cNvPr id="9" name="Rectangle 8"/>
+          <p:cNvSpPr/>
+          <p:nvPr userDrawn="1"/>
+        </p:nvSpPr>
+        <p:spPr>
+          <a:xfrm>
+            <a:off x="1143000" y="2130425"/>
+            <a:ext cx="8001000" cy="3518278"/>
+          </a:xfrm>
+          <a:prstGeom prst="rect">
+            <a:avLst/>
+          </a:prstGeom>
+          <a:solidFill>
+            <a:srgbClr val="FF0000"/>
+          </a:solidFill>
+          <a:ln>
+            <a:noFill/>
+          </a:ln>
+          <a:effectLst/>
+        </p:spPr>
+        <p:style>
+          <a:lnRef idx="1">
+            <a:schemeClr val="accent1"/>
+          </a:lnRef>
+          <a:fillRef idx="3">
+            <a:schemeClr val="accent1"/>
+          </a:fillRef>
+          <a:effectRef idx="2">
+            <a:schemeClr val="accent1"/>
+          </a:effectRef>
+          <a:fontRef idx="minor">
+            <a:schemeClr val="lt1"/>
+          </a:fontRef>
+        </p:style>
+        <p:txBody>
+          <a:bodyPr rtlCol="0" anchor="ctr"/>
+          <a:lstStyle/>
+          <a:p>
+            <a:pPr algn="ctr"/>
+            <a:endParaRPr lang="en-US">
+              <a:solidFill>
+                <a:srgbClr val="FF0000"/>
+              </a:solidFill>
+            </a:endParaRPr>
+          </a:p>
+        </p:txBody>
+      </p:sp>
+      <p:sp>
+        <p:nvSpPr>
           <p:cNvPr id="2" name="Title 1"/>
           <p:cNvSpPr>
             <a:spLocks noGrp="1"/>
@@ -3880,8 +4183,8 @@
         </p:nvSpPr>
         <p:spPr>
           <a:xfrm>
-            <a:off x="685800" y="2130425"/>
-            <a:ext cx="7772400" cy="1470025"/>
+            <a:off x="1143000" y="2130425"/>
+            <a:ext cx="7315200" cy="1470025"/>
           </a:xfrm>
         </p:spPr>
         <p:txBody>
@@ -3889,10 +4192,10 @@
           <a:lstStyle/>
           <a:p>
             <a:r>
-              <a:rPr lang="en-US" smtClean="0"/>
+              <a:rPr lang="en-US" dirty="0" smtClean="0"/>
               <a:t>Click to edit Master title style</a:t>
             </a:r>
-            <a:endParaRPr lang="en-US"/>
+            <a:endParaRPr lang="en-US" dirty="0"/>
           </a:p>
         </p:txBody>
       </p:sp>
@@ -3908,8 +4211,8 @@
         </p:nvSpPr>
         <p:spPr>
           <a:xfrm>
-            <a:off x="1371600" y="3886200"/>
-            <a:ext cx="6400800" cy="1752600"/>
+            <a:off x="1371600" y="3600450"/>
+            <a:ext cx="6400800" cy="2038350"/>
           </a:xfrm>
         </p:spPr>
         <p:txBody>
@@ -3919,9 +4222,7 @@
               <a:buNone/>
               <a:defRPr>
                 <a:solidFill>
-                  <a:schemeClr val="tx1">
-                    <a:tint val="75000"/>
-                  </a:schemeClr>
+                  <a:srgbClr val="000000"/>
                 </a:solidFill>
               </a:defRPr>
             </a:lvl1pPr>
@@ -4008,10 +4309,10 @@
           </a:lstStyle>
           <a:p>
             <a:r>
-              <a:rPr lang="en-US" smtClean="0"/>
+              <a:rPr lang="en-US" dirty="0" smtClean="0"/>
               <a:t>Click to edit Master subtitle style</a:t>
             </a:r>
-            <a:endParaRPr lang="en-US"/>
+            <a:endParaRPr lang="en-US" dirty="0"/>
           </a:p>
         </p:txBody>
       </p:sp>
@@ -4030,9 +4331,9 @@
           <a:bodyPr/>
           <a:lstStyle/>
           <a:p>
-            <a:fld id="{7F69E474-4AC8-6948-A9A2-F14E0AD71F44}" type="datetimeFigureOut">
+            <a:fld id="{2F0A88C2-FE57-3842-9D54-FA423F2017F2}" type="datetime1">
               <a:rPr lang="en-US" smtClean="0"/>
-              <a:t>3/10/15</a:t>
+              <a:t>3/12/15</a:t>
             </a:fld>
             <a:endParaRPr lang="en-US"/>
           </a:p>
@@ -4077,6 +4378,53 @@
               <a:pPr/>
               <a:t>‹#›</a:t>
             </a:fld>
+            <a:endParaRPr lang="en-US"/>
+          </a:p>
+        </p:txBody>
+      </p:sp>
+      <p:sp>
+        <p:nvSpPr>
+          <p:cNvPr id="10" name="Rectangle 9"/>
+          <p:cNvSpPr/>
+          <p:nvPr userDrawn="1"/>
+        </p:nvSpPr>
+        <p:spPr>
+          <a:xfrm>
+            <a:off x="0" y="2130425"/>
+            <a:ext cx="899068" cy="3508375"/>
+          </a:xfrm>
+          <a:prstGeom prst="rect">
+            <a:avLst/>
+          </a:prstGeom>
+          <a:solidFill>
+            <a:srgbClr val="800000"/>
+          </a:solidFill>
+          <a:ln>
+            <a:solidFill>
+              <a:srgbClr val="800000"/>
+            </a:solidFill>
+          </a:ln>
+          <a:effectLst/>
+        </p:spPr>
+        <p:style>
+          <a:lnRef idx="1">
+            <a:schemeClr val="accent1"/>
+          </a:lnRef>
+          <a:fillRef idx="3">
+            <a:schemeClr val="accent1"/>
+          </a:fillRef>
+          <a:effectRef idx="2">
+            <a:schemeClr val="accent1"/>
+          </a:effectRef>
+          <a:fontRef idx="minor">
+            <a:schemeClr val="lt1"/>
+          </a:fontRef>
+        </p:style>
+        <p:txBody>
+          <a:bodyPr rtlCol="0" anchor="ctr"/>
+          <a:lstStyle/>
+          <a:p>
+            <a:pPr algn="ctr"/>
             <a:endParaRPr lang="en-US"/>
           </a:p>
         </p:txBody>
@@ -4201,9 +4549,9 @@
           <a:bodyPr/>
           <a:lstStyle/>
           <a:p>
-            <a:fld id="{7F69E474-4AC8-6948-A9A2-F14E0AD71F44}" type="datetimeFigureOut">
+            <a:fld id="{9BC8653F-B761-0D48-A919-1C1AD902DA88}" type="datetime1">
               <a:rPr lang="en-US" smtClean="0"/>
-              <a:t>3/10/15</a:t>
+              <a:t>3/12/15</a:t>
             </a:fld>
             <a:endParaRPr lang="en-US"/>
           </a:p>
@@ -4381,9 +4729,9 @@
           <a:bodyPr/>
           <a:lstStyle/>
           <a:p>
-            <a:fld id="{7F69E474-4AC8-6948-A9A2-F14E0AD71F44}" type="datetimeFigureOut">
+            <a:fld id="{6D2C8CB0-1271-1447-838A-7EC7108A1CEE}" type="datetime1">
               <a:rPr lang="en-US" smtClean="0"/>
-              <a:t>3/10/15</a:t>
+              <a:t>3/12/15</a:t>
             </a:fld>
             <a:endParaRPr lang="en-US"/>
           </a:p>
@@ -4471,16 +4819,25 @@
             <p:ph type="title"/>
           </p:nvPr>
         </p:nvSpPr>
-        <p:spPr/>
+        <p:spPr>
+          <a:xfrm>
+            <a:off x="588818" y="32193"/>
+            <a:ext cx="8097982" cy="960716"/>
+          </a:xfrm>
+        </p:spPr>
         <p:txBody>
           <a:bodyPr/>
-          <a:lstStyle/>
+          <a:lstStyle>
+            <a:lvl1pPr>
+              <a:defRPr b="1"/>
+            </a:lvl1pPr>
+          </a:lstStyle>
           <a:p>
             <a:r>
-              <a:rPr lang="en-US" smtClean="0"/>
+              <a:rPr lang="en-US" dirty="0" smtClean="0"/>
               <a:t>Click to edit Master title style</a:t>
             </a:r>
-            <a:endParaRPr lang="en-US"/>
+            <a:endParaRPr lang="en-US" dirty="0"/>
           </a:p>
         </p:txBody>
       </p:sp>
@@ -4494,7 +4851,12 @@
             <p:ph idx="1"/>
           </p:nvPr>
         </p:nvSpPr>
-        <p:spPr/>
+        <p:spPr>
+          <a:xfrm>
+            <a:off x="588818" y="1316182"/>
+            <a:ext cx="8097982" cy="4809982"/>
+          </a:xfrm>
+        </p:spPr>
         <p:txBody>
           <a:bodyPr/>
           <a:lstStyle/>
@@ -4551,9 +4913,9 @@
           <a:bodyPr/>
           <a:lstStyle/>
           <a:p>
-            <a:fld id="{7F69E474-4AC8-6948-A9A2-F14E0AD71F44}" type="datetimeFigureOut">
+            <a:fld id="{3B97BC2B-712A-9A4A-AC80-9A481EE13417}" type="datetime1">
               <a:rPr lang="en-US" smtClean="0"/>
-              <a:t>3/10/15</a:t>
+              <a:t>3/12/15</a:t>
             </a:fld>
             <a:endParaRPr lang="en-US"/>
           </a:p>
@@ -4597,10 +4959,234 @@
               <a:rPr lang="en-US" smtClean="0"/>
               <a:t>‹#›</a:t>
             </a:fld>
-            <a:endParaRPr lang="en-US"/>
+            <a:endParaRPr lang="en-US" dirty="0"/>
           </a:p>
         </p:txBody>
       </p:sp>
+      <p:grpSp>
+        <p:nvGrpSpPr>
+          <p:cNvPr id="21" name="Group 20"/>
+          <p:cNvGrpSpPr/>
+          <p:nvPr userDrawn="1"/>
+        </p:nvGrpSpPr>
+        <p:grpSpPr>
+          <a:xfrm>
+            <a:off x="-1478" y="0"/>
+            <a:ext cx="9157024" cy="6869545"/>
+            <a:chOff x="-1478" y="0"/>
+            <a:chExt cx="9157024" cy="6869545"/>
+          </a:xfrm>
+        </p:grpSpPr>
+        <p:sp>
+          <p:nvSpPr>
+            <p:cNvPr id="7" name="Rectangle 6"/>
+            <p:cNvSpPr/>
+            <p:nvPr userDrawn="1"/>
+          </p:nvSpPr>
+          <p:spPr>
+            <a:xfrm>
+              <a:off x="-1478" y="1244510"/>
+              <a:ext cx="334818" cy="5625035"/>
+            </a:xfrm>
+            <a:prstGeom prst="rect">
+              <a:avLst/>
+            </a:prstGeom>
+            <a:solidFill>
+              <a:srgbClr val="FF0000"/>
+            </a:solidFill>
+            <a:ln>
+              <a:noFill/>
+            </a:ln>
+            <a:effectLst/>
+          </p:spPr>
+          <p:style>
+            <a:lnRef idx="1">
+              <a:schemeClr val="accent1"/>
+            </a:lnRef>
+            <a:fillRef idx="3">
+              <a:schemeClr val="accent1"/>
+            </a:fillRef>
+            <a:effectRef idx="2">
+              <a:schemeClr val="accent1"/>
+            </a:effectRef>
+            <a:fontRef idx="minor">
+              <a:schemeClr val="lt1"/>
+            </a:fontRef>
+          </p:style>
+          <p:txBody>
+            <a:bodyPr rtlCol="0" anchor="ctr"/>
+            <a:lstStyle/>
+            <a:p>
+              <a:pPr algn="ctr"/>
+              <a:endParaRPr lang="en-US">
+                <a:solidFill>
+                  <a:srgbClr val="FF0000"/>
+                </a:solidFill>
+              </a:endParaRPr>
+            </a:p>
+          </p:txBody>
+        </p:sp>
+        <p:sp>
+          <p:nvSpPr>
+            <p:cNvPr id="17" name="Rectangle 16"/>
+            <p:cNvSpPr/>
+            <p:nvPr userDrawn="1"/>
+          </p:nvSpPr>
+          <p:spPr>
+            <a:xfrm>
+              <a:off x="0" y="0"/>
+              <a:ext cx="334818" cy="955318"/>
+            </a:xfrm>
+            <a:prstGeom prst="rect">
+              <a:avLst/>
+            </a:prstGeom>
+            <a:solidFill>
+              <a:srgbClr val="FF0000"/>
+            </a:solidFill>
+            <a:ln>
+              <a:noFill/>
+            </a:ln>
+            <a:effectLst/>
+          </p:spPr>
+          <p:style>
+            <a:lnRef idx="1">
+              <a:schemeClr val="accent1"/>
+            </a:lnRef>
+            <a:fillRef idx="3">
+              <a:schemeClr val="accent1"/>
+            </a:fillRef>
+            <a:effectRef idx="2">
+              <a:schemeClr val="accent1"/>
+            </a:effectRef>
+            <a:fontRef idx="minor">
+              <a:schemeClr val="lt1"/>
+            </a:fontRef>
+          </p:style>
+          <p:txBody>
+            <a:bodyPr rtlCol="0" anchor="ctr"/>
+            <a:lstStyle/>
+            <a:p>
+              <a:pPr algn="ctr"/>
+              <a:endParaRPr lang="en-US">
+                <a:solidFill>
+                  <a:srgbClr val="FF0000"/>
+                </a:solidFill>
+              </a:endParaRPr>
+            </a:p>
+          </p:txBody>
+        </p:sp>
+        <p:grpSp>
+          <p:nvGrpSpPr>
+            <p:cNvPr id="19" name="Group 18"/>
+            <p:cNvGrpSpPr/>
+            <p:nvPr userDrawn="1"/>
+          </p:nvGrpSpPr>
+          <p:grpSpPr>
+            <a:xfrm>
+              <a:off x="0" y="1004453"/>
+              <a:ext cx="9155546" cy="196270"/>
+              <a:chOff x="-11545" y="992908"/>
+              <a:chExt cx="9155546" cy="196270"/>
+            </a:xfrm>
+          </p:grpSpPr>
+          <p:sp>
+            <p:nvSpPr>
+              <p:cNvPr id="16" name="Rectangle 15"/>
+              <p:cNvSpPr/>
+              <p:nvPr userDrawn="1"/>
+            </p:nvSpPr>
+            <p:spPr>
+              <a:xfrm>
+                <a:off x="380999" y="992908"/>
+                <a:ext cx="8763002" cy="196270"/>
+              </a:xfrm>
+              <a:prstGeom prst="rect">
+                <a:avLst/>
+              </a:prstGeom>
+              <a:solidFill>
+                <a:srgbClr val="D9D9D9"/>
+              </a:solidFill>
+              <a:ln>
+                <a:solidFill>
+                  <a:schemeClr val="bg1">
+                    <a:lumMod val="75000"/>
+                  </a:schemeClr>
+                </a:solidFill>
+              </a:ln>
+              <a:effectLst/>
+            </p:spPr>
+            <p:style>
+              <a:lnRef idx="1">
+                <a:schemeClr val="accent1"/>
+              </a:lnRef>
+              <a:fillRef idx="3">
+                <a:schemeClr val="accent1"/>
+              </a:fillRef>
+              <a:effectRef idx="2">
+                <a:schemeClr val="accent1"/>
+              </a:effectRef>
+              <a:fontRef idx="minor">
+                <a:schemeClr val="lt1"/>
+              </a:fontRef>
+            </p:style>
+            <p:txBody>
+              <a:bodyPr rtlCol="0" anchor="ctr"/>
+              <a:lstStyle/>
+              <a:p>
+                <a:pPr algn="ctr"/>
+                <a:endParaRPr lang="en-US"/>
+              </a:p>
+            </p:txBody>
+          </p:sp>
+          <p:sp>
+            <p:nvSpPr>
+              <p:cNvPr id="18" name="Rectangle 17"/>
+              <p:cNvSpPr/>
+              <p:nvPr userDrawn="1"/>
+            </p:nvSpPr>
+            <p:spPr>
+              <a:xfrm>
+                <a:off x="-11545" y="992908"/>
+                <a:ext cx="333340" cy="196265"/>
+              </a:xfrm>
+              <a:prstGeom prst="rect">
+                <a:avLst/>
+              </a:prstGeom>
+              <a:solidFill>
+                <a:srgbClr val="800000"/>
+              </a:solidFill>
+              <a:ln>
+                <a:solidFill>
+                  <a:srgbClr val="800000"/>
+                </a:solidFill>
+              </a:ln>
+              <a:effectLst/>
+            </p:spPr>
+            <p:style>
+              <a:lnRef idx="1">
+                <a:schemeClr val="accent1"/>
+              </a:lnRef>
+              <a:fillRef idx="3">
+                <a:schemeClr val="accent1"/>
+              </a:fillRef>
+              <a:effectRef idx="2">
+                <a:schemeClr val="accent1"/>
+              </a:effectRef>
+              <a:fontRef idx="minor">
+                <a:schemeClr val="lt1"/>
+              </a:fontRef>
+            </p:style>
+            <p:txBody>
+              <a:bodyPr rtlCol="0" anchor="ctr"/>
+              <a:lstStyle/>
+              <a:p>
+                <a:pPr algn="ctr"/>
+                <a:endParaRPr lang="en-US"/>
+              </a:p>
+            </p:txBody>
+          </p:sp>
+        </p:grpSp>
+      </p:grpSp>
     </p:spTree>
     <p:extLst>
       <p:ext uri="{BB962C8B-B14F-4D97-AF65-F5344CB8AC3E}">
@@ -4797,9 +5383,9 @@
           <a:bodyPr/>
           <a:lstStyle/>
           <a:p>
-            <a:fld id="{7F69E474-4AC8-6948-A9A2-F14E0AD71F44}" type="datetimeFigureOut">
+            <a:fld id="{9691E61C-55C6-C948-85C3-FB1348953B6D}" type="datetime1">
               <a:rPr lang="en-US" smtClean="0"/>
-              <a:t>3/10/15</a:t>
+              <a:t>3/12/15</a:t>
             </a:fld>
             <a:endParaRPr lang="en-US"/>
           </a:p>
@@ -5085,9 +5671,9 @@
           <a:bodyPr/>
           <a:lstStyle/>
           <a:p>
-            <a:fld id="{7F69E474-4AC8-6948-A9A2-F14E0AD71F44}" type="datetimeFigureOut">
+            <a:fld id="{D90D00F0-9EA3-034B-BDFE-2641B6F2CDB2}" type="datetime1">
               <a:rPr lang="en-US" smtClean="0"/>
-              <a:t>3/10/15</a:t>
+              <a:t>3/12/15</a:t>
             </a:fld>
             <a:endParaRPr lang="en-US"/>
           </a:p>
@@ -5135,6 +5721,230 @@
           </a:p>
         </p:txBody>
       </p:sp>
+      <p:grpSp>
+        <p:nvGrpSpPr>
+          <p:cNvPr id="17" name="Group 16"/>
+          <p:cNvGrpSpPr/>
+          <p:nvPr userDrawn="1"/>
+        </p:nvGrpSpPr>
+        <p:grpSpPr>
+          <a:xfrm>
+            <a:off x="-1478" y="0"/>
+            <a:ext cx="9157024" cy="6869545"/>
+            <a:chOff x="-1478" y="0"/>
+            <a:chExt cx="9157024" cy="6869545"/>
+          </a:xfrm>
+        </p:grpSpPr>
+        <p:sp>
+          <p:nvSpPr>
+            <p:cNvPr id="18" name="Rectangle 17"/>
+            <p:cNvSpPr/>
+            <p:nvPr userDrawn="1"/>
+          </p:nvSpPr>
+          <p:spPr>
+            <a:xfrm>
+              <a:off x="-1478" y="1244510"/>
+              <a:ext cx="334818" cy="5625035"/>
+            </a:xfrm>
+            <a:prstGeom prst="rect">
+              <a:avLst/>
+            </a:prstGeom>
+            <a:solidFill>
+              <a:srgbClr val="FF0000"/>
+            </a:solidFill>
+            <a:ln>
+              <a:noFill/>
+            </a:ln>
+            <a:effectLst/>
+          </p:spPr>
+          <p:style>
+            <a:lnRef idx="1">
+              <a:schemeClr val="accent1"/>
+            </a:lnRef>
+            <a:fillRef idx="3">
+              <a:schemeClr val="accent1"/>
+            </a:fillRef>
+            <a:effectRef idx="2">
+              <a:schemeClr val="accent1"/>
+            </a:effectRef>
+            <a:fontRef idx="minor">
+              <a:schemeClr val="lt1"/>
+            </a:fontRef>
+          </p:style>
+          <p:txBody>
+            <a:bodyPr rtlCol="0" anchor="ctr"/>
+            <a:lstStyle/>
+            <a:p>
+              <a:pPr algn="ctr"/>
+              <a:endParaRPr lang="en-US">
+                <a:solidFill>
+                  <a:srgbClr val="FF0000"/>
+                </a:solidFill>
+              </a:endParaRPr>
+            </a:p>
+          </p:txBody>
+        </p:sp>
+        <p:sp>
+          <p:nvSpPr>
+            <p:cNvPr id="19" name="Rectangle 18"/>
+            <p:cNvSpPr/>
+            <p:nvPr userDrawn="1"/>
+          </p:nvSpPr>
+          <p:spPr>
+            <a:xfrm>
+              <a:off x="0" y="0"/>
+              <a:ext cx="334818" cy="955318"/>
+            </a:xfrm>
+            <a:prstGeom prst="rect">
+              <a:avLst/>
+            </a:prstGeom>
+            <a:solidFill>
+              <a:srgbClr val="FF0000"/>
+            </a:solidFill>
+            <a:ln>
+              <a:noFill/>
+            </a:ln>
+            <a:effectLst/>
+          </p:spPr>
+          <p:style>
+            <a:lnRef idx="1">
+              <a:schemeClr val="accent1"/>
+            </a:lnRef>
+            <a:fillRef idx="3">
+              <a:schemeClr val="accent1"/>
+            </a:fillRef>
+            <a:effectRef idx="2">
+              <a:schemeClr val="accent1"/>
+            </a:effectRef>
+            <a:fontRef idx="minor">
+              <a:schemeClr val="lt1"/>
+            </a:fontRef>
+          </p:style>
+          <p:txBody>
+            <a:bodyPr rtlCol="0" anchor="ctr"/>
+            <a:lstStyle/>
+            <a:p>
+              <a:pPr algn="ctr"/>
+              <a:endParaRPr lang="en-US">
+                <a:solidFill>
+                  <a:srgbClr val="FF0000"/>
+                </a:solidFill>
+              </a:endParaRPr>
+            </a:p>
+          </p:txBody>
+        </p:sp>
+        <p:grpSp>
+          <p:nvGrpSpPr>
+            <p:cNvPr id="20" name="Group 19"/>
+            <p:cNvGrpSpPr/>
+            <p:nvPr userDrawn="1"/>
+          </p:nvGrpSpPr>
+          <p:grpSpPr>
+            <a:xfrm>
+              <a:off x="0" y="1004453"/>
+              <a:ext cx="9155546" cy="196270"/>
+              <a:chOff x="-11545" y="992908"/>
+              <a:chExt cx="9155546" cy="196270"/>
+            </a:xfrm>
+          </p:grpSpPr>
+          <p:sp>
+            <p:nvSpPr>
+              <p:cNvPr id="21" name="Rectangle 20"/>
+              <p:cNvSpPr/>
+              <p:nvPr userDrawn="1"/>
+            </p:nvSpPr>
+            <p:spPr>
+              <a:xfrm>
+                <a:off x="380999" y="992908"/>
+                <a:ext cx="8763002" cy="196270"/>
+              </a:xfrm>
+              <a:prstGeom prst="rect">
+                <a:avLst/>
+              </a:prstGeom>
+              <a:solidFill>
+                <a:srgbClr val="D9D9D9"/>
+              </a:solidFill>
+              <a:ln>
+                <a:solidFill>
+                  <a:schemeClr val="bg1">
+                    <a:lumMod val="75000"/>
+                  </a:schemeClr>
+                </a:solidFill>
+              </a:ln>
+              <a:effectLst/>
+            </p:spPr>
+            <p:style>
+              <a:lnRef idx="1">
+                <a:schemeClr val="accent1"/>
+              </a:lnRef>
+              <a:fillRef idx="3">
+                <a:schemeClr val="accent1"/>
+              </a:fillRef>
+              <a:effectRef idx="2">
+                <a:schemeClr val="accent1"/>
+              </a:effectRef>
+              <a:fontRef idx="minor">
+                <a:schemeClr val="lt1"/>
+              </a:fontRef>
+            </p:style>
+            <p:txBody>
+              <a:bodyPr rtlCol="0" anchor="ctr"/>
+              <a:lstStyle/>
+              <a:p>
+                <a:pPr algn="ctr"/>
+                <a:endParaRPr lang="en-US"/>
+              </a:p>
+            </p:txBody>
+          </p:sp>
+          <p:sp>
+            <p:nvSpPr>
+              <p:cNvPr id="22" name="Rectangle 21"/>
+              <p:cNvSpPr/>
+              <p:nvPr userDrawn="1"/>
+            </p:nvSpPr>
+            <p:spPr>
+              <a:xfrm>
+                <a:off x="-11545" y="992908"/>
+                <a:ext cx="333340" cy="196265"/>
+              </a:xfrm>
+              <a:prstGeom prst="rect">
+                <a:avLst/>
+              </a:prstGeom>
+              <a:solidFill>
+                <a:srgbClr val="800000"/>
+              </a:solidFill>
+              <a:ln>
+                <a:solidFill>
+                  <a:srgbClr val="800000"/>
+                </a:solidFill>
+              </a:ln>
+              <a:effectLst/>
+            </p:spPr>
+            <p:style>
+              <a:lnRef idx="1">
+                <a:schemeClr val="accent1"/>
+              </a:lnRef>
+              <a:fillRef idx="3">
+                <a:schemeClr val="accent1"/>
+              </a:fillRef>
+              <a:effectRef idx="2">
+                <a:schemeClr val="accent1"/>
+              </a:effectRef>
+              <a:fontRef idx="minor">
+                <a:schemeClr val="lt1"/>
+              </a:fontRef>
+            </p:style>
+            <p:txBody>
+              <a:bodyPr rtlCol="0" anchor="ctr"/>
+              <a:lstStyle/>
+              <a:p>
+                <a:pPr algn="ctr"/>
+                <a:endParaRPr lang="en-US"/>
+              </a:p>
+            </p:txBody>
+          </p:sp>
+        </p:grpSp>
+      </p:grpSp>
     </p:spTree>
     <p:extLst>
       <p:ext uri="{BB962C8B-B14F-4D97-AF65-F5344CB8AC3E}">
@@ -5507,9 +6317,9 @@
           <a:bodyPr/>
           <a:lstStyle/>
           <a:p>
-            <a:fld id="{7F69E474-4AC8-6948-A9A2-F14E0AD71F44}" type="datetimeFigureOut">
+            <a:fld id="{0A71DF32-13F5-0943-8FA3-E86AB23FD423}" type="datetime1">
               <a:rPr lang="en-US" smtClean="0"/>
-              <a:t>3/10/15</a:t>
+              <a:t>3/12/15</a:t>
             </a:fld>
             <a:endParaRPr lang="en-US"/>
           </a:p>
@@ -5557,6 +6367,230 @@
           </a:p>
         </p:txBody>
       </p:sp>
+      <p:grpSp>
+        <p:nvGrpSpPr>
+          <p:cNvPr id="19" name="Group 18"/>
+          <p:cNvGrpSpPr/>
+          <p:nvPr userDrawn="1"/>
+        </p:nvGrpSpPr>
+        <p:grpSpPr>
+          <a:xfrm>
+            <a:off x="-1478" y="0"/>
+            <a:ext cx="9157024" cy="6869545"/>
+            <a:chOff x="-1478" y="0"/>
+            <a:chExt cx="9157024" cy="6869545"/>
+          </a:xfrm>
+        </p:grpSpPr>
+        <p:sp>
+          <p:nvSpPr>
+            <p:cNvPr id="20" name="Rectangle 19"/>
+            <p:cNvSpPr/>
+            <p:nvPr userDrawn="1"/>
+          </p:nvSpPr>
+          <p:spPr>
+            <a:xfrm>
+              <a:off x="-1478" y="1244510"/>
+              <a:ext cx="334818" cy="5625035"/>
+            </a:xfrm>
+            <a:prstGeom prst="rect">
+              <a:avLst/>
+            </a:prstGeom>
+            <a:solidFill>
+              <a:srgbClr val="FF0000"/>
+            </a:solidFill>
+            <a:ln>
+              <a:noFill/>
+            </a:ln>
+            <a:effectLst/>
+          </p:spPr>
+          <p:style>
+            <a:lnRef idx="1">
+              <a:schemeClr val="accent1"/>
+            </a:lnRef>
+            <a:fillRef idx="3">
+              <a:schemeClr val="accent1"/>
+            </a:fillRef>
+            <a:effectRef idx="2">
+              <a:schemeClr val="accent1"/>
+            </a:effectRef>
+            <a:fontRef idx="minor">
+              <a:schemeClr val="lt1"/>
+            </a:fontRef>
+          </p:style>
+          <p:txBody>
+            <a:bodyPr rtlCol="0" anchor="ctr"/>
+            <a:lstStyle/>
+            <a:p>
+              <a:pPr algn="ctr"/>
+              <a:endParaRPr lang="en-US">
+                <a:solidFill>
+                  <a:srgbClr val="FF0000"/>
+                </a:solidFill>
+              </a:endParaRPr>
+            </a:p>
+          </p:txBody>
+        </p:sp>
+        <p:sp>
+          <p:nvSpPr>
+            <p:cNvPr id="21" name="Rectangle 20"/>
+            <p:cNvSpPr/>
+            <p:nvPr userDrawn="1"/>
+          </p:nvSpPr>
+          <p:spPr>
+            <a:xfrm>
+              <a:off x="0" y="0"/>
+              <a:ext cx="334818" cy="955318"/>
+            </a:xfrm>
+            <a:prstGeom prst="rect">
+              <a:avLst/>
+            </a:prstGeom>
+            <a:solidFill>
+              <a:srgbClr val="FF0000"/>
+            </a:solidFill>
+            <a:ln>
+              <a:noFill/>
+            </a:ln>
+            <a:effectLst/>
+          </p:spPr>
+          <p:style>
+            <a:lnRef idx="1">
+              <a:schemeClr val="accent1"/>
+            </a:lnRef>
+            <a:fillRef idx="3">
+              <a:schemeClr val="accent1"/>
+            </a:fillRef>
+            <a:effectRef idx="2">
+              <a:schemeClr val="accent1"/>
+            </a:effectRef>
+            <a:fontRef idx="minor">
+              <a:schemeClr val="lt1"/>
+            </a:fontRef>
+          </p:style>
+          <p:txBody>
+            <a:bodyPr rtlCol="0" anchor="ctr"/>
+            <a:lstStyle/>
+            <a:p>
+              <a:pPr algn="ctr"/>
+              <a:endParaRPr lang="en-US">
+                <a:solidFill>
+                  <a:srgbClr val="FF0000"/>
+                </a:solidFill>
+              </a:endParaRPr>
+            </a:p>
+          </p:txBody>
+        </p:sp>
+        <p:grpSp>
+          <p:nvGrpSpPr>
+            <p:cNvPr id="22" name="Group 21"/>
+            <p:cNvGrpSpPr/>
+            <p:nvPr userDrawn="1"/>
+          </p:nvGrpSpPr>
+          <p:grpSpPr>
+            <a:xfrm>
+              <a:off x="0" y="1004453"/>
+              <a:ext cx="9155546" cy="196270"/>
+              <a:chOff x="-11545" y="992908"/>
+              <a:chExt cx="9155546" cy="196270"/>
+            </a:xfrm>
+          </p:grpSpPr>
+          <p:sp>
+            <p:nvSpPr>
+              <p:cNvPr id="23" name="Rectangle 22"/>
+              <p:cNvSpPr/>
+              <p:nvPr userDrawn="1"/>
+            </p:nvSpPr>
+            <p:spPr>
+              <a:xfrm>
+                <a:off x="380999" y="992908"/>
+                <a:ext cx="8763002" cy="196270"/>
+              </a:xfrm>
+              <a:prstGeom prst="rect">
+                <a:avLst/>
+              </a:prstGeom>
+              <a:solidFill>
+                <a:srgbClr val="D9D9D9"/>
+              </a:solidFill>
+              <a:ln>
+                <a:solidFill>
+                  <a:schemeClr val="bg1">
+                    <a:lumMod val="75000"/>
+                  </a:schemeClr>
+                </a:solidFill>
+              </a:ln>
+              <a:effectLst/>
+            </p:spPr>
+            <p:style>
+              <a:lnRef idx="1">
+                <a:schemeClr val="accent1"/>
+              </a:lnRef>
+              <a:fillRef idx="3">
+                <a:schemeClr val="accent1"/>
+              </a:fillRef>
+              <a:effectRef idx="2">
+                <a:schemeClr val="accent1"/>
+              </a:effectRef>
+              <a:fontRef idx="minor">
+                <a:schemeClr val="lt1"/>
+              </a:fontRef>
+            </p:style>
+            <p:txBody>
+              <a:bodyPr rtlCol="0" anchor="ctr"/>
+              <a:lstStyle/>
+              <a:p>
+                <a:pPr algn="ctr"/>
+                <a:endParaRPr lang="en-US"/>
+              </a:p>
+            </p:txBody>
+          </p:sp>
+          <p:sp>
+            <p:nvSpPr>
+              <p:cNvPr id="24" name="Rectangle 23"/>
+              <p:cNvSpPr/>
+              <p:nvPr userDrawn="1"/>
+            </p:nvSpPr>
+            <p:spPr>
+              <a:xfrm>
+                <a:off x="-11545" y="992908"/>
+                <a:ext cx="333340" cy="196265"/>
+              </a:xfrm>
+              <a:prstGeom prst="rect">
+                <a:avLst/>
+              </a:prstGeom>
+              <a:solidFill>
+                <a:srgbClr val="800000"/>
+              </a:solidFill>
+              <a:ln>
+                <a:solidFill>
+                  <a:srgbClr val="800000"/>
+                </a:solidFill>
+              </a:ln>
+              <a:effectLst/>
+            </p:spPr>
+            <p:style>
+              <a:lnRef idx="1">
+                <a:schemeClr val="accent1"/>
+              </a:lnRef>
+              <a:fillRef idx="3">
+                <a:schemeClr val="accent1"/>
+              </a:fillRef>
+              <a:effectRef idx="2">
+                <a:schemeClr val="accent1"/>
+              </a:effectRef>
+              <a:fontRef idx="minor">
+                <a:schemeClr val="lt1"/>
+              </a:fontRef>
+            </p:style>
+            <p:txBody>
+              <a:bodyPr rtlCol="0" anchor="ctr"/>
+              <a:lstStyle/>
+              <a:p>
+                <a:pPr algn="ctr"/>
+                <a:endParaRPr lang="en-US"/>
+              </a:p>
+            </p:txBody>
+          </p:sp>
+        </p:grpSp>
+      </p:grpSp>
     </p:spTree>
     <p:extLst>
       <p:ext uri="{BB962C8B-B14F-4D97-AF65-F5344CB8AC3E}">
@@ -5625,9 +6659,9 @@
           <a:bodyPr/>
           <a:lstStyle/>
           <a:p>
-            <a:fld id="{7F69E474-4AC8-6948-A9A2-F14E0AD71F44}" type="datetimeFigureOut">
+            <a:fld id="{7FE418EA-FA4A-944C-A785-50C637FA2F82}" type="datetime1">
               <a:rPr lang="en-US" smtClean="0"/>
-              <a:t>3/10/15</a:t>
+              <a:t>3/12/15</a:t>
             </a:fld>
             <a:endParaRPr lang="en-US"/>
           </a:p>
@@ -5675,6 +6709,230 @@
           </a:p>
         </p:txBody>
       </p:sp>
+      <p:grpSp>
+        <p:nvGrpSpPr>
+          <p:cNvPr id="15" name="Group 14"/>
+          <p:cNvGrpSpPr/>
+          <p:nvPr userDrawn="1"/>
+        </p:nvGrpSpPr>
+        <p:grpSpPr>
+          <a:xfrm>
+            <a:off x="-1478" y="0"/>
+            <a:ext cx="9157024" cy="6869545"/>
+            <a:chOff x="-1478" y="0"/>
+            <a:chExt cx="9157024" cy="6869545"/>
+          </a:xfrm>
+        </p:grpSpPr>
+        <p:sp>
+          <p:nvSpPr>
+            <p:cNvPr id="16" name="Rectangle 15"/>
+            <p:cNvSpPr/>
+            <p:nvPr userDrawn="1"/>
+          </p:nvSpPr>
+          <p:spPr>
+            <a:xfrm>
+              <a:off x="-1478" y="1244510"/>
+              <a:ext cx="334818" cy="5625035"/>
+            </a:xfrm>
+            <a:prstGeom prst="rect">
+              <a:avLst/>
+            </a:prstGeom>
+            <a:solidFill>
+              <a:srgbClr val="FF0000"/>
+            </a:solidFill>
+            <a:ln>
+              <a:noFill/>
+            </a:ln>
+            <a:effectLst/>
+          </p:spPr>
+          <p:style>
+            <a:lnRef idx="1">
+              <a:schemeClr val="accent1"/>
+            </a:lnRef>
+            <a:fillRef idx="3">
+              <a:schemeClr val="accent1"/>
+            </a:fillRef>
+            <a:effectRef idx="2">
+              <a:schemeClr val="accent1"/>
+            </a:effectRef>
+            <a:fontRef idx="minor">
+              <a:schemeClr val="lt1"/>
+            </a:fontRef>
+          </p:style>
+          <p:txBody>
+            <a:bodyPr rtlCol="0" anchor="ctr"/>
+            <a:lstStyle/>
+            <a:p>
+              <a:pPr algn="ctr"/>
+              <a:endParaRPr lang="en-US">
+                <a:solidFill>
+                  <a:srgbClr val="FF0000"/>
+                </a:solidFill>
+              </a:endParaRPr>
+            </a:p>
+          </p:txBody>
+        </p:sp>
+        <p:sp>
+          <p:nvSpPr>
+            <p:cNvPr id="17" name="Rectangle 16"/>
+            <p:cNvSpPr/>
+            <p:nvPr userDrawn="1"/>
+          </p:nvSpPr>
+          <p:spPr>
+            <a:xfrm>
+              <a:off x="0" y="0"/>
+              <a:ext cx="334818" cy="955318"/>
+            </a:xfrm>
+            <a:prstGeom prst="rect">
+              <a:avLst/>
+            </a:prstGeom>
+            <a:solidFill>
+              <a:srgbClr val="FF0000"/>
+            </a:solidFill>
+            <a:ln>
+              <a:noFill/>
+            </a:ln>
+            <a:effectLst/>
+          </p:spPr>
+          <p:style>
+            <a:lnRef idx="1">
+              <a:schemeClr val="accent1"/>
+            </a:lnRef>
+            <a:fillRef idx="3">
+              <a:schemeClr val="accent1"/>
+            </a:fillRef>
+            <a:effectRef idx="2">
+              <a:schemeClr val="accent1"/>
+            </a:effectRef>
+            <a:fontRef idx="minor">
+              <a:schemeClr val="lt1"/>
+            </a:fontRef>
+          </p:style>
+          <p:txBody>
+            <a:bodyPr rtlCol="0" anchor="ctr"/>
+            <a:lstStyle/>
+            <a:p>
+              <a:pPr algn="ctr"/>
+              <a:endParaRPr lang="en-US">
+                <a:solidFill>
+                  <a:srgbClr val="FF0000"/>
+                </a:solidFill>
+              </a:endParaRPr>
+            </a:p>
+          </p:txBody>
+        </p:sp>
+        <p:grpSp>
+          <p:nvGrpSpPr>
+            <p:cNvPr id="18" name="Group 17"/>
+            <p:cNvGrpSpPr/>
+            <p:nvPr userDrawn="1"/>
+          </p:nvGrpSpPr>
+          <p:grpSpPr>
+            <a:xfrm>
+              <a:off x="0" y="1004453"/>
+              <a:ext cx="9155546" cy="196270"/>
+              <a:chOff x="-11545" y="992908"/>
+              <a:chExt cx="9155546" cy="196270"/>
+            </a:xfrm>
+          </p:grpSpPr>
+          <p:sp>
+            <p:nvSpPr>
+              <p:cNvPr id="19" name="Rectangle 18"/>
+              <p:cNvSpPr/>
+              <p:nvPr userDrawn="1"/>
+            </p:nvSpPr>
+            <p:spPr>
+              <a:xfrm>
+                <a:off x="380999" y="992908"/>
+                <a:ext cx="8763002" cy="196270"/>
+              </a:xfrm>
+              <a:prstGeom prst="rect">
+                <a:avLst/>
+              </a:prstGeom>
+              <a:solidFill>
+                <a:srgbClr val="D9D9D9"/>
+              </a:solidFill>
+              <a:ln>
+                <a:solidFill>
+                  <a:schemeClr val="bg1">
+                    <a:lumMod val="75000"/>
+                  </a:schemeClr>
+                </a:solidFill>
+              </a:ln>
+              <a:effectLst/>
+            </p:spPr>
+            <p:style>
+              <a:lnRef idx="1">
+                <a:schemeClr val="accent1"/>
+              </a:lnRef>
+              <a:fillRef idx="3">
+                <a:schemeClr val="accent1"/>
+              </a:fillRef>
+              <a:effectRef idx="2">
+                <a:schemeClr val="accent1"/>
+              </a:effectRef>
+              <a:fontRef idx="minor">
+                <a:schemeClr val="lt1"/>
+              </a:fontRef>
+            </p:style>
+            <p:txBody>
+              <a:bodyPr rtlCol="0" anchor="ctr"/>
+              <a:lstStyle/>
+              <a:p>
+                <a:pPr algn="ctr"/>
+                <a:endParaRPr lang="en-US"/>
+              </a:p>
+            </p:txBody>
+          </p:sp>
+          <p:sp>
+            <p:nvSpPr>
+              <p:cNvPr id="20" name="Rectangle 19"/>
+              <p:cNvSpPr/>
+              <p:nvPr userDrawn="1"/>
+            </p:nvSpPr>
+            <p:spPr>
+              <a:xfrm>
+                <a:off x="-11545" y="992908"/>
+                <a:ext cx="333340" cy="196265"/>
+              </a:xfrm>
+              <a:prstGeom prst="rect">
+                <a:avLst/>
+              </a:prstGeom>
+              <a:solidFill>
+                <a:srgbClr val="800000"/>
+              </a:solidFill>
+              <a:ln>
+                <a:solidFill>
+                  <a:srgbClr val="800000"/>
+                </a:solidFill>
+              </a:ln>
+              <a:effectLst/>
+            </p:spPr>
+            <p:style>
+              <a:lnRef idx="1">
+                <a:schemeClr val="accent1"/>
+              </a:lnRef>
+              <a:fillRef idx="3">
+                <a:schemeClr val="accent1"/>
+              </a:fillRef>
+              <a:effectRef idx="2">
+                <a:schemeClr val="accent1"/>
+              </a:effectRef>
+              <a:fontRef idx="minor">
+                <a:schemeClr val="lt1"/>
+              </a:fontRef>
+            </p:style>
+            <p:txBody>
+              <a:bodyPr rtlCol="0" anchor="ctr"/>
+              <a:lstStyle/>
+              <a:p>
+                <a:pPr algn="ctr"/>
+                <a:endParaRPr lang="en-US"/>
+              </a:p>
+            </p:txBody>
+          </p:sp>
+        </p:grpSp>
+      </p:grpSp>
     </p:spTree>
     <p:extLst>
       <p:ext uri="{BB962C8B-B14F-4D97-AF65-F5344CB8AC3E}">
@@ -5720,9 +6978,9 @@
           <a:bodyPr/>
           <a:lstStyle/>
           <a:p>
-            <a:fld id="{7F69E474-4AC8-6948-A9A2-F14E0AD71F44}" type="datetimeFigureOut">
+            <a:fld id="{3CDBAF70-B700-A14C-B11E-1EBBA789C891}" type="datetime1">
               <a:rPr lang="en-US" smtClean="0"/>
-              <a:t>3/10/15</a:t>
+              <a:t>3/12/15</a:t>
             </a:fld>
             <a:endParaRPr lang="en-US"/>
           </a:p>
@@ -5770,6 +7028,166 @@
           </a:p>
         </p:txBody>
       </p:sp>
+      <p:grpSp>
+        <p:nvGrpSpPr>
+          <p:cNvPr id="14" name="Group 13"/>
+          <p:cNvGrpSpPr/>
+          <p:nvPr userDrawn="1"/>
+        </p:nvGrpSpPr>
+        <p:grpSpPr>
+          <a:xfrm>
+            <a:off x="-1478" y="0"/>
+            <a:ext cx="336296" cy="6869545"/>
+            <a:chOff x="-1478" y="0"/>
+            <a:chExt cx="336296" cy="6869545"/>
+          </a:xfrm>
+        </p:grpSpPr>
+        <p:sp>
+          <p:nvSpPr>
+            <p:cNvPr id="15" name="Rectangle 14"/>
+            <p:cNvSpPr/>
+            <p:nvPr userDrawn="1"/>
+          </p:nvSpPr>
+          <p:spPr>
+            <a:xfrm>
+              <a:off x="-1478" y="1244510"/>
+              <a:ext cx="334818" cy="5625035"/>
+            </a:xfrm>
+            <a:prstGeom prst="rect">
+              <a:avLst/>
+            </a:prstGeom>
+            <a:solidFill>
+              <a:srgbClr val="FF0000"/>
+            </a:solidFill>
+            <a:ln>
+              <a:noFill/>
+            </a:ln>
+            <a:effectLst/>
+          </p:spPr>
+          <p:style>
+            <a:lnRef idx="1">
+              <a:schemeClr val="accent1"/>
+            </a:lnRef>
+            <a:fillRef idx="3">
+              <a:schemeClr val="accent1"/>
+            </a:fillRef>
+            <a:effectRef idx="2">
+              <a:schemeClr val="accent1"/>
+            </a:effectRef>
+            <a:fontRef idx="minor">
+              <a:schemeClr val="lt1"/>
+            </a:fontRef>
+          </p:style>
+          <p:txBody>
+            <a:bodyPr rtlCol="0" anchor="ctr"/>
+            <a:lstStyle/>
+            <a:p>
+              <a:pPr algn="ctr"/>
+              <a:endParaRPr lang="en-US">
+                <a:solidFill>
+                  <a:srgbClr val="FF0000"/>
+                </a:solidFill>
+              </a:endParaRPr>
+            </a:p>
+          </p:txBody>
+        </p:sp>
+        <p:sp>
+          <p:nvSpPr>
+            <p:cNvPr id="16" name="Rectangle 15"/>
+            <p:cNvSpPr/>
+            <p:nvPr userDrawn="1"/>
+          </p:nvSpPr>
+          <p:spPr>
+            <a:xfrm>
+              <a:off x="0" y="0"/>
+              <a:ext cx="334818" cy="955318"/>
+            </a:xfrm>
+            <a:prstGeom prst="rect">
+              <a:avLst/>
+            </a:prstGeom>
+            <a:solidFill>
+              <a:srgbClr val="FF0000"/>
+            </a:solidFill>
+            <a:ln>
+              <a:noFill/>
+            </a:ln>
+            <a:effectLst/>
+          </p:spPr>
+          <p:style>
+            <a:lnRef idx="1">
+              <a:schemeClr val="accent1"/>
+            </a:lnRef>
+            <a:fillRef idx="3">
+              <a:schemeClr val="accent1"/>
+            </a:fillRef>
+            <a:effectRef idx="2">
+              <a:schemeClr val="accent1"/>
+            </a:effectRef>
+            <a:fontRef idx="minor">
+              <a:schemeClr val="lt1"/>
+            </a:fontRef>
+          </p:style>
+          <p:txBody>
+            <a:bodyPr rtlCol="0" anchor="ctr"/>
+            <a:lstStyle/>
+            <a:p>
+              <a:pPr algn="ctr"/>
+              <a:endParaRPr lang="en-US">
+                <a:solidFill>
+                  <a:srgbClr val="FF0000"/>
+                </a:solidFill>
+              </a:endParaRPr>
+            </a:p>
+          </p:txBody>
+        </p:sp>
+        <p:sp>
+          <p:nvSpPr>
+            <p:cNvPr id="19" name="Rectangle 18"/>
+            <p:cNvSpPr/>
+            <p:nvPr userDrawn="1"/>
+          </p:nvSpPr>
+          <p:spPr>
+            <a:xfrm>
+              <a:off x="0" y="1004453"/>
+              <a:ext cx="333340" cy="196265"/>
+            </a:xfrm>
+            <a:prstGeom prst="rect">
+              <a:avLst/>
+            </a:prstGeom>
+            <a:solidFill>
+              <a:srgbClr val="800000"/>
+            </a:solidFill>
+            <a:ln>
+              <a:solidFill>
+                <a:srgbClr val="800000"/>
+              </a:solidFill>
+            </a:ln>
+            <a:effectLst/>
+          </p:spPr>
+          <p:style>
+            <a:lnRef idx="1">
+              <a:schemeClr val="accent1"/>
+            </a:lnRef>
+            <a:fillRef idx="3">
+              <a:schemeClr val="accent1"/>
+            </a:fillRef>
+            <a:effectRef idx="2">
+              <a:schemeClr val="accent1"/>
+            </a:effectRef>
+            <a:fontRef idx="minor">
+              <a:schemeClr val="lt1"/>
+            </a:fontRef>
+          </p:style>
+          <p:txBody>
+            <a:bodyPr rtlCol="0" anchor="ctr"/>
+            <a:lstStyle/>
+            <a:p>
+              <a:pPr algn="ctr"/>
+              <a:endParaRPr lang="en-US"/>
+            </a:p>
+          </p:txBody>
+        </p:sp>
+      </p:grpSp>
     </p:spTree>
     <p:extLst>
       <p:ext uri="{BB962C8B-B14F-4D97-AF65-F5344CB8AC3E}">
@@ -5997,9 +7415,9 @@
           <a:bodyPr/>
           <a:lstStyle/>
           <a:p>
-            <a:fld id="{7F69E474-4AC8-6948-A9A2-F14E0AD71F44}" type="datetimeFigureOut">
+            <a:fld id="{1B587D48-7900-F949-B391-69C5D7ABCB65}" type="datetime1">
               <a:rPr lang="en-US" smtClean="0"/>
-              <a:t>3/10/15</a:t>
+              <a:t>3/12/15</a:t>
             </a:fld>
             <a:endParaRPr lang="en-US"/>
           </a:p>
@@ -6251,9 +7669,9 @@
           <a:bodyPr/>
           <a:lstStyle/>
           <a:p>
-            <a:fld id="{7F69E474-4AC8-6948-A9A2-F14E0AD71F44}" type="datetimeFigureOut">
+            <a:fld id="{FD15B56F-05D2-3049-A817-0CF5E4FB50BC}" type="datetime1">
               <a:rPr lang="en-US" smtClean="0"/>
-              <a:t>3/10/15</a:t>
+              <a:t>3/12/15</a:t>
             </a:fld>
             <a:endParaRPr lang="en-US"/>
           </a:p>
@@ -6348,8 +7766,8 @@
         </p:nvSpPr>
         <p:spPr>
           <a:xfrm>
-            <a:off x="457200" y="274638"/>
-            <a:ext cx="8229600" cy="1143000"/>
+            <a:off x="457200" y="32193"/>
+            <a:ext cx="8229600" cy="960716"/>
           </a:xfrm>
           <a:prstGeom prst="rect">
             <a:avLst/>
@@ -6362,10 +7780,10 @@
           <a:lstStyle/>
           <a:p>
             <a:r>
-              <a:rPr lang="en-US" smtClean="0"/>
+              <a:rPr lang="en-US" dirty="0" smtClean="0"/>
               <a:t>Click to edit Master title style</a:t>
             </a:r>
-            <a:endParaRPr lang="en-US"/>
+            <a:endParaRPr lang="en-US" dirty="0"/>
           </a:p>
         </p:txBody>
       </p:sp>
@@ -6381,8 +7799,8 @@
         </p:nvSpPr>
         <p:spPr>
           <a:xfrm>
-            <a:off x="457200" y="1600200"/>
-            <a:ext cx="8229600" cy="4525963"/>
+            <a:off x="457200" y="1316182"/>
+            <a:ext cx="8229600" cy="4809982"/>
           </a:xfrm>
           <a:prstGeom prst="rect">
             <a:avLst/>
@@ -6396,38 +7814,38 @@
           <a:p>
             <a:pPr lvl="0"/>
             <a:r>
-              <a:rPr lang="en-US" smtClean="0"/>
+              <a:rPr lang="en-US" dirty="0" smtClean="0"/>
               <a:t>Click to edit Master text styles</a:t>
             </a:r>
           </a:p>
           <a:p>
             <a:pPr lvl="1"/>
             <a:r>
-              <a:rPr lang="en-US" smtClean="0"/>
+              <a:rPr lang="en-US" dirty="0" smtClean="0"/>
               <a:t>Second level</a:t>
             </a:r>
           </a:p>
           <a:p>
             <a:pPr lvl="2"/>
             <a:r>
-              <a:rPr lang="en-US" smtClean="0"/>
+              <a:rPr lang="en-US" dirty="0" smtClean="0"/>
               <a:t>Third level</a:t>
             </a:r>
           </a:p>
           <a:p>
             <a:pPr lvl="3"/>
             <a:r>
-              <a:rPr lang="en-US" smtClean="0"/>
+              <a:rPr lang="en-US" dirty="0" smtClean="0"/>
               <a:t>Fourth level</a:t>
             </a:r>
           </a:p>
           <a:p>
             <a:pPr lvl="4"/>
             <a:r>
-              <a:rPr lang="en-US" smtClean="0"/>
+              <a:rPr lang="en-US" dirty="0" smtClean="0"/>
               <a:t>Fifth level</a:t>
             </a:r>
-            <a:endParaRPr lang="en-US"/>
+            <a:endParaRPr lang="en-US" dirty="0"/>
           </a:p>
         </p:txBody>
       </p:sp>
@@ -6464,9 +7882,9 @@
             </a:lvl1pPr>
           </a:lstStyle>
           <a:p>
-            <a:fld id="{7F69E474-4AC8-6948-A9A2-F14E0AD71F44}" type="datetimeFigureOut">
+            <a:fld id="{80ADFAF4-408D-004D-90C1-29723D7C864B}" type="datetime1">
               <a:rPr lang="en-US" smtClean="0"/>
-              <a:t>3/10/15</a:t>
+              <a:t>3/12/15</a:t>
             </a:fld>
             <a:endParaRPr lang="en-US"/>
           </a:p>
@@ -6521,8 +7939,8 @@
         </p:nvSpPr>
         <p:spPr>
           <a:xfrm>
-            <a:off x="6553200" y="6356350"/>
-            <a:ext cx="2133600" cy="365125"/>
+            <a:off x="6553200" y="6173787"/>
+            <a:ext cx="2290618" cy="547688"/>
           </a:xfrm>
           <a:prstGeom prst="rect">
             <a:avLst/>
@@ -6532,18 +7950,19 @@
           <a:bodyPr vert="horz" lIns="91440" tIns="45720" rIns="91440" bIns="45720" rtlCol="0" anchor="ctr"/>
           <a:lstStyle>
             <a:lvl1pPr algn="r">
-              <a:defRPr sz="1200">
+              <a:defRPr sz="1600">
                 <a:solidFill>
-                  <a:schemeClr val="tx1">
-                    <a:tint val="75000"/>
-                  </a:schemeClr>
+                  <a:schemeClr val="tx1"/>
                 </a:solidFill>
+                <a:latin typeface="Cambria"/>
+                <a:cs typeface="Cambria"/>
               </a:defRPr>
             </a:lvl1pPr>
           </a:lstStyle>
           <a:p>
             <a:fld id="{7B7E4D09-A1A9-C14F-A048-20573D76504F}" type="slidenum">
               <a:rPr lang="en-US" smtClean="0"/>
+              <a:pPr/>
               <a:t>‹#›</a:t>
             </a:fld>
             <a:endParaRPr lang="en-US"/>
@@ -6571,6 +7990,14 @@
     <p:sldLayoutId id="2147483955" r:id="rId10"/>
     <p:sldLayoutId id="2147483956" r:id="rId11"/>
   </p:sldLayoutIdLst>
+  <p:timing>
+    <p:tnLst>
+      <p:par>
+        <p:cTn xmlns:p14="http://schemas.microsoft.com/office/powerpoint/2010/main" id="1" dur="indefinite" restart="never" nodeType="tmRoot"/>
+      </p:par>
+    </p:tnLst>
+  </p:timing>
+  <p:hf hdr="0" ftr="0" dt="0"/>
   <p:txStyles>
     <p:titleStyle>
       <a:lvl1pPr algn="ctr" defTabSz="457200" rtl="0" eaLnBrk="1" latinLnBrk="0" hangingPunct="1">
@@ -6582,9 +8009,9 @@
           <a:solidFill>
             <a:schemeClr val="tx1"/>
           </a:solidFill>
-          <a:latin typeface="+mj-lt"/>
+          <a:latin typeface="Cambria"/>
           <a:ea typeface="+mj-ea"/>
-          <a:cs typeface="+mj-cs"/>
+          <a:cs typeface="Cambria"/>
         </a:defRPr>
       </a:lvl1pPr>
     </p:titleStyle>
@@ -6599,9 +8026,9 @@
           <a:solidFill>
             <a:schemeClr val="tx1"/>
           </a:solidFill>
-          <a:latin typeface="+mn-lt"/>
+          <a:latin typeface="Cambria"/>
           <a:ea typeface="+mn-ea"/>
-          <a:cs typeface="+mn-cs"/>
+          <a:cs typeface="Cambria"/>
         </a:defRPr>
       </a:lvl1pPr>
       <a:lvl2pPr marL="742950" indent="-285750" algn="l" defTabSz="457200" rtl="0" eaLnBrk="1" latinLnBrk="0" hangingPunct="1">
@@ -6614,9 +8041,9 @@
           <a:solidFill>
             <a:schemeClr val="tx1"/>
           </a:solidFill>
-          <a:latin typeface="+mn-lt"/>
+          <a:latin typeface="Cambria"/>
           <a:ea typeface="+mn-ea"/>
-          <a:cs typeface="+mn-cs"/>
+          <a:cs typeface="Cambria"/>
         </a:defRPr>
       </a:lvl2pPr>
       <a:lvl3pPr marL="1143000" indent="-228600" algn="l" defTabSz="457200" rtl="0" eaLnBrk="1" latinLnBrk="0" hangingPunct="1">
@@ -6629,9 +8056,9 @@
           <a:solidFill>
             <a:schemeClr val="tx1"/>
           </a:solidFill>
-          <a:latin typeface="+mn-lt"/>
+          <a:latin typeface="Cambria"/>
           <a:ea typeface="+mn-ea"/>
-          <a:cs typeface="+mn-cs"/>
+          <a:cs typeface="Cambria"/>
         </a:defRPr>
       </a:lvl3pPr>
       <a:lvl4pPr marL="1600200" indent="-228600" algn="l" defTabSz="457200" rtl="0" eaLnBrk="1" latinLnBrk="0" hangingPunct="1">
@@ -6644,9 +8071,9 @@
           <a:solidFill>
             <a:schemeClr val="tx1"/>
           </a:solidFill>
-          <a:latin typeface="+mn-lt"/>
+          <a:latin typeface="Cambria"/>
           <a:ea typeface="+mn-ea"/>
-          <a:cs typeface="+mn-cs"/>
+          <a:cs typeface="Cambria"/>
         </a:defRPr>
       </a:lvl4pPr>
       <a:lvl5pPr marL="2057400" indent="-228600" algn="l" defTabSz="457200" rtl="0" eaLnBrk="1" latinLnBrk="0" hangingPunct="1">
@@ -6659,9 +8086,9 @@
           <a:solidFill>
             <a:schemeClr val="tx1"/>
           </a:solidFill>
-          <a:latin typeface="+mn-lt"/>
+          <a:latin typeface="Cambria"/>
           <a:ea typeface="+mn-ea"/>
-          <a:cs typeface="+mn-cs"/>
+          <a:cs typeface="Cambria"/>
         </a:defRPr>
       </a:lvl5pPr>
       <a:lvl6pPr marL="2514600" indent="-228600" algn="l" defTabSz="457200" rtl="0" eaLnBrk="1" latinLnBrk="0" hangingPunct="1">
@@ -6853,8 +8280,8 @@
         </p:nvSpPr>
         <p:spPr>
           <a:xfrm>
-            <a:off x="685800" y="2436769"/>
-            <a:ext cx="7772400" cy="1470025"/>
+            <a:off x="1143000" y="2130425"/>
+            <a:ext cx="8001000" cy="1470025"/>
           </a:xfrm>
         </p:spPr>
         <p:txBody>
@@ -6862,10 +8289,14 @@
           <a:lstStyle/>
           <a:p>
             <a:r>
-              <a:rPr lang="en-US" dirty="0" smtClean="0"/>
-              <a:t>Yelp Recommendation Engine</a:t>
+              <a:rPr lang="en-US" b="1" dirty="0" smtClean="0"/>
+              <a:t>Recommendation </a:t>
             </a:r>
-            <a:endParaRPr lang="en-US" dirty="0"/>
+            <a:r>
+              <a:rPr lang="en-US" b="1" dirty="0" smtClean="0"/>
+              <a:t>Engine</a:t>
+            </a:r>
+            <a:endParaRPr lang="en-US" b="1" dirty="0"/>
           </a:p>
         </p:txBody>
       </p:sp>
@@ -6881,33 +8312,41 @@
         </p:nvSpPr>
         <p:spPr>
           <a:xfrm>
-            <a:off x="1007755" y="3906794"/>
-            <a:ext cx="7261361" cy="1752600"/>
+            <a:off x="1283586" y="3487276"/>
+            <a:ext cx="7744110" cy="2038350"/>
           </a:xfrm>
         </p:spPr>
         <p:txBody>
           <a:bodyPr/>
           <a:lstStyle/>
           <a:p>
+            <a:pPr algn="r"/>
             <a:r>
               <a:rPr lang="en-US" dirty="0" smtClean="0"/>
-              <a:t>Jeff Baker, </a:t>
+              <a:t>Jeff </a:t>
             </a:r>
             <a:r>
               <a:rPr lang="en-US" dirty="0" smtClean="0"/>
-              <a:t>Griffin Okamoto, </a:t>
+              <a:t>Baker</a:t>
             </a:r>
+            <a:endParaRPr lang="en-US" dirty="0"/>
+          </a:p>
+          <a:p>
+            <a:pPr algn="r"/>
             <a:r>
-              <a:rPr lang="en-US" dirty="0" err="1" smtClean="0"/>
-              <a:t>Kailey</a:t>
+              <a:rPr lang="en-US" dirty="0" smtClean="0"/>
+              <a:t>Griffin Okamoto</a:t>
             </a:r>
+          </a:p>
+          <a:p>
+            <a:pPr algn="r"/>
             <a:r>
               <a:rPr lang="en-US" dirty="0" smtClean="0"/>
               <a:t> </a:t>
             </a:r>
             <a:r>
-              <a:rPr lang="en-US" dirty="0" err="1" smtClean="0"/>
-              <a:t>Hoo</a:t>
+              <a:rPr lang="en-US" dirty="0" smtClean="0"/>
+              <a:t>Kailey Hoo</a:t>
             </a:r>
             <a:endParaRPr lang="en-US" dirty="0"/>
           </a:p>
@@ -6915,272 +8354,384 @@
       </p:sp>
       <p:pic>
         <p:nvPicPr>
-          <p:cNvPr id="4" name="Picture 3" descr="Screen Shot 2015-03-10 at 3.17.50 PM.png"/>
+          <p:cNvPr id="6" name="Picture 5" descr="yelp.png"/>
           <p:cNvPicPr>
             <a:picLocks noChangeAspect="1"/>
           </p:cNvPicPr>
           <p:nvPr/>
         </p:nvPicPr>
-        <p:blipFill>
-          <a:blip r:embed="rId2">
+        <p:blipFill rotWithShape="1">
+          <a:blip r:embed="rId3">
             <a:extLst>
+              <a:ext uri="{BEBA8EAE-BF5A-486C-A8C5-ECC9F3942E4B}">
+                <a14:imgProps xmlns:a14="http://schemas.microsoft.com/office/drawing/2010/main">
+                  <a14:imgLayer r:embed="rId4">
+                    <a14:imgEffect>
+                      <a14:backgroundRemoval t="10000" b="90000" l="10000" r="90000">
+                        <a14:foregroundMark x1="46528" y1="50087" x2="46528" y2="50087"/>
+                        <a14:foregroundMark x1="41493" y1="50694" x2="41493" y2="50694"/>
+                        <a14:foregroundMark x1="43663" y1="51563" x2="43663" y2="51563"/>
+                        <a14:foregroundMark x1="44010" y1="50260" x2="44010" y2="50260"/>
+                        <a14:foregroundMark x1="32639" y1="51389" x2="32639" y2="51389"/>
+                        <a14:foregroundMark x1="30642" y1="51128" x2="30642" y2="51128"/>
+                        <a14:foregroundMark x1="61719" y1="50260" x2="61719" y2="50260"/>
+                        <a14:foregroundMark x1="65799" y1="42882" x2="65799" y2="42882"/>
+                        <a14:foregroundMark x1="70226" y1="48003" x2="70226" y2="48003"/>
+                        <a14:foregroundMark x1="71181" y1="53906" x2="71181" y2="53906"/>
+                        <a14:foregroundMark x1="65885" y1="55122" x2="65885" y2="55122"/>
+                        <a14:foregroundMark x1="63194" y1="57465" x2="63194" y2="57465"/>
+                        <a14:foregroundMark x1="59549" y1="57378" x2="59549" y2="57378"/>
+                        <a14:foregroundMark x1="61285" y1="54601" x2="61285" y2="54601"/>
+                        <a14:foregroundMark x1="58247" y1="48438" x2="58247" y2="48438"/>
+                        <a14:foregroundMark x1="34288" y1="52170" x2="34288" y2="52170"/>
+                        <a14:foregroundMark x1="34722" y1="53559" x2="34722" y2="53559"/>
+                        <a14:foregroundMark x1="33247" y1="55990" x2="33247" y2="55990"/>
+                        <a14:foregroundMark x1="35417" y1="57118" x2="35417" y2="57118"/>
+                        <a14:foregroundMark x1="39931" y1="54948" x2="39931" y2="54948"/>
+                        <a14:foregroundMark x1="44097" y1="55382" x2="44097" y2="55382"/>
+                        <a14:foregroundMark x1="43490" y1="56858" x2="43490" y2="56858"/>
+                        <a14:foregroundMark x1="48524" y1="54601" x2="48524" y2="54601"/>
+                        <a14:foregroundMark x1="48264" y1="50260" x2="48264" y2="50260"/>
+                        <a14:foregroundMark x1="49132" y1="53125" x2="49132" y2="53125"/>
+                        <a14:foregroundMark x1="54774" y1="53038" x2="54774" y2="53038"/>
+                        <a14:foregroundMark x1="48785" y1="48958" x2="48785" y2="48958"/>
+                        <a14:foregroundMark x1="44358" y1="45660" x2="44358" y2="45660"/>
+                        <a14:foregroundMark x1="46094" y1="44531" x2="46094" y2="44531"/>
+                        <a14:foregroundMark x1="50781" y1="47656" x2="50781" y2="47656"/>
+                        <a14:foregroundMark x1="55642" y1="47830" x2="55642" y2="47830"/>
+                        <a14:foregroundMark x1="51910" y1="48090" x2="51910" y2="48090"/>
+                        <a14:foregroundMark x1="56944" y1="48177" x2="56944" y2="48177"/>
+                        <a14:foregroundMark x1="34896" y1="49306" x2="34896" y2="49306"/>
+                        <a14:foregroundMark x1="66319" y1="50608" x2="66319" y2="50608"/>
+                        <a14:foregroundMark x1="63802" y1="48264" x2="63802" y2="48264"/>
+                        <a14:foregroundMark x1="68403" y1="50521" x2="68403" y2="50521"/>
+                        <a14:foregroundMark x1="73611" y1="49392" x2="73611" y2="49392"/>
+                        <a14:foregroundMark x1="67969" y1="46354" x2="67969" y2="46354"/>
+                        <a14:foregroundMark x1="66493" y1="49219" x2="66493" y2="49219"/>
+                        <a14:foregroundMark x1="61372" y1="42795" x2="61372" y2="42795"/>
+                        <a14:foregroundMark x1="62674" y1="45052" x2="62674" y2="45052"/>
+                        <a14:foregroundMark x1="63455" y1="38976" x2="63455" y2="38976"/>
+                        <a14:foregroundMark x1="67101" y1="40104" x2="67101" y2="40104"/>
+                        <a14:foregroundMark x1="67448" y1="44878" x2="67448" y2="44878"/>
+                        <a14:foregroundMark x1="60417" y1="40712" x2="60417" y2="40712"/>
+                        <a14:foregroundMark x1="70313" y1="44097" x2="70313" y2="44097"/>
+                        <a14:foregroundMark x1="61632" y1="47222" x2="61632" y2="47222"/>
+                        <a14:foregroundMark x1="59201" y1="47830" x2="59201" y2="47830"/>
+                        <a14:foregroundMark x1="58854" y1="52865" x2="58854" y2="52865"/>
+                        <a14:foregroundMark x1="62847" y1="52778" x2="62847" y2="52778"/>
+                        <a14:foregroundMark x1="67708" y1="53646" x2="67708" y2="53646"/>
+                        <a14:foregroundMark x1="71181" y1="49653" x2="71181" y2="49653"/>
+                        <a14:foregroundMark x1="74306" y1="47483" x2="74306" y2="47483"/>
+                        <a14:foregroundMark x1="72569" y1="44531" x2="72569" y2="44531"/>
+                        <a14:foregroundMark x1="53906" y1="59809" x2="57986" y2="56424"/>
+                        <a14:foregroundMark x1="67882" y1="55122" x2="67622" y2="57986"/>
+                        <a14:foregroundMark x1="70660" y1="56858" x2="70660" y2="56858"/>
+                        <a14:foregroundMark x1="72569" y1="56510" x2="74653" y2="53559"/>
+                        <a14:foregroundMark x1="64844" y1="58247" x2="64844" y2="58247"/>
+                        <a14:foregroundMark x1="47917" y1="57031" x2="47917" y2="57031"/>
+                        <a14:foregroundMark x1="38108" y1="58767" x2="38108" y2="58767"/>
+                        <a14:foregroundMark x1="37934" y1="47917" x2="37934" y2="47917"/>
+                        <a14:foregroundMark x1="26128" y1="48003" x2="26128" y2="48003"/>
+                        <a14:foregroundMark x1="27951" y1="55642" x2="27951" y2="55642"/>
+                        <a14:foregroundMark x1="25347" y1="50087" x2="27517" y2="54514"/>
+                        <a14:foregroundMark x1="28385" y1="57378" x2="28385" y2="57378"/>
+                        <a14:foregroundMark x1="31337" y1="60677" x2="31337" y2="60677"/>
+                        <a14:foregroundMark x1="27170" y1="60764" x2="27170" y2="60764"/>
+                      </a14:backgroundRemoval>
+                    </a14:imgEffect>
+                  </a14:imgLayer>
+                </a14:imgProps>
+              </a:ext>
               <a:ext uri="{28A0092B-C50C-407E-A947-70E740481C1C}">
                 <a14:useLocalDpi xmlns:a14="http://schemas.microsoft.com/office/drawing/2010/main" val="0"/>
               </a:ext>
             </a:extLst>
           </a:blip>
-          <a:stretch>
-            <a:fillRect/>
-          </a:stretch>
+          <a:srcRect l="21745" t="35661" r="17040" b="34341"/>
+          <a:stretch/>
         </p:blipFill>
         <p:spPr>
           <a:xfrm>
-            <a:off x="3882734" y="1730375"/>
-            <a:ext cx="1536700" cy="800100"/>
+            <a:off x="178421" y="293897"/>
+            <a:ext cx="2270401" cy="1112603"/>
           </a:xfrm>
           <a:prstGeom prst="rect">
             <a:avLst/>
           </a:prstGeom>
         </p:spPr>
       </p:pic>
-    </p:spTree>
-    <p:extLst>
-      <p:ext uri="{BB962C8B-B14F-4D97-AF65-F5344CB8AC3E}">
-        <p14:creationId xmlns:p14="http://schemas.microsoft.com/office/powerpoint/2010/main" val="3692891470"/>
-      </p:ext>
-    </p:extLst>
-  </p:cSld>
-  <p:clrMapOvr>
-    <a:masterClrMapping/>
-  </p:clrMapOvr>
-  <p:timing>
-    <p:tnLst>
-      <p:par>
-        <p:cTn xmlns:p14="http://schemas.microsoft.com/office/powerpoint/2010/main" id="1" dur="indefinite" restart="never" nodeType="tmRoot"/>
-      </p:par>
-    </p:tnLst>
-  </p:timing>
-</p:sld>
-</file>
-
-<file path=ppt/slides/slide10.xml><?xml version="1.0" encoding="utf-8"?>
-<p:sld xmlns:a="http://schemas.openxmlformats.org/drawingml/2006/main" xmlns:r="http://schemas.openxmlformats.org/officeDocument/2006/relationships" xmlns:p="http://schemas.openxmlformats.org/presentationml/2006/main">
-  <p:cSld>
-    <p:spTree>
-      <p:nvGrpSpPr>
-        <p:cNvPr id="1" name=""/>
-        <p:cNvGrpSpPr/>
-        <p:nvPr/>
-      </p:nvGrpSpPr>
-      <p:grpSpPr>
-        <a:xfrm>
-          <a:off x="0" y="0"/>
-          <a:ext cx="0" cy="0"/>
-          <a:chOff x="0" y="0"/>
-          <a:chExt cx="0" cy="0"/>
-        </a:xfrm>
-      </p:grpSpPr>
-      <p:sp>
-        <p:nvSpPr>
-          <p:cNvPr id="2" name="Title 1"/>
-          <p:cNvSpPr>
-            <a:spLocks noGrp="1"/>
+      <p:sp>
+        <p:nvSpPr>
+          <p:cNvPr id="7" name="Title 1"/>
+          <p:cNvSpPr txBox="1">
+            <a:spLocks/>
           </p:cNvSpPr>
-          <p:nvPr>
-            <p:ph type="ctrTitle"/>
-          </p:nvPr>
+          <p:nvPr/>
         </p:nvSpPr>
         <p:spPr>
           <a:xfrm>
-            <a:off x="685800" y="2436769"/>
-            <a:ext cx="7772400" cy="1470025"/>
-          </a:xfrm>
-        </p:spPr>
-        <p:txBody>
-          <a:bodyPr/>
-          <a:lstStyle/>
-          <a:p>
-            <a:r>
-              <a:rPr lang="en-US" dirty="0" smtClean="0"/>
-              <a:t>Appendix</a:t>
-            </a:r>
-            <a:endParaRPr lang="en-US" dirty="0"/>
-          </a:p>
-        </p:txBody>
-      </p:sp>
-    </p:spTree>
-    <p:extLst>
-      <p:ext uri="{BB962C8B-B14F-4D97-AF65-F5344CB8AC3E}">
-        <p14:creationId xmlns:p14="http://schemas.microsoft.com/office/powerpoint/2010/main" val="2126440445"/>
-      </p:ext>
-    </p:extLst>
-  </p:cSld>
-  <p:clrMapOvr>
-    <a:masterClrMapping/>
-  </p:clrMapOvr>
-  <p:timing>
-    <p:tnLst>
-      <p:par>
-        <p:cTn xmlns:p14="http://schemas.microsoft.com/office/powerpoint/2010/main" id="1" dur="indefinite" restart="never" nodeType="tmRoot"/>
-      </p:par>
-    </p:tnLst>
-  </p:timing>
-</p:sld>
-</file>
-
-<file path=ppt/slides/slide11.xml><?xml version="1.0" encoding="utf-8"?>
-<p:sld xmlns:a="http://schemas.openxmlformats.org/drawingml/2006/main" xmlns:r="http://schemas.openxmlformats.org/officeDocument/2006/relationships" xmlns:p="http://schemas.openxmlformats.org/presentationml/2006/main">
-  <p:cSld>
-    <p:spTree>
-      <p:nvGrpSpPr>
-        <p:cNvPr id="1" name=""/>
-        <p:cNvGrpSpPr/>
-        <p:nvPr/>
-      </p:nvGrpSpPr>
-      <p:grpSpPr>
-        <a:xfrm>
-          <a:off x="0" y="0"/>
-          <a:ext cx="0" cy="0"/>
-          <a:chOff x="0" y="0"/>
-          <a:chExt cx="0" cy="0"/>
-        </a:xfrm>
-      </p:grpSpPr>
-      <p:sp>
-        <p:nvSpPr>
-          <p:cNvPr id="2" name="Title 1"/>
-          <p:cNvSpPr>
-            <a:spLocks noGrp="1"/>
-          </p:cNvSpPr>
-          <p:nvPr>
-            <p:ph type="title"/>
-          </p:nvPr>
-        </p:nvSpPr>
-        <p:spPr/>
-        <p:txBody>
-          <a:bodyPr/>
-          <a:lstStyle/>
-          <a:p>
-            <a:pPr algn="l"/>
-            <a:r>
-              <a:rPr lang="en-US" dirty="0" smtClean="0"/>
-              <a:t>Data</a:t>
-            </a:r>
-            <a:endParaRPr lang="en-US" dirty="0"/>
-          </a:p>
-        </p:txBody>
-      </p:sp>
-      <p:sp>
-        <p:nvSpPr>
-          <p:cNvPr id="3" name="Content Placeholder 2"/>
-          <p:cNvSpPr>
-            <a:spLocks noGrp="1"/>
-          </p:cNvSpPr>
-          <p:nvPr>
-            <p:ph idx="1"/>
-          </p:nvPr>
-        </p:nvSpPr>
-        <p:spPr/>
-        <p:txBody>
-          <a:bodyPr/>
-          <a:lstStyle/>
-          <a:p>
-            <a:pPr marL="0" indent="0">
-              <a:buNone/>
-            </a:pPr>
-            <a:r>
-              <a:rPr lang="en-US" dirty="0" smtClean="0"/>
-              <a:t>Yelp’s </a:t>
-            </a:r>
-            <a:r>
-              <a:rPr lang="en-US" i="1" dirty="0" smtClean="0"/>
-              <a:t>RecSys2013</a:t>
-            </a:r>
-            <a:r>
-              <a:rPr lang="en-US" dirty="0" smtClean="0"/>
-              <a:t> </a:t>
-            </a:r>
-            <a:r>
-              <a:rPr lang="en-US" dirty="0" err="1" smtClean="0"/>
-              <a:t>kaggle</a:t>
-            </a:r>
-            <a:r>
-              <a:rPr lang="en-US" dirty="0" smtClean="0"/>
-              <a:t> data (Phoenix, AZ)</a:t>
-            </a:r>
-          </a:p>
-          <a:p>
-            <a:pPr marL="0" indent="0">
-              <a:lnSpc>
-                <a:spcPct val="130000"/>
-              </a:lnSpc>
-              <a:buNone/>
-            </a:pPr>
-            <a:r>
-              <a:rPr lang="en-US" dirty="0" smtClean="0"/>
-              <a:t>4 files: </a:t>
-            </a:r>
-          </a:p>
-          <a:p>
-            <a:r>
-              <a:rPr lang="en-US" dirty="0" smtClean="0"/>
-              <a:t>44K users</a:t>
-            </a:r>
-          </a:p>
-          <a:p>
-            <a:r>
-              <a:rPr lang="en-US" dirty="0" smtClean="0"/>
-              <a:t>230K reviews</a:t>
-            </a:r>
-          </a:p>
-          <a:p>
-            <a:r>
-              <a:rPr lang="en-US" dirty="0" smtClean="0"/>
-              <a:t>11.5K businesses</a:t>
-            </a:r>
-          </a:p>
-          <a:p>
-            <a:r>
-              <a:rPr lang="en-US" dirty="0" smtClean="0"/>
-              <a:t>8.2K check-ins</a:t>
-            </a:r>
-            <a:endParaRPr lang="en-US" dirty="0"/>
-          </a:p>
-        </p:txBody>
-      </p:sp>
-      <p:pic>
-        <p:nvPicPr>
-          <p:cNvPr id="5" name="Picture 4" descr="mapReviewsZoom.png"/>
-          <p:cNvPicPr>
-            <a:picLocks noChangeAspect="1"/>
-          </p:cNvPicPr>
-          <p:nvPr/>
-        </p:nvPicPr>
-        <p:blipFill>
-          <a:blip r:embed="rId3">
-            <a:extLst>
-              <a:ext uri="{28A0092B-C50C-407E-A947-70E740481C1C}">
-                <a14:useLocalDpi xmlns:a14="http://schemas.microsoft.com/office/drawing/2010/main" val="0"/>
-              </a:ext>
-            </a:extLst>
-          </a:blip>
-          <a:stretch>
-            <a:fillRect/>
-          </a:stretch>
-        </p:blipFill>
-        <p:spPr>
-          <a:xfrm>
-            <a:off x="5066385" y="2478260"/>
-            <a:ext cx="3454755" cy="3454755"/>
+            <a:off x="1132505" y="2122211"/>
+            <a:ext cx="8001000" cy="1470025"/>
           </a:xfrm>
           <a:prstGeom prst="rect">
             <a:avLst/>
           </a:prstGeom>
         </p:spPr>
-      </p:pic>
+        <p:txBody>
+          <a:bodyPr vert="horz" lIns="91440" tIns="45720" rIns="91440" bIns="45720" rtlCol="0" anchor="ctr">
+            <a:normAutofit/>
+          </a:bodyPr>
+          <a:lstStyle>
+            <a:lvl1pPr algn="ctr" defTabSz="457200" rtl="0" eaLnBrk="1" latinLnBrk="0" hangingPunct="1">
+              <a:spcBef>
+                <a:spcPct val="0"/>
+              </a:spcBef>
+              <a:buNone/>
+              <a:defRPr sz="4400" kern="1200">
+                <a:solidFill>
+                  <a:schemeClr val="tx1"/>
+                </a:solidFill>
+                <a:latin typeface="Cambria"/>
+                <a:ea typeface="+mj-ea"/>
+                <a:cs typeface="Cambria"/>
+              </a:defRPr>
+            </a:lvl1pPr>
+          </a:lstStyle>
+          <a:p>
+            <a:r>
+              <a:rPr lang="en-US" b="1" smtClean="0">
+                <a:solidFill>
+                  <a:schemeClr val="bg1"/>
+                </a:solidFill>
+              </a:rPr>
+              <a:t>Recommendation Engine</a:t>
+            </a:r>
+            <a:endParaRPr lang="en-US" b="1" dirty="0">
+              <a:solidFill>
+                <a:schemeClr val="bg1"/>
+              </a:solidFill>
+            </a:endParaRPr>
+          </a:p>
+        </p:txBody>
+      </p:sp>
+      <p:sp>
+        <p:nvSpPr>
+          <p:cNvPr id="8" name="Subtitle 2"/>
+          <p:cNvSpPr txBox="1">
+            <a:spLocks/>
+          </p:cNvSpPr>
+          <p:nvPr/>
+        </p:nvSpPr>
+        <p:spPr>
+          <a:xfrm>
+            <a:off x="1268066" y="3482236"/>
+            <a:ext cx="7744110" cy="2038350"/>
+          </a:xfrm>
+          <a:prstGeom prst="rect">
+            <a:avLst/>
+          </a:prstGeom>
+        </p:spPr>
+        <p:txBody>
+          <a:bodyPr vert="horz" lIns="91440" tIns="45720" rIns="91440" bIns="45720" rtlCol="0">
+            <a:normAutofit/>
+          </a:bodyPr>
+          <a:lstStyle>
+            <a:lvl1pPr marL="0" indent="0" algn="ctr" defTabSz="457200" rtl="0" eaLnBrk="1" latinLnBrk="0" hangingPunct="1">
+              <a:spcBef>
+                <a:spcPct val="20000"/>
+              </a:spcBef>
+              <a:buFont typeface="Arial"/>
+              <a:buNone/>
+              <a:defRPr sz="3200" kern="1200">
+                <a:solidFill>
+                  <a:srgbClr val="000000"/>
+                </a:solidFill>
+                <a:latin typeface="Cambria"/>
+                <a:ea typeface="+mn-ea"/>
+                <a:cs typeface="Cambria"/>
+              </a:defRPr>
+            </a:lvl1pPr>
+            <a:lvl2pPr marL="457200" indent="0" algn="ctr" defTabSz="457200" rtl="0" eaLnBrk="1" latinLnBrk="0" hangingPunct="1">
+              <a:spcBef>
+                <a:spcPct val="20000"/>
+              </a:spcBef>
+              <a:buFont typeface="Arial"/>
+              <a:buNone/>
+              <a:defRPr sz="2800" kern="1200">
+                <a:solidFill>
+                  <a:schemeClr val="tx1">
+                    <a:tint val="75000"/>
+                  </a:schemeClr>
+                </a:solidFill>
+                <a:latin typeface="Cambria"/>
+                <a:ea typeface="+mn-ea"/>
+                <a:cs typeface="Cambria"/>
+              </a:defRPr>
+            </a:lvl2pPr>
+            <a:lvl3pPr marL="914400" indent="0" algn="ctr" defTabSz="457200" rtl="0" eaLnBrk="1" latinLnBrk="0" hangingPunct="1">
+              <a:spcBef>
+                <a:spcPct val="20000"/>
+              </a:spcBef>
+              <a:buFont typeface="Arial"/>
+              <a:buNone/>
+              <a:defRPr sz="2400" kern="1200">
+                <a:solidFill>
+                  <a:schemeClr val="tx1">
+                    <a:tint val="75000"/>
+                  </a:schemeClr>
+                </a:solidFill>
+                <a:latin typeface="Cambria"/>
+                <a:ea typeface="+mn-ea"/>
+                <a:cs typeface="Cambria"/>
+              </a:defRPr>
+            </a:lvl3pPr>
+            <a:lvl4pPr marL="1371600" indent="0" algn="ctr" defTabSz="457200" rtl="0" eaLnBrk="1" latinLnBrk="0" hangingPunct="1">
+              <a:spcBef>
+                <a:spcPct val="20000"/>
+              </a:spcBef>
+              <a:buFont typeface="Arial"/>
+              <a:buNone/>
+              <a:defRPr sz="2000" kern="1200">
+                <a:solidFill>
+                  <a:schemeClr val="tx1">
+                    <a:tint val="75000"/>
+                  </a:schemeClr>
+                </a:solidFill>
+                <a:latin typeface="Cambria"/>
+                <a:ea typeface="+mn-ea"/>
+                <a:cs typeface="Cambria"/>
+              </a:defRPr>
+            </a:lvl4pPr>
+            <a:lvl5pPr marL="1828800" indent="0" algn="ctr" defTabSz="457200" rtl="0" eaLnBrk="1" latinLnBrk="0" hangingPunct="1">
+              <a:spcBef>
+                <a:spcPct val="20000"/>
+              </a:spcBef>
+              <a:buFont typeface="Arial"/>
+              <a:buNone/>
+              <a:defRPr sz="2000" kern="1200">
+                <a:solidFill>
+                  <a:schemeClr val="tx1">
+                    <a:tint val="75000"/>
+                  </a:schemeClr>
+                </a:solidFill>
+                <a:latin typeface="Cambria"/>
+                <a:ea typeface="+mn-ea"/>
+                <a:cs typeface="Cambria"/>
+              </a:defRPr>
+            </a:lvl5pPr>
+            <a:lvl6pPr marL="2286000" indent="0" algn="ctr" defTabSz="457200" rtl="0" eaLnBrk="1" latinLnBrk="0" hangingPunct="1">
+              <a:spcBef>
+                <a:spcPct val="20000"/>
+              </a:spcBef>
+              <a:buFont typeface="Arial"/>
+              <a:buNone/>
+              <a:defRPr sz="2000" kern="1200">
+                <a:solidFill>
+                  <a:schemeClr val="tx1">
+                    <a:tint val="75000"/>
+                  </a:schemeClr>
+                </a:solidFill>
+                <a:latin typeface="+mn-lt"/>
+                <a:ea typeface="+mn-ea"/>
+                <a:cs typeface="+mn-cs"/>
+              </a:defRPr>
+            </a:lvl6pPr>
+            <a:lvl7pPr marL="2743200" indent="0" algn="ctr" defTabSz="457200" rtl="0" eaLnBrk="1" latinLnBrk="0" hangingPunct="1">
+              <a:spcBef>
+                <a:spcPct val="20000"/>
+              </a:spcBef>
+              <a:buFont typeface="Arial"/>
+              <a:buNone/>
+              <a:defRPr sz="2000" kern="1200">
+                <a:solidFill>
+                  <a:schemeClr val="tx1">
+                    <a:tint val="75000"/>
+                  </a:schemeClr>
+                </a:solidFill>
+                <a:latin typeface="+mn-lt"/>
+                <a:ea typeface="+mn-ea"/>
+                <a:cs typeface="+mn-cs"/>
+              </a:defRPr>
+            </a:lvl7pPr>
+            <a:lvl8pPr marL="3200400" indent="0" algn="ctr" defTabSz="457200" rtl="0" eaLnBrk="1" latinLnBrk="0" hangingPunct="1">
+              <a:spcBef>
+                <a:spcPct val="20000"/>
+              </a:spcBef>
+              <a:buFont typeface="Arial"/>
+              <a:buNone/>
+              <a:defRPr sz="2000" kern="1200">
+                <a:solidFill>
+                  <a:schemeClr val="tx1">
+                    <a:tint val="75000"/>
+                  </a:schemeClr>
+                </a:solidFill>
+                <a:latin typeface="+mn-lt"/>
+                <a:ea typeface="+mn-ea"/>
+                <a:cs typeface="+mn-cs"/>
+              </a:defRPr>
+            </a:lvl8pPr>
+            <a:lvl9pPr marL="3657600" indent="0" algn="ctr" defTabSz="457200" rtl="0" eaLnBrk="1" latinLnBrk="0" hangingPunct="1">
+              <a:spcBef>
+                <a:spcPct val="20000"/>
+              </a:spcBef>
+              <a:buFont typeface="Arial"/>
+              <a:buNone/>
+              <a:defRPr sz="2000" kern="1200">
+                <a:solidFill>
+                  <a:schemeClr val="tx1">
+                    <a:tint val="75000"/>
+                  </a:schemeClr>
+                </a:solidFill>
+                <a:latin typeface="+mn-lt"/>
+                <a:ea typeface="+mn-ea"/>
+                <a:cs typeface="+mn-cs"/>
+              </a:defRPr>
+            </a:lvl9pPr>
+          </a:lstStyle>
+          <a:p>
+            <a:pPr algn="r"/>
+            <a:r>
+              <a:rPr lang="en-US" dirty="0" smtClean="0">
+                <a:solidFill>
+                  <a:srgbClr val="FFFFFF"/>
+                </a:solidFill>
+              </a:rPr>
+              <a:t>Jeff Baker</a:t>
+            </a:r>
+          </a:p>
+          <a:p>
+            <a:pPr algn="r"/>
+            <a:r>
+              <a:rPr lang="en-US" dirty="0" smtClean="0">
+                <a:solidFill>
+                  <a:srgbClr val="FFFFFF"/>
+                </a:solidFill>
+              </a:rPr>
+              <a:t>Griffin Okamoto</a:t>
+            </a:r>
+          </a:p>
+          <a:p>
+            <a:pPr algn="r"/>
+            <a:r>
+              <a:rPr lang="en-US" dirty="0" smtClean="0">
+                <a:solidFill>
+                  <a:srgbClr val="FFFFFF"/>
+                </a:solidFill>
+              </a:rPr>
+              <a:t> Kailey Hoo</a:t>
+            </a:r>
+            <a:endParaRPr lang="en-US" dirty="0">
+              <a:solidFill>
+                <a:srgbClr val="FFFFFF"/>
+              </a:solidFill>
+            </a:endParaRPr>
+          </a:p>
+        </p:txBody>
+      </p:sp>
     </p:spTree>
     <p:extLst>
       <p:ext uri="{BB962C8B-B14F-4D97-AF65-F5344CB8AC3E}">
-        <p14:creationId xmlns:p14="http://schemas.microsoft.com/office/powerpoint/2010/main" val="1310367751"/>
+        <p14:creationId xmlns:p14="http://schemas.microsoft.com/office/powerpoint/2010/main" val="3692891470"/>
       </p:ext>
     </p:extLst>
   </p:cSld>
@@ -7277,6 +8828,29 @@
               <a:rPr lang="en-US" dirty="0" smtClean="0"/>
               <a:t>Outcomes</a:t>
             </a:r>
+            <a:endParaRPr lang="en-US" dirty="0"/>
+          </a:p>
+        </p:txBody>
+      </p:sp>
+      <p:sp>
+        <p:nvSpPr>
+          <p:cNvPr id="5" name="Slide Number Placeholder 4"/>
+          <p:cNvSpPr>
+            <a:spLocks noGrp="1"/>
+          </p:cNvSpPr>
+          <p:nvPr>
+            <p:ph type="sldNum" sz="quarter" idx="12"/>
+          </p:nvPr>
+        </p:nvSpPr>
+        <p:spPr/>
+        <p:txBody>
+          <a:bodyPr/>
+          <a:lstStyle/>
+          <a:p>
+            <a:fld id="{7B7E4D09-A1A9-C14F-A048-20573D76504F}" type="slidenum">
+              <a:rPr lang="en-US" smtClean="0"/>
+              <a:t>2</a:t>
+            </a:fld>
             <a:endParaRPr lang="en-US" dirty="0"/>
           </a:p>
         </p:txBody>
@@ -7390,8 +8964,13 @@
             </a:avLst>
           </a:prstGeom>
           <a:solidFill>
-            <a:schemeClr val="tx2"/>
+            <a:srgbClr val="404040"/>
           </a:solidFill>
+          <a:ln>
+            <a:solidFill>
+              <a:schemeClr val="tx1"/>
+            </a:solidFill>
+          </a:ln>
         </p:spPr>
         <p:style>
           <a:lnRef idx="2">
@@ -7483,6 +9062,29 @@
           </a:ln>
         </p:spPr>
       </p:pic>
+      <p:sp>
+        <p:nvSpPr>
+          <p:cNvPr id="3" name="Slide Number Placeholder 2"/>
+          <p:cNvSpPr>
+            <a:spLocks noGrp="1"/>
+          </p:cNvSpPr>
+          <p:nvPr>
+            <p:ph type="sldNum" sz="quarter" idx="12"/>
+          </p:nvPr>
+        </p:nvSpPr>
+        <p:spPr/>
+        <p:txBody>
+          <a:bodyPr/>
+          <a:lstStyle/>
+          <a:p>
+            <a:fld id="{7B7E4D09-A1A9-C14F-A048-20573D76504F}" type="slidenum">
+              <a:rPr lang="en-US" smtClean="0"/>
+              <a:t>3</a:t>
+            </a:fld>
+            <a:endParaRPr lang="en-US" dirty="0"/>
+          </a:p>
+        </p:txBody>
+      </p:sp>
     </p:spTree>
     <p:extLst>
       <p:ext uri="{BB962C8B-B14F-4D97-AF65-F5344CB8AC3E}">
@@ -7679,7 +9281,7 @@
             <p:ph idx="1"/>
             <p:extLst>
               <p:ext uri="{D42A27DB-BD31-4B8C-83A1-F6EECF244321}">
-                <p14:modId xmlns:p14="http://schemas.microsoft.com/office/powerpoint/2010/main" val="3143953223"/>
+                <p14:modId xmlns:p14="http://schemas.microsoft.com/office/powerpoint/2010/main" val="1160510820"/>
               </p:ext>
             </p:extLst>
           </p:nvPr>
@@ -7782,6 +9384,29 @@
           </a:p>
         </p:txBody>
       </p:sp>
+      <p:sp>
+        <p:nvSpPr>
+          <p:cNvPr id="3" name="Slide Number Placeholder 2"/>
+          <p:cNvSpPr>
+            <a:spLocks noGrp="1"/>
+          </p:cNvSpPr>
+          <p:nvPr>
+            <p:ph type="sldNum" sz="quarter" idx="12"/>
+          </p:nvPr>
+        </p:nvSpPr>
+        <p:spPr/>
+        <p:txBody>
+          <a:bodyPr/>
+          <a:lstStyle/>
+          <a:p>
+            <a:fld id="{7B7E4D09-A1A9-C14F-A048-20573D76504F}" type="slidenum">
+              <a:rPr lang="en-US" smtClean="0"/>
+              <a:t>4</a:t>
+            </a:fld>
+            <a:endParaRPr lang="en-US" dirty="0"/>
+          </a:p>
+        </p:txBody>
+      </p:sp>
     </p:spTree>
     <p:extLst>
       <p:ext uri="{BB962C8B-B14F-4D97-AF65-F5344CB8AC3E}">
@@ -7792,11 +9417,11 @@
   <p:clrMapOvr>
     <a:masterClrMapping/>
   </p:clrMapOvr>
-  <mc:AlternateContent xmlns:mc="http://schemas.openxmlformats.org/markup-compatibility/2006">
-    <mc:Choice xmlns:p14="http://schemas.microsoft.com/office/powerpoint/2010/main" Requires="p14">
+  <mc:AlternateContent xmlns:mc="http://schemas.openxmlformats.org/markup-compatibility/2006" xmlns:p14="http://schemas.microsoft.com/office/powerpoint/2010/main">
+    <mc:Choice Requires="p14">
       <p:transition p14:dur="0"/>
     </mc:Choice>
-    <mc:Fallback>
+    <mc:Fallback xmlns="">
       <p:transition xmlns:p14="http://schemas.microsoft.com/office/powerpoint/2010/main"/>
     </mc:Fallback>
   </mc:AlternateContent>
@@ -8001,6 +9626,29 @@
           </a:p>
         </p:txBody>
       </p:sp>
+      <p:sp>
+        <p:nvSpPr>
+          <p:cNvPr id="4" name="Slide Number Placeholder 3"/>
+          <p:cNvSpPr>
+            <a:spLocks noGrp="1"/>
+          </p:cNvSpPr>
+          <p:nvPr>
+            <p:ph type="sldNum" sz="quarter" idx="12"/>
+          </p:nvPr>
+        </p:nvSpPr>
+        <p:spPr/>
+        <p:txBody>
+          <a:bodyPr/>
+          <a:lstStyle/>
+          <a:p>
+            <a:fld id="{7B7E4D09-A1A9-C14F-A048-20573D76504F}" type="slidenum">
+              <a:rPr lang="en-US" smtClean="0"/>
+              <a:t>5</a:t>
+            </a:fld>
+            <a:endParaRPr lang="en-US" dirty="0"/>
+          </a:p>
+        </p:txBody>
+      </p:sp>
     </p:spTree>
     <p:extLst>
       <p:ext uri="{BB962C8B-B14F-4D97-AF65-F5344CB8AC3E}">
@@ -8121,6 +9769,29 @@
           </a:prstGeom>
         </p:spPr>
       </p:pic>
+      <p:sp>
+        <p:nvSpPr>
+          <p:cNvPr id="3" name="Slide Number Placeholder 2"/>
+          <p:cNvSpPr>
+            <a:spLocks noGrp="1"/>
+          </p:cNvSpPr>
+          <p:nvPr>
+            <p:ph type="sldNum" sz="quarter" idx="12"/>
+          </p:nvPr>
+        </p:nvSpPr>
+        <p:spPr/>
+        <p:txBody>
+          <a:bodyPr/>
+          <a:lstStyle/>
+          <a:p>
+            <a:fld id="{7B7E4D09-A1A9-C14F-A048-20573D76504F}" type="slidenum">
+              <a:rPr lang="en-US" smtClean="0"/>
+              <a:t>6</a:t>
+            </a:fld>
+            <a:endParaRPr lang="en-US" dirty="0"/>
+          </a:p>
+        </p:txBody>
+      </p:sp>
     </p:spTree>
     <p:extLst>
       <p:ext uri="{BB962C8B-B14F-4D97-AF65-F5344CB8AC3E}">
@@ -8499,6 +10170,29 @@
           </a:p>
         </p:txBody>
       </p:sp>
+      <p:sp>
+        <p:nvSpPr>
+          <p:cNvPr id="4" name="Slide Number Placeholder 3"/>
+          <p:cNvSpPr>
+            <a:spLocks noGrp="1"/>
+          </p:cNvSpPr>
+          <p:nvPr>
+            <p:ph type="sldNum" sz="quarter" idx="12"/>
+          </p:nvPr>
+        </p:nvSpPr>
+        <p:spPr/>
+        <p:txBody>
+          <a:bodyPr/>
+          <a:lstStyle/>
+          <a:p>
+            <a:fld id="{7B7E4D09-A1A9-C14F-A048-20573D76504F}" type="slidenum">
+              <a:rPr lang="en-US" smtClean="0"/>
+              <a:t>7</a:t>
+            </a:fld>
+            <a:endParaRPr lang="en-US" dirty="0"/>
+          </a:p>
+        </p:txBody>
+      </p:sp>
     </p:spTree>
     <p:extLst>
       <p:ext uri="{BB962C8B-B14F-4D97-AF65-F5344CB8AC3E}">
@@ -8697,6 +10391,29 @@
           </a:graphicData>
         </a:graphic>
       </p:graphicFrame>
+      <p:sp>
+        <p:nvSpPr>
+          <p:cNvPr id="4" name="Slide Number Placeholder 3"/>
+          <p:cNvSpPr>
+            <a:spLocks noGrp="1"/>
+          </p:cNvSpPr>
+          <p:nvPr>
+            <p:ph type="sldNum" sz="quarter" idx="12"/>
+          </p:nvPr>
+        </p:nvSpPr>
+        <p:spPr/>
+        <p:txBody>
+          <a:bodyPr/>
+          <a:lstStyle/>
+          <a:p>
+            <a:fld id="{7B7E4D09-A1A9-C14F-A048-20573D76504F}" type="slidenum">
+              <a:rPr lang="en-US" smtClean="0"/>
+              <a:t>8</a:t>
+            </a:fld>
+            <a:endParaRPr lang="en-US" dirty="0"/>
+          </a:p>
+        </p:txBody>
+      </p:sp>
     </p:spTree>
     <p:extLst>
       <p:ext uri="{BB962C8B-B14F-4D97-AF65-F5344CB8AC3E}">
@@ -8741,13 +10458,13 @@
             <a:spLocks noGrp="1"/>
           </p:cNvSpPr>
           <p:nvPr>
-            <p:ph type="ctrTitle"/>
+            <p:ph type="ctrTitle" idx="4294967295"/>
           </p:nvPr>
         </p:nvSpPr>
         <p:spPr>
           <a:xfrm>
-            <a:off x="685800" y="2436769"/>
-            <a:ext cx="7772400" cy="1470025"/>
+            <a:off x="358588" y="2436813"/>
+            <a:ext cx="8785412" cy="1470025"/>
           </a:xfrm>
         </p:spPr>
         <p:txBody>
@@ -9436,4 +11153,324 @@
   </a:objectDefaults>
   <a:extraClrSchemeLst/>
 </a:theme>
+</file>
+
+<file path=ppt/theme/theme3.xml><?xml version="1.0" encoding="utf-8"?>
+<a:theme xmlns:a="http://schemas.openxmlformats.org/drawingml/2006/main" name="Office Theme">
+  <a:themeElements>
+    <a:clrScheme name="Office">
+      <a:dk1>
+        <a:sysClr val="windowText" lastClr="000000"/>
+      </a:dk1>
+      <a:lt1>
+        <a:sysClr val="window" lastClr="FFFFFF"/>
+      </a:lt1>
+      <a:dk2>
+        <a:srgbClr val="1F497D"/>
+      </a:dk2>
+      <a:lt2>
+        <a:srgbClr val="EEECE1"/>
+      </a:lt2>
+      <a:accent1>
+        <a:srgbClr val="4F81BD"/>
+      </a:accent1>
+      <a:accent2>
+        <a:srgbClr val="C0504D"/>
+      </a:accent2>
+      <a:accent3>
+        <a:srgbClr val="9BBB59"/>
+      </a:accent3>
+      <a:accent4>
+        <a:srgbClr val="8064A2"/>
+      </a:accent4>
+      <a:accent5>
+        <a:srgbClr val="4BACC6"/>
+      </a:accent5>
+      <a:accent6>
+        <a:srgbClr val="F79646"/>
+      </a:accent6>
+      <a:hlink>
+        <a:srgbClr val="0000FF"/>
+      </a:hlink>
+      <a:folHlink>
+        <a:srgbClr val="800080"/>
+      </a:folHlink>
+    </a:clrScheme>
+    <a:fontScheme name="Office">
+      <a:majorFont>
+        <a:latin typeface="Calibri"/>
+        <a:ea typeface=""/>
+        <a:cs typeface=""/>
+        <a:font script="Jpan" typeface="ＭＳ Ｐゴシック"/>
+        <a:font script="Hang" typeface="맑은 고딕"/>
+        <a:font script="Hans" typeface="宋体"/>
+        <a:font script="Hant" typeface="新細明體"/>
+        <a:font script="Arab" typeface="Times New Roman"/>
+        <a:font script="Hebr" typeface="Times New Roman"/>
+        <a:font script="Thai" typeface="Angsana New"/>
+        <a:font script="Ethi" typeface="Nyala"/>
+        <a:font script="Beng" typeface="Vrinda"/>
+        <a:font script="Gujr" typeface="Shruti"/>
+        <a:font script="Khmr" typeface="MoolBoran"/>
+        <a:font script="Knda" typeface="Tunga"/>
+        <a:font script="Guru" typeface="Raavi"/>
+        <a:font script="Cans" typeface="Euphemia"/>
+        <a:font script="Cher" typeface="Plantagenet Cherokee"/>
+        <a:font script="Yiii" typeface="Microsoft Yi Baiti"/>
+        <a:font script="Tibt" typeface="Microsoft Himalaya"/>
+        <a:font script="Thaa" typeface="MV Boli"/>
+        <a:font script="Deva" typeface="Mangal"/>
+        <a:font script="Telu" typeface="Gautami"/>
+        <a:font script="Taml" typeface="Latha"/>
+        <a:font script="Syrc" typeface="Estrangelo Edessa"/>
+        <a:font script="Orya" typeface="Kalinga"/>
+        <a:font script="Mlym" typeface="Kartika"/>
+        <a:font script="Laoo" typeface="DokChampa"/>
+        <a:font script="Sinh" typeface="Iskoola Pota"/>
+        <a:font script="Mong" typeface="Mongolian Baiti"/>
+        <a:font script="Viet" typeface="Times New Roman"/>
+        <a:font script="Uigh" typeface="Microsoft Uighur"/>
+        <a:font script="Geor" typeface="Sylfaen"/>
+      </a:majorFont>
+      <a:minorFont>
+        <a:latin typeface="Calibri"/>
+        <a:ea typeface=""/>
+        <a:cs typeface=""/>
+        <a:font script="Jpan" typeface="ＭＳ Ｐゴシック"/>
+        <a:font script="Hang" typeface="맑은 고딕"/>
+        <a:font script="Hans" typeface="宋体"/>
+        <a:font script="Hant" typeface="新細明體"/>
+        <a:font script="Arab" typeface="Arial"/>
+        <a:font script="Hebr" typeface="Arial"/>
+        <a:font script="Thai" typeface="Cordia New"/>
+        <a:font script="Ethi" typeface="Nyala"/>
+        <a:font script="Beng" typeface="Vrinda"/>
+        <a:font script="Gujr" typeface="Shruti"/>
+        <a:font script="Khmr" typeface="DaunPenh"/>
+        <a:font script="Knda" typeface="Tunga"/>
+        <a:font script="Guru" typeface="Raavi"/>
+        <a:font script="Cans" typeface="Euphemia"/>
+        <a:font script="Cher" typeface="Plantagenet Cherokee"/>
+        <a:font script="Yiii" typeface="Microsoft Yi Baiti"/>
+        <a:font script="Tibt" typeface="Microsoft Himalaya"/>
+        <a:font script="Thaa" typeface="MV Boli"/>
+        <a:font script="Deva" typeface="Mangal"/>
+        <a:font script="Telu" typeface="Gautami"/>
+        <a:font script="Taml" typeface="Latha"/>
+        <a:font script="Syrc" typeface="Estrangelo Edessa"/>
+        <a:font script="Orya" typeface="Kalinga"/>
+        <a:font script="Mlym" typeface="Kartika"/>
+        <a:font script="Laoo" typeface="DokChampa"/>
+        <a:font script="Sinh" typeface="Iskoola Pota"/>
+        <a:font script="Mong" typeface="Mongolian Baiti"/>
+        <a:font script="Viet" typeface="Arial"/>
+        <a:font script="Uigh" typeface="Microsoft Uighur"/>
+        <a:font script="Geor" typeface="Sylfaen"/>
+      </a:minorFont>
+    </a:fontScheme>
+    <a:fmtScheme name="Office">
+      <a:fillStyleLst>
+        <a:solidFill>
+          <a:schemeClr val="phClr"/>
+        </a:solidFill>
+        <a:gradFill rotWithShape="1">
+          <a:gsLst>
+            <a:gs pos="0">
+              <a:schemeClr val="phClr">
+                <a:tint val="50000"/>
+                <a:satMod val="300000"/>
+              </a:schemeClr>
+            </a:gs>
+            <a:gs pos="35000">
+              <a:schemeClr val="phClr">
+                <a:tint val="37000"/>
+                <a:satMod val="300000"/>
+              </a:schemeClr>
+            </a:gs>
+            <a:gs pos="100000">
+              <a:schemeClr val="phClr">
+                <a:tint val="15000"/>
+                <a:satMod val="350000"/>
+              </a:schemeClr>
+            </a:gs>
+          </a:gsLst>
+          <a:lin ang="16200000" scaled="1"/>
+        </a:gradFill>
+        <a:gradFill rotWithShape="1">
+          <a:gsLst>
+            <a:gs pos="0">
+              <a:schemeClr val="phClr">
+                <a:tint val="100000"/>
+                <a:shade val="100000"/>
+                <a:satMod val="130000"/>
+              </a:schemeClr>
+            </a:gs>
+            <a:gs pos="100000">
+              <a:schemeClr val="phClr">
+                <a:tint val="50000"/>
+                <a:shade val="100000"/>
+                <a:satMod val="350000"/>
+              </a:schemeClr>
+            </a:gs>
+          </a:gsLst>
+          <a:lin ang="16200000" scaled="0"/>
+        </a:gradFill>
+      </a:fillStyleLst>
+      <a:lnStyleLst>
+        <a:ln w="9525" cap="flat" cmpd="sng" algn="ctr">
+          <a:solidFill>
+            <a:schemeClr val="phClr">
+              <a:shade val="95000"/>
+              <a:satMod val="105000"/>
+            </a:schemeClr>
+          </a:solidFill>
+          <a:prstDash val="solid"/>
+        </a:ln>
+        <a:ln w="25400" cap="flat" cmpd="sng" algn="ctr">
+          <a:solidFill>
+            <a:schemeClr val="phClr"/>
+          </a:solidFill>
+          <a:prstDash val="solid"/>
+        </a:ln>
+        <a:ln w="38100" cap="flat" cmpd="sng" algn="ctr">
+          <a:solidFill>
+            <a:schemeClr val="phClr"/>
+          </a:solidFill>
+          <a:prstDash val="solid"/>
+        </a:ln>
+      </a:lnStyleLst>
+      <a:effectStyleLst>
+        <a:effectStyle>
+          <a:effectLst>
+            <a:outerShdw blurRad="40000" dist="20000" dir="5400000" rotWithShape="0">
+              <a:srgbClr val="000000">
+                <a:alpha val="38000"/>
+              </a:srgbClr>
+            </a:outerShdw>
+          </a:effectLst>
+        </a:effectStyle>
+        <a:effectStyle>
+          <a:effectLst>
+            <a:outerShdw blurRad="40000" dist="23000" dir="5400000" rotWithShape="0">
+              <a:srgbClr val="000000">
+                <a:alpha val="35000"/>
+              </a:srgbClr>
+            </a:outerShdw>
+          </a:effectLst>
+        </a:effectStyle>
+        <a:effectStyle>
+          <a:effectLst>
+            <a:outerShdw blurRad="40000" dist="23000" dir="5400000" rotWithShape="0">
+              <a:srgbClr val="000000">
+                <a:alpha val="35000"/>
+              </a:srgbClr>
+            </a:outerShdw>
+          </a:effectLst>
+          <a:scene3d>
+            <a:camera prst="orthographicFront">
+              <a:rot lat="0" lon="0" rev="0"/>
+            </a:camera>
+            <a:lightRig rig="threePt" dir="t">
+              <a:rot lat="0" lon="0" rev="1200000"/>
+            </a:lightRig>
+          </a:scene3d>
+          <a:sp3d>
+            <a:bevelT w="63500" h="25400"/>
+          </a:sp3d>
+        </a:effectStyle>
+      </a:effectStyleLst>
+      <a:bgFillStyleLst>
+        <a:solidFill>
+          <a:schemeClr val="phClr"/>
+        </a:solidFill>
+        <a:gradFill rotWithShape="1">
+          <a:gsLst>
+            <a:gs pos="0">
+              <a:schemeClr val="phClr">
+                <a:tint val="40000"/>
+                <a:satMod val="350000"/>
+              </a:schemeClr>
+            </a:gs>
+            <a:gs pos="40000">
+              <a:schemeClr val="phClr">
+                <a:tint val="45000"/>
+                <a:shade val="99000"/>
+                <a:satMod val="350000"/>
+              </a:schemeClr>
+            </a:gs>
+            <a:gs pos="100000">
+              <a:schemeClr val="phClr">
+                <a:shade val="20000"/>
+                <a:satMod val="255000"/>
+              </a:schemeClr>
+            </a:gs>
+          </a:gsLst>
+          <a:path path="circle">
+            <a:fillToRect l="50000" t="-80000" r="50000" b="180000"/>
+          </a:path>
+        </a:gradFill>
+        <a:gradFill rotWithShape="1">
+          <a:gsLst>
+            <a:gs pos="0">
+              <a:schemeClr val="phClr">
+                <a:tint val="80000"/>
+                <a:satMod val="300000"/>
+              </a:schemeClr>
+            </a:gs>
+            <a:gs pos="100000">
+              <a:schemeClr val="phClr">
+                <a:shade val="30000"/>
+                <a:satMod val="200000"/>
+              </a:schemeClr>
+            </a:gs>
+          </a:gsLst>
+          <a:path path="circle">
+            <a:fillToRect l="50000" t="50000" r="50000" b="50000"/>
+          </a:path>
+        </a:gradFill>
+      </a:bgFillStyleLst>
+    </a:fmtScheme>
+  </a:themeElements>
+  <a:objectDefaults>
+    <a:spDef>
+      <a:spPr/>
+      <a:bodyPr/>
+      <a:lstStyle/>
+      <a:style>
+        <a:lnRef idx="1">
+          <a:schemeClr val="accent1"/>
+        </a:lnRef>
+        <a:fillRef idx="3">
+          <a:schemeClr val="accent1"/>
+        </a:fillRef>
+        <a:effectRef idx="2">
+          <a:schemeClr val="accent1"/>
+        </a:effectRef>
+        <a:fontRef idx="minor">
+          <a:schemeClr val="lt1"/>
+        </a:fontRef>
+      </a:style>
+    </a:spDef>
+    <a:lnDef>
+      <a:spPr/>
+      <a:bodyPr/>
+      <a:lstStyle/>
+      <a:style>
+        <a:lnRef idx="2">
+          <a:schemeClr val="accent1"/>
+        </a:lnRef>
+        <a:fillRef idx="0">
+          <a:schemeClr val="accent1"/>
+        </a:fillRef>
+        <a:effectRef idx="1">
+          <a:schemeClr val="accent1"/>
+        </a:effectRef>
+        <a:fontRef idx="minor">
+          <a:schemeClr val="tx1"/>
+        </a:fontRef>
+      </a:style>
+    </a:lnDef>
+  </a:objectDefaults>
+  <a:extraClrSchemeLst/>
+</a:theme>
 </file>
--- a/advML_final_presentation.pptx
+++ b/advML_final_presentation.pptx
@@ -5,21 +5,20 @@
     <p:sldMasterId id="2147483945" r:id="rId1"/>
   </p:sldMasterIdLst>
   <p:notesMasterIdLst>
-    <p:notesMasterId r:id="rId11"/>
+    <p:notesMasterId r:id="rId10"/>
   </p:notesMasterIdLst>
   <p:handoutMasterIdLst>
-    <p:handoutMasterId r:id="rId12"/>
+    <p:handoutMasterId r:id="rId11"/>
   </p:handoutMasterIdLst>
   <p:sldIdLst>
     <p:sldId id="256" r:id="rId2"/>
-    <p:sldId id="257" r:id="rId3"/>
-    <p:sldId id="258" r:id="rId4"/>
-    <p:sldId id="260" r:id="rId5"/>
+    <p:sldId id="258" r:id="rId3"/>
+    <p:sldId id="260" r:id="rId4"/>
+    <p:sldId id="262" r:id="rId5"/>
     <p:sldId id="261" r:id="rId6"/>
-    <p:sldId id="262" r:id="rId7"/>
-    <p:sldId id="265" r:id="rId8"/>
-    <p:sldId id="266" r:id="rId9"/>
-    <p:sldId id="263" r:id="rId10"/>
+    <p:sldId id="265" r:id="rId7"/>
+    <p:sldId id="266" r:id="rId8"/>
+    <p:sldId id="263" r:id="rId9"/>
   </p:sldIdLst>
   <p:sldSz cx="9144000" cy="6858000" type="screen4x3"/>
   <p:notesSz cx="6858000" cy="9144000"/>
@@ -3578,6 +3577,14 @@
           <a:bodyPr/>
           <a:lstStyle/>
           <a:p>
+            <a:r>
+              <a:rPr lang="en-US" dirty="0" smtClean="0"/>
+              <a:t>Outline: Project Overview, Workflow,</a:t>
+            </a:r>
+            <a:r>
+              <a:rPr lang="en-US" baseline="0" dirty="0" smtClean="0"/>
+              <a:t> Challenges, Feature Engineering, Model Selection, Next Steps</a:t>
+            </a:r>
             <a:endParaRPr lang="en-US" dirty="0"/>
           </a:p>
         </p:txBody>
@@ -3687,7 +3694,7 @@
           <a:p>
             <a:fld id="{E62071CC-3D4A-4349-B91F-BD9682BEE911}" type="slidenum">
               <a:rPr lang="en-US" smtClean="0"/>
-              <a:t>3</a:t>
+              <a:t>2</a:t>
             </a:fld>
             <a:endParaRPr lang="en-US"/>
           </a:p>
@@ -3750,6 +3757,10 @@
           <a:bodyPr/>
           <a:lstStyle/>
           <a:p>
+            <a:r>
+              <a:rPr lang="en-US" dirty="0" smtClean="0"/>
+              <a:t>Our biggest challenge: sanitizing our training and testing data</a:t>
+            </a:r>
             <a:endParaRPr lang="en-US" dirty="0"/>
           </a:p>
         </p:txBody>
@@ -3771,7 +3782,7 @@
           <a:p>
             <a:fld id="{E62071CC-3D4A-4349-B91F-BD9682BEE911}" type="slidenum">
               <a:rPr lang="en-US" smtClean="0"/>
-              <a:t>5</a:t>
+              <a:t>4</a:t>
             </a:fld>
             <a:endParaRPr lang="en-US"/>
           </a:p>
@@ -3780,7 +3791,7 @@
     </p:spTree>
     <p:extLst>
       <p:ext uri="{BB962C8B-B14F-4D97-AF65-F5344CB8AC3E}">
-        <p14:creationId xmlns:p14="http://schemas.microsoft.com/office/powerpoint/2010/main" val="2120283149"/>
+        <p14:creationId xmlns:p14="http://schemas.microsoft.com/office/powerpoint/2010/main" val="3217748303"/>
       </p:ext>
     </p:extLst>
   </p:cSld>
@@ -3834,10 +3845,6 @@
           <a:bodyPr/>
           <a:lstStyle/>
           <a:p>
-            <a:r>
-              <a:rPr lang="en-US" dirty="0" smtClean="0"/>
-              <a:t>Our biggest challenge: sanitizing our training and testing data</a:t>
-            </a:r>
             <a:endParaRPr lang="en-US" dirty="0"/>
           </a:p>
         </p:txBody>
@@ -3859,7 +3866,7 @@
           <a:p>
             <a:fld id="{E62071CC-3D4A-4349-B91F-BD9682BEE911}" type="slidenum">
               <a:rPr lang="en-US" smtClean="0"/>
-              <a:t>6</a:t>
+              <a:t>5</a:t>
             </a:fld>
             <a:endParaRPr lang="en-US"/>
           </a:p>
@@ -3868,7 +3875,7 @@
     </p:spTree>
     <p:extLst>
       <p:ext uri="{BB962C8B-B14F-4D97-AF65-F5344CB8AC3E}">
-        <p14:creationId xmlns:p14="http://schemas.microsoft.com/office/powerpoint/2010/main" val="3217748303"/>
+        <p14:creationId xmlns:p14="http://schemas.microsoft.com/office/powerpoint/2010/main" val="2120283149"/>
       </p:ext>
     </p:extLst>
   </p:cSld>
@@ -3943,99 +3950,7 @@
           <a:p>
             <a:fld id="{E62071CC-3D4A-4349-B91F-BD9682BEE911}" type="slidenum">
               <a:rPr lang="en-US" smtClean="0"/>
-              <a:t>7</a:t>
-            </a:fld>
-            <a:endParaRPr lang="en-US"/>
-          </a:p>
-        </p:txBody>
-      </p:sp>
-    </p:spTree>
-    <p:extLst>
-      <p:ext uri="{BB962C8B-B14F-4D97-AF65-F5344CB8AC3E}">
-        <p14:creationId xmlns:p14="http://schemas.microsoft.com/office/powerpoint/2010/main" val="3217748303"/>
-      </p:ext>
-    </p:extLst>
-  </p:cSld>
-  <p:clrMapOvr>
-    <a:masterClrMapping/>
-  </p:clrMapOvr>
-</p:notes>
-</file>
-
-<file path=ppt/notesSlides/notesSlide6.xml><?xml version="1.0" encoding="utf-8"?>
-<p:notes xmlns:a="http://schemas.openxmlformats.org/drawingml/2006/main" xmlns:r="http://schemas.openxmlformats.org/officeDocument/2006/relationships" xmlns:p="http://schemas.openxmlformats.org/presentationml/2006/main">
-  <p:cSld>
-    <p:spTree>
-      <p:nvGrpSpPr>
-        <p:cNvPr id="1" name=""/>
-        <p:cNvGrpSpPr/>
-        <p:nvPr/>
-      </p:nvGrpSpPr>
-      <p:grpSpPr>
-        <a:xfrm>
-          <a:off x="0" y="0"/>
-          <a:ext cx="0" cy="0"/>
-          <a:chOff x="0" y="0"/>
-          <a:chExt cx="0" cy="0"/>
-        </a:xfrm>
-      </p:grpSpPr>
-      <p:sp>
-        <p:nvSpPr>
-          <p:cNvPr id="2" name="Slide Image Placeholder 1"/>
-          <p:cNvSpPr>
-            <a:spLocks noGrp="1" noRot="1" noChangeAspect="1"/>
-          </p:cNvSpPr>
-          <p:nvPr>
-            <p:ph type="sldImg"/>
-          </p:nvPr>
-        </p:nvSpPr>
-        <p:spPr/>
-      </p:sp>
-      <p:sp>
-        <p:nvSpPr>
-          <p:cNvPr id="3" name="Notes Placeholder 2"/>
-          <p:cNvSpPr>
-            <a:spLocks noGrp="1"/>
-          </p:cNvSpPr>
-          <p:nvPr>
-            <p:ph type="body" idx="1"/>
-          </p:nvPr>
-        </p:nvSpPr>
-        <p:spPr/>
-        <p:txBody>
-          <a:bodyPr/>
-          <a:lstStyle/>
-          <a:p>
-            <a:r>
-              <a:rPr lang="en-US" dirty="0" smtClean="0"/>
-              <a:t>Our biggest hurdle</a:t>
-            </a:r>
-            <a:r>
-              <a:rPr lang="en-US" smtClean="0"/>
-              <a:t>: predicting </a:t>
-            </a:r>
-            <a:endParaRPr lang="en-US"/>
-          </a:p>
-        </p:txBody>
-      </p:sp>
-      <p:sp>
-        <p:nvSpPr>
-          <p:cNvPr id="4" name="Slide Number Placeholder 3"/>
-          <p:cNvSpPr>
-            <a:spLocks noGrp="1"/>
-          </p:cNvSpPr>
-          <p:nvPr>
-            <p:ph type="sldNum" sz="quarter" idx="10"/>
-          </p:nvPr>
-        </p:nvSpPr>
-        <p:spPr/>
-        <p:txBody>
-          <a:bodyPr/>
-          <a:lstStyle/>
-          <a:p>
-            <a:fld id="{E62071CC-3D4A-4349-B91F-BD9682BEE911}" type="slidenum">
-              <a:rPr lang="en-US" smtClean="0"/>
-              <a:t>8</a:t>
+              <a:t>6</a:t>
             </a:fld>
             <a:endParaRPr lang="en-US"/>
           </a:p>
@@ -8777,133 +8692,6 @@
         </p:nvSpPr>
         <p:spPr/>
         <p:txBody>
-          <a:bodyPr>
-            <a:normAutofit/>
-          </a:bodyPr>
-          <a:lstStyle/>
-          <a:p>
-            <a:pPr algn="l"/>
-            <a:r>
-              <a:rPr lang="en-US" dirty="0" smtClean="0"/>
-              <a:t>Outline</a:t>
-            </a:r>
-            <a:endParaRPr lang="en-US" dirty="0"/>
-          </a:p>
-        </p:txBody>
-      </p:sp>
-      <p:sp>
-        <p:nvSpPr>
-          <p:cNvPr id="3" name="Content Placeholder 2"/>
-          <p:cNvSpPr>
-            <a:spLocks noGrp="1"/>
-          </p:cNvSpPr>
-          <p:nvPr>
-            <p:ph idx="1"/>
-          </p:nvPr>
-        </p:nvSpPr>
-        <p:spPr/>
-        <p:txBody>
-          <a:bodyPr/>
-          <a:lstStyle/>
-          <a:p>
-            <a:r>
-              <a:rPr lang="en-US" dirty="0" smtClean="0"/>
-              <a:t>Project overview</a:t>
-            </a:r>
-          </a:p>
-          <a:p>
-            <a:r>
-              <a:rPr lang="en-US" dirty="0" smtClean="0"/>
-              <a:t>Feature engineering</a:t>
-            </a:r>
-          </a:p>
-          <a:p>
-            <a:r>
-              <a:rPr lang="en-US" dirty="0" smtClean="0"/>
-              <a:t>Model testing</a:t>
-            </a:r>
-          </a:p>
-          <a:p>
-            <a:r>
-              <a:rPr lang="en-US" dirty="0" smtClean="0"/>
-              <a:t>Outcomes</a:t>
-            </a:r>
-            <a:endParaRPr lang="en-US" dirty="0"/>
-          </a:p>
-        </p:txBody>
-      </p:sp>
-      <p:sp>
-        <p:nvSpPr>
-          <p:cNvPr id="5" name="Slide Number Placeholder 4"/>
-          <p:cNvSpPr>
-            <a:spLocks noGrp="1"/>
-          </p:cNvSpPr>
-          <p:nvPr>
-            <p:ph type="sldNum" sz="quarter" idx="12"/>
-          </p:nvPr>
-        </p:nvSpPr>
-        <p:spPr/>
-        <p:txBody>
-          <a:bodyPr/>
-          <a:lstStyle/>
-          <a:p>
-            <a:fld id="{7B7E4D09-A1A9-C14F-A048-20573D76504F}" type="slidenum">
-              <a:rPr lang="en-US" smtClean="0"/>
-              <a:t>2</a:t>
-            </a:fld>
-            <a:endParaRPr lang="en-US" dirty="0"/>
-          </a:p>
-        </p:txBody>
-      </p:sp>
-    </p:spTree>
-    <p:extLst>
-      <p:ext uri="{BB962C8B-B14F-4D97-AF65-F5344CB8AC3E}">
-        <p14:creationId xmlns:p14="http://schemas.microsoft.com/office/powerpoint/2010/main" val="1903808764"/>
-      </p:ext>
-    </p:extLst>
-  </p:cSld>
-  <p:clrMapOvr>
-    <a:masterClrMapping/>
-  </p:clrMapOvr>
-  <p:timing>
-    <p:tnLst>
-      <p:par>
-        <p:cTn xmlns:p14="http://schemas.microsoft.com/office/powerpoint/2010/main" id="1" dur="indefinite" restart="never" nodeType="tmRoot"/>
-      </p:par>
-    </p:tnLst>
-  </p:timing>
-</p:sld>
-</file>
-
-<file path=ppt/slides/slide3.xml><?xml version="1.0" encoding="utf-8"?>
-<p:sld xmlns:a="http://schemas.openxmlformats.org/drawingml/2006/main" xmlns:r="http://schemas.openxmlformats.org/officeDocument/2006/relationships" xmlns:p="http://schemas.openxmlformats.org/presentationml/2006/main">
-  <p:cSld>
-    <p:spTree>
-      <p:nvGrpSpPr>
-        <p:cNvPr id="1" name=""/>
-        <p:cNvGrpSpPr/>
-        <p:nvPr/>
-      </p:nvGrpSpPr>
-      <p:grpSpPr>
-        <a:xfrm>
-          <a:off x="0" y="0"/>
-          <a:ext cx="0" cy="0"/>
-          <a:chOff x="0" y="0"/>
-          <a:chExt cx="0" cy="0"/>
-        </a:xfrm>
-      </p:grpSpPr>
-      <p:sp>
-        <p:nvSpPr>
-          <p:cNvPr id="2" name="Title 1"/>
-          <p:cNvSpPr>
-            <a:spLocks noGrp="1"/>
-          </p:cNvSpPr>
-          <p:nvPr>
-            <p:ph type="title"/>
-          </p:nvPr>
-        </p:nvSpPr>
-        <p:spPr/>
-        <p:txBody>
           <a:bodyPr/>
           <a:lstStyle/>
           <a:p>
@@ -8938,7 +8726,7 @@
         </p:blipFill>
         <p:spPr>
           <a:xfrm>
-            <a:off x="1066540" y="3173799"/>
+            <a:off x="1066540" y="3427796"/>
             <a:ext cx="1844963" cy="1838534"/>
           </a:xfrm>
           <a:prstGeom prst="rect">
@@ -8954,7 +8742,7 @@
         </p:nvSpPr>
         <p:spPr>
           <a:xfrm>
-            <a:off x="3133705" y="3616768"/>
+            <a:off x="3133705" y="3781119"/>
             <a:ext cx="3009462" cy="952596"/>
           </a:xfrm>
           <a:prstGeom prst="stripedRightArrow">
@@ -9019,7 +8807,7 @@
         </p:blipFill>
         <p:spPr>
           <a:xfrm>
-            <a:off x="6541713" y="3844244"/>
+            <a:off x="6541713" y="3993654"/>
             <a:ext cx="1803400" cy="508000"/>
           </a:xfrm>
           <a:prstGeom prst="rect">
@@ -9027,9 +8815,32 @@
           </a:prstGeom>
         </p:spPr>
       </p:pic>
+      <p:sp>
+        <p:nvSpPr>
+          <p:cNvPr id="3" name="Slide Number Placeholder 2"/>
+          <p:cNvSpPr>
+            <a:spLocks noGrp="1"/>
+          </p:cNvSpPr>
+          <p:nvPr>
+            <p:ph type="sldNum" sz="quarter" idx="12"/>
+          </p:nvPr>
+        </p:nvSpPr>
+        <p:spPr/>
+        <p:txBody>
+          <a:bodyPr/>
+          <a:lstStyle/>
+          <a:p>
+            <a:fld id="{7B7E4D09-A1A9-C14F-A048-20573D76504F}" type="slidenum">
+              <a:rPr lang="en-US" smtClean="0"/>
+              <a:t>2</a:t>
+            </a:fld>
+            <a:endParaRPr lang="en-US" dirty="0"/>
+          </a:p>
+        </p:txBody>
+      </p:sp>
       <p:pic>
         <p:nvPicPr>
-          <p:cNvPr id="11" name="Picture 10" descr="Screen Shot 2015-03-10 at 3.19.51 PM.png"/>
+          <p:cNvPr id="8" name="Picture 7" descr="Screen Shot 2015-03-12 at 1.21.55 PM.png"/>
           <p:cNvPicPr>
             <a:picLocks noChangeAspect="1"/>
           </p:cNvPicPr>
@@ -9049,8 +8860,8 @@
         </p:blipFill>
         <p:spPr>
           <a:xfrm>
-            <a:off x="2553913" y="1738699"/>
-            <a:ext cx="3987800" cy="1435100"/>
+            <a:off x="1646487" y="1703295"/>
+            <a:ext cx="5851027" cy="1246372"/>
           </a:xfrm>
           <a:prstGeom prst="rect">
             <a:avLst/>
@@ -9062,29 +8873,6 @@
           </a:ln>
         </p:spPr>
       </p:pic>
-      <p:sp>
-        <p:nvSpPr>
-          <p:cNvPr id="3" name="Slide Number Placeholder 2"/>
-          <p:cNvSpPr>
-            <a:spLocks noGrp="1"/>
-          </p:cNvSpPr>
-          <p:nvPr>
-            <p:ph type="sldNum" sz="quarter" idx="12"/>
-          </p:nvPr>
-        </p:nvSpPr>
-        <p:spPr/>
-        <p:txBody>
-          <a:bodyPr/>
-          <a:lstStyle/>
-          <a:p>
-            <a:fld id="{7B7E4D09-A1A9-C14F-A048-20573D76504F}" type="slidenum">
-              <a:rPr lang="en-US" smtClean="0"/>
-              <a:t>3</a:t>
-            </a:fld>
-            <a:endParaRPr lang="en-US" dirty="0"/>
-          </a:p>
-        </p:txBody>
-      </p:sp>
     </p:spTree>
     <p:extLst>
       <p:ext uri="{BB962C8B-B14F-4D97-AF65-F5344CB8AC3E}">
@@ -9142,15 +8930,33 @@
                                   </p:childTnLst>
                                 </p:cTn>
                               </p:par>
+                            </p:childTnLst>
+                          </p:cTn>
+                        </p:par>
+                      </p:childTnLst>
+                    </p:cTn>
+                  </p:par>
+                  <p:par>
+                    <p:cTn id="7" fill="hold">
+                      <p:stCondLst>
+                        <p:cond delay="indefinite"/>
+                      </p:stCondLst>
+                      <p:childTnLst>
+                        <p:par>
+                          <p:cTn id="8" fill="hold">
+                            <p:stCondLst>
+                              <p:cond delay="0"/>
+                            </p:stCondLst>
+                            <p:childTnLst>
                               <p:par>
-                                <p:cTn id="7" presetID="1" presetClass="entr" presetSubtype="0" fill="hold" grpId="0" nodeType="withEffect">
+                                <p:cTn id="9" presetID="22" presetClass="entr" presetSubtype="8" fill="hold" grpId="0" nodeType="clickEffect">
                                   <p:stCondLst>
                                     <p:cond delay="0"/>
                                   </p:stCondLst>
                                   <p:childTnLst>
                                     <p:set>
                                       <p:cBhvr>
-                                        <p:cTn id="8" dur="1" fill="hold">
+                                        <p:cTn id="10" dur="1" fill="hold">
                                           <p:stCondLst>
                                             <p:cond delay="0"/>
                                           </p:stCondLst>
@@ -9166,18 +8972,35 @@
                                         <p:strVal val="visible"/>
                                       </p:to>
                                     </p:set>
+                                    <p:animEffect transition="in" filter="wipe(left)">
+                                      <p:cBhvr>
+                                        <p:cTn id="11" dur="1000"/>
+                                        <p:tgtEl>
+                                          <p:spTgt spid="7"/>
+                                        </p:tgtEl>
+                                      </p:cBhvr>
+                                    </p:animEffect>
                                   </p:childTnLst>
                                 </p:cTn>
                               </p:par>
+                            </p:childTnLst>
+                          </p:cTn>
+                        </p:par>
+                        <p:par>
+                          <p:cTn id="12" fill="hold">
+                            <p:stCondLst>
+                              <p:cond delay="1000"/>
+                            </p:stCondLst>
+                            <p:childTnLst>
                               <p:par>
-                                <p:cTn id="9" presetID="1" presetClass="entr" presetSubtype="0" fill="hold" nodeType="withEffect">
+                                <p:cTn id="13" presetID="1" presetClass="entr" presetSubtype="0" fill="hold" nodeType="afterEffect">
                                   <p:stCondLst>
                                     <p:cond delay="0"/>
                                   </p:stCondLst>
                                   <p:childTnLst>
                                     <p:set>
                                       <p:cBhvr>
-                                        <p:cTn id="10" dur="1" fill="hold">
+                                        <p:cTn id="14" dur="1" fill="hold">
                                           <p:stCondLst>
                                             <p:cond delay="0"/>
                                           </p:stCondLst>
@@ -9230,7 +9053,7 @@
 </p:sld>
 </file>
 
-<file path=ppt/slides/slide4.xml><?xml version="1.0" encoding="utf-8"?>
+<file path=ppt/slides/slide3.xml><?xml version="1.0" encoding="utf-8"?>
 <p:sld xmlns:a="http://schemas.openxmlformats.org/drawingml/2006/main" xmlns:r="http://schemas.openxmlformats.org/officeDocument/2006/relationships" xmlns:p="http://schemas.openxmlformats.org/presentationml/2006/main">
   <p:cSld>
     <p:spTree>
@@ -9401,7 +9224,7 @@
           <a:p>
             <a:fld id="{7B7E4D09-A1A9-C14F-A048-20573D76504F}" type="slidenum">
               <a:rPr lang="en-US" smtClean="0"/>
-              <a:t>4</a:t>
+              <a:t>3</a:t>
             </a:fld>
             <a:endParaRPr lang="en-US" dirty="0"/>
           </a:p>
@@ -9534,6 +9357,155 @@
 </p:sld>
 </file>
 
+<file path=ppt/slides/slide4.xml><?xml version="1.0" encoding="utf-8"?>
+<p:sld xmlns:a="http://schemas.openxmlformats.org/drawingml/2006/main" xmlns:r="http://schemas.openxmlformats.org/officeDocument/2006/relationships" xmlns:p="http://schemas.openxmlformats.org/presentationml/2006/main">
+  <p:cSld>
+    <p:spTree>
+      <p:nvGrpSpPr>
+        <p:cNvPr id="1" name=""/>
+        <p:cNvGrpSpPr/>
+        <p:nvPr/>
+      </p:nvGrpSpPr>
+      <p:grpSpPr>
+        <a:xfrm>
+          <a:off x="0" y="0"/>
+          <a:ext cx="0" cy="0"/>
+          <a:chOff x="0" y="0"/>
+          <a:chExt cx="0" cy="0"/>
+        </a:xfrm>
+      </p:grpSpPr>
+      <p:sp>
+        <p:nvSpPr>
+          <p:cNvPr id="2" name="Title 1"/>
+          <p:cNvSpPr>
+            <a:spLocks noGrp="1"/>
+          </p:cNvSpPr>
+          <p:nvPr>
+            <p:ph type="title"/>
+          </p:nvPr>
+        </p:nvSpPr>
+        <p:spPr/>
+        <p:txBody>
+          <a:bodyPr/>
+          <a:lstStyle/>
+          <a:p>
+            <a:pPr algn="l"/>
+            <a:r>
+              <a:rPr lang="en-US" dirty="0" smtClean="0"/>
+              <a:t>Challenge: Data Leakage</a:t>
+            </a:r>
+            <a:endParaRPr lang="en-US" dirty="0"/>
+          </a:p>
+        </p:txBody>
+      </p:sp>
+      <p:sp>
+        <p:nvSpPr>
+          <p:cNvPr id="7" name="Content Placeholder 6"/>
+          <p:cNvSpPr>
+            <a:spLocks noGrp="1"/>
+          </p:cNvSpPr>
+          <p:nvPr>
+            <p:ph idx="1"/>
+          </p:nvPr>
+        </p:nvSpPr>
+        <p:spPr/>
+        <p:txBody>
+          <a:bodyPr/>
+          <a:lstStyle/>
+          <a:p>
+            <a:r>
+              <a:rPr lang="en-US" dirty="0" smtClean="0"/>
+              <a:t>User </a:t>
+            </a:r>
+            <a:r>
+              <a:rPr lang="en-US" dirty="0" smtClean="0"/>
+              <a:t>and business overall review counts included</a:t>
+            </a:r>
+            <a:r>
+              <a:rPr lang="en-US" dirty="0"/>
+              <a:t> </a:t>
+            </a:r>
+            <a:r>
+              <a:rPr lang="en-US" dirty="0" smtClean="0"/>
+              <a:t>in test set data</a:t>
+            </a:r>
+            <a:endParaRPr lang="en-US" dirty="0" smtClean="0"/>
+          </a:p>
+        </p:txBody>
+      </p:sp>
+      <p:pic>
+        <p:nvPicPr>
+          <p:cNvPr id="8" name="Picture 7" descr="DLP.png"/>
+          <p:cNvPicPr>
+            <a:picLocks noChangeAspect="1"/>
+          </p:cNvPicPr>
+          <p:nvPr/>
+        </p:nvPicPr>
+        <p:blipFill>
+          <a:blip r:embed="rId3">
+            <a:extLst>
+              <a:ext uri="{28A0092B-C50C-407E-A947-70E740481C1C}">
+                <a14:useLocalDpi xmlns:a14="http://schemas.microsoft.com/office/drawing/2010/main" val="0"/>
+              </a:ext>
+            </a:extLst>
+          </a:blip>
+          <a:stretch>
+            <a:fillRect/>
+          </a:stretch>
+        </p:blipFill>
+        <p:spPr>
+          <a:xfrm>
+            <a:off x="2405727" y="3008386"/>
+            <a:ext cx="3810000" cy="2844800"/>
+          </a:xfrm>
+          <a:prstGeom prst="rect">
+            <a:avLst/>
+          </a:prstGeom>
+        </p:spPr>
+      </p:pic>
+      <p:sp>
+        <p:nvSpPr>
+          <p:cNvPr id="3" name="Slide Number Placeholder 2"/>
+          <p:cNvSpPr>
+            <a:spLocks noGrp="1"/>
+          </p:cNvSpPr>
+          <p:nvPr>
+            <p:ph type="sldNum" sz="quarter" idx="12"/>
+          </p:nvPr>
+        </p:nvSpPr>
+        <p:spPr/>
+        <p:txBody>
+          <a:bodyPr/>
+          <a:lstStyle/>
+          <a:p>
+            <a:fld id="{7B7E4D09-A1A9-C14F-A048-20573D76504F}" type="slidenum">
+              <a:rPr lang="en-US" smtClean="0"/>
+              <a:t>4</a:t>
+            </a:fld>
+            <a:endParaRPr lang="en-US" dirty="0"/>
+          </a:p>
+        </p:txBody>
+      </p:sp>
+    </p:spTree>
+    <p:extLst>
+      <p:ext uri="{BB962C8B-B14F-4D97-AF65-F5344CB8AC3E}">
+        <p14:creationId xmlns:p14="http://schemas.microsoft.com/office/powerpoint/2010/main" val="75321833"/>
+      </p:ext>
+    </p:extLst>
+  </p:cSld>
+  <p:clrMapOvr>
+    <a:masterClrMapping/>
+  </p:clrMapOvr>
+  <p:timing>
+    <p:tnLst>
+      <p:par>
+        <p:cTn xmlns:p14="http://schemas.microsoft.com/office/powerpoint/2010/main" id="1" dur="indefinite" restart="never" nodeType="tmRoot"/>
+      </p:par>
+    </p:tnLst>
+  </p:timing>
+</p:sld>
+</file>
+
 <file path=ppt/slides/slide5.xml><?xml version="1.0" encoding="utf-8"?>
 <p:sld xmlns:a="http://schemas.openxmlformats.org/drawingml/2006/main" xmlns:r="http://schemas.openxmlformats.org/officeDocument/2006/relationships" xmlns:p="http://schemas.openxmlformats.org/presentationml/2006/main">
   <p:cSld>
@@ -9704,7 +9676,11 @@
             <a:pPr algn="l"/>
             <a:r>
               <a:rPr lang="en-US" dirty="0" smtClean="0"/>
-              <a:t>Challenge: Data Leakage</a:t>
+              <a:t>Model </a:t>
+            </a:r>
+            <a:r>
+              <a:rPr lang="en-US" dirty="0" smtClean="0"/>
+              <a:t>Selection</a:t>
             </a:r>
             <a:endParaRPr lang="en-US" dirty="0"/>
           </a:p>
@@ -9725,53 +9701,100 @@
           <a:bodyPr/>
           <a:lstStyle/>
           <a:p>
+            <a:pPr>
+              <a:lnSpc>
+                <a:spcPct val="130000"/>
+              </a:lnSpc>
+            </a:pPr>
             <a:r>
               <a:rPr lang="en-US" dirty="0" smtClean="0"/>
-              <a:t>Users have multiple reviews</a:t>
-            </a:r>
-          </a:p>
-          <a:p>
+              <a:t>Final </a:t>
+            </a:r>
             <a:r>
               <a:rPr lang="en-US" dirty="0" smtClean="0"/>
-              <a:t>Businesses have multiple reviews from users</a:t>
-            </a:r>
-            <a:endParaRPr lang="en-US" dirty="0"/>
+              <a:t>Model: Random Forest</a:t>
+            </a:r>
+          </a:p>
+          <a:p>
+            <a:pPr>
+              <a:lnSpc>
+                <a:spcPct val="130000"/>
+              </a:lnSpc>
+            </a:pPr>
+            <a:r>
+              <a:rPr lang="en-US" dirty="0" smtClean="0"/>
+              <a:t>Features: </a:t>
+            </a:r>
+          </a:p>
+          <a:p>
+            <a:pPr lvl="1">
+              <a:lnSpc>
+                <a:spcPct val="130000"/>
+              </a:lnSpc>
+            </a:pPr>
+            <a:r>
+              <a:rPr lang="en-US" dirty="0" smtClean="0"/>
+              <a:t>Category Principal Components</a:t>
+            </a:r>
+          </a:p>
+          <a:p>
+            <a:pPr lvl="1">
+              <a:lnSpc>
+                <a:spcPct val="130000"/>
+              </a:lnSpc>
+            </a:pPr>
+            <a:r>
+              <a:rPr lang="en-US" dirty="0" smtClean="0"/>
+              <a:t>User Clusters</a:t>
+            </a:r>
+          </a:p>
+          <a:p>
+            <a:pPr>
+              <a:lnSpc>
+                <a:spcPct val="130000"/>
+              </a:lnSpc>
+            </a:pPr>
+            <a:r>
+              <a:rPr lang="en-US" dirty="0" smtClean="0"/>
+              <a:t>Hyper-parameters:</a:t>
+            </a:r>
+          </a:p>
+          <a:p>
+            <a:pPr lvl="1">
+              <a:lnSpc>
+                <a:spcPct val="130000"/>
+              </a:lnSpc>
+            </a:pPr>
+            <a:r>
+              <a:rPr lang="en-US" dirty="0" smtClean="0"/>
+              <a:t>Number of Trees </a:t>
+            </a:r>
+          </a:p>
+          <a:p>
+            <a:pPr lvl="1">
+              <a:lnSpc>
+                <a:spcPct val="130000"/>
+              </a:lnSpc>
+            </a:pPr>
+            <a:r>
+              <a:rPr lang="en-US" dirty="0" smtClean="0"/>
+              <a:t>Max Features</a:t>
+            </a:r>
+          </a:p>
+          <a:p>
+            <a:pPr marL="457200" lvl="1" indent="0">
+              <a:lnSpc>
+                <a:spcPct val="130000"/>
+              </a:lnSpc>
+              <a:buNone/>
+            </a:pPr>
+            <a:endParaRPr lang="en-US" dirty="0" smtClean="0"/>
           </a:p>
         </p:txBody>
       </p:sp>
-      <p:pic>
-        <p:nvPicPr>
-          <p:cNvPr id="8" name="Picture 7" descr="DLP.png"/>
-          <p:cNvPicPr>
-            <a:picLocks noChangeAspect="1"/>
-          </p:cNvPicPr>
-          <p:nvPr/>
-        </p:nvPicPr>
-        <p:blipFill>
-          <a:blip r:embed="rId3">
-            <a:extLst>
-              <a:ext uri="{28A0092B-C50C-407E-A947-70E740481C1C}">
-                <a14:useLocalDpi xmlns:a14="http://schemas.microsoft.com/office/drawing/2010/main" val="0"/>
-              </a:ext>
-            </a:extLst>
-          </a:blip>
-          <a:stretch>
-            <a:fillRect/>
-          </a:stretch>
-        </p:blipFill>
-        <p:spPr>
-          <a:xfrm>
-            <a:off x="2405727" y="3008386"/>
-            <a:ext cx="3810000" cy="2844800"/>
-          </a:xfrm>
-          <a:prstGeom prst="rect">
-            <a:avLst/>
-          </a:prstGeom>
-        </p:spPr>
-      </p:pic>
-      <p:sp>
-        <p:nvSpPr>
-          <p:cNvPr id="3" name="Slide Number Placeholder 2"/>
+      <p:sp>
+        <p:nvSpPr>
+          <p:cNvPr id="4" name="Slide Number Placeholder 3"/>
           <p:cNvSpPr>
             <a:spLocks noGrp="1"/>
           </p:cNvSpPr>
@@ -9795,7 +9818,7 @@
     </p:spTree>
     <p:extLst>
       <p:ext uri="{BB962C8B-B14F-4D97-AF65-F5344CB8AC3E}">
-        <p14:creationId xmlns:p14="http://schemas.microsoft.com/office/powerpoint/2010/main" val="75321833"/>
+        <p14:creationId xmlns:p14="http://schemas.microsoft.com/office/powerpoint/2010/main" val="1334221586"/>
       </p:ext>
     </p:extLst>
   </p:cSld>
@@ -9847,7 +9870,7 @@
             <a:pPr algn="l"/>
             <a:r>
               <a:rPr lang="en-US" dirty="0" smtClean="0"/>
-              <a:t>Model Tuning &amp; Selection</a:t>
+              <a:t>Next Steps</a:t>
             </a:r>
             <a:endParaRPr lang="en-US" dirty="0"/>
           </a:p>
@@ -9855,7 +9878,7 @@
       </p:sp>
       <p:sp>
         <p:nvSpPr>
-          <p:cNvPr id="7" name="Content Placeholder 6"/>
+          <p:cNvPr id="3" name="Content Placeholder 2"/>
           <p:cNvSpPr>
             <a:spLocks noGrp="1"/>
           </p:cNvSpPr>
@@ -9863,72 +9886,91 @@
             <p:ph idx="1"/>
           </p:nvPr>
         </p:nvSpPr>
-        <p:spPr>
-          <a:xfrm>
-            <a:off x="457200" y="1600200"/>
-            <a:ext cx="4678211" cy="4525963"/>
-          </a:xfrm>
-        </p:spPr>
+        <p:spPr/>
         <p:txBody>
           <a:bodyPr/>
           <a:lstStyle/>
           <a:p>
-            <a:pPr>
-              <a:lnSpc>
-                <a:spcPct val="130000"/>
-              </a:lnSpc>
-            </a:pPr>
             <a:r>
               <a:rPr lang="en-US" dirty="0" smtClean="0"/>
-              <a:t>Final candidate models: </a:t>
-            </a:r>
-          </a:p>
-          <a:p>
-            <a:pPr lvl="1">
-              <a:lnSpc>
-                <a:spcPct val="130000"/>
-              </a:lnSpc>
-            </a:pPr>
+              <a:t>Augment data to decrease </a:t>
+            </a:r>
+            <a:r>
+              <a:rPr lang="en-US" dirty="0" err="1" smtClean="0"/>
+              <a:t>sparsity</a:t>
+            </a:r>
+            <a:endParaRPr lang="en-US" dirty="0" smtClean="0"/>
+          </a:p>
+          <a:p>
             <a:r>
               <a:rPr lang="en-US" dirty="0" smtClean="0"/>
-              <a:t>Linear Regression</a:t>
-            </a:r>
-          </a:p>
-          <a:p>
-            <a:pPr lvl="1">
-              <a:lnSpc>
-                <a:spcPct val="130000"/>
-              </a:lnSpc>
-            </a:pPr>
-            <a:r>
-              <a:rPr lang="en-US" dirty="0" smtClean="0"/>
-              <a:t>Boosting</a:t>
-            </a:r>
-          </a:p>
-          <a:p>
-            <a:pPr lvl="1">
-              <a:lnSpc>
-                <a:spcPct val="130000"/>
-              </a:lnSpc>
-            </a:pPr>
-            <a:r>
-              <a:rPr lang="en-US" dirty="0" smtClean="0"/>
-              <a:t>Random Forest</a:t>
-            </a:r>
-          </a:p>
-          <a:p>
-            <a:pPr lvl="1">
-              <a:lnSpc>
-                <a:spcPct val="130000"/>
-              </a:lnSpc>
-            </a:pPr>
+              <a:t>Create a tool to recommend businesses</a:t>
+            </a:r>
+          </a:p>
+          <a:p>
+            <a:endParaRPr lang="en-US" dirty="0" smtClean="0"/>
+          </a:p>
+          <a:p>
+            <a:endParaRPr lang="en-US" dirty="0"/>
+          </a:p>
+        </p:txBody>
+      </p:sp>
+      <p:sp>
+        <p:nvSpPr>
+          <p:cNvPr id="4" name="Slide Number Placeholder 3"/>
+          <p:cNvSpPr>
+            <a:spLocks noGrp="1"/>
+          </p:cNvSpPr>
+          <p:nvPr>
+            <p:ph type="sldNum" sz="quarter" idx="12"/>
+          </p:nvPr>
+        </p:nvSpPr>
+        <p:spPr/>
+        <p:txBody>
+          <a:bodyPr/>
+          <a:lstStyle/>
+          <a:p>
+            <a:fld id="{7B7E4D09-A1A9-C14F-A048-20573D76504F}" type="slidenum">
+              <a:rPr lang="en-US" smtClean="0"/>
+              <a:t>7</a:t>
+            </a:fld>
             <a:endParaRPr lang="en-US" dirty="0"/>
           </a:p>
         </p:txBody>
       </p:sp>
       <p:pic>
         <p:nvPicPr>
-          <p:cNvPr id="3" name="Picture 2" descr="green_check.png"/>
+          <p:cNvPr id="5" name="Picture 4" descr="lg-female-user-icon.png"/>
+          <p:cNvPicPr>
+            <a:picLocks noChangeAspect="1"/>
+          </p:cNvPicPr>
+          <p:nvPr/>
+        </p:nvPicPr>
+        <p:blipFill>
+          <a:blip r:embed="rId2">
+            <a:extLst>
+              <a:ext uri="{28A0092B-C50C-407E-A947-70E740481C1C}">
+                <a14:useLocalDpi xmlns:a14="http://schemas.microsoft.com/office/drawing/2010/main" val="0"/>
+              </a:ext>
+            </a:extLst>
+          </a:blip>
+          <a:stretch>
+            <a:fillRect/>
+          </a:stretch>
+        </p:blipFill>
+        <p:spPr>
+          <a:xfrm>
+            <a:off x="3649519" y="2599379"/>
+            <a:ext cx="1844963" cy="1838534"/>
+          </a:xfrm>
+          <a:prstGeom prst="rect">
+            <a:avLst/>
+          </a:prstGeom>
+        </p:spPr>
+      </p:pic>
+      <p:pic>
+        <p:nvPicPr>
+          <p:cNvPr id="7" name="Picture 6" descr="Screen Shot 2015-03-10 at 3.19.51 PM.png"/>
           <p:cNvPicPr>
             <a:picLocks noChangeAspect="1"/>
           </p:cNvPicPr>
@@ -9948,255 +9990,93 @@
         </p:blipFill>
         <p:spPr>
           <a:xfrm>
-            <a:off x="6769054" y="3644716"/>
-            <a:ext cx="423304" cy="405368"/>
+            <a:off x="716149" y="4034268"/>
+            <a:ext cx="2243263" cy="807289"/>
           </a:xfrm>
           <a:prstGeom prst="rect">
             <a:avLst/>
           </a:prstGeom>
+          <a:ln>
+            <a:solidFill>
+              <a:srgbClr val="000000"/>
+            </a:solidFill>
+          </a:ln>
         </p:spPr>
       </p:pic>
-      <p:sp>
-        <p:nvSpPr>
-          <p:cNvPr id="6" name="Content Placeholder 6"/>
-          <p:cNvSpPr txBox="1">
-            <a:spLocks/>
-          </p:cNvSpPr>
+      <p:pic>
+        <p:nvPicPr>
+          <p:cNvPr id="8" name="Picture 7" descr="Screen Shot 2015-03-12 at 1.22.14 PM.png"/>
+          <p:cNvPicPr>
+            <a:picLocks noChangeAspect="1"/>
+          </p:cNvPicPr>
           <p:nvPr/>
-        </p:nvSpPr>
+        </p:nvPicPr>
+        <p:blipFill>
+          <a:blip r:embed="rId4">
+            <a:extLst>
+              <a:ext uri="{28A0092B-C50C-407E-A947-70E740481C1C}">
+                <a14:useLocalDpi xmlns:a14="http://schemas.microsoft.com/office/drawing/2010/main" val="0"/>
+              </a:ext>
+            </a:extLst>
+          </a:blip>
+          <a:stretch>
+            <a:fillRect/>
+          </a:stretch>
+        </p:blipFill>
         <p:spPr>
           <a:xfrm>
-            <a:off x="4850694" y="1710646"/>
-            <a:ext cx="2893838" cy="3231807"/>
+            <a:off x="3123765" y="5075690"/>
+            <a:ext cx="2643530" cy="859552"/>
           </a:xfrm>
           <a:prstGeom prst="rect">
             <a:avLst/>
           </a:prstGeom>
+          <a:ln>
+            <a:solidFill>
+              <a:srgbClr val="000000"/>
+            </a:solidFill>
+          </a:ln>
         </p:spPr>
-        <p:txBody>
-          <a:bodyPr vert="horz" lIns="91440" tIns="45720" rIns="91440" bIns="45720" rtlCol="0" anchor="t">
-            <a:normAutofit/>
-          </a:bodyPr>
-          <a:lstStyle>
-            <a:lvl1pPr marL="342900" indent="-342900" algn="l" defTabSz="457200" rtl="0" eaLnBrk="1" latinLnBrk="0" hangingPunct="1">
-              <a:spcBef>
-                <a:spcPct val="20000"/>
-              </a:spcBef>
-              <a:buFont typeface="Arial"/>
-              <a:buChar char="•"/>
-              <a:defRPr sz="3200" kern="1200">
-                <a:solidFill>
-                  <a:schemeClr val="tx1"/>
-                </a:solidFill>
-                <a:latin typeface="+mn-lt"/>
-                <a:ea typeface="+mn-ea"/>
-                <a:cs typeface="+mn-cs"/>
-              </a:defRPr>
-            </a:lvl1pPr>
-            <a:lvl2pPr marL="742950" indent="-285750" algn="l" defTabSz="457200" rtl="0" eaLnBrk="1" latinLnBrk="0" hangingPunct="1">
-              <a:spcBef>
-                <a:spcPct val="20000"/>
-              </a:spcBef>
-              <a:buFont typeface="Arial"/>
-              <a:buChar char="–"/>
-              <a:defRPr sz="2800" kern="1200">
-                <a:solidFill>
-                  <a:schemeClr val="tx1"/>
-                </a:solidFill>
-                <a:latin typeface="+mn-lt"/>
-                <a:ea typeface="+mn-ea"/>
-                <a:cs typeface="+mn-cs"/>
-              </a:defRPr>
-            </a:lvl2pPr>
-            <a:lvl3pPr marL="1143000" indent="-228600" algn="l" defTabSz="457200" rtl="0" eaLnBrk="1" latinLnBrk="0" hangingPunct="1">
-              <a:spcBef>
-                <a:spcPct val="20000"/>
-              </a:spcBef>
-              <a:buFont typeface="Arial"/>
-              <a:buChar char="•"/>
-              <a:defRPr sz="2400" kern="1200">
-                <a:solidFill>
-                  <a:schemeClr val="tx1"/>
-                </a:solidFill>
-                <a:latin typeface="+mn-lt"/>
-                <a:ea typeface="+mn-ea"/>
-                <a:cs typeface="+mn-cs"/>
-              </a:defRPr>
-            </a:lvl3pPr>
-            <a:lvl4pPr marL="1600200" indent="-228600" algn="l" defTabSz="457200" rtl="0" eaLnBrk="1" latinLnBrk="0" hangingPunct="1">
-              <a:spcBef>
-                <a:spcPct val="20000"/>
-              </a:spcBef>
-              <a:buFont typeface="Arial"/>
-              <a:buChar char="–"/>
-              <a:defRPr sz="2000" kern="1200">
-                <a:solidFill>
-                  <a:schemeClr val="tx1"/>
-                </a:solidFill>
-                <a:latin typeface="+mn-lt"/>
-                <a:ea typeface="+mn-ea"/>
-                <a:cs typeface="+mn-cs"/>
-              </a:defRPr>
-            </a:lvl4pPr>
-            <a:lvl5pPr marL="2057400" indent="-228600" algn="l" defTabSz="457200" rtl="0" eaLnBrk="1" latinLnBrk="0" hangingPunct="1">
-              <a:spcBef>
-                <a:spcPct val="20000"/>
-              </a:spcBef>
-              <a:buFont typeface="Arial"/>
-              <a:buChar char="»"/>
-              <a:defRPr sz="2000" kern="1200">
-                <a:solidFill>
-                  <a:schemeClr val="tx1"/>
-                </a:solidFill>
-                <a:latin typeface="+mn-lt"/>
-                <a:ea typeface="+mn-ea"/>
-                <a:cs typeface="+mn-cs"/>
-              </a:defRPr>
-            </a:lvl5pPr>
-            <a:lvl6pPr marL="2514600" indent="-228600" algn="l" defTabSz="457200" rtl="0" eaLnBrk="1" latinLnBrk="0" hangingPunct="1">
-              <a:spcBef>
-                <a:spcPct val="20000"/>
-              </a:spcBef>
-              <a:buFont typeface="Arial"/>
-              <a:buChar char="•"/>
-              <a:defRPr sz="2000" kern="1200">
-                <a:solidFill>
-                  <a:schemeClr val="tx1"/>
-                </a:solidFill>
-                <a:latin typeface="+mn-lt"/>
-                <a:ea typeface="+mn-ea"/>
-                <a:cs typeface="+mn-cs"/>
-              </a:defRPr>
-            </a:lvl6pPr>
-            <a:lvl7pPr marL="2971800" indent="-228600" algn="l" defTabSz="457200" rtl="0" eaLnBrk="1" latinLnBrk="0" hangingPunct="1">
-              <a:spcBef>
-                <a:spcPct val="20000"/>
-              </a:spcBef>
-              <a:buFont typeface="Arial"/>
-              <a:buChar char="•"/>
-              <a:defRPr sz="2000" kern="1200">
-                <a:solidFill>
-                  <a:schemeClr val="tx1"/>
-                </a:solidFill>
-                <a:latin typeface="+mn-lt"/>
-                <a:ea typeface="+mn-ea"/>
-                <a:cs typeface="+mn-cs"/>
-              </a:defRPr>
-            </a:lvl7pPr>
-            <a:lvl8pPr marL="3429000" indent="-228600" algn="l" defTabSz="457200" rtl="0" eaLnBrk="1" latinLnBrk="0" hangingPunct="1">
-              <a:spcBef>
-                <a:spcPct val="20000"/>
-              </a:spcBef>
-              <a:buFont typeface="Arial"/>
-              <a:buChar char="•"/>
-              <a:defRPr sz="2000" kern="1200">
-                <a:solidFill>
-                  <a:schemeClr val="tx1"/>
-                </a:solidFill>
-                <a:latin typeface="+mn-lt"/>
-                <a:ea typeface="+mn-ea"/>
-                <a:cs typeface="+mn-cs"/>
-              </a:defRPr>
-            </a:lvl8pPr>
-            <a:lvl9pPr marL="3886200" indent="-228600" algn="l" defTabSz="457200" rtl="0" eaLnBrk="1" latinLnBrk="0" hangingPunct="1">
-              <a:spcBef>
-                <a:spcPct val="20000"/>
-              </a:spcBef>
-              <a:buFont typeface="Arial"/>
-              <a:buChar char="•"/>
-              <a:defRPr sz="2000" kern="1200">
-                <a:solidFill>
-                  <a:schemeClr val="tx1"/>
-                </a:solidFill>
-                <a:latin typeface="+mn-lt"/>
-                <a:ea typeface="+mn-ea"/>
-                <a:cs typeface="+mn-cs"/>
-              </a:defRPr>
-            </a:lvl9pPr>
-          </a:lstStyle>
-          <a:p>
-            <a:pPr marL="0" indent="0">
-              <a:buNone/>
-            </a:pPr>
-            <a:r>
-              <a:rPr lang="en-US" dirty="0" smtClean="0"/>
-              <a:t>    </a:t>
-            </a:r>
-          </a:p>
-          <a:p>
-            <a:pPr marL="0" indent="0">
-              <a:lnSpc>
-                <a:spcPct val="130000"/>
-              </a:lnSpc>
-              <a:buNone/>
-            </a:pPr>
-            <a:r>
-              <a:rPr lang="en-US" sz="2800" dirty="0" smtClean="0"/>
-              <a:t>Linear result</a:t>
-            </a:r>
-          </a:p>
-          <a:p>
-            <a:pPr marL="0" indent="0">
-              <a:lnSpc>
-                <a:spcPct val="130000"/>
-              </a:lnSpc>
-              <a:buNone/>
-            </a:pPr>
-            <a:r>
-              <a:rPr lang="en-US" sz="2800" dirty="0" smtClean="0"/>
-              <a:t>Boosting result</a:t>
-            </a:r>
-          </a:p>
-          <a:p>
-            <a:pPr marL="0" indent="0">
-              <a:lnSpc>
-                <a:spcPct val="130000"/>
-              </a:lnSpc>
-              <a:buNone/>
-            </a:pPr>
-            <a:r>
-              <a:rPr lang="en-US" sz="2800" dirty="0" smtClean="0"/>
-              <a:t>RF result</a:t>
-            </a:r>
-          </a:p>
-          <a:p>
-            <a:pPr marL="0" indent="0">
-              <a:lnSpc>
-                <a:spcPct val="130000"/>
-              </a:lnSpc>
-              <a:buNone/>
-            </a:pPr>
-            <a:endParaRPr lang="en-US" sz="2800" dirty="0" smtClean="0"/>
-          </a:p>
-        </p:txBody>
-      </p:sp>
-      <p:sp>
-        <p:nvSpPr>
-          <p:cNvPr id="4" name="Slide Number Placeholder 3"/>
-          <p:cNvSpPr>
-            <a:spLocks noGrp="1"/>
-          </p:cNvSpPr>
-          <p:nvPr>
-            <p:ph type="sldNum" sz="quarter" idx="12"/>
-          </p:nvPr>
-        </p:nvSpPr>
-        <p:spPr/>
-        <p:txBody>
-          <a:bodyPr/>
-          <a:lstStyle/>
-          <a:p>
-            <a:fld id="{7B7E4D09-A1A9-C14F-A048-20573D76504F}" type="slidenum">
-              <a:rPr lang="en-US" smtClean="0"/>
-              <a:t>7</a:t>
-            </a:fld>
-            <a:endParaRPr lang="en-US" dirty="0"/>
-          </a:p>
-        </p:txBody>
-      </p:sp>
+      </p:pic>
+      <p:pic>
+        <p:nvPicPr>
+          <p:cNvPr id="9" name="Picture 8" descr="Screen Shot 2015-03-12 at 1.22.36 PM.png"/>
+          <p:cNvPicPr>
+            <a:picLocks noChangeAspect="1"/>
+          </p:cNvPicPr>
+          <p:nvPr/>
+        </p:nvPicPr>
+        <p:blipFill>
+          <a:blip r:embed="rId5">
+            <a:extLst>
+              <a:ext uri="{28A0092B-C50C-407E-A947-70E740481C1C}">
+                <a14:useLocalDpi xmlns:a14="http://schemas.microsoft.com/office/drawing/2010/main" val="0"/>
+              </a:ext>
+            </a:extLst>
+          </a:blip>
+          <a:stretch>
+            <a:fillRect/>
+          </a:stretch>
+        </p:blipFill>
+        <p:spPr>
+          <a:xfrm>
+            <a:off x="6089692" y="3978849"/>
+            <a:ext cx="2456661" cy="862707"/>
+          </a:xfrm>
+          <a:prstGeom prst="rect">
+            <a:avLst/>
+          </a:prstGeom>
+          <a:ln>
+            <a:solidFill>
+              <a:srgbClr val="000000"/>
+            </a:solidFill>
+          </a:ln>
+        </p:spPr>
+      </p:pic>
     </p:spTree>
     <p:extLst>
       <p:ext uri="{BB962C8B-B14F-4D97-AF65-F5344CB8AC3E}">
-        <p14:creationId xmlns:p14="http://schemas.microsoft.com/office/powerpoint/2010/main" val="1334221586"/>
+        <p14:creationId xmlns:p14="http://schemas.microsoft.com/office/powerpoint/2010/main" val="172009158"/>
       </p:ext>
     </p:extLst>
   </p:cSld>
@@ -10214,227 +10094,6 @@
 </file>
 
 <file path=ppt/slides/slide8.xml><?xml version="1.0" encoding="utf-8"?>
-<p:sld xmlns:a="http://schemas.openxmlformats.org/drawingml/2006/main" xmlns:r="http://schemas.openxmlformats.org/officeDocument/2006/relationships" xmlns:p="http://schemas.openxmlformats.org/presentationml/2006/main">
-  <p:cSld>
-    <p:spTree>
-      <p:nvGrpSpPr>
-        <p:cNvPr id="1" name=""/>
-        <p:cNvGrpSpPr/>
-        <p:nvPr/>
-      </p:nvGrpSpPr>
-      <p:grpSpPr>
-        <a:xfrm>
-          <a:off x="0" y="0"/>
-          <a:ext cx="0" cy="0"/>
-          <a:chOff x="0" y="0"/>
-          <a:chExt cx="0" cy="0"/>
-        </a:xfrm>
-      </p:grpSpPr>
-      <p:sp>
-        <p:nvSpPr>
-          <p:cNvPr id="2" name="Title 1"/>
-          <p:cNvSpPr>
-            <a:spLocks noGrp="1"/>
-          </p:cNvSpPr>
-          <p:nvPr>
-            <p:ph type="title"/>
-          </p:nvPr>
-        </p:nvSpPr>
-        <p:spPr/>
-        <p:txBody>
-          <a:bodyPr/>
-          <a:lstStyle/>
-          <a:p>
-            <a:pPr algn="l"/>
-            <a:r>
-              <a:rPr lang="en-US" dirty="0" smtClean="0"/>
-              <a:t>Outcomes</a:t>
-            </a:r>
-            <a:endParaRPr lang="en-US" dirty="0"/>
-          </a:p>
-        </p:txBody>
-      </p:sp>
-      <p:graphicFrame>
-        <p:nvGraphicFramePr>
-          <p:cNvPr id="3" name="Content Placeholder 2"/>
-          <p:cNvGraphicFramePr>
-            <a:graphicFrameLocks noGrp="1"/>
-          </p:cNvGraphicFramePr>
-          <p:nvPr>
-            <p:ph idx="1"/>
-            <p:extLst>
-              <p:ext uri="{D42A27DB-BD31-4B8C-83A1-F6EECF244321}">
-                <p14:modId xmlns:p14="http://schemas.microsoft.com/office/powerpoint/2010/main" val="3371544832"/>
-              </p:ext>
-            </p:extLst>
-          </p:nvPr>
-        </p:nvGraphicFramePr>
-        <p:xfrm>
-          <a:off x="457200" y="1600200"/>
-          <a:ext cx="8229600" cy="3770232"/>
-        </p:xfrm>
-        <a:graphic>
-          <a:graphicData uri="http://schemas.openxmlformats.org/drawingml/2006/table">
-            <a:tbl>
-              <a:tblPr firstRow="1" bandRow="1">
-                <a:tableStyleId>{5C22544A-7EE6-4342-B048-85BDC9FD1C3A}</a:tableStyleId>
-              </a:tblPr>
-              <a:tblGrid>
-                <a:gridCol w="4114800"/>
-                <a:gridCol w="4114800"/>
-              </a:tblGrid>
-              <a:tr h="942558">
-                <a:tc>
-                  <a:txBody>
-                    <a:bodyPr/>
-                    <a:lstStyle/>
-                    <a:p>
-                      <a:pPr algn="ctr"/>
-                      <a:r>
-                        <a:rPr lang="en-US" sz="2400" dirty="0" smtClean="0"/>
-                        <a:t>What worked</a:t>
-                      </a:r>
-                      <a:endParaRPr lang="en-US" sz="2400" dirty="0"/>
-                    </a:p>
-                  </a:txBody>
-                  <a:tcPr anchor="ctr"/>
-                </a:tc>
-                <a:tc>
-                  <a:txBody>
-                    <a:bodyPr/>
-                    <a:lstStyle/>
-                    <a:p>
-                      <a:pPr algn="ctr"/>
-                      <a:r>
-                        <a:rPr lang="en-US" sz="2400" dirty="0" smtClean="0"/>
-                        <a:t>Challenges</a:t>
-                      </a:r>
-                      <a:endParaRPr lang="en-US" sz="2400" dirty="0"/>
-                    </a:p>
-                  </a:txBody>
-                  <a:tcPr anchor="ctr"/>
-                </a:tc>
-              </a:tr>
-              <a:tr h="942558">
-                <a:tc>
-                  <a:txBody>
-                    <a:bodyPr/>
-                    <a:lstStyle/>
-                    <a:p>
-                      <a:pPr algn="ctr"/>
-                      <a:endParaRPr lang="en-US"/>
-                    </a:p>
-                  </a:txBody>
-                  <a:tcPr/>
-                </a:tc>
-                <a:tc>
-                  <a:txBody>
-                    <a:bodyPr/>
-                    <a:lstStyle/>
-                    <a:p>
-                      <a:pPr algn="ctr"/>
-                      <a:endParaRPr lang="en-US"/>
-                    </a:p>
-                  </a:txBody>
-                  <a:tcPr/>
-                </a:tc>
-              </a:tr>
-              <a:tr h="942558">
-                <a:tc>
-                  <a:txBody>
-                    <a:bodyPr/>
-                    <a:lstStyle/>
-                    <a:p>
-                      <a:pPr algn="ctr"/>
-                      <a:endParaRPr lang="en-US"/>
-                    </a:p>
-                  </a:txBody>
-                  <a:tcPr/>
-                </a:tc>
-                <a:tc>
-                  <a:txBody>
-                    <a:bodyPr/>
-                    <a:lstStyle/>
-                    <a:p>
-                      <a:pPr algn="ctr"/>
-                      <a:endParaRPr lang="en-US"/>
-                    </a:p>
-                  </a:txBody>
-                  <a:tcPr/>
-                </a:tc>
-              </a:tr>
-              <a:tr h="942558">
-                <a:tc>
-                  <a:txBody>
-                    <a:bodyPr/>
-                    <a:lstStyle/>
-                    <a:p>
-                      <a:pPr algn="ctr"/>
-                      <a:endParaRPr lang="en-US" dirty="0"/>
-                    </a:p>
-                  </a:txBody>
-                  <a:tcPr/>
-                </a:tc>
-                <a:tc>
-                  <a:txBody>
-                    <a:bodyPr/>
-                    <a:lstStyle/>
-                    <a:p>
-                      <a:pPr algn="ctr"/>
-                      <a:endParaRPr lang="en-US" dirty="0"/>
-                    </a:p>
-                  </a:txBody>
-                  <a:tcPr/>
-                </a:tc>
-              </a:tr>
-            </a:tbl>
-          </a:graphicData>
-        </a:graphic>
-      </p:graphicFrame>
-      <p:sp>
-        <p:nvSpPr>
-          <p:cNvPr id="4" name="Slide Number Placeholder 3"/>
-          <p:cNvSpPr>
-            <a:spLocks noGrp="1"/>
-          </p:cNvSpPr>
-          <p:nvPr>
-            <p:ph type="sldNum" sz="quarter" idx="12"/>
-          </p:nvPr>
-        </p:nvSpPr>
-        <p:spPr/>
-        <p:txBody>
-          <a:bodyPr/>
-          <a:lstStyle/>
-          <a:p>
-            <a:fld id="{7B7E4D09-A1A9-C14F-A048-20573D76504F}" type="slidenum">
-              <a:rPr lang="en-US" smtClean="0"/>
-              <a:t>8</a:t>
-            </a:fld>
-            <a:endParaRPr lang="en-US" dirty="0"/>
-          </a:p>
-        </p:txBody>
-      </p:sp>
-    </p:spTree>
-    <p:extLst>
-      <p:ext uri="{BB962C8B-B14F-4D97-AF65-F5344CB8AC3E}">
-        <p14:creationId xmlns:p14="http://schemas.microsoft.com/office/powerpoint/2010/main" val="1334221586"/>
-      </p:ext>
-    </p:extLst>
-  </p:cSld>
-  <p:clrMapOvr>
-    <a:masterClrMapping/>
-  </p:clrMapOvr>
-  <p:timing>
-    <p:tnLst>
-      <p:par>
-        <p:cTn xmlns:p14="http://schemas.microsoft.com/office/powerpoint/2010/main" id="1" dur="indefinite" restart="never" nodeType="tmRoot"/>
-      </p:par>
-    </p:tnLst>
-  </p:timing>
-</p:sld>
-</file>
-
-<file path=ppt/slides/slide9.xml><?xml version="1.0" encoding="utf-8"?>
 <p:sld xmlns:a="http://schemas.openxmlformats.org/drawingml/2006/main" xmlns:r="http://schemas.openxmlformats.org/officeDocument/2006/relationships" xmlns:p="http://schemas.openxmlformats.org/presentationml/2006/main">
   <p:cSld>
     <p:spTree>

--- a/advML_final_presentation.pptx
+++ b/advML_final_presentation.pptx
@@ -3929,6 +3929,22 @@
           <a:bodyPr/>
           <a:lstStyle/>
           <a:p>
+            <a:r>
+              <a:rPr lang="en-US" dirty="0" smtClean="0"/>
+              <a:t>Included these features</a:t>
+            </a:r>
+          </a:p>
+          <a:p>
+            <a:r>
+              <a:rPr lang="en-US" dirty="0" smtClean="0"/>
+              <a:t>Maximum</a:t>
+            </a:r>
+            <a:r>
+              <a:rPr lang="en-US" baseline="0" dirty="0" smtClean="0"/>
+              <a:t> features considered at a split</a:t>
+            </a:r>
+          </a:p>
+          <a:p>
             <a:endParaRPr lang="en-US" dirty="0"/>
           </a:p>
         </p:txBody>
@@ -3960,6 +3976,182 @@
     <p:extLst>
       <p:ext uri="{BB962C8B-B14F-4D97-AF65-F5344CB8AC3E}">
         <p14:creationId xmlns:p14="http://schemas.microsoft.com/office/powerpoint/2010/main" val="3217748303"/>
+      </p:ext>
+    </p:extLst>
+  </p:cSld>
+  <p:clrMapOvr>
+    <a:masterClrMapping/>
+  </p:clrMapOvr>
+</p:notes>
+</file>
+
+<file path=ppt/notesSlides/notesSlide6.xml><?xml version="1.0" encoding="utf-8"?>
+<p:notes xmlns:a="http://schemas.openxmlformats.org/drawingml/2006/main" xmlns:r="http://schemas.openxmlformats.org/officeDocument/2006/relationships" xmlns:p="http://schemas.openxmlformats.org/presentationml/2006/main">
+  <p:cSld>
+    <p:spTree>
+      <p:nvGrpSpPr>
+        <p:cNvPr id="1" name=""/>
+        <p:cNvGrpSpPr/>
+        <p:nvPr/>
+      </p:nvGrpSpPr>
+      <p:grpSpPr>
+        <a:xfrm>
+          <a:off x="0" y="0"/>
+          <a:ext cx="0" cy="0"/>
+          <a:chOff x="0" y="0"/>
+          <a:chExt cx="0" cy="0"/>
+        </a:xfrm>
+      </p:grpSpPr>
+      <p:sp>
+        <p:nvSpPr>
+          <p:cNvPr id="2" name="Slide Image Placeholder 1"/>
+          <p:cNvSpPr>
+            <a:spLocks noGrp="1" noRot="1" noChangeAspect="1"/>
+          </p:cNvSpPr>
+          <p:nvPr>
+            <p:ph type="sldImg"/>
+          </p:nvPr>
+        </p:nvSpPr>
+        <p:spPr/>
+      </p:sp>
+      <p:sp>
+        <p:nvSpPr>
+          <p:cNvPr id="3" name="Notes Placeholder 2"/>
+          <p:cNvSpPr>
+            <a:spLocks noGrp="1"/>
+          </p:cNvSpPr>
+          <p:nvPr>
+            <p:ph type="body" idx="1"/>
+          </p:nvPr>
+        </p:nvSpPr>
+        <p:spPr/>
+        <p:txBody>
+          <a:bodyPr/>
+          <a:lstStyle/>
+          <a:p>
+            <a:endParaRPr lang="en-US" dirty="0"/>
+          </a:p>
+        </p:txBody>
+      </p:sp>
+      <p:sp>
+        <p:nvSpPr>
+          <p:cNvPr id="4" name="Slide Number Placeholder 3"/>
+          <p:cNvSpPr>
+            <a:spLocks noGrp="1"/>
+          </p:cNvSpPr>
+          <p:nvPr>
+            <p:ph type="sldNum" sz="quarter" idx="10"/>
+          </p:nvPr>
+        </p:nvSpPr>
+        <p:spPr/>
+        <p:txBody>
+          <a:bodyPr/>
+          <a:lstStyle/>
+          <a:p>
+            <a:fld id="{E62071CC-3D4A-4349-B91F-BD9682BEE911}" type="slidenum">
+              <a:rPr lang="en-US" smtClean="0"/>
+              <a:t>7</a:t>
+            </a:fld>
+            <a:endParaRPr lang="en-US"/>
+          </a:p>
+        </p:txBody>
+      </p:sp>
+    </p:spTree>
+    <p:extLst>
+      <p:ext uri="{BB962C8B-B14F-4D97-AF65-F5344CB8AC3E}">
+        <p14:creationId xmlns:p14="http://schemas.microsoft.com/office/powerpoint/2010/main" val="3089344628"/>
+      </p:ext>
+    </p:extLst>
+  </p:cSld>
+  <p:clrMapOvr>
+    <a:masterClrMapping/>
+  </p:clrMapOvr>
+</p:notes>
+</file>
+
+<file path=ppt/notesSlides/notesSlide7.xml><?xml version="1.0" encoding="utf-8"?>
+<p:notes xmlns:a="http://schemas.openxmlformats.org/drawingml/2006/main" xmlns:r="http://schemas.openxmlformats.org/officeDocument/2006/relationships" xmlns:p="http://schemas.openxmlformats.org/presentationml/2006/main">
+  <p:cSld>
+    <p:spTree>
+      <p:nvGrpSpPr>
+        <p:cNvPr id="1" name=""/>
+        <p:cNvGrpSpPr/>
+        <p:nvPr/>
+      </p:nvGrpSpPr>
+      <p:grpSpPr>
+        <a:xfrm>
+          <a:off x="0" y="0"/>
+          <a:ext cx="0" cy="0"/>
+          <a:chOff x="0" y="0"/>
+          <a:chExt cx="0" cy="0"/>
+        </a:xfrm>
+      </p:grpSpPr>
+      <p:sp>
+        <p:nvSpPr>
+          <p:cNvPr id="2" name="Slide Image Placeholder 1"/>
+          <p:cNvSpPr>
+            <a:spLocks noGrp="1" noRot="1" noChangeAspect="1"/>
+          </p:cNvSpPr>
+          <p:nvPr>
+            <p:ph type="sldImg"/>
+          </p:nvPr>
+        </p:nvSpPr>
+        <p:spPr/>
+      </p:sp>
+      <p:sp>
+        <p:nvSpPr>
+          <p:cNvPr id="3" name="Notes Placeholder 2"/>
+          <p:cNvSpPr>
+            <a:spLocks noGrp="1"/>
+          </p:cNvSpPr>
+          <p:nvPr>
+            <p:ph type="body" idx="1"/>
+          </p:nvPr>
+        </p:nvSpPr>
+        <p:spPr/>
+        <p:txBody>
+          <a:bodyPr/>
+          <a:lstStyle/>
+          <a:p>
+            <a:r>
+              <a:rPr lang="en-US" dirty="0" smtClean="0"/>
+              <a:t>We will be sticking around after the presentations</a:t>
+            </a:r>
+            <a:r>
+              <a:rPr lang="en-US" baseline="0" dirty="0" smtClean="0"/>
+              <a:t> so if you have any questions  please feel free to find us</a:t>
+            </a:r>
+            <a:endParaRPr lang="en-US" dirty="0"/>
+          </a:p>
+        </p:txBody>
+      </p:sp>
+      <p:sp>
+        <p:nvSpPr>
+          <p:cNvPr id="4" name="Slide Number Placeholder 3"/>
+          <p:cNvSpPr>
+            <a:spLocks noGrp="1"/>
+          </p:cNvSpPr>
+          <p:nvPr>
+            <p:ph type="sldNum" sz="quarter" idx="10"/>
+          </p:nvPr>
+        </p:nvSpPr>
+        <p:spPr/>
+        <p:txBody>
+          <a:bodyPr/>
+          <a:lstStyle/>
+          <a:p>
+            <a:fld id="{E62071CC-3D4A-4349-B91F-BD9682BEE911}" type="slidenum">
+              <a:rPr lang="en-US" smtClean="0"/>
+              <a:t>8</a:t>
+            </a:fld>
+            <a:endParaRPr lang="en-US"/>
+          </a:p>
+        </p:txBody>
+      </p:sp>
+    </p:spTree>
+    <p:extLst>
+      <p:ext uri="{BB962C8B-B14F-4D97-AF65-F5344CB8AC3E}">
+        <p14:creationId xmlns:p14="http://schemas.microsoft.com/office/powerpoint/2010/main" val="2031782329"/>
       </p:ext>
     </p:extLst>
   </p:cSld>
@@ -9688,112 +9880,6 @@
       </p:sp>
       <p:sp>
         <p:nvSpPr>
-          <p:cNvPr id="7" name="Content Placeholder 6"/>
-          <p:cNvSpPr>
-            <a:spLocks noGrp="1"/>
-          </p:cNvSpPr>
-          <p:nvPr>
-            <p:ph idx="1"/>
-          </p:nvPr>
-        </p:nvSpPr>
-        <p:spPr/>
-        <p:txBody>
-          <a:bodyPr/>
-          <a:lstStyle/>
-          <a:p>
-            <a:pPr>
-              <a:lnSpc>
-                <a:spcPct val="130000"/>
-              </a:lnSpc>
-            </a:pPr>
-            <a:r>
-              <a:rPr lang="en-US" dirty="0" smtClean="0"/>
-              <a:t>Final </a:t>
-            </a:r>
-            <a:r>
-              <a:rPr lang="en-US" dirty="0" smtClean="0"/>
-              <a:t>Model: Random Forest</a:t>
-            </a:r>
-          </a:p>
-          <a:p>
-            <a:pPr>
-              <a:lnSpc>
-                <a:spcPct val="130000"/>
-              </a:lnSpc>
-            </a:pPr>
-            <a:r>
-              <a:rPr lang="en-US" dirty="0" smtClean="0"/>
-              <a:t>Features: </a:t>
-            </a:r>
-          </a:p>
-          <a:p>
-            <a:pPr lvl="1">
-              <a:lnSpc>
-                <a:spcPct val="130000"/>
-              </a:lnSpc>
-            </a:pPr>
-            <a:r>
-              <a:rPr lang="en-US" dirty="0" smtClean="0"/>
-              <a:t>Category Principal Components</a:t>
-            </a:r>
-          </a:p>
-          <a:p>
-            <a:pPr lvl="1">
-              <a:lnSpc>
-                <a:spcPct val="130000"/>
-              </a:lnSpc>
-            </a:pPr>
-            <a:r>
-              <a:rPr lang="en-US" dirty="0" smtClean="0"/>
-              <a:t>User Clusters</a:t>
-            </a:r>
-          </a:p>
-          <a:p>
-            <a:pPr>
-              <a:lnSpc>
-                <a:spcPct val="130000"/>
-              </a:lnSpc>
-            </a:pPr>
-            <a:r>
-              <a:rPr lang="en-US" dirty="0" smtClean="0"/>
-              <a:t>Hyper-parameters:</a:t>
-            </a:r>
-          </a:p>
-          <a:p>
-            <a:pPr lvl="1">
-              <a:lnSpc>
-                <a:spcPct val="130000"/>
-              </a:lnSpc>
-            </a:pPr>
-            <a:r>
-              <a:rPr lang="en-US" dirty="0" smtClean="0"/>
-              <a:t>Number of Trees </a:t>
-            </a:r>
-          </a:p>
-          <a:p>
-            <a:pPr lvl="1">
-              <a:lnSpc>
-                <a:spcPct val="130000"/>
-              </a:lnSpc>
-            </a:pPr>
-            <a:r>
-              <a:rPr lang="en-US" dirty="0" smtClean="0"/>
-              <a:t>Max Features</a:t>
-            </a:r>
-          </a:p>
-          <a:p>
-            <a:pPr marL="457200" lvl="1" indent="0">
-              <a:lnSpc>
-                <a:spcPct val="130000"/>
-              </a:lnSpc>
-              <a:buNone/>
-            </a:pPr>
-            <a:endParaRPr lang="en-US" dirty="0" smtClean="0"/>
-          </a:p>
-        </p:txBody>
-      </p:sp>
-      <p:sp>
-        <p:nvSpPr>
           <p:cNvPr id="4" name="Slide Number Placeholder 3"/>
           <p:cNvSpPr>
             <a:spLocks noGrp="1"/>
@@ -9812,6 +9898,412 @@
               <a:t>6</a:t>
             </a:fld>
             <a:endParaRPr lang="en-US" dirty="0"/>
+          </a:p>
+        </p:txBody>
+      </p:sp>
+      <p:graphicFrame>
+        <p:nvGraphicFramePr>
+          <p:cNvPr id="5" name="Table 4"/>
+          <p:cNvGraphicFramePr>
+            <a:graphicFrameLocks noGrp="1"/>
+          </p:cNvGraphicFramePr>
+          <p:nvPr>
+            <p:extLst>
+              <p:ext uri="{D42A27DB-BD31-4B8C-83A1-F6EECF244321}">
+                <p14:modId xmlns:p14="http://schemas.microsoft.com/office/powerpoint/2010/main" val="1568992107"/>
+              </p:ext>
+            </p:extLst>
+          </p:nvPr>
+        </p:nvGraphicFramePr>
+        <p:xfrm>
+          <a:off x="1030941" y="2103718"/>
+          <a:ext cx="6917765" cy="1066800"/>
+        </p:xfrm>
+        <a:graphic>
+          <a:graphicData uri="http://schemas.openxmlformats.org/drawingml/2006/table">
+            <a:tbl>
+              <a:tblPr firstRow="1" bandRow="1">
+                <a:tableStyleId>{2D5ABB26-0587-4C30-8999-92F81FD0307C}</a:tableStyleId>
+              </a:tblPr>
+              <a:tblGrid>
+                <a:gridCol w="2330824"/>
+                <a:gridCol w="2330824"/>
+                <a:gridCol w="2256117"/>
+              </a:tblGrid>
+              <a:tr h="370840">
+                <a:tc>
+                  <a:txBody>
+                    <a:bodyPr/>
+                    <a:lstStyle/>
+                    <a:p>
+                      <a:pPr algn="ctr"/>
+                      <a:r>
+                        <a:rPr lang="en-US" sz="2000" dirty="0" smtClean="0">
+                          <a:latin typeface="Cambria"/>
+                          <a:cs typeface="Cambria"/>
+                        </a:rPr>
+                        <a:t>Linear</a:t>
+                      </a:r>
+                      <a:r>
+                        <a:rPr lang="en-US" sz="2000" baseline="0" dirty="0" smtClean="0">
+                          <a:latin typeface="Cambria"/>
+                          <a:cs typeface="Cambria"/>
+                        </a:rPr>
+                        <a:t> Regression</a:t>
+                      </a:r>
+                      <a:endParaRPr lang="en-US" sz="2000" dirty="0">
+                        <a:latin typeface="Cambria"/>
+                        <a:cs typeface="Cambria"/>
+                      </a:endParaRPr>
+                    </a:p>
+                  </a:txBody>
+                  <a:tcPr anchor="ctr"/>
+                </a:tc>
+                <a:tc>
+                  <a:txBody>
+                    <a:bodyPr/>
+                    <a:lstStyle/>
+                    <a:p>
+                      <a:pPr algn="ctr"/>
+                      <a:r>
+                        <a:rPr lang="en-US" sz="3200" b="1" dirty="0" smtClean="0">
+                          <a:latin typeface="Cambria"/>
+                          <a:cs typeface="Cambria"/>
+                        </a:rPr>
+                        <a:t>Random Forest</a:t>
+                      </a:r>
+                      <a:endParaRPr lang="en-US" sz="3200" b="1" dirty="0">
+                        <a:latin typeface="Cambria"/>
+                        <a:cs typeface="Cambria"/>
+                      </a:endParaRPr>
+                    </a:p>
+                  </a:txBody>
+                  <a:tcPr anchor="ctr"/>
+                </a:tc>
+                <a:tc>
+                  <a:txBody>
+                    <a:bodyPr/>
+                    <a:lstStyle/>
+                    <a:p>
+                      <a:pPr algn="ctr"/>
+                      <a:r>
+                        <a:rPr lang="en-US" sz="2000" dirty="0" smtClean="0">
+                          <a:latin typeface="Cambria"/>
+                          <a:cs typeface="Cambria"/>
+                        </a:rPr>
+                        <a:t>Boosting</a:t>
+                      </a:r>
+                      <a:endParaRPr lang="en-US" sz="2000" dirty="0">
+                        <a:latin typeface="Cambria"/>
+                        <a:cs typeface="Cambria"/>
+                      </a:endParaRPr>
+                    </a:p>
+                  </a:txBody>
+                  <a:tcPr anchor="ctr"/>
+                </a:tc>
+              </a:tr>
+            </a:tbl>
+          </a:graphicData>
+        </a:graphic>
+      </p:graphicFrame>
+      <p:graphicFrame>
+        <p:nvGraphicFramePr>
+          <p:cNvPr id="8" name="Table 7"/>
+          <p:cNvGraphicFramePr>
+            <a:graphicFrameLocks noGrp="1"/>
+          </p:cNvGraphicFramePr>
+          <p:nvPr>
+            <p:extLst>
+              <p:ext uri="{D42A27DB-BD31-4B8C-83A1-F6EECF244321}">
+                <p14:modId xmlns:p14="http://schemas.microsoft.com/office/powerpoint/2010/main" val="3707890394"/>
+              </p:ext>
+            </p:extLst>
+          </p:nvPr>
+        </p:nvGraphicFramePr>
+        <p:xfrm>
+          <a:off x="1030938" y="4108822"/>
+          <a:ext cx="7545296" cy="2226236"/>
+        </p:xfrm>
+        <a:graphic>
+          <a:graphicData uri="http://schemas.openxmlformats.org/drawingml/2006/table">
+            <a:tbl>
+              <a:tblPr firstRow="1" bandRow="1">
+                <a:tableStyleId>{5C22544A-7EE6-4342-B048-85BDC9FD1C3A}</a:tableStyleId>
+              </a:tblPr>
+              <a:tblGrid>
+                <a:gridCol w="3772648"/>
+                <a:gridCol w="3772648"/>
+              </a:tblGrid>
+              <a:tr h="1113118">
+                <a:tc>
+                  <a:txBody>
+                    <a:bodyPr/>
+                    <a:lstStyle/>
+                    <a:p>
+                      <a:pPr algn="ctr"/>
+                      <a:r>
+                        <a:rPr lang="en-US" sz="3200" b="1" dirty="0" smtClean="0">
+                          <a:solidFill>
+                            <a:srgbClr val="000000"/>
+                          </a:solidFill>
+                          <a:latin typeface="Cambria"/>
+                          <a:cs typeface="Cambria"/>
+                        </a:rPr>
+                        <a:t>Category Principle Components</a:t>
+                      </a:r>
+                      <a:endParaRPr lang="en-US" sz="3200" b="1" dirty="0">
+                        <a:solidFill>
+                          <a:srgbClr val="000000"/>
+                        </a:solidFill>
+                        <a:latin typeface="Cambria"/>
+                        <a:cs typeface="Cambria"/>
+                      </a:endParaRPr>
+                    </a:p>
+                  </a:txBody>
+                  <a:tcPr anchor="ctr">
+                    <a:noFill/>
+                  </a:tcPr>
+                </a:tc>
+                <a:tc>
+                  <a:txBody>
+                    <a:bodyPr/>
+                    <a:lstStyle/>
+                    <a:p>
+                      <a:pPr algn="ctr"/>
+                      <a:r>
+                        <a:rPr lang="en-US" sz="2000" b="0" dirty="0" smtClean="0">
+                          <a:solidFill>
+                            <a:srgbClr val="000000"/>
+                          </a:solidFill>
+                          <a:latin typeface="Cambria"/>
+                          <a:cs typeface="Cambria"/>
+                        </a:rPr>
+                        <a:t>Collaborative</a:t>
+                      </a:r>
+                      <a:r>
+                        <a:rPr lang="en-US" sz="2000" b="0" baseline="0" dirty="0" smtClean="0">
+                          <a:solidFill>
+                            <a:srgbClr val="000000"/>
+                          </a:solidFill>
+                          <a:latin typeface="Cambria"/>
+                          <a:cs typeface="Cambria"/>
+                        </a:rPr>
+                        <a:t> Filtering</a:t>
+                      </a:r>
+                      <a:endParaRPr lang="en-US" sz="2000" b="0" dirty="0">
+                        <a:solidFill>
+                          <a:srgbClr val="000000"/>
+                        </a:solidFill>
+                        <a:latin typeface="Cambria"/>
+                        <a:cs typeface="Cambria"/>
+                      </a:endParaRPr>
+                    </a:p>
+                  </a:txBody>
+                  <a:tcPr anchor="ctr">
+                    <a:noFill/>
+                  </a:tcPr>
+                </a:tc>
+              </a:tr>
+              <a:tr h="1113118">
+                <a:tc>
+                  <a:txBody>
+                    <a:bodyPr/>
+                    <a:lstStyle/>
+                    <a:p>
+                      <a:pPr algn="ctr"/>
+                      <a:r>
+                        <a:rPr lang="en-US" sz="2000" dirty="0" smtClean="0">
+                          <a:solidFill>
+                            <a:srgbClr val="000000"/>
+                          </a:solidFill>
+                          <a:latin typeface="Cambria"/>
+                          <a:cs typeface="Cambria"/>
+                        </a:rPr>
+                        <a:t>Text</a:t>
+                      </a:r>
+                      <a:r>
+                        <a:rPr lang="en-US" sz="2000" baseline="0" dirty="0" smtClean="0">
+                          <a:solidFill>
+                            <a:srgbClr val="000000"/>
+                          </a:solidFill>
+                          <a:latin typeface="Cambria"/>
+                          <a:cs typeface="Cambria"/>
+                        </a:rPr>
+                        <a:t> Analysis</a:t>
+                      </a:r>
+                      <a:endParaRPr lang="en-US" sz="2000" dirty="0">
+                        <a:solidFill>
+                          <a:srgbClr val="000000"/>
+                        </a:solidFill>
+                        <a:latin typeface="Cambria"/>
+                        <a:cs typeface="Cambria"/>
+                      </a:endParaRPr>
+                    </a:p>
+                  </a:txBody>
+                  <a:tcPr anchor="ctr">
+                    <a:noFill/>
+                  </a:tcPr>
+                </a:tc>
+                <a:tc>
+                  <a:txBody>
+                    <a:bodyPr/>
+                    <a:lstStyle/>
+                    <a:p>
+                      <a:pPr marL="0" marR="0" indent="0" algn="ctr" defTabSz="457200" rtl="0" eaLnBrk="1" fontAlgn="auto" latinLnBrk="0" hangingPunct="1">
+                        <a:lnSpc>
+                          <a:spcPct val="100000"/>
+                        </a:lnSpc>
+                        <a:spcBef>
+                          <a:spcPts val="0"/>
+                        </a:spcBef>
+                        <a:spcAft>
+                          <a:spcPts val="0"/>
+                        </a:spcAft>
+                        <a:buClrTx/>
+                        <a:buSzTx/>
+                        <a:buFontTx/>
+                        <a:buNone/>
+                        <a:tabLst/>
+                        <a:defRPr/>
+                      </a:pPr>
+                      <a:r>
+                        <a:rPr lang="en-US" sz="3200" b="1" dirty="0" smtClean="0">
+                          <a:solidFill>
+                            <a:srgbClr val="000000"/>
+                          </a:solidFill>
+                          <a:latin typeface="Cambria"/>
+                          <a:cs typeface="Cambria"/>
+                        </a:rPr>
+                        <a:t>User Clusters</a:t>
+                      </a:r>
+                    </a:p>
+                    <a:p>
+                      <a:pPr algn="ctr"/>
+                      <a:endParaRPr lang="en-US" sz="2000" dirty="0">
+                        <a:solidFill>
+                          <a:srgbClr val="000000"/>
+                        </a:solidFill>
+                        <a:latin typeface="Cambria"/>
+                        <a:cs typeface="Cambria"/>
+                      </a:endParaRPr>
+                    </a:p>
+                  </a:txBody>
+                  <a:tcPr anchor="ctr">
+                    <a:noFill/>
+                  </a:tcPr>
+                </a:tc>
+              </a:tr>
+            </a:tbl>
+          </a:graphicData>
+        </a:graphic>
+      </p:graphicFrame>
+      <p:sp>
+        <p:nvSpPr>
+          <p:cNvPr id="10" name="Rectangle 9"/>
+          <p:cNvSpPr/>
+          <p:nvPr/>
+        </p:nvSpPr>
+        <p:spPr>
+          <a:xfrm>
+            <a:off x="1030938" y="1374588"/>
+            <a:ext cx="6917768" cy="552824"/>
+          </a:xfrm>
+          <a:prstGeom prst="rect">
+            <a:avLst/>
+          </a:prstGeom>
+          <a:solidFill>
+            <a:srgbClr val="800000"/>
+          </a:solidFill>
+          <a:ln>
+            <a:noFill/>
+          </a:ln>
+          <a:effectLst/>
+        </p:spPr>
+        <p:style>
+          <a:lnRef idx="1">
+            <a:schemeClr val="accent1"/>
+          </a:lnRef>
+          <a:fillRef idx="3">
+            <a:schemeClr val="accent1"/>
+          </a:fillRef>
+          <a:effectRef idx="2">
+            <a:schemeClr val="accent1"/>
+          </a:effectRef>
+          <a:fontRef idx="minor">
+            <a:schemeClr val="lt1"/>
+          </a:fontRef>
+        </p:style>
+        <p:txBody>
+          <a:bodyPr rtlCol="0" anchor="ctr"/>
+          <a:lstStyle/>
+          <a:p>
+            <a:pPr algn="ctr"/>
+            <a:r>
+              <a:rPr lang="en-US" sz="2800" b="1" dirty="0" smtClean="0">
+                <a:latin typeface="Cambria"/>
+                <a:cs typeface="Cambria"/>
+              </a:rPr>
+              <a:t>Final Models</a:t>
+            </a:r>
+            <a:endParaRPr lang="en-US" sz="2800" b="1" dirty="0">
+              <a:latin typeface="Cambria"/>
+              <a:cs typeface="Cambria"/>
+            </a:endParaRPr>
+          </a:p>
+        </p:txBody>
+      </p:sp>
+      <p:sp>
+        <p:nvSpPr>
+          <p:cNvPr id="11" name="Rectangle 10"/>
+          <p:cNvSpPr/>
+          <p:nvPr/>
+        </p:nvSpPr>
+        <p:spPr>
+          <a:xfrm>
+            <a:off x="1030941" y="3406588"/>
+            <a:ext cx="6917768" cy="552824"/>
+          </a:xfrm>
+          <a:prstGeom prst="rect">
+            <a:avLst/>
+          </a:prstGeom>
+          <a:solidFill>
+            <a:srgbClr val="800000"/>
+          </a:solidFill>
+          <a:ln>
+            <a:noFill/>
+          </a:ln>
+          <a:effectLst/>
+        </p:spPr>
+        <p:style>
+          <a:lnRef idx="1">
+            <a:schemeClr val="accent1"/>
+          </a:lnRef>
+          <a:fillRef idx="3">
+            <a:schemeClr val="accent1"/>
+          </a:fillRef>
+          <a:effectRef idx="2">
+            <a:schemeClr val="accent1"/>
+          </a:effectRef>
+          <a:fontRef idx="minor">
+            <a:schemeClr val="lt1"/>
+          </a:fontRef>
+        </p:style>
+        <p:txBody>
+          <a:bodyPr rtlCol="0" anchor="ctr"/>
+          <a:lstStyle/>
+          <a:p>
+            <a:pPr algn="ctr"/>
+            <a:r>
+              <a:rPr lang="en-US" sz="2800" b="1" dirty="0" smtClean="0">
+                <a:latin typeface="Cambria"/>
+                <a:cs typeface="Cambria"/>
+              </a:rPr>
+              <a:t>Features</a:t>
+            </a:r>
+            <a:endParaRPr lang="en-US" sz="2800" b="1" dirty="0">
+              <a:latin typeface="Cambria"/>
+              <a:cs typeface="Cambria"/>
+            </a:endParaRPr>
           </a:p>
         </p:txBody>
       </p:sp>
@@ -9892,6 +10384,16 @@
           <a:lstStyle/>
           <a:p>
             <a:r>
+              <a:rPr lang="en-US" dirty="0"/>
+              <a:t>Create a tool to recommend </a:t>
+            </a:r>
+            <a:r>
+              <a:rPr lang="en-US" dirty="0" smtClean="0"/>
+              <a:t>businesses</a:t>
+            </a:r>
+          </a:p>
+          <a:p>
+            <a:r>
               <a:rPr lang="en-US" dirty="0" smtClean="0"/>
               <a:t>Augment data to decrease </a:t>
             </a:r>
@@ -9900,12 +10402,6 @@
               <a:t>sparsity</a:t>
             </a:r>
             <a:endParaRPr lang="en-US" dirty="0" smtClean="0"/>
-          </a:p>
-          <a:p>
-            <a:r>
-              <a:rPr lang="en-US" dirty="0" smtClean="0"/>
-              <a:t>Create a tool to recommend businesses</a:t>
-            </a:r>
           </a:p>
           <a:p>
             <a:endParaRPr lang="en-US" dirty="0" smtClean="0"/>
@@ -9947,7 +10443,7 @@
           <p:nvPr/>
         </p:nvPicPr>
         <p:blipFill>
-          <a:blip r:embed="rId2">
+          <a:blip r:embed="rId3">
             <a:extLst>
               <a:ext uri="{28A0092B-C50C-407E-A947-70E740481C1C}">
                 <a14:useLocalDpi xmlns:a14="http://schemas.microsoft.com/office/drawing/2010/main" val="0"/>
@@ -9977,7 +10473,7 @@
           <p:nvPr/>
         </p:nvPicPr>
         <p:blipFill>
-          <a:blip r:embed="rId3">
+          <a:blip r:embed="rId4">
             <a:extLst>
               <a:ext uri="{28A0092B-C50C-407E-A947-70E740481C1C}">
                 <a14:useLocalDpi xmlns:a14="http://schemas.microsoft.com/office/drawing/2010/main" val="0"/>
@@ -10012,7 +10508,7 @@
           <p:nvPr/>
         </p:nvPicPr>
         <p:blipFill>
-          <a:blip r:embed="rId4">
+          <a:blip r:embed="rId5">
             <a:extLst>
               <a:ext uri="{28A0092B-C50C-407E-A947-70E740481C1C}">
                 <a14:useLocalDpi xmlns:a14="http://schemas.microsoft.com/office/drawing/2010/main" val="0"/>
@@ -10047,7 +10543,7 @@
           <p:nvPr/>
         </p:nvPicPr>
         <p:blipFill>
-          <a:blip r:embed="rId5">
+          <a:blip r:embed="rId6">
             <a:extLst>
               <a:ext uri="{28A0092B-C50C-407E-A947-70E740481C1C}">
                 <a14:useLocalDpi xmlns:a14="http://schemas.microsoft.com/office/drawing/2010/main" val="0"/>
@@ -10133,24 +10629,60 @@
           <a:lstStyle/>
           <a:p>
             <a:r>
+              <a:rPr lang="en-US" sz="3600" dirty="0" smtClean="0"/>
+              <a:t>We’re available to discuss technical details. </a:t>
+            </a:r>
+            <a:br>
+              <a:rPr lang="en-US" sz="3600" dirty="0" smtClean="0"/>
+            </a:br>
+            <a:r>
+              <a:rPr lang="en-US" sz="3600" dirty="0" smtClean="0"/>
+              <a:t/>
+            </a:r>
+            <a:br>
+              <a:rPr lang="en-US" sz="3600" dirty="0" smtClean="0"/>
+            </a:br>
+            <a:r>
+              <a:rPr lang="en-US" sz="3600" dirty="0" smtClean="0"/>
+              <a:t>jrbaker2@usfca.edu</a:t>
+            </a:r>
+            <a:br>
+              <a:rPr lang="en-US" sz="3600" dirty="0" smtClean="0"/>
+            </a:br>
+            <a:r>
+              <a:rPr lang="en-US" sz="3600" dirty="0" err="1" smtClean="0"/>
+              <a:t>gmokamoto@usfca.edu</a:t>
+            </a:r>
+            <a:r>
+              <a:rPr lang="en-US" sz="3600" dirty="0" smtClean="0"/>
+              <a:t/>
+            </a:r>
+            <a:br>
+              <a:rPr lang="en-US" sz="3600" dirty="0" smtClean="0"/>
+            </a:br>
+            <a:r>
+              <a:rPr lang="en-US" sz="3600" dirty="0" err="1" smtClean="0"/>
+              <a:t>kmhoo@usfca.edu</a:t>
+            </a:r>
+            <a:r>
+              <a:rPr lang="en-US" sz="3600" dirty="0" smtClean="0"/>
+              <a:t/>
+            </a:r>
+            <a:br>
+              <a:rPr lang="en-US" sz="3600" dirty="0" smtClean="0"/>
+            </a:br>
+            <a:r>
               <a:rPr lang="en-US" dirty="0" smtClean="0"/>
-              <a:t>We’re available to discuss technical details. </a:t>
+              <a:t/>
             </a:r>
             <a:br>
               <a:rPr lang="en-US" dirty="0" smtClean="0"/>
             </a:br>
             <a:r>
-              <a:rPr lang="en-US" dirty="0" smtClean="0"/>
-              <a:t/>
-            </a:r>
-            <a:br>
-              <a:rPr lang="en-US" dirty="0" smtClean="0"/>
-            </a:br>
-            <a:r>
-              <a:rPr lang="en-US" dirty="0" smtClean="0"/>
+              <a:rPr lang="en-US" b="1" dirty="0" smtClean="0"/>
               <a:t>Thanks!</a:t>
             </a:r>
-            <a:endParaRPr lang="en-US" dirty="0"/>
+            <a:endParaRPr lang="en-US" b="1" dirty="0"/>
           </a:p>
         </p:txBody>
       </p:sp>

--- a/advML_final_presentation.pptx
+++ b/advML_final_presentation.pptx
@@ -5,20 +5,21 @@
     <p:sldMasterId id="2147483945" r:id="rId1"/>
   </p:sldMasterIdLst>
   <p:notesMasterIdLst>
-    <p:notesMasterId r:id="rId10"/>
+    <p:notesMasterId r:id="rId11"/>
   </p:notesMasterIdLst>
   <p:handoutMasterIdLst>
-    <p:handoutMasterId r:id="rId11"/>
+    <p:handoutMasterId r:id="rId12"/>
   </p:handoutMasterIdLst>
   <p:sldIdLst>
     <p:sldId id="256" r:id="rId2"/>
     <p:sldId id="258" r:id="rId3"/>
-    <p:sldId id="260" r:id="rId4"/>
-    <p:sldId id="262" r:id="rId5"/>
-    <p:sldId id="261" r:id="rId6"/>
-    <p:sldId id="265" r:id="rId7"/>
-    <p:sldId id="266" r:id="rId8"/>
-    <p:sldId id="263" r:id="rId9"/>
+    <p:sldId id="267" r:id="rId4"/>
+    <p:sldId id="260" r:id="rId5"/>
+    <p:sldId id="262" r:id="rId6"/>
+    <p:sldId id="261" r:id="rId7"/>
+    <p:sldId id="265" r:id="rId8"/>
+    <p:sldId id="266" r:id="rId9"/>
+    <p:sldId id="263" r:id="rId10"/>
   </p:sldIdLst>
   <p:sldSz cx="9144000" cy="6858000" type="screen4x3"/>
   <p:notesSz cx="6858000" cy="9144000"/>
@@ -889,10 +890,7 @@
       <dgm:prSet phldrT="[Text]" custT="1"/>
       <dgm:spPr>
         <a:solidFill>
-          <a:schemeClr val="tx1">
-            <a:lumMod val="75000"/>
-            <a:lumOff val="25000"/>
-          </a:schemeClr>
+          <a:srgbClr val="BFBFBF"/>
         </a:solidFill>
       </dgm:spPr>
       <dgm:t>
@@ -901,10 +899,22 @@
         <a:p>
           <a:pPr algn="ctr"/>
           <a:r>
-            <a:rPr lang="en-US" sz="2800" dirty="0" smtClean="0"/>
+            <a:rPr lang="en-US" sz="2800" dirty="0" smtClean="0">
+              <a:solidFill>
+                <a:schemeClr val="tx1"/>
+              </a:solidFill>
+              <a:latin typeface="Cambria"/>
+              <a:cs typeface="Cambria"/>
+            </a:rPr>
             <a:t>Data Preprocessing</a:t>
           </a:r>
-          <a:endParaRPr lang="en-US" sz="2800" dirty="0"/>
+          <a:endParaRPr lang="en-US" sz="2800" dirty="0">
+            <a:solidFill>
+              <a:schemeClr val="tx1"/>
+            </a:solidFill>
+            <a:latin typeface="Cambria"/>
+            <a:cs typeface="Cambria"/>
+          </a:endParaRPr>
         </a:p>
       </dgm:t>
     </dgm:pt>
@@ -936,7 +946,7 @@
       <dgm:prSet phldrT="[Text]" custT="1"/>
       <dgm:spPr>
         <a:solidFill>
-          <a:srgbClr val="404040"/>
+          <a:srgbClr val="BFBFBF"/>
         </a:solidFill>
       </dgm:spPr>
       <dgm:t>
@@ -945,10 +955,22 @@
         <a:p>
           <a:pPr algn="ctr"/>
           <a:r>
-            <a:rPr lang="en-US" sz="2800" dirty="0" smtClean="0"/>
+            <a:rPr lang="en-US" sz="2800" dirty="0" smtClean="0">
+              <a:solidFill>
+                <a:srgbClr val="000000"/>
+              </a:solidFill>
+              <a:latin typeface="Cambria"/>
+              <a:cs typeface="Cambria"/>
+            </a:rPr>
             <a:t>Exploratory Data Analysis</a:t>
           </a:r>
-          <a:endParaRPr lang="en-US" sz="2800" dirty="0"/>
+          <a:endParaRPr lang="en-US" sz="2800" dirty="0">
+            <a:solidFill>
+              <a:srgbClr val="000000"/>
+            </a:solidFill>
+            <a:latin typeface="Cambria"/>
+            <a:cs typeface="Cambria"/>
+          </a:endParaRPr>
         </a:p>
       </dgm:t>
     </dgm:pt>
@@ -980,7 +1002,7 @@
       <dgm:prSet phldrT="[Text]" custT="1"/>
       <dgm:spPr>
         <a:solidFill>
-          <a:srgbClr val="404040"/>
+          <a:srgbClr val="BFBFBF"/>
         </a:solidFill>
       </dgm:spPr>
       <dgm:t>
@@ -989,10 +1011,22 @@
         <a:p>
           <a:pPr algn="ctr"/>
           <a:r>
-            <a:rPr lang="en-US" sz="2800" dirty="0" smtClean="0"/>
+            <a:rPr lang="en-US" sz="2800" dirty="0" smtClean="0">
+              <a:solidFill>
+                <a:srgbClr val="000000"/>
+              </a:solidFill>
+              <a:latin typeface="Cambria"/>
+              <a:cs typeface="Cambria"/>
+            </a:rPr>
             <a:t>Baseline Modeling</a:t>
           </a:r>
-          <a:endParaRPr lang="en-US" sz="2800" dirty="0"/>
+          <a:endParaRPr lang="en-US" sz="2800" dirty="0">
+            <a:solidFill>
+              <a:srgbClr val="000000"/>
+            </a:solidFill>
+            <a:latin typeface="Cambria"/>
+            <a:cs typeface="Cambria"/>
+          </a:endParaRPr>
         </a:p>
       </dgm:t>
     </dgm:pt>
@@ -1024,7 +1058,7 @@
       <dgm:prSet phldrT="[Text]" custT="1"/>
       <dgm:spPr>
         <a:solidFill>
-          <a:srgbClr val="404040"/>
+          <a:srgbClr val="BFBFBF"/>
         </a:solidFill>
       </dgm:spPr>
       <dgm:t>
@@ -1033,10 +1067,22 @@
         <a:p>
           <a:pPr algn="ctr"/>
           <a:r>
-            <a:rPr lang="en-US" sz="2800" dirty="0" smtClean="0"/>
+            <a:rPr lang="en-US" sz="2800" dirty="0" smtClean="0">
+              <a:solidFill>
+                <a:srgbClr val="000000"/>
+              </a:solidFill>
+              <a:latin typeface="Cambria"/>
+              <a:cs typeface="Cambria"/>
+            </a:rPr>
             <a:t>Feature Engineering</a:t>
           </a:r>
-          <a:endParaRPr lang="en-US" sz="2800" dirty="0"/>
+          <a:endParaRPr lang="en-US" sz="2800" dirty="0">
+            <a:solidFill>
+              <a:srgbClr val="000000"/>
+            </a:solidFill>
+            <a:latin typeface="Cambria"/>
+            <a:cs typeface="Cambria"/>
+          </a:endParaRPr>
         </a:p>
       </dgm:t>
     </dgm:pt>
@@ -1068,7 +1114,7 @@
       <dgm:prSet phldrT="[Text]" custT="1"/>
       <dgm:spPr>
         <a:solidFill>
-          <a:srgbClr val="404040"/>
+          <a:srgbClr val="BFBFBF"/>
         </a:solidFill>
       </dgm:spPr>
       <dgm:t>
@@ -1077,10 +1123,22 @@
         <a:p>
           <a:pPr algn="ctr"/>
           <a:r>
-            <a:rPr lang="en-US" sz="2800" dirty="0" smtClean="0"/>
+            <a:rPr lang="en-US" sz="2800" dirty="0" smtClean="0">
+              <a:solidFill>
+                <a:srgbClr val="000000"/>
+              </a:solidFill>
+              <a:latin typeface="Cambria"/>
+              <a:cs typeface="Cambria"/>
+            </a:rPr>
             <a:t>Model Selection</a:t>
           </a:r>
-          <a:endParaRPr lang="en-US" sz="2800" dirty="0"/>
+          <a:endParaRPr lang="en-US" sz="2800" dirty="0">
+            <a:solidFill>
+              <a:srgbClr val="000000"/>
+            </a:solidFill>
+            <a:latin typeface="Cambria"/>
+            <a:cs typeface="Cambria"/>
+          </a:endParaRPr>
         </a:p>
       </dgm:t>
     </dgm:pt>
@@ -1276,7 +1334,7 @@
           <a:avLst/>
         </a:prstGeom>
         <a:solidFill>
-          <a:srgbClr val="404040"/>
+          <a:srgbClr val="BFBFBF"/>
         </a:solidFill>
         <a:ln w="25400" cap="flat" cmpd="sng" algn="ctr">
           <a:solidFill>
@@ -1323,10 +1381,22 @@
             </a:spcAft>
           </a:pPr>
           <a:r>
-            <a:rPr lang="en-US" sz="2800" kern="1200" dirty="0" smtClean="0"/>
+            <a:rPr lang="en-US" sz="2800" kern="1200" dirty="0" smtClean="0">
+              <a:solidFill>
+                <a:srgbClr val="000000"/>
+              </a:solidFill>
+              <a:latin typeface="Cambria"/>
+              <a:cs typeface="Cambria"/>
+            </a:rPr>
             <a:t>Model Selection</a:t>
           </a:r>
-          <a:endParaRPr lang="en-US" sz="2800" kern="1200" dirty="0"/>
+          <a:endParaRPr lang="en-US" sz="2800" kern="1200" dirty="0">
+            <a:solidFill>
+              <a:srgbClr val="000000"/>
+            </a:solidFill>
+            <a:latin typeface="Cambria"/>
+            <a:cs typeface="Cambria"/>
+          </a:endParaRPr>
         </a:p>
       </dsp:txBody>
       <dsp:txXfrm>
@@ -1348,7 +1418,7 @@
           <a:avLst/>
         </a:prstGeom>
         <a:solidFill>
-          <a:srgbClr val="404040"/>
+          <a:srgbClr val="BFBFBF"/>
         </a:solidFill>
         <a:ln w="25400" cap="flat" cmpd="sng" algn="ctr">
           <a:solidFill>
@@ -1395,10 +1465,22 @@
             </a:spcAft>
           </a:pPr>
           <a:r>
-            <a:rPr lang="en-US" sz="2800" kern="1200" dirty="0" smtClean="0"/>
+            <a:rPr lang="en-US" sz="2800" kern="1200" dirty="0" smtClean="0">
+              <a:solidFill>
+                <a:srgbClr val="000000"/>
+              </a:solidFill>
+              <a:latin typeface="Cambria"/>
+              <a:cs typeface="Cambria"/>
+            </a:rPr>
             <a:t>Feature Engineering</a:t>
           </a:r>
-          <a:endParaRPr lang="en-US" sz="2800" kern="1200" dirty="0"/>
+          <a:endParaRPr lang="en-US" sz="2800" kern="1200" dirty="0">
+            <a:solidFill>
+              <a:srgbClr val="000000"/>
+            </a:solidFill>
+            <a:latin typeface="Cambria"/>
+            <a:cs typeface="Cambria"/>
+          </a:endParaRPr>
         </a:p>
       </dsp:txBody>
       <dsp:txXfrm rot="10800000">
@@ -1420,7 +1502,7 @@
           <a:avLst/>
         </a:prstGeom>
         <a:solidFill>
-          <a:srgbClr val="404040"/>
+          <a:srgbClr val="BFBFBF"/>
         </a:solidFill>
         <a:ln w="25400" cap="flat" cmpd="sng" algn="ctr">
           <a:solidFill>
@@ -1467,10 +1549,22 @@
             </a:spcAft>
           </a:pPr>
           <a:r>
-            <a:rPr lang="en-US" sz="2800" kern="1200" dirty="0" smtClean="0"/>
+            <a:rPr lang="en-US" sz="2800" kern="1200" dirty="0" smtClean="0">
+              <a:solidFill>
+                <a:srgbClr val="000000"/>
+              </a:solidFill>
+              <a:latin typeface="Cambria"/>
+              <a:cs typeface="Cambria"/>
+            </a:rPr>
             <a:t>Baseline Modeling</a:t>
           </a:r>
-          <a:endParaRPr lang="en-US" sz="2800" kern="1200" dirty="0"/>
+          <a:endParaRPr lang="en-US" sz="2800" kern="1200" dirty="0">
+            <a:solidFill>
+              <a:srgbClr val="000000"/>
+            </a:solidFill>
+            <a:latin typeface="Cambria"/>
+            <a:cs typeface="Cambria"/>
+          </a:endParaRPr>
         </a:p>
       </dsp:txBody>
       <dsp:txXfrm rot="10800000">
@@ -1492,7 +1586,7 @@
           <a:avLst/>
         </a:prstGeom>
         <a:solidFill>
-          <a:srgbClr val="404040"/>
+          <a:srgbClr val="BFBFBF"/>
         </a:solidFill>
         <a:ln w="25400" cap="flat" cmpd="sng" algn="ctr">
           <a:solidFill>
@@ -1539,10 +1633,22 @@
             </a:spcAft>
           </a:pPr>
           <a:r>
-            <a:rPr lang="en-US" sz="2800" kern="1200" dirty="0" smtClean="0"/>
+            <a:rPr lang="en-US" sz="2800" kern="1200" dirty="0" smtClean="0">
+              <a:solidFill>
+                <a:srgbClr val="000000"/>
+              </a:solidFill>
+              <a:latin typeface="Cambria"/>
+              <a:cs typeface="Cambria"/>
+            </a:rPr>
             <a:t>Exploratory Data Analysis</a:t>
           </a:r>
-          <a:endParaRPr lang="en-US" sz="2800" kern="1200" dirty="0"/>
+          <a:endParaRPr lang="en-US" sz="2800" kern="1200" dirty="0">
+            <a:solidFill>
+              <a:srgbClr val="000000"/>
+            </a:solidFill>
+            <a:latin typeface="Cambria"/>
+            <a:cs typeface="Cambria"/>
+          </a:endParaRPr>
         </a:p>
       </dsp:txBody>
       <dsp:txXfrm rot="10800000">
@@ -1564,10 +1670,7 @@
           <a:avLst/>
         </a:prstGeom>
         <a:solidFill>
-          <a:schemeClr val="tx1">
-            <a:lumMod val="75000"/>
-            <a:lumOff val="25000"/>
-          </a:schemeClr>
+          <a:srgbClr val="BFBFBF"/>
         </a:solidFill>
         <a:ln w="25400" cap="flat" cmpd="sng" algn="ctr">
           <a:solidFill>
@@ -1614,10 +1717,22 @@
             </a:spcAft>
           </a:pPr>
           <a:r>
-            <a:rPr lang="en-US" sz="2800" kern="1200" dirty="0" smtClean="0"/>
+            <a:rPr lang="en-US" sz="2800" kern="1200" dirty="0" smtClean="0">
+              <a:solidFill>
+                <a:schemeClr val="tx1"/>
+              </a:solidFill>
+              <a:latin typeface="Cambria"/>
+              <a:cs typeface="Cambria"/>
+            </a:rPr>
             <a:t>Data Preprocessing</a:t>
           </a:r>
-          <a:endParaRPr lang="en-US" sz="2800" kern="1200" dirty="0"/>
+          <a:endParaRPr lang="en-US" sz="2800" kern="1200" dirty="0">
+            <a:solidFill>
+              <a:schemeClr val="tx1"/>
+            </a:solidFill>
+            <a:latin typeface="Cambria"/>
+            <a:cs typeface="Cambria"/>
+          </a:endParaRPr>
         </a:p>
       </dsp:txBody>
       <dsp:txXfrm rot="10800000">
@@ -3759,7 +3874,11 @@
           <a:p>
             <a:r>
               <a:rPr lang="en-US" dirty="0" smtClean="0"/>
-              <a:t>Our biggest challenge: sanitizing our training and testing data</a:t>
+              <a:t>Was originally going to</a:t>
+            </a:r>
+            <a:r>
+              <a:rPr lang="en-US" baseline="0" dirty="0" smtClean="0"/>
+              <a:t> retrieve restaurant data in SF via Yelp API &amp; web scraping; not enough time to execute this, so we leveraged existing data instead</a:t>
             </a:r>
             <a:endParaRPr lang="en-US" dirty="0"/>
           </a:p>
@@ -3782,7 +3901,7 @@
           <a:p>
             <a:fld id="{E62071CC-3D4A-4349-B91F-BD9682BEE911}" type="slidenum">
               <a:rPr lang="en-US" smtClean="0"/>
-              <a:t>4</a:t>
+              <a:t>3</a:t>
             </a:fld>
             <a:endParaRPr lang="en-US"/>
           </a:p>
@@ -3791,7 +3910,7 @@
     </p:spTree>
     <p:extLst>
       <p:ext uri="{BB962C8B-B14F-4D97-AF65-F5344CB8AC3E}">
-        <p14:creationId xmlns:p14="http://schemas.microsoft.com/office/powerpoint/2010/main" val="3217748303"/>
+        <p14:creationId xmlns:p14="http://schemas.microsoft.com/office/powerpoint/2010/main" val="128499349"/>
       </p:ext>
     </p:extLst>
   </p:cSld>
@@ -3845,6 +3964,10 @@
           <a:bodyPr/>
           <a:lstStyle/>
           <a:p>
+            <a:r>
+              <a:rPr lang="en-US" dirty="0" smtClean="0"/>
+              <a:t>Our biggest challenge: sanitizing our training and testing data</a:t>
+            </a:r>
             <a:endParaRPr lang="en-US" dirty="0"/>
           </a:p>
         </p:txBody>
@@ -3875,7 +3998,7 @@
     </p:spTree>
     <p:extLst>
       <p:ext uri="{BB962C8B-B14F-4D97-AF65-F5344CB8AC3E}">
-        <p14:creationId xmlns:p14="http://schemas.microsoft.com/office/powerpoint/2010/main" val="2120283149"/>
+        <p14:creationId xmlns:p14="http://schemas.microsoft.com/office/powerpoint/2010/main" val="3217748303"/>
       </p:ext>
     </p:extLst>
   </p:cSld>
@@ -3929,22 +4052,6 @@
           <a:bodyPr/>
           <a:lstStyle/>
           <a:p>
-            <a:r>
-              <a:rPr lang="en-US" dirty="0" smtClean="0"/>
-              <a:t>Included these features</a:t>
-            </a:r>
-          </a:p>
-          <a:p>
-            <a:r>
-              <a:rPr lang="en-US" dirty="0" smtClean="0"/>
-              <a:t>Maximum</a:t>
-            </a:r>
-            <a:r>
-              <a:rPr lang="en-US" baseline="0" dirty="0" smtClean="0"/>
-              <a:t> features considered at a split</a:t>
-            </a:r>
-          </a:p>
-          <a:p>
             <a:endParaRPr lang="en-US" dirty="0"/>
           </a:p>
         </p:txBody>
@@ -3975,7 +4082,7 @@
     </p:spTree>
     <p:extLst>
       <p:ext uri="{BB962C8B-B14F-4D97-AF65-F5344CB8AC3E}">
-        <p14:creationId xmlns:p14="http://schemas.microsoft.com/office/powerpoint/2010/main" val="3217748303"/>
+        <p14:creationId xmlns:p14="http://schemas.microsoft.com/office/powerpoint/2010/main" val="2120283149"/>
       </p:ext>
     </p:extLst>
   </p:cSld>
@@ -4029,6 +4136,22 @@
           <a:bodyPr/>
           <a:lstStyle/>
           <a:p>
+            <a:r>
+              <a:rPr lang="en-US" dirty="0" smtClean="0"/>
+              <a:t>Included these features</a:t>
+            </a:r>
+          </a:p>
+          <a:p>
+            <a:r>
+              <a:rPr lang="en-US" dirty="0" smtClean="0"/>
+              <a:t>Maximum</a:t>
+            </a:r>
+            <a:r>
+              <a:rPr lang="en-US" baseline="0" dirty="0" smtClean="0"/>
+              <a:t> features considered at a split</a:t>
+            </a:r>
+          </a:p>
+          <a:p>
             <a:endParaRPr lang="en-US" dirty="0"/>
           </a:p>
         </p:txBody>
@@ -4059,7 +4182,7 @@
     </p:spTree>
     <p:extLst>
       <p:ext uri="{BB962C8B-B14F-4D97-AF65-F5344CB8AC3E}">
-        <p14:creationId xmlns:p14="http://schemas.microsoft.com/office/powerpoint/2010/main" val="3089344628"/>
+        <p14:creationId xmlns:p14="http://schemas.microsoft.com/office/powerpoint/2010/main" val="3217748303"/>
       </p:ext>
     </p:extLst>
   </p:cSld>
@@ -4113,14 +4236,6 @@
           <a:bodyPr/>
           <a:lstStyle/>
           <a:p>
-            <a:r>
-              <a:rPr lang="en-US" dirty="0" smtClean="0"/>
-              <a:t>We will be sticking around after the presentations</a:t>
-            </a:r>
-            <a:r>
-              <a:rPr lang="en-US" baseline="0" dirty="0" smtClean="0"/>
-              <a:t> so if you have any questions  please feel free to find us</a:t>
-            </a:r>
             <a:endParaRPr lang="en-US" dirty="0"/>
           </a:p>
         </p:txBody>
@@ -4143,6 +4258,98 @@
             <a:fld id="{E62071CC-3D4A-4349-B91F-BD9682BEE911}" type="slidenum">
               <a:rPr lang="en-US" smtClean="0"/>
               <a:t>8</a:t>
+            </a:fld>
+            <a:endParaRPr lang="en-US"/>
+          </a:p>
+        </p:txBody>
+      </p:sp>
+    </p:spTree>
+    <p:extLst>
+      <p:ext uri="{BB962C8B-B14F-4D97-AF65-F5344CB8AC3E}">
+        <p14:creationId xmlns:p14="http://schemas.microsoft.com/office/powerpoint/2010/main" val="3089344628"/>
+      </p:ext>
+    </p:extLst>
+  </p:cSld>
+  <p:clrMapOvr>
+    <a:masterClrMapping/>
+  </p:clrMapOvr>
+</p:notes>
+</file>
+
+<file path=ppt/notesSlides/notesSlide8.xml><?xml version="1.0" encoding="utf-8"?>
+<p:notes xmlns:a="http://schemas.openxmlformats.org/drawingml/2006/main" xmlns:r="http://schemas.openxmlformats.org/officeDocument/2006/relationships" xmlns:p="http://schemas.openxmlformats.org/presentationml/2006/main">
+  <p:cSld>
+    <p:spTree>
+      <p:nvGrpSpPr>
+        <p:cNvPr id="1" name=""/>
+        <p:cNvGrpSpPr/>
+        <p:nvPr/>
+      </p:nvGrpSpPr>
+      <p:grpSpPr>
+        <a:xfrm>
+          <a:off x="0" y="0"/>
+          <a:ext cx="0" cy="0"/>
+          <a:chOff x="0" y="0"/>
+          <a:chExt cx="0" cy="0"/>
+        </a:xfrm>
+      </p:grpSpPr>
+      <p:sp>
+        <p:nvSpPr>
+          <p:cNvPr id="2" name="Slide Image Placeholder 1"/>
+          <p:cNvSpPr>
+            <a:spLocks noGrp="1" noRot="1" noChangeAspect="1"/>
+          </p:cNvSpPr>
+          <p:nvPr>
+            <p:ph type="sldImg"/>
+          </p:nvPr>
+        </p:nvSpPr>
+        <p:spPr/>
+      </p:sp>
+      <p:sp>
+        <p:nvSpPr>
+          <p:cNvPr id="3" name="Notes Placeholder 2"/>
+          <p:cNvSpPr>
+            <a:spLocks noGrp="1"/>
+          </p:cNvSpPr>
+          <p:nvPr>
+            <p:ph type="body" idx="1"/>
+          </p:nvPr>
+        </p:nvSpPr>
+        <p:spPr/>
+        <p:txBody>
+          <a:bodyPr/>
+          <a:lstStyle/>
+          <a:p>
+            <a:r>
+              <a:rPr lang="en-US" dirty="0" smtClean="0"/>
+              <a:t>We will be sticking around after the presentations</a:t>
+            </a:r>
+            <a:r>
+              <a:rPr lang="en-US" baseline="0" dirty="0" smtClean="0"/>
+              <a:t> so if you have any questions  please feel free to find us</a:t>
+            </a:r>
+            <a:endParaRPr lang="en-US" dirty="0"/>
+          </a:p>
+        </p:txBody>
+      </p:sp>
+      <p:sp>
+        <p:nvSpPr>
+          <p:cNvPr id="4" name="Slide Number Placeholder 3"/>
+          <p:cNvSpPr>
+            <a:spLocks noGrp="1"/>
+          </p:cNvSpPr>
+          <p:nvPr>
+            <p:ph type="sldNum" sz="quarter" idx="10"/>
+          </p:nvPr>
+        </p:nvSpPr>
+        <p:spPr/>
+        <p:txBody>
+          <a:bodyPr/>
+          <a:lstStyle/>
+          <a:p>
+            <a:fld id="{E62071CC-3D4A-4349-B91F-BD9682BEE911}" type="slidenum">
+              <a:rPr lang="en-US" smtClean="0"/>
+              <a:t>9</a:t>
             </a:fld>
             <a:endParaRPr lang="en-US"/>
           </a:p>
@@ -8397,11 +8604,7 @@
           <a:p>
             <a:r>
               <a:rPr lang="en-US" b="1" dirty="0" smtClean="0"/>
-              <a:t>Recommendation </a:t>
-            </a:r>
-            <a:r>
-              <a:rPr lang="en-US" b="1" dirty="0" smtClean="0"/>
-              <a:t>Engine</a:t>
+              <a:t>Recommendation Engine</a:t>
             </a:r>
             <a:endParaRPr lang="en-US" b="1" dirty="0"/>
           </a:p>
@@ -8430,11 +8633,7 @@
             <a:pPr algn="r"/>
             <a:r>
               <a:rPr lang="en-US" dirty="0" smtClean="0"/>
-              <a:t>Jeff </a:t>
-            </a:r>
-            <a:r>
-              <a:rPr lang="en-US" dirty="0" smtClean="0"/>
-              <a:t>Baker</a:t>
+              <a:t>Jeff Baker</a:t>
             </a:r>
             <a:endParaRPr lang="en-US" dirty="0"/>
           </a:p>
@@ -8449,11 +8648,7 @@
             <a:pPr algn="r"/>
             <a:r>
               <a:rPr lang="en-US" dirty="0" smtClean="0"/>
-              <a:t> </a:t>
-            </a:r>
-            <a:r>
-              <a:rPr lang="en-US" dirty="0" smtClean="0"/>
-              <a:t>Kailey Hoo</a:t>
+              <a:t> Kailey Hoo</a:t>
             </a:r>
             <a:endParaRPr lang="en-US" dirty="0"/>
           </a:p>
@@ -8944,7 +9139,9 @@
             </a:avLst>
           </a:prstGeom>
           <a:solidFill>
-            <a:srgbClr val="404040"/>
+            <a:schemeClr val="bg1">
+              <a:lumMod val="75000"/>
+            </a:schemeClr>
           </a:solidFill>
           <a:ln>
             <a:solidFill>
@@ -9280,6 +9477,183 @@
             <a:pPr algn="l"/>
             <a:r>
               <a:rPr lang="en-US" dirty="0" smtClean="0"/>
+              <a:t>Data</a:t>
+            </a:r>
+            <a:endParaRPr lang="en-US" dirty="0"/>
+          </a:p>
+        </p:txBody>
+      </p:sp>
+      <p:sp>
+        <p:nvSpPr>
+          <p:cNvPr id="3" name="Content Placeholder 2"/>
+          <p:cNvSpPr>
+            <a:spLocks noGrp="1"/>
+          </p:cNvSpPr>
+          <p:nvPr>
+            <p:ph idx="1"/>
+          </p:nvPr>
+        </p:nvSpPr>
+        <p:spPr/>
+        <p:txBody>
+          <a:bodyPr/>
+          <a:lstStyle/>
+          <a:p>
+            <a:pPr marL="0" indent="0">
+              <a:buNone/>
+            </a:pPr>
+            <a:r>
+              <a:rPr lang="en-US" dirty="0" smtClean="0"/>
+              <a:t>Yelp’s </a:t>
+            </a:r>
+            <a:r>
+              <a:rPr lang="en-US" i="1" dirty="0" smtClean="0"/>
+              <a:t>RecSys2013</a:t>
+            </a:r>
+            <a:r>
+              <a:rPr lang="en-US" dirty="0" smtClean="0"/>
+              <a:t> </a:t>
+            </a:r>
+            <a:r>
+              <a:rPr lang="en-US" dirty="0" err="1"/>
+              <a:t>K</a:t>
+            </a:r>
+            <a:r>
+              <a:rPr lang="en-US" dirty="0" err="1" smtClean="0"/>
+              <a:t>aggle</a:t>
+            </a:r>
+            <a:r>
+              <a:rPr lang="en-US" dirty="0" smtClean="0"/>
+              <a:t> data (Phoenix, AZ)</a:t>
+            </a:r>
+          </a:p>
+          <a:p>
+            <a:pPr marL="0" indent="0">
+              <a:lnSpc>
+                <a:spcPct val="130000"/>
+              </a:lnSpc>
+              <a:buNone/>
+            </a:pPr>
+            <a:r>
+              <a:rPr lang="en-US" dirty="0" smtClean="0"/>
+              <a:t>4 files: </a:t>
+            </a:r>
+          </a:p>
+          <a:p>
+            <a:r>
+              <a:rPr lang="en-US" dirty="0" smtClean="0"/>
+              <a:t>44K users</a:t>
+            </a:r>
+          </a:p>
+          <a:p>
+            <a:r>
+              <a:rPr lang="en-US" smtClean="0"/>
+              <a:t>230K </a:t>
+            </a:r>
+            <a:r>
+              <a:rPr lang="en-US" dirty="0" smtClean="0"/>
+              <a:t>reviews</a:t>
+            </a:r>
+          </a:p>
+          <a:p>
+            <a:r>
+              <a:rPr lang="en-US" dirty="0" smtClean="0"/>
+              <a:t>11.5K businesses</a:t>
+            </a:r>
+          </a:p>
+          <a:p>
+            <a:r>
+              <a:rPr lang="en-US" dirty="0" smtClean="0"/>
+              <a:t>8.2K check-ins</a:t>
+            </a:r>
+            <a:endParaRPr lang="en-US" dirty="0"/>
+          </a:p>
+        </p:txBody>
+      </p:sp>
+      <p:pic>
+        <p:nvPicPr>
+          <p:cNvPr id="5" name="Picture 4" descr="mapReviewsZoom.png"/>
+          <p:cNvPicPr>
+            <a:picLocks noChangeAspect="1"/>
+          </p:cNvPicPr>
+          <p:nvPr/>
+        </p:nvPicPr>
+        <p:blipFill>
+          <a:blip r:embed="rId3">
+            <a:extLst>
+              <a:ext uri="{28A0092B-C50C-407E-A947-70E740481C1C}">
+                <a14:useLocalDpi xmlns:a14="http://schemas.microsoft.com/office/drawing/2010/main" val="0"/>
+              </a:ext>
+            </a:extLst>
+          </a:blip>
+          <a:stretch>
+            <a:fillRect/>
+          </a:stretch>
+        </p:blipFill>
+        <p:spPr>
+          <a:xfrm>
+            <a:off x="5066385" y="2478260"/>
+            <a:ext cx="3454755" cy="3454755"/>
+          </a:xfrm>
+          <a:prstGeom prst="rect">
+            <a:avLst/>
+          </a:prstGeom>
+        </p:spPr>
+      </p:pic>
+    </p:spTree>
+    <p:extLst>
+      <p:ext uri="{BB962C8B-B14F-4D97-AF65-F5344CB8AC3E}">
+        <p14:creationId xmlns:p14="http://schemas.microsoft.com/office/powerpoint/2010/main" val="3180643292"/>
+      </p:ext>
+    </p:extLst>
+  </p:cSld>
+  <p:clrMapOvr>
+    <a:masterClrMapping/>
+  </p:clrMapOvr>
+  <p:timing>
+    <p:tnLst>
+      <p:par>
+        <p:cTn xmlns:p14="http://schemas.microsoft.com/office/powerpoint/2010/main" id="1" dur="indefinite" restart="never" nodeType="tmRoot"/>
+      </p:par>
+    </p:tnLst>
+  </p:timing>
+</p:sld>
+</file>
+
+<file path=ppt/slides/slide4.xml><?xml version="1.0" encoding="utf-8"?>
+<p:sld xmlns:a="http://schemas.openxmlformats.org/drawingml/2006/main" xmlns:r="http://schemas.openxmlformats.org/officeDocument/2006/relationships" xmlns:p="http://schemas.openxmlformats.org/presentationml/2006/main">
+  <p:cSld>
+    <p:spTree>
+      <p:nvGrpSpPr>
+        <p:cNvPr id="1" name=""/>
+        <p:cNvGrpSpPr/>
+        <p:nvPr/>
+      </p:nvGrpSpPr>
+      <p:grpSpPr>
+        <a:xfrm>
+          <a:off x="0" y="0"/>
+          <a:ext cx="0" cy="0"/>
+          <a:chOff x="0" y="0"/>
+          <a:chExt cx="0" cy="0"/>
+        </a:xfrm>
+      </p:grpSpPr>
+      <p:sp>
+        <p:nvSpPr>
+          <p:cNvPr id="2" name="Title 1"/>
+          <p:cNvSpPr>
+            <a:spLocks noGrp="1"/>
+          </p:cNvSpPr>
+          <p:nvPr>
+            <p:ph type="title"/>
+          </p:nvPr>
+        </p:nvSpPr>
+        <p:spPr/>
+        <p:txBody>
+          <a:bodyPr/>
+          <a:lstStyle/>
+          <a:p>
+            <a:pPr algn="l"/>
+            <a:r>
+              <a:rPr lang="en-US" dirty="0" smtClean="0"/>
               <a:t>Workflow</a:t>
             </a:r>
             <a:endParaRPr lang="en-US" dirty="0"/>
@@ -9296,7 +9670,7 @@
             <p:ph idx="1"/>
             <p:extLst>
               <p:ext uri="{D42A27DB-BD31-4B8C-83A1-F6EECF244321}">
-                <p14:modId xmlns:p14="http://schemas.microsoft.com/office/powerpoint/2010/main" val="1160510820"/>
+                <p14:modId xmlns:p14="http://schemas.microsoft.com/office/powerpoint/2010/main" val="1245277770"/>
               </p:ext>
             </p:extLst>
           </p:nvPr>
@@ -9313,94 +9687,6 @@
       </p:graphicFrame>
       <p:sp>
         <p:nvSpPr>
-          <p:cNvPr id="6" name="Rounded Rectangle 5"/>
-          <p:cNvSpPr/>
-          <p:nvPr/>
-        </p:nvSpPr>
-        <p:spPr>
-          <a:xfrm>
-            <a:off x="1104389" y="4210750"/>
-            <a:ext cx="6916240" cy="855956"/>
-          </a:xfrm>
-          <a:prstGeom prst="roundRect">
-            <a:avLst/>
-          </a:prstGeom>
-          <a:noFill/>
-          <a:ln w="57150" cmpd="sng">
-            <a:solidFill>
-              <a:srgbClr val="FF0000"/>
-            </a:solidFill>
-          </a:ln>
-        </p:spPr>
-        <p:style>
-          <a:lnRef idx="1">
-            <a:schemeClr val="accent1"/>
-          </a:lnRef>
-          <a:fillRef idx="3">
-            <a:schemeClr val="accent1"/>
-          </a:fillRef>
-          <a:effectRef idx="2">
-            <a:schemeClr val="accent1"/>
-          </a:effectRef>
-          <a:fontRef idx="minor">
-            <a:schemeClr val="lt1"/>
-          </a:fontRef>
-        </p:style>
-        <p:txBody>
-          <a:bodyPr rtlCol="0" anchor="ctr"/>
-          <a:lstStyle/>
-          <a:p>
-            <a:pPr algn="ctr"/>
-            <a:endParaRPr lang="en-US"/>
-          </a:p>
-        </p:txBody>
-      </p:sp>
-      <p:sp>
-        <p:nvSpPr>
-          <p:cNvPr id="7" name="Rounded Rectangle 6"/>
-          <p:cNvSpPr/>
-          <p:nvPr/>
-        </p:nvSpPr>
-        <p:spPr>
-          <a:xfrm>
-            <a:off x="1104389" y="5219106"/>
-            <a:ext cx="6916240" cy="855956"/>
-          </a:xfrm>
-          <a:prstGeom prst="roundRect">
-            <a:avLst/>
-          </a:prstGeom>
-          <a:noFill/>
-          <a:ln w="57150" cmpd="sng">
-            <a:solidFill>
-              <a:srgbClr val="FF0000"/>
-            </a:solidFill>
-          </a:ln>
-        </p:spPr>
-        <p:style>
-          <a:lnRef idx="1">
-            <a:schemeClr val="accent1"/>
-          </a:lnRef>
-          <a:fillRef idx="3">
-            <a:schemeClr val="accent1"/>
-          </a:fillRef>
-          <a:effectRef idx="2">
-            <a:schemeClr val="accent1"/>
-          </a:effectRef>
-          <a:fontRef idx="minor">
-            <a:schemeClr val="lt1"/>
-          </a:fontRef>
-        </p:style>
-        <p:txBody>
-          <a:bodyPr rtlCol="0" anchor="ctr"/>
-          <a:lstStyle/>
-          <a:p>
-            <a:pPr algn="ctr"/>
-            <a:endParaRPr lang="en-US"/>
-          </a:p>
-        </p:txBody>
-      </p:sp>
-      <p:sp>
-        <p:nvSpPr>
           <p:cNvPr id="3" name="Slide Number Placeholder 2"/>
           <p:cNvSpPr>
             <a:spLocks noGrp="1"/>
@@ -9416,7 +9702,7 @@
           <a:p>
             <a:fld id="{7B7E4D09-A1A9-C14F-A048-20573D76504F}" type="slidenum">
               <a:rPr lang="en-US" smtClean="0"/>
-              <a:t>3</a:t>
+              <a:t>4</a:t>
             </a:fld>
             <a:endParaRPr lang="en-US" dirty="0"/>
           </a:p>
@@ -9461,54 +9747,126 @@
                             </p:stCondLst>
                             <p:childTnLst>
                               <p:par>
-                                <p:cTn id="5" presetID="1" presetClass="entr" presetSubtype="0" fill="hold" grpId="0" nodeType="clickEffect">
+                                <p:cTn id="5" presetID="1" presetClass="emph" presetSubtype="2" fill="hold" grpId="0" nodeType="clickEffect">
                                   <p:stCondLst>
                                     <p:cond delay="0"/>
                                   </p:stCondLst>
                                   <p:childTnLst>
-                                    <p:set>
+                                    <p:animClr clrSpc="rgb" dir="cw">
                                       <p:cBhvr>
-                                        <p:cTn id="6" dur="1" fill="hold">
-                                          <p:stCondLst>
-                                            <p:cond delay="0"/>
-                                          </p:stCondLst>
-                                        </p:cTn>
+                                        <p:cTn id="6" dur="500" fill="hold"/>
                                         <p:tgtEl>
-                                          <p:spTgt spid="6"/>
+                                          <p:spTgt spid="4">
+                                            <p:graphicEl>
+                                              <a:dgm id="{866A76A9-FAC2-1346-B8F0-3A50088A25C9}"/>
+                                            </p:graphicEl>
+                                          </p:spTgt>
                                         </p:tgtEl>
                                         <p:attrNameLst>
-                                          <p:attrName>style.visibility</p:attrName>
+                                          <p:attrName>fillcolor</p:attrName>
                                         </p:attrNameLst>
                                       </p:cBhvr>
                                       <p:to>
-                                        <p:strVal val="visible"/>
+                                        <a:srgbClr val="E62E25"/>
+                                      </p:to>
+                                    </p:animClr>
+                                    <p:set>
+                                      <p:cBhvr>
+                                        <p:cTn id="7" dur="500" fill="hold"/>
+                                        <p:tgtEl>
+                                          <p:spTgt spid="4">
+                                            <p:graphicEl>
+                                              <a:dgm id="{866A76A9-FAC2-1346-B8F0-3A50088A25C9}"/>
+                                            </p:graphicEl>
+                                          </p:spTgt>
+                                        </p:tgtEl>
+                                        <p:attrNameLst>
+                                          <p:attrName>fill.type</p:attrName>
+                                        </p:attrNameLst>
+                                      </p:cBhvr>
+                                      <p:to>
+                                        <p:strVal val="solid"/>
+                                      </p:to>
+                                    </p:set>
+                                    <p:set>
+                                      <p:cBhvr>
+                                        <p:cTn id="8" dur="500" fill="hold"/>
+                                        <p:tgtEl>
+                                          <p:spTgt spid="4">
+                                            <p:graphicEl>
+                                              <a:dgm id="{866A76A9-FAC2-1346-B8F0-3A50088A25C9}"/>
+                                            </p:graphicEl>
+                                          </p:spTgt>
+                                        </p:tgtEl>
+                                        <p:attrNameLst>
+                                          <p:attrName>fill.on</p:attrName>
+                                        </p:attrNameLst>
+                                      </p:cBhvr>
+                                      <p:to>
+                                        <p:strVal val="true"/>
                                       </p:to>
                                     </p:set>
                                   </p:childTnLst>
                                 </p:cTn>
                               </p:par>
                               <p:par>
-                                <p:cTn id="7" presetID="1" presetClass="entr" presetSubtype="0" fill="hold" grpId="0" nodeType="withEffect">
+                                <p:cTn id="9" presetID="1" presetClass="emph" presetSubtype="2" fill="hold" grpId="0" nodeType="withEffect">
                                   <p:stCondLst>
                                     <p:cond delay="0"/>
                                   </p:stCondLst>
                                   <p:childTnLst>
-                                    <p:set>
+                                    <p:animClr clrSpc="rgb" dir="cw">
                                       <p:cBhvr>
-                                        <p:cTn id="8" dur="1" fill="hold">
-                                          <p:stCondLst>
-                                            <p:cond delay="0"/>
-                                          </p:stCondLst>
-                                        </p:cTn>
+                                        <p:cTn id="10" dur="500" fill="hold"/>
                                         <p:tgtEl>
-                                          <p:spTgt spid="7"/>
+                                          <p:spTgt spid="4">
+                                            <p:graphicEl>
+                                              <a:dgm id="{8C06F1EE-4471-4843-9109-007FF8270AA3}"/>
+                                            </p:graphicEl>
+                                          </p:spTgt>
                                         </p:tgtEl>
                                         <p:attrNameLst>
-                                          <p:attrName>style.visibility</p:attrName>
+                                          <p:attrName>fillcolor</p:attrName>
                                         </p:attrNameLst>
                                       </p:cBhvr>
                                       <p:to>
-                                        <p:strVal val="visible"/>
+                                        <a:srgbClr val="E62E25"/>
+                                      </p:to>
+                                    </p:animClr>
+                                    <p:set>
+                                      <p:cBhvr>
+                                        <p:cTn id="11" dur="500" fill="hold"/>
+                                        <p:tgtEl>
+                                          <p:spTgt spid="4">
+                                            <p:graphicEl>
+                                              <a:dgm id="{8C06F1EE-4471-4843-9109-007FF8270AA3}"/>
+                                            </p:graphicEl>
+                                          </p:spTgt>
+                                        </p:tgtEl>
+                                        <p:attrNameLst>
+                                          <p:attrName>fill.type</p:attrName>
+                                        </p:attrNameLst>
+                                      </p:cBhvr>
+                                      <p:to>
+                                        <p:strVal val="solid"/>
+                                      </p:to>
+                                    </p:set>
+                                    <p:set>
+                                      <p:cBhvr>
+                                        <p:cTn id="12" dur="500" fill="hold"/>
+                                        <p:tgtEl>
+                                          <p:spTgt spid="4">
+                                            <p:graphicEl>
+                                              <a:dgm id="{8C06F1EE-4471-4843-9109-007FF8270AA3}"/>
+                                            </p:graphicEl>
+                                          </p:spTgt>
+                                        </p:tgtEl>
+                                        <p:attrNameLst>
+                                          <p:attrName>fill.on</p:attrName>
+                                        </p:attrNameLst>
+                                      </p:cBhvr>
+                                      <p:to>
+                                        <p:strVal val="true"/>
                                       </p:to>
                                     </p:set>
                                   </p:childTnLst>
@@ -9542,14 +9900,17 @@
       </p:par>
     </p:tnLst>
     <p:bldLst>
-      <p:bldP spid="6" grpId="0" animBg="1"/>
-      <p:bldP spid="7" grpId="0" animBg="1"/>
+      <p:bldGraphic spid="4" grpId="0">
+        <p:bldSub>
+          <a:bldDgm/>
+        </p:bldSub>
+      </p:bldGraphic>
     </p:bldLst>
   </p:timing>
 </p:sld>
 </file>
 
-<file path=ppt/slides/slide4.xml><?xml version="1.0" encoding="utf-8"?>
+<file path=ppt/slides/slide5.xml><?xml version="1.0" encoding="utf-8"?>
 <p:sld xmlns:a="http://schemas.openxmlformats.org/drawingml/2006/main" xmlns:r="http://schemas.openxmlformats.org/officeDocument/2006/relationships" xmlns:p="http://schemas.openxmlformats.org/presentationml/2006/main">
   <p:cSld>
     <p:spTree>
@@ -9607,11 +9968,7 @@
           <a:p>
             <a:r>
               <a:rPr lang="en-US" dirty="0" smtClean="0"/>
-              <a:t>User </a:t>
-            </a:r>
-            <a:r>
-              <a:rPr lang="en-US" dirty="0" smtClean="0"/>
-              <a:t>and business overall review counts included</a:t>
+              <a:t>User and business overall review counts included</a:t>
             </a:r>
             <a:r>
               <a:rPr lang="en-US" dirty="0"/>
@@ -9621,7 +9978,6 @@
               <a:rPr lang="en-US" dirty="0" smtClean="0"/>
               <a:t>in test set data</a:t>
             </a:r>
-            <a:endParaRPr lang="en-US" dirty="0" smtClean="0"/>
           </a:p>
         </p:txBody>
       </p:sp>
@@ -9672,7 +10028,7 @@
           <a:p>
             <a:fld id="{7B7E4D09-A1A9-C14F-A048-20573D76504F}" type="slidenum">
               <a:rPr lang="en-US" smtClean="0"/>
-              <a:t>4</a:t>
+              <a:t>5</a:t>
             </a:fld>
             <a:endParaRPr lang="en-US" dirty="0"/>
           </a:p>
@@ -9682,141 +10038,6 @@
     <p:extLst>
       <p:ext uri="{BB962C8B-B14F-4D97-AF65-F5344CB8AC3E}">
         <p14:creationId xmlns:p14="http://schemas.microsoft.com/office/powerpoint/2010/main" val="75321833"/>
-      </p:ext>
-    </p:extLst>
-  </p:cSld>
-  <p:clrMapOvr>
-    <a:masterClrMapping/>
-  </p:clrMapOvr>
-  <p:timing>
-    <p:tnLst>
-      <p:par>
-        <p:cTn xmlns:p14="http://schemas.microsoft.com/office/powerpoint/2010/main" id="1" dur="indefinite" restart="never" nodeType="tmRoot"/>
-      </p:par>
-    </p:tnLst>
-  </p:timing>
-</p:sld>
-</file>
-
-<file path=ppt/slides/slide5.xml><?xml version="1.0" encoding="utf-8"?>
-<p:sld xmlns:a="http://schemas.openxmlformats.org/drawingml/2006/main" xmlns:r="http://schemas.openxmlformats.org/officeDocument/2006/relationships" xmlns:p="http://schemas.openxmlformats.org/presentationml/2006/main">
-  <p:cSld>
-    <p:spTree>
-      <p:nvGrpSpPr>
-        <p:cNvPr id="1" name=""/>
-        <p:cNvGrpSpPr/>
-        <p:nvPr/>
-      </p:nvGrpSpPr>
-      <p:grpSpPr>
-        <a:xfrm>
-          <a:off x="0" y="0"/>
-          <a:ext cx="0" cy="0"/>
-          <a:chOff x="0" y="0"/>
-          <a:chExt cx="0" cy="0"/>
-        </a:xfrm>
-      </p:grpSpPr>
-      <p:sp>
-        <p:nvSpPr>
-          <p:cNvPr id="2" name="Title 1"/>
-          <p:cNvSpPr>
-            <a:spLocks noGrp="1"/>
-          </p:cNvSpPr>
-          <p:nvPr>
-            <p:ph type="title"/>
-          </p:nvPr>
-        </p:nvSpPr>
-        <p:spPr/>
-        <p:txBody>
-          <a:bodyPr/>
-          <a:lstStyle/>
-          <a:p>
-            <a:pPr algn="l"/>
-            <a:r>
-              <a:rPr lang="en-US" dirty="0" smtClean="0"/>
-              <a:t>Feature Engineering</a:t>
-            </a:r>
-            <a:endParaRPr lang="en-US" dirty="0"/>
-          </a:p>
-        </p:txBody>
-      </p:sp>
-      <p:sp>
-        <p:nvSpPr>
-          <p:cNvPr id="3" name="Content Placeholder 2"/>
-          <p:cNvSpPr>
-            <a:spLocks noGrp="1"/>
-          </p:cNvSpPr>
-          <p:nvPr>
-            <p:ph idx="1"/>
-          </p:nvPr>
-        </p:nvSpPr>
-        <p:spPr/>
-        <p:txBody>
-          <a:bodyPr/>
-          <a:lstStyle/>
-          <a:p>
-            <a:r>
-              <a:rPr lang="en-US" dirty="0" smtClean="0"/>
-              <a:t>PCA of business categories</a:t>
-            </a:r>
-          </a:p>
-          <a:p>
-            <a:r>
-              <a:rPr lang="en-US" dirty="0" smtClean="0"/>
-              <a:t>K-means clustering of users</a:t>
-            </a:r>
-          </a:p>
-          <a:p>
-            <a:r>
-              <a:rPr lang="en-US" dirty="0" smtClean="0"/>
-              <a:t>N-gram text features from user reviews</a:t>
-            </a:r>
-          </a:p>
-          <a:p>
-            <a:r>
-              <a:rPr lang="en-US" dirty="0" smtClean="0"/>
-              <a:t>Collaborative filtering </a:t>
-            </a:r>
-            <a:r>
-              <a:rPr lang="en-US" dirty="0"/>
-              <a:t>(</a:t>
-            </a:r>
-            <a:r>
-              <a:rPr lang="en-US" dirty="0" smtClean="0"/>
-              <a:t>user similarity)</a:t>
-            </a:r>
-          </a:p>
-          <a:p>
-            <a:endParaRPr lang="en-US" dirty="0"/>
-          </a:p>
-        </p:txBody>
-      </p:sp>
-      <p:sp>
-        <p:nvSpPr>
-          <p:cNvPr id="4" name="Slide Number Placeholder 3"/>
-          <p:cNvSpPr>
-            <a:spLocks noGrp="1"/>
-          </p:cNvSpPr>
-          <p:nvPr>
-            <p:ph type="sldNum" sz="quarter" idx="12"/>
-          </p:nvPr>
-        </p:nvSpPr>
-        <p:spPr/>
-        <p:txBody>
-          <a:bodyPr/>
-          <a:lstStyle/>
-          <a:p>
-            <a:fld id="{7B7E4D09-A1A9-C14F-A048-20573D76504F}" type="slidenum">
-              <a:rPr lang="en-US" smtClean="0"/>
-              <a:t>5</a:t>
-            </a:fld>
-            <a:endParaRPr lang="en-US" dirty="0"/>
-          </a:p>
-        </p:txBody>
-      </p:sp>
-    </p:spTree>
-    <p:extLst>
-      <p:ext uri="{BB962C8B-B14F-4D97-AF65-F5344CB8AC3E}">
-        <p14:creationId xmlns:p14="http://schemas.microsoft.com/office/powerpoint/2010/main" val="487346939"/>
       </p:ext>
     </p:extLst>
   </p:cSld>
@@ -9868,13 +10089,125 @@
             <a:pPr algn="l"/>
             <a:r>
               <a:rPr lang="en-US" dirty="0" smtClean="0"/>
-              <a:t>Model </a:t>
-            </a:r>
+              <a:t>Feature Engineering</a:t>
+            </a:r>
+            <a:endParaRPr lang="en-US" dirty="0"/>
+          </a:p>
+        </p:txBody>
+      </p:sp>
+      <p:sp>
+        <p:nvSpPr>
+          <p:cNvPr id="3" name="Content Placeholder 2"/>
+          <p:cNvSpPr>
+            <a:spLocks noGrp="1"/>
+          </p:cNvSpPr>
+          <p:nvPr>
+            <p:ph idx="1"/>
+          </p:nvPr>
+        </p:nvSpPr>
+        <p:spPr/>
+        <p:txBody>
+          <a:bodyPr/>
+          <a:lstStyle/>
+          <a:p>
             <a:r>
               <a:rPr lang="en-US" dirty="0" smtClean="0"/>
-              <a:t>Selection</a:t>
+              <a:t>PCA </a:t>
+            </a:r>
+            <a:r>
+              <a:rPr lang="en-US" dirty="0" smtClean="0"/>
+              <a:t>on </a:t>
+            </a:r>
+            <a:r>
+              <a:rPr lang="en-US" dirty="0" smtClean="0"/>
+              <a:t>business </a:t>
+            </a:r>
+            <a:r>
+              <a:rPr lang="en-US" dirty="0" smtClean="0"/>
+              <a:t>categories</a:t>
+            </a:r>
+          </a:p>
+          <a:p>
+            <a:pPr lvl="1"/>
+            <a:r>
+              <a:rPr lang="en-US" sz="2400" dirty="0" smtClean="0"/>
+              <a:t>i.e. </a:t>
+            </a:r>
+            <a:r>
+              <a:rPr lang="en-US" sz="2400" dirty="0" smtClean="0"/>
+              <a:t>r</a:t>
+            </a:r>
+            <a:r>
+              <a:rPr lang="en-US" sz="2400" dirty="0" smtClean="0"/>
+              <a:t>estaurants, beauty spas, automotive</a:t>
+            </a:r>
+            <a:endParaRPr lang="en-US" sz="2400" dirty="0" smtClean="0"/>
+          </a:p>
+          <a:p>
+            <a:pPr>
+              <a:lnSpc>
+                <a:spcPct val="130000"/>
+              </a:lnSpc>
+            </a:pPr>
+            <a:r>
+              <a:rPr lang="en-US" dirty="0" smtClean="0"/>
+              <a:t>K-means clustering of </a:t>
+            </a:r>
+            <a:r>
+              <a:rPr lang="en-US" dirty="0" smtClean="0"/>
+              <a:t>users</a:t>
+            </a:r>
+          </a:p>
+          <a:p>
+            <a:pPr lvl="1"/>
+            <a:r>
+              <a:rPr lang="en-US" sz="2400" dirty="0" smtClean="0"/>
+              <a:t>i.e. user review counts, avg. star ratings</a:t>
+            </a:r>
+            <a:endParaRPr lang="en-US" sz="2400" dirty="0" smtClean="0"/>
+          </a:p>
+          <a:p>
+            <a:pPr>
+              <a:lnSpc>
+                <a:spcPct val="130000"/>
+              </a:lnSpc>
+            </a:pPr>
+            <a:r>
+              <a:rPr lang="en-US" dirty="0" smtClean="0"/>
+              <a:t>N-gram text features from user </a:t>
+            </a:r>
+            <a:r>
+              <a:rPr lang="en-US" dirty="0" smtClean="0"/>
+              <a:t>reviews</a:t>
+            </a:r>
+          </a:p>
+          <a:p>
+            <a:pPr lvl="1"/>
+            <a:r>
+              <a:rPr lang="en-US" sz="2400" dirty="0" smtClean="0"/>
+              <a:t>i.e. “so bad”, “very good”, “sweet potato fries”</a:t>
+            </a:r>
+            <a:endParaRPr lang="en-US" sz="2400" dirty="0" smtClean="0"/>
+          </a:p>
+          <a:p>
+            <a:pPr>
+              <a:lnSpc>
+                <a:spcPct val="130000"/>
+              </a:lnSpc>
+            </a:pPr>
+            <a:r>
+              <a:rPr lang="en-US" dirty="0" smtClean="0"/>
+              <a:t>Collaborative filtering </a:t>
             </a:r>
             <a:endParaRPr lang="en-US" dirty="0"/>
+          </a:p>
+          <a:p>
+            <a:pPr lvl="1"/>
+            <a:r>
+              <a:rPr lang="en-US" sz="2400" dirty="0" smtClean="0"/>
+              <a:t>Users similar in rating behavior</a:t>
+            </a:r>
+            <a:endParaRPr lang="en-US" sz="2400" dirty="0" smtClean="0"/>
           </a:p>
         </p:txBody>
       </p:sp>
@@ -9901,416 +10234,10 @@
           </a:p>
         </p:txBody>
       </p:sp>
-      <p:graphicFrame>
-        <p:nvGraphicFramePr>
-          <p:cNvPr id="5" name="Table 4"/>
-          <p:cNvGraphicFramePr>
-            <a:graphicFrameLocks noGrp="1"/>
-          </p:cNvGraphicFramePr>
-          <p:nvPr>
-            <p:extLst>
-              <p:ext uri="{D42A27DB-BD31-4B8C-83A1-F6EECF244321}">
-                <p14:modId xmlns:p14="http://schemas.microsoft.com/office/powerpoint/2010/main" val="1568992107"/>
-              </p:ext>
-            </p:extLst>
-          </p:nvPr>
-        </p:nvGraphicFramePr>
-        <p:xfrm>
-          <a:off x="1030941" y="2103718"/>
-          <a:ext cx="6917765" cy="1066800"/>
-        </p:xfrm>
-        <a:graphic>
-          <a:graphicData uri="http://schemas.openxmlformats.org/drawingml/2006/table">
-            <a:tbl>
-              <a:tblPr firstRow="1" bandRow="1">
-                <a:tableStyleId>{2D5ABB26-0587-4C30-8999-92F81FD0307C}</a:tableStyleId>
-              </a:tblPr>
-              <a:tblGrid>
-                <a:gridCol w="2330824"/>
-                <a:gridCol w="2330824"/>
-                <a:gridCol w="2256117"/>
-              </a:tblGrid>
-              <a:tr h="370840">
-                <a:tc>
-                  <a:txBody>
-                    <a:bodyPr/>
-                    <a:lstStyle/>
-                    <a:p>
-                      <a:pPr algn="ctr"/>
-                      <a:r>
-                        <a:rPr lang="en-US" sz="2000" dirty="0" smtClean="0">
-                          <a:latin typeface="Cambria"/>
-                          <a:cs typeface="Cambria"/>
-                        </a:rPr>
-                        <a:t>Linear</a:t>
-                      </a:r>
-                      <a:r>
-                        <a:rPr lang="en-US" sz="2000" baseline="0" dirty="0" smtClean="0">
-                          <a:latin typeface="Cambria"/>
-                          <a:cs typeface="Cambria"/>
-                        </a:rPr>
-                        <a:t> Regression</a:t>
-                      </a:r>
-                      <a:endParaRPr lang="en-US" sz="2000" dirty="0">
-                        <a:latin typeface="Cambria"/>
-                        <a:cs typeface="Cambria"/>
-                      </a:endParaRPr>
-                    </a:p>
-                  </a:txBody>
-                  <a:tcPr anchor="ctr"/>
-                </a:tc>
-                <a:tc>
-                  <a:txBody>
-                    <a:bodyPr/>
-                    <a:lstStyle/>
-                    <a:p>
-                      <a:pPr algn="ctr"/>
-                      <a:r>
-                        <a:rPr lang="en-US" sz="3200" b="1" dirty="0" smtClean="0">
-                          <a:latin typeface="Cambria"/>
-                          <a:cs typeface="Cambria"/>
-                        </a:rPr>
-                        <a:t>Random Forest</a:t>
-                      </a:r>
-                      <a:endParaRPr lang="en-US" sz="3200" b="1" dirty="0">
-                        <a:latin typeface="Cambria"/>
-                        <a:cs typeface="Cambria"/>
-                      </a:endParaRPr>
-                    </a:p>
-                  </a:txBody>
-                  <a:tcPr anchor="ctr"/>
-                </a:tc>
-                <a:tc>
-                  <a:txBody>
-                    <a:bodyPr/>
-                    <a:lstStyle/>
-                    <a:p>
-                      <a:pPr algn="ctr"/>
-                      <a:r>
-                        <a:rPr lang="en-US" sz="2000" dirty="0" smtClean="0">
-                          <a:latin typeface="Cambria"/>
-                          <a:cs typeface="Cambria"/>
-                        </a:rPr>
-                        <a:t>Boosting</a:t>
-                      </a:r>
-                      <a:endParaRPr lang="en-US" sz="2000" dirty="0">
-                        <a:latin typeface="Cambria"/>
-                        <a:cs typeface="Cambria"/>
-                      </a:endParaRPr>
-                    </a:p>
-                  </a:txBody>
-                  <a:tcPr anchor="ctr"/>
-                </a:tc>
-              </a:tr>
-            </a:tbl>
-          </a:graphicData>
-        </a:graphic>
-      </p:graphicFrame>
-      <p:graphicFrame>
-        <p:nvGraphicFramePr>
-          <p:cNvPr id="8" name="Table 7"/>
-          <p:cNvGraphicFramePr>
-            <a:graphicFrameLocks noGrp="1"/>
-          </p:cNvGraphicFramePr>
-          <p:nvPr>
-            <p:extLst>
-              <p:ext uri="{D42A27DB-BD31-4B8C-83A1-F6EECF244321}">
-                <p14:modId xmlns:p14="http://schemas.microsoft.com/office/powerpoint/2010/main" val="3707890394"/>
-              </p:ext>
-            </p:extLst>
-          </p:nvPr>
-        </p:nvGraphicFramePr>
-        <p:xfrm>
-          <a:off x="1030938" y="4108822"/>
-          <a:ext cx="7545296" cy="2226236"/>
-        </p:xfrm>
-        <a:graphic>
-          <a:graphicData uri="http://schemas.openxmlformats.org/drawingml/2006/table">
-            <a:tbl>
-              <a:tblPr firstRow="1" bandRow="1">
-                <a:tableStyleId>{5C22544A-7EE6-4342-B048-85BDC9FD1C3A}</a:tableStyleId>
-              </a:tblPr>
-              <a:tblGrid>
-                <a:gridCol w="3772648"/>
-                <a:gridCol w="3772648"/>
-              </a:tblGrid>
-              <a:tr h="1113118">
-                <a:tc>
-                  <a:txBody>
-                    <a:bodyPr/>
-                    <a:lstStyle/>
-                    <a:p>
-                      <a:pPr algn="ctr"/>
-                      <a:r>
-                        <a:rPr lang="en-US" sz="3200" b="1" dirty="0" smtClean="0">
-                          <a:solidFill>
-                            <a:srgbClr val="000000"/>
-                          </a:solidFill>
-                          <a:latin typeface="Cambria"/>
-                          <a:cs typeface="Cambria"/>
-                        </a:rPr>
-                        <a:t>Category Principle Components</a:t>
-                      </a:r>
-                      <a:endParaRPr lang="en-US" sz="3200" b="1" dirty="0">
-                        <a:solidFill>
-                          <a:srgbClr val="000000"/>
-                        </a:solidFill>
-                        <a:latin typeface="Cambria"/>
-                        <a:cs typeface="Cambria"/>
-                      </a:endParaRPr>
-                    </a:p>
-                  </a:txBody>
-                  <a:tcPr anchor="ctr">
-                    <a:noFill/>
-                  </a:tcPr>
-                </a:tc>
-                <a:tc>
-                  <a:txBody>
-                    <a:bodyPr/>
-                    <a:lstStyle/>
-                    <a:p>
-                      <a:pPr algn="ctr"/>
-                      <a:r>
-                        <a:rPr lang="en-US" sz="2000" b="0" dirty="0" smtClean="0">
-                          <a:solidFill>
-                            <a:srgbClr val="000000"/>
-                          </a:solidFill>
-                          <a:latin typeface="Cambria"/>
-                          <a:cs typeface="Cambria"/>
-                        </a:rPr>
-                        <a:t>Collaborative</a:t>
-                      </a:r>
-                      <a:r>
-                        <a:rPr lang="en-US" sz="2000" b="0" baseline="0" dirty="0" smtClean="0">
-                          <a:solidFill>
-                            <a:srgbClr val="000000"/>
-                          </a:solidFill>
-                          <a:latin typeface="Cambria"/>
-                          <a:cs typeface="Cambria"/>
-                        </a:rPr>
-                        <a:t> Filtering</a:t>
-                      </a:r>
-                      <a:endParaRPr lang="en-US" sz="2000" b="0" dirty="0">
-                        <a:solidFill>
-                          <a:srgbClr val="000000"/>
-                        </a:solidFill>
-                        <a:latin typeface="Cambria"/>
-                        <a:cs typeface="Cambria"/>
-                      </a:endParaRPr>
-                    </a:p>
-                  </a:txBody>
-                  <a:tcPr anchor="ctr">
-                    <a:noFill/>
-                  </a:tcPr>
-                </a:tc>
-              </a:tr>
-              <a:tr h="1113118">
-                <a:tc>
-                  <a:txBody>
-                    <a:bodyPr/>
-                    <a:lstStyle/>
-                    <a:p>
-                      <a:pPr algn="ctr"/>
-                      <a:r>
-                        <a:rPr lang="en-US" sz="2000" dirty="0" smtClean="0">
-                          <a:solidFill>
-                            <a:srgbClr val="000000"/>
-                          </a:solidFill>
-                          <a:latin typeface="Cambria"/>
-                          <a:cs typeface="Cambria"/>
-                        </a:rPr>
-                        <a:t>Text</a:t>
-                      </a:r>
-                      <a:r>
-                        <a:rPr lang="en-US" sz="2000" baseline="0" dirty="0" smtClean="0">
-                          <a:solidFill>
-                            <a:srgbClr val="000000"/>
-                          </a:solidFill>
-                          <a:latin typeface="Cambria"/>
-                          <a:cs typeface="Cambria"/>
-                        </a:rPr>
-                        <a:t> Analysis</a:t>
-                      </a:r>
-                      <a:endParaRPr lang="en-US" sz="2000" dirty="0">
-                        <a:solidFill>
-                          <a:srgbClr val="000000"/>
-                        </a:solidFill>
-                        <a:latin typeface="Cambria"/>
-                        <a:cs typeface="Cambria"/>
-                      </a:endParaRPr>
-                    </a:p>
-                  </a:txBody>
-                  <a:tcPr anchor="ctr">
-                    <a:noFill/>
-                  </a:tcPr>
-                </a:tc>
-                <a:tc>
-                  <a:txBody>
-                    <a:bodyPr/>
-                    <a:lstStyle/>
-                    <a:p>
-                      <a:pPr marL="0" marR="0" indent="0" algn="ctr" defTabSz="457200" rtl="0" eaLnBrk="1" fontAlgn="auto" latinLnBrk="0" hangingPunct="1">
-                        <a:lnSpc>
-                          <a:spcPct val="100000"/>
-                        </a:lnSpc>
-                        <a:spcBef>
-                          <a:spcPts val="0"/>
-                        </a:spcBef>
-                        <a:spcAft>
-                          <a:spcPts val="0"/>
-                        </a:spcAft>
-                        <a:buClrTx/>
-                        <a:buSzTx/>
-                        <a:buFontTx/>
-                        <a:buNone/>
-                        <a:tabLst/>
-                        <a:defRPr/>
-                      </a:pPr>
-                      <a:r>
-                        <a:rPr lang="en-US" sz="3200" b="1" dirty="0" smtClean="0">
-                          <a:solidFill>
-                            <a:srgbClr val="000000"/>
-                          </a:solidFill>
-                          <a:latin typeface="Cambria"/>
-                          <a:cs typeface="Cambria"/>
-                        </a:rPr>
-                        <a:t>User Clusters</a:t>
-                      </a:r>
-                    </a:p>
-                    <a:p>
-                      <a:pPr algn="ctr"/>
-                      <a:endParaRPr lang="en-US" sz="2000" dirty="0">
-                        <a:solidFill>
-                          <a:srgbClr val="000000"/>
-                        </a:solidFill>
-                        <a:latin typeface="Cambria"/>
-                        <a:cs typeface="Cambria"/>
-                      </a:endParaRPr>
-                    </a:p>
-                  </a:txBody>
-                  <a:tcPr anchor="ctr">
-                    <a:noFill/>
-                  </a:tcPr>
-                </a:tc>
-              </a:tr>
-            </a:tbl>
-          </a:graphicData>
-        </a:graphic>
-      </p:graphicFrame>
-      <p:sp>
-        <p:nvSpPr>
-          <p:cNvPr id="10" name="Rectangle 9"/>
-          <p:cNvSpPr/>
-          <p:nvPr/>
-        </p:nvSpPr>
-        <p:spPr>
-          <a:xfrm>
-            <a:off x="1030938" y="1374588"/>
-            <a:ext cx="6917768" cy="552824"/>
-          </a:xfrm>
-          <a:prstGeom prst="rect">
-            <a:avLst/>
-          </a:prstGeom>
-          <a:solidFill>
-            <a:srgbClr val="800000"/>
-          </a:solidFill>
-          <a:ln>
-            <a:noFill/>
-          </a:ln>
-          <a:effectLst/>
-        </p:spPr>
-        <p:style>
-          <a:lnRef idx="1">
-            <a:schemeClr val="accent1"/>
-          </a:lnRef>
-          <a:fillRef idx="3">
-            <a:schemeClr val="accent1"/>
-          </a:fillRef>
-          <a:effectRef idx="2">
-            <a:schemeClr val="accent1"/>
-          </a:effectRef>
-          <a:fontRef idx="minor">
-            <a:schemeClr val="lt1"/>
-          </a:fontRef>
-        </p:style>
-        <p:txBody>
-          <a:bodyPr rtlCol="0" anchor="ctr"/>
-          <a:lstStyle/>
-          <a:p>
-            <a:pPr algn="ctr"/>
-            <a:r>
-              <a:rPr lang="en-US" sz="2800" b="1" dirty="0" smtClean="0">
-                <a:latin typeface="Cambria"/>
-                <a:cs typeface="Cambria"/>
-              </a:rPr>
-              <a:t>Final Models</a:t>
-            </a:r>
-            <a:endParaRPr lang="en-US" sz="2800" b="1" dirty="0">
-              <a:latin typeface="Cambria"/>
-              <a:cs typeface="Cambria"/>
-            </a:endParaRPr>
-          </a:p>
-        </p:txBody>
-      </p:sp>
-      <p:sp>
-        <p:nvSpPr>
-          <p:cNvPr id="11" name="Rectangle 10"/>
-          <p:cNvSpPr/>
-          <p:nvPr/>
-        </p:nvSpPr>
-        <p:spPr>
-          <a:xfrm>
-            <a:off x="1030941" y="3406588"/>
-            <a:ext cx="6917768" cy="552824"/>
-          </a:xfrm>
-          <a:prstGeom prst="rect">
-            <a:avLst/>
-          </a:prstGeom>
-          <a:solidFill>
-            <a:srgbClr val="800000"/>
-          </a:solidFill>
-          <a:ln>
-            <a:noFill/>
-          </a:ln>
-          <a:effectLst/>
-        </p:spPr>
-        <p:style>
-          <a:lnRef idx="1">
-            <a:schemeClr val="accent1"/>
-          </a:lnRef>
-          <a:fillRef idx="3">
-            <a:schemeClr val="accent1"/>
-          </a:fillRef>
-          <a:effectRef idx="2">
-            <a:schemeClr val="accent1"/>
-          </a:effectRef>
-          <a:fontRef idx="minor">
-            <a:schemeClr val="lt1"/>
-          </a:fontRef>
-        </p:style>
-        <p:txBody>
-          <a:bodyPr rtlCol="0" anchor="ctr"/>
-          <a:lstStyle/>
-          <a:p>
-            <a:pPr algn="ctr"/>
-            <a:r>
-              <a:rPr lang="en-US" sz="2800" b="1" dirty="0" smtClean="0">
-                <a:latin typeface="Cambria"/>
-                <a:cs typeface="Cambria"/>
-              </a:rPr>
-              <a:t>Features</a:t>
-            </a:r>
-            <a:endParaRPr lang="en-US" sz="2800" b="1" dirty="0">
-              <a:latin typeface="Cambria"/>
-              <a:cs typeface="Cambria"/>
-            </a:endParaRPr>
-          </a:p>
-        </p:txBody>
-      </p:sp>
     </p:spTree>
     <p:extLst>
       <p:ext uri="{BB962C8B-B14F-4D97-AF65-F5344CB8AC3E}">
-        <p14:creationId xmlns:p14="http://schemas.microsoft.com/office/powerpoint/2010/main" val="1334221586"/>
+        <p14:creationId xmlns:p14="http://schemas.microsoft.com/office/powerpoint/2010/main" val="487346939"/>
       </p:ext>
     </p:extLst>
   </p:cSld>
@@ -10362,6 +10289,909 @@
             <a:pPr algn="l"/>
             <a:r>
               <a:rPr lang="en-US" dirty="0" smtClean="0"/>
+              <a:t>Model Selection</a:t>
+            </a:r>
+            <a:endParaRPr lang="en-US" dirty="0"/>
+          </a:p>
+        </p:txBody>
+      </p:sp>
+      <p:sp>
+        <p:nvSpPr>
+          <p:cNvPr id="4" name="Slide Number Placeholder 3"/>
+          <p:cNvSpPr>
+            <a:spLocks noGrp="1"/>
+          </p:cNvSpPr>
+          <p:nvPr>
+            <p:ph type="sldNum" sz="quarter" idx="12"/>
+          </p:nvPr>
+        </p:nvSpPr>
+        <p:spPr/>
+        <p:txBody>
+          <a:bodyPr/>
+          <a:lstStyle/>
+          <a:p>
+            <a:fld id="{7B7E4D09-A1A9-C14F-A048-20573D76504F}" type="slidenum">
+              <a:rPr lang="en-US" smtClean="0"/>
+              <a:t>7</a:t>
+            </a:fld>
+            <a:endParaRPr lang="en-US" dirty="0"/>
+          </a:p>
+        </p:txBody>
+      </p:sp>
+      <p:graphicFrame>
+        <p:nvGraphicFramePr>
+          <p:cNvPr id="5" name="Table 4"/>
+          <p:cNvGraphicFramePr>
+            <a:graphicFrameLocks noGrp="1"/>
+          </p:cNvGraphicFramePr>
+          <p:nvPr>
+            <p:extLst>
+              <p:ext uri="{D42A27DB-BD31-4B8C-83A1-F6EECF244321}">
+                <p14:modId xmlns:p14="http://schemas.microsoft.com/office/powerpoint/2010/main" val="4266944632"/>
+              </p:ext>
+            </p:extLst>
+          </p:nvPr>
+        </p:nvGraphicFramePr>
+        <p:xfrm>
+          <a:off x="1344704" y="2103718"/>
+          <a:ext cx="6917765" cy="944879"/>
+        </p:xfrm>
+        <a:graphic>
+          <a:graphicData uri="http://schemas.openxmlformats.org/drawingml/2006/table">
+            <a:tbl>
+              <a:tblPr firstRow="1" bandRow="1">
+                <a:tableStyleId>{2D5ABB26-0587-4C30-8999-92F81FD0307C}</a:tableStyleId>
+              </a:tblPr>
+              <a:tblGrid>
+                <a:gridCol w="2330824"/>
+                <a:gridCol w="2330824"/>
+                <a:gridCol w="2256117"/>
+              </a:tblGrid>
+              <a:tr h="370840">
+                <a:tc>
+                  <a:txBody>
+                    <a:bodyPr/>
+                    <a:lstStyle/>
+                    <a:p>
+                      <a:pPr algn="ctr"/>
+                      <a:r>
+                        <a:rPr lang="en-US" sz="2800" dirty="0" smtClean="0">
+                          <a:latin typeface="Cambria"/>
+                          <a:cs typeface="Cambria"/>
+                        </a:rPr>
+                        <a:t>Linear</a:t>
+                      </a:r>
+                      <a:r>
+                        <a:rPr lang="en-US" sz="2800" baseline="0" dirty="0" smtClean="0">
+                          <a:latin typeface="Cambria"/>
+                          <a:cs typeface="Cambria"/>
+                        </a:rPr>
+                        <a:t> Regression</a:t>
+                      </a:r>
+                      <a:endParaRPr lang="en-US" sz="2800" dirty="0">
+                        <a:latin typeface="Cambria"/>
+                        <a:cs typeface="Cambria"/>
+                      </a:endParaRPr>
+                    </a:p>
+                  </a:txBody>
+                  <a:tcPr anchor="ctr"/>
+                </a:tc>
+                <a:tc>
+                  <a:txBody>
+                    <a:bodyPr/>
+                    <a:lstStyle/>
+                    <a:p>
+                      <a:pPr algn="ctr"/>
+                      <a:r>
+                        <a:rPr lang="en-US" sz="2800" b="0" dirty="0" smtClean="0">
+                          <a:latin typeface="Cambria"/>
+                          <a:cs typeface="Cambria"/>
+                        </a:rPr>
+                        <a:t>Random Forest</a:t>
+                      </a:r>
+                      <a:endParaRPr lang="en-US" sz="2800" b="0" dirty="0">
+                        <a:latin typeface="Cambria"/>
+                        <a:cs typeface="Cambria"/>
+                      </a:endParaRPr>
+                    </a:p>
+                  </a:txBody>
+                  <a:tcPr anchor="ctr"/>
+                </a:tc>
+                <a:tc>
+                  <a:txBody>
+                    <a:bodyPr/>
+                    <a:lstStyle/>
+                    <a:p>
+                      <a:pPr algn="ctr"/>
+                      <a:r>
+                        <a:rPr lang="en-US" sz="2800" dirty="0" smtClean="0">
+                          <a:latin typeface="Cambria"/>
+                          <a:cs typeface="Cambria"/>
+                        </a:rPr>
+                        <a:t>Boosting</a:t>
+                      </a:r>
+                      <a:endParaRPr lang="en-US" sz="2800" dirty="0">
+                        <a:latin typeface="Cambria"/>
+                        <a:cs typeface="Cambria"/>
+                      </a:endParaRPr>
+                    </a:p>
+                  </a:txBody>
+                  <a:tcPr anchor="ctr"/>
+                </a:tc>
+              </a:tr>
+            </a:tbl>
+          </a:graphicData>
+        </a:graphic>
+      </p:graphicFrame>
+      <p:graphicFrame>
+        <p:nvGraphicFramePr>
+          <p:cNvPr id="8" name="Table 7"/>
+          <p:cNvGraphicFramePr>
+            <a:graphicFrameLocks noGrp="1"/>
+          </p:cNvGraphicFramePr>
+          <p:nvPr>
+            <p:extLst>
+              <p:ext uri="{D42A27DB-BD31-4B8C-83A1-F6EECF244321}">
+                <p14:modId xmlns:p14="http://schemas.microsoft.com/office/powerpoint/2010/main" val="1468157187"/>
+              </p:ext>
+            </p:extLst>
+          </p:nvPr>
+        </p:nvGraphicFramePr>
+        <p:xfrm>
+          <a:off x="1030938" y="4108822"/>
+          <a:ext cx="7545296" cy="2064966"/>
+        </p:xfrm>
+        <a:graphic>
+          <a:graphicData uri="http://schemas.openxmlformats.org/drawingml/2006/table">
+            <a:tbl>
+              <a:tblPr firstRow="1" bandRow="1">
+                <a:tableStyleId>{5C22544A-7EE6-4342-B048-85BDC9FD1C3A}</a:tableStyleId>
+              </a:tblPr>
+              <a:tblGrid>
+                <a:gridCol w="3772648"/>
+                <a:gridCol w="3772648"/>
+              </a:tblGrid>
+              <a:tr h="1032483">
+                <a:tc>
+                  <a:txBody>
+                    <a:bodyPr/>
+                    <a:lstStyle/>
+                    <a:p>
+                      <a:pPr algn="ctr"/>
+                      <a:r>
+                        <a:rPr lang="en-US" sz="2800" b="0" dirty="0" smtClean="0">
+                          <a:solidFill>
+                            <a:srgbClr val="000000"/>
+                          </a:solidFill>
+                          <a:latin typeface="Cambria"/>
+                          <a:cs typeface="Cambria"/>
+                        </a:rPr>
+                        <a:t>Category </a:t>
+                      </a:r>
+                      <a:r>
+                        <a:rPr lang="en-US" sz="2800" b="0" dirty="0" smtClean="0">
+                          <a:solidFill>
+                            <a:srgbClr val="000000"/>
+                          </a:solidFill>
+                          <a:latin typeface="Cambria"/>
+                          <a:cs typeface="Cambria"/>
+                        </a:rPr>
+                        <a:t>Principal </a:t>
+                      </a:r>
+                      <a:r>
+                        <a:rPr lang="en-US" sz="2800" b="0" dirty="0" smtClean="0">
+                          <a:solidFill>
+                            <a:srgbClr val="000000"/>
+                          </a:solidFill>
+                          <a:latin typeface="Cambria"/>
+                          <a:cs typeface="Cambria"/>
+                        </a:rPr>
+                        <a:t>Components</a:t>
+                      </a:r>
+                      <a:endParaRPr lang="en-US" sz="2800" b="0" dirty="0">
+                        <a:solidFill>
+                          <a:srgbClr val="000000"/>
+                        </a:solidFill>
+                        <a:latin typeface="Cambria"/>
+                        <a:cs typeface="Cambria"/>
+                      </a:endParaRPr>
+                    </a:p>
+                  </a:txBody>
+                  <a:tcPr anchor="ctr">
+                    <a:noFill/>
+                  </a:tcPr>
+                </a:tc>
+                <a:tc>
+                  <a:txBody>
+                    <a:bodyPr/>
+                    <a:lstStyle/>
+                    <a:p>
+                      <a:pPr algn="ctr"/>
+                      <a:r>
+                        <a:rPr lang="en-US" sz="2800" b="0" dirty="0" smtClean="0">
+                          <a:solidFill>
+                            <a:srgbClr val="000000"/>
+                          </a:solidFill>
+                          <a:latin typeface="Cambria"/>
+                          <a:cs typeface="Cambria"/>
+                        </a:rPr>
+                        <a:t>Collaborative</a:t>
+                      </a:r>
+                      <a:r>
+                        <a:rPr lang="en-US" sz="2800" b="0" baseline="0" dirty="0" smtClean="0">
+                          <a:solidFill>
+                            <a:srgbClr val="000000"/>
+                          </a:solidFill>
+                          <a:latin typeface="Cambria"/>
+                          <a:cs typeface="Cambria"/>
+                        </a:rPr>
+                        <a:t> Filtering</a:t>
+                      </a:r>
+                      <a:endParaRPr lang="en-US" sz="2800" b="0" dirty="0">
+                        <a:solidFill>
+                          <a:srgbClr val="000000"/>
+                        </a:solidFill>
+                        <a:latin typeface="Cambria"/>
+                        <a:cs typeface="Cambria"/>
+                      </a:endParaRPr>
+                    </a:p>
+                  </a:txBody>
+                  <a:tcPr anchor="ctr">
+                    <a:noFill/>
+                  </a:tcPr>
+                </a:tc>
+              </a:tr>
+              <a:tr h="1032483">
+                <a:tc>
+                  <a:txBody>
+                    <a:bodyPr/>
+                    <a:lstStyle/>
+                    <a:p>
+                      <a:pPr algn="ctr"/>
+                      <a:r>
+                        <a:rPr lang="en-US" sz="2800" b="0" dirty="0" smtClean="0">
+                          <a:solidFill>
+                            <a:srgbClr val="000000"/>
+                          </a:solidFill>
+                          <a:latin typeface="Cambria"/>
+                          <a:cs typeface="Cambria"/>
+                        </a:rPr>
+                        <a:t>Text</a:t>
+                      </a:r>
+                      <a:r>
+                        <a:rPr lang="en-US" sz="2800" b="0" baseline="0" dirty="0" smtClean="0">
+                          <a:solidFill>
+                            <a:srgbClr val="000000"/>
+                          </a:solidFill>
+                          <a:latin typeface="Cambria"/>
+                          <a:cs typeface="Cambria"/>
+                        </a:rPr>
+                        <a:t> Analysis</a:t>
+                      </a:r>
+                      <a:endParaRPr lang="en-US" sz="2800" b="0" dirty="0">
+                        <a:solidFill>
+                          <a:srgbClr val="000000"/>
+                        </a:solidFill>
+                        <a:latin typeface="Cambria"/>
+                        <a:cs typeface="Cambria"/>
+                      </a:endParaRPr>
+                    </a:p>
+                  </a:txBody>
+                  <a:tcPr anchor="ctr">
+                    <a:noFill/>
+                  </a:tcPr>
+                </a:tc>
+                <a:tc>
+                  <a:txBody>
+                    <a:bodyPr/>
+                    <a:lstStyle/>
+                    <a:p>
+                      <a:pPr marL="0" marR="0" indent="0" algn="ctr" defTabSz="457200" rtl="0" eaLnBrk="1" fontAlgn="auto" latinLnBrk="0" hangingPunct="1">
+                        <a:lnSpc>
+                          <a:spcPct val="100000"/>
+                        </a:lnSpc>
+                        <a:spcBef>
+                          <a:spcPts val="0"/>
+                        </a:spcBef>
+                        <a:spcAft>
+                          <a:spcPts val="0"/>
+                        </a:spcAft>
+                        <a:buClrTx/>
+                        <a:buSzTx/>
+                        <a:buFontTx/>
+                        <a:buNone/>
+                        <a:tabLst/>
+                        <a:defRPr/>
+                      </a:pPr>
+                      <a:r>
+                        <a:rPr lang="en-US" sz="2800" b="0" dirty="0" smtClean="0">
+                          <a:solidFill>
+                            <a:srgbClr val="000000"/>
+                          </a:solidFill>
+                          <a:latin typeface="Cambria"/>
+                          <a:cs typeface="Cambria"/>
+                        </a:rPr>
+                        <a:t>User Clusters</a:t>
+                      </a:r>
+                    </a:p>
+                    <a:p>
+                      <a:pPr algn="ctr"/>
+                      <a:endParaRPr lang="en-US" sz="2800" b="0" dirty="0">
+                        <a:solidFill>
+                          <a:srgbClr val="000000"/>
+                        </a:solidFill>
+                        <a:latin typeface="Cambria"/>
+                        <a:cs typeface="Cambria"/>
+                      </a:endParaRPr>
+                    </a:p>
+                  </a:txBody>
+                  <a:tcPr anchor="ctr">
+                    <a:noFill/>
+                  </a:tcPr>
+                </a:tc>
+              </a:tr>
+            </a:tbl>
+          </a:graphicData>
+        </a:graphic>
+      </p:graphicFrame>
+      <p:sp>
+        <p:nvSpPr>
+          <p:cNvPr id="10" name="Rectangle 9"/>
+          <p:cNvSpPr/>
+          <p:nvPr/>
+        </p:nvSpPr>
+        <p:spPr>
+          <a:xfrm>
+            <a:off x="1344702" y="1374588"/>
+            <a:ext cx="6917768" cy="552824"/>
+          </a:xfrm>
+          <a:prstGeom prst="rect">
+            <a:avLst/>
+          </a:prstGeom>
+          <a:solidFill>
+            <a:srgbClr val="800000"/>
+          </a:solidFill>
+          <a:ln>
+            <a:noFill/>
+          </a:ln>
+          <a:effectLst/>
+        </p:spPr>
+        <p:style>
+          <a:lnRef idx="1">
+            <a:schemeClr val="accent1"/>
+          </a:lnRef>
+          <a:fillRef idx="3">
+            <a:schemeClr val="accent1"/>
+          </a:fillRef>
+          <a:effectRef idx="2">
+            <a:schemeClr val="accent1"/>
+          </a:effectRef>
+          <a:fontRef idx="minor">
+            <a:schemeClr val="lt1"/>
+          </a:fontRef>
+        </p:style>
+        <p:txBody>
+          <a:bodyPr rtlCol="0" anchor="ctr"/>
+          <a:lstStyle/>
+          <a:p>
+            <a:pPr algn="ctr"/>
+            <a:r>
+              <a:rPr lang="en-US" sz="2800" b="1" dirty="0" smtClean="0">
+                <a:latin typeface="Cambria"/>
+                <a:cs typeface="Cambria"/>
+              </a:rPr>
+              <a:t>Final </a:t>
+            </a:r>
+            <a:r>
+              <a:rPr lang="en-US" sz="2800" b="1" dirty="0" smtClean="0">
+                <a:latin typeface="Cambria"/>
+                <a:cs typeface="Cambria"/>
+              </a:rPr>
+              <a:t>Algorithms</a:t>
+            </a:r>
+            <a:endParaRPr lang="en-US" sz="2800" b="1" dirty="0">
+              <a:latin typeface="Cambria"/>
+              <a:cs typeface="Cambria"/>
+            </a:endParaRPr>
+          </a:p>
+        </p:txBody>
+      </p:sp>
+      <p:sp>
+        <p:nvSpPr>
+          <p:cNvPr id="11" name="Rectangle 10"/>
+          <p:cNvSpPr/>
+          <p:nvPr/>
+        </p:nvSpPr>
+        <p:spPr>
+          <a:xfrm>
+            <a:off x="1344702" y="3406588"/>
+            <a:ext cx="6917768" cy="552824"/>
+          </a:xfrm>
+          <a:prstGeom prst="rect">
+            <a:avLst/>
+          </a:prstGeom>
+          <a:solidFill>
+            <a:srgbClr val="800000"/>
+          </a:solidFill>
+          <a:ln>
+            <a:noFill/>
+          </a:ln>
+          <a:effectLst/>
+        </p:spPr>
+        <p:style>
+          <a:lnRef idx="1">
+            <a:schemeClr val="accent1"/>
+          </a:lnRef>
+          <a:fillRef idx="3">
+            <a:schemeClr val="accent1"/>
+          </a:fillRef>
+          <a:effectRef idx="2">
+            <a:schemeClr val="accent1"/>
+          </a:effectRef>
+          <a:fontRef idx="minor">
+            <a:schemeClr val="lt1"/>
+          </a:fontRef>
+        </p:style>
+        <p:txBody>
+          <a:bodyPr rtlCol="0" anchor="ctr"/>
+          <a:lstStyle/>
+          <a:p>
+            <a:pPr algn="ctr"/>
+            <a:r>
+              <a:rPr lang="en-US" sz="2800" b="1" dirty="0" smtClean="0">
+                <a:latin typeface="Cambria"/>
+                <a:cs typeface="Cambria"/>
+              </a:rPr>
+              <a:t>Features</a:t>
+            </a:r>
+            <a:endParaRPr lang="en-US" sz="2800" b="1" dirty="0">
+              <a:latin typeface="Cambria"/>
+              <a:cs typeface="Cambria"/>
+            </a:endParaRPr>
+          </a:p>
+        </p:txBody>
+      </p:sp>
+      <p:grpSp>
+        <p:nvGrpSpPr>
+          <p:cNvPr id="6" name="Group 5"/>
+          <p:cNvGrpSpPr/>
+          <p:nvPr/>
+        </p:nvGrpSpPr>
+        <p:grpSpPr>
+          <a:xfrm>
+            <a:off x="1135528" y="1999131"/>
+            <a:ext cx="7470588" cy="3920660"/>
+            <a:chOff x="1135528" y="1999131"/>
+            <a:chExt cx="7470588" cy="3920660"/>
+          </a:xfrm>
+        </p:grpSpPr>
+        <p:sp>
+          <p:nvSpPr>
+            <p:cNvPr id="3" name="TextBox 2"/>
+            <p:cNvSpPr txBox="1"/>
+            <p:nvPr/>
+          </p:nvSpPr>
+          <p:spPr>
+            <a:xfrm>
+              <a:off x="3899647" y="1999131"/>
+              <a:ext cx="1912471" cy="1138773"/>
+            </a:xfrm>
+            <a:prstGeom prst="rect">
+              <a:avLst/>
+            </a:prstGeom>
+            <a:solidFill>
+              <a:srgbClr val="FFFFFF"/>
+            </a:solidFill>
+          </p:spPr>
+          <p:txBody>
+            <a:bodyPr wrap="square" rtlCol="0">
+              <a:spAutoFit/>
+            </a:bodyPr>
+            <a:lstStyle/>
+            <a:p>
+              <a:pPr algn="ctr"/>
+              <a:r>
+                <a:rPr lang="en-US" sz="3400" b="1" dirty="0">
+                  <a:latin typeface="Cambria"/>
+                  <a:cs typeface="Cambria"/>
+                </a:rPr>
+                <a:t>Random </a:t>
+              </a:r>
+              <a:r>
+                <a:rPr lang="en-US" sz="3400" b="1" dirty="0" smtClean="0">
+                  <a:latin typeface="Cambria"/>
+                  <a:cs typeface="Cambria"/>
+                </a:rPr>
+                <a:t>Forest</a:t>
+              </a:r>
+              <a:endParaRPr lang="en-US" sz="3400" b="1" dirty="0"/>
+            </a:p>
+          </p:txBody>
+        </p:sp>
+        <p:sp>
+          <p:nvSpPr>
+            <p:cNvPr id="12" name="TextBox 11"/>
+            <p:cNvSpPr txBox="1"/>
+            <p:nvPr/>
+          </p:nvSpPr>
+          <p:spPr>
+            <a:xfrm>
+              <a:off x="5059082" y="5035015"/>
+              <a:ext cx="2934447" cy="615553"/>
+            </a:xfrm>
+            <a:prstGeom prst="rect">
+              <a:avLst/>
+            </a:prstGeom>
+            <a:solidFill>
+              <a:schemeClr val="bg1"/>
+            </a:solidFill>
+          </p:spPr>
+          <p:txBody>
+            <a:bodyPr wrap="square" rtlCol="0">
+              <a:spAutoFit/>
+            </a:bodyPr>
+            <a:lstStyle/>
+            <a:p>
+              <a:pPr algn="ctr"/>
+              <a:r>
+                <a:rPr lang="en-US" sz="3400" b="1" dirty="0" smtClean="0">
+                  <a:latin typeface="Cambria"/>
+                  <a:cs typeface="Cambria"/>
+                </a:rPr>
+                <a:t>User Clusters</a:t>
+              </a:r>
+              <a:endParaRPr lang="en-US" sz="3400" b="1" dirty="0"/>
+            </a:p>
+          </p:txBody>
+        </p:sp>
+        <p:sp>
+          <p:nvSpPr>
+            <p:cNvPr id="13" name="TextBox 12"/>
+            <p:cNvSpPr txBox="1"/>
+            <p:nvPr/>
+          </p:nvSpPr>
+          <p:spPr>
+            <a:xfrm>
+              <a:off x="1443319" y="5396571"/>
+              <a:ext cx="2934447" cy="523220"/>
+            </a:xfrm>
+            <a:prstGeom prst="rect">
+              <a:avLst/>
+            </a:prstGeom>
+            <a:solidFill>
+              <a:srgbClr val="FFFFFF"/>
+            </a:solidFill>
+          </p:spPr>
+          <p:txBody>
+            <a:bodyPr wrap="square" rtlCol="0">
+              <a:spAutoFit/>
+            </a:bodyPr>
+            <a:lstStyle/>
+            <a:p>
+              <a:pPr algn="ctr"/>
+              <a:r>
+                <a:rPr lang="en-US" sz="2800" dirty="0" smtClean="0">
+                  <a:solidFill>
+                    <a:schemeClr val="bg1">
+                      <a:lumMod val="75000"/>
+                    </a:schemeClr>
+                  </a:solidFill>
+                  <a:latin typeface="Cambria"/>
+                  <a:cs typeface="Cambria"/>
+                </a:rPr>
+                <a:t>Text Analysis</a:t>
+              </a:r>
+              <a:endParaRPr lang="en-US" sz="2800" dirty="0">
+                <a:solidFill>
+                  <a:schemeClr val="bg1">
+                    <a:lumMod val="75000"/>
+                  </a:schemeClr>
+                </a:solidFill>
+              </a:endParaRPr>
+            </a:p>
+          </p:txBody>
+        </p:sp>
+        <p:sp>
+          <p:nvSpPr>
+            <p:cNvPr id="14" name="TextBox 13"/>
+            <p:cNvSpPr txBox="1"/>
+            <p:nvPr/>
+          </p:nvSpPr>
+          <p:spPr>
+            <a:xfrm>
+              <a:off x="4882777" y="4368617"/>
+              <a:ext cx="3603811" cy="523220"/>
+            </a:xfrm>
+            <a:prstGeom prst="rect">
+              <a:avLst/>
+            </a:prstGeom>
+            <a:solidFill>
+              <a:srgbClr val="FFFFFF"/>
+            </a:solidFill>
+          </p:spPr>
+          <p:txBody>
+            <a:bodyPr wrap="square" rtlCol="0">
+              <a:spAutoFit/>
+            </a:bodyPr>
+            <a:lstStyle/>
+            <a:p>
+              <a:pPr algn="ctr"/>
+              <a:r>
+                <a:rPr lang="en-US" sz="2800" dirty="0" smtClean="0">
+                  <a:solidFill>
+                    <a:schemeClr val="bg1">
+                      <a:lumMod val="75000"/>
+                    </a:schemeClr>
+                  </a:solidFill>
+                  <a:latin typeface="Cambria"/>
+                  <a:cs typeface="Cambria"/>
+                </a:rPr>
+                <a:t>Collaborative Filtering</a:t>
+              </a:r>
+              <a:endParaRPr lang="en-US" sz="2800" dirty="0">
+                <a:solidFill>
+                  <a:schemeClr val="bg1">
+                    <a:lumMod val="75000"/>
+                  </a:schemeClr>
+                </a:solidFill>
+              </a:endParaRPr>
+            </a:p>
+          </p:txBody>
+        </p:sp>
+        <p:sp>
+          <p:nvSpPr>
+            <p:cNvPr id="15" name="TextBox 14"/>
+            <p:cNvSpPr txBox="1"/>
+            <p:nvPr/>
+          </p:nvSpPr>
+          <p:spPr>
+            <a:xfrm>
+              <a:off x="1135528" y="2103718"/>
+              <a:ext cx="2752169" cy="954107"/>
+            </a:xfrm>
+            <a:prstGeom prst="rect">
+              <a:avLst/>
+            </a:prstGeom>
+            <a:solidFill>
+              <a:srgbClr val="FFFFFF"/>
+            </a:solidFill>
+          </p:spPr>
+          <p:txBody>
+            <a:bodyPr wrap="square" rtlCol="0">
+              <a:spAutoFit/>
+            </a:bodyPr>
+            <a:lstStyle/>
+            <a:p>
+              <a:pPr algn="ctr"/>
+              <a:r>
+                <a:rPr lang="en-US" sz="2800" dirty="0" smtClean="0">
+                  <a:solidFill>
+                    <a:schemeClr val="bg1">
+                      <a:lumMod val="75000"/>
+                    </a:schemeClr>
+                  </a:solidFill>
+                  <a:latin typeface="Cambria"/>
+                  <a:cs typeface="Cambria"/>
+                </a:rPr>
+                <a:t>Linear Regression</a:t>
+              </a:r>
+              <a:endParaRPr lang="en-US" sz="2800" dirty="0">
+                <a:solidFill>
+                  <a:schemeClr val="bg1">
+                    <a:lumMod val="75000"/>
+                  </a:schemeClr>
+                </a:solidFill>
+              </a:endParaRPr>
+            </a:p>
+          </p:txBody>
+        </p:sp>
+        <p:sp>
+          <p:nvSpPr>
+            <p:cNvPr id="16" name="TextBox 15"/>
+            <p:cNvSpPr txBox="1"/>
+            <p:nvPr/>
+          </p:nvSpPr>
+          <p:spPr>
+            <a:xfrm>
+              <a:off x="5671669" y="2316201"/>
+              <a:ext cx="2934447" cy="523220"/>
+            </a:xfrm>
+            <a:prstGeom prst="rect">
+              <a:avLst/>
+            </a:prstGeom>
+            <a:solidFill>
+              <a:srgbClr val="FFFFFF"/>
+            </a:solidFill>
+          </p:spPr>
+          <p:txBody>
+            <a:bodyPr wrap="square" rtlCol="0">
+              <a:spAutoFit/>
+            </a:bodyPr>
+            <a:lstStyle/>
+            <a:p>
+              <a:pPr algn="ctr"/>
+              <a:r>
+                <a:rPr lang="en-US" sz="2800" dirty="0" smtClean="0">
+                  <a:solidFill>
+                    <a:schemeClr val="bg1">
+                      <a:lumMod val="75000"/>
+                    </a:schemeClr>
+                  </a:solidFill>
+                  <a:latin typeface="Cambria"/>
+                  <a:cs typeface="Cambria"/>
+                </a:rPr>
+                <a:t>Boosting</a:t>
+              </a:r>
+              <a:endParaRPr lang="en-US" sz="2800" dirty="0">
+                <a:solidFill>
+                  <a:schemeClr val="bg1">
+                    <a:lumMod val="75000"/>
+                  </a:schemeClr>
+                </a:solidFill>
+              </a:endParaRPr>
+            </a:p>
+          </p:txBody>
+        </p:sp>
+        <p:sp>
+          <p:nvSpPr>
+            <p:cNvPr id="9" name="TextBox 8"/>
+            <p:cNvSpPr txBox="1"/>
+            <p:nvPr/>
+          </p:nvSpPr>
+          <p:spPr>
+            <a:xfrm>
+              <a:off x="1344704" y="3977597"/>
+              <a:ext cx="3137649" cy="1569660"/>
+            </a:xfrm>
+            <a:prstGeom prst="rect">
+              <a:avLst/>
+            </a:prstGeom>
+            <a:solidFill>
+              <a:schemeClr val="bg1"/>
+            </a:solidFill>
+          </p:spPr>
+          <p:txBody>
+            <a:bodyPr wrap="square" rtlCol="0">
+              <a:spAutoFit/>
+            </a:bodyPr>
+            <a:lstStyle/>
+            <a:p>
+              <a:pPr algn="ctr"/>
+              <a:r>
+                <a:rPr lang="en-US" sz="3200" b="1" dirty="0" smtClean="0">
+                  <a:latin typeface="Cambria"/>
+                  <a:cs typeface="Cambria"/>
+                </a:rPr>
+                <a:t>Category Principal Components</a:t>
+              </a:r>
+              <a:endParaRPr lang="en-US" sz="3200" b="1" dirty="0"/>
+            </a:p>
+          </p:txBody>
+        </p:sp>
+      </p:grpSp>
+    </p:spTree>
+    <p:extLst>
+      <p:ext uri="{BB962C8B-B14F-4D97-AF65-F5344CB8AC3E}">
+        <p14:creationId xmlns:p14="http://schemas.microsoft.com/office/powerpoint/2010/main" val="1334221586"/>
+      </p:ext>
+    </p:extLst>
+  </p:cSld>
+  <p:clrMapOvr>
+    <a:masterClrMapping/>
+  </p:clrMapOvr>
+  <p:timing>
+    <p:tnLst>
+      <p:par>
+        <p:cTn xmlns:p14="http://schemas.microsoft.com/office/powerpoint/2010/main" id="1" dur="indefinite" restart="never" nodeType="tmRoot">
+          <p:childTnLst>
+            <p:seq concurrent="1" nextAc="seek">
+              <p:cTn id="2" dur="indefinite" nodeType="mainSeq">
+                <p:childTnLst>
+                  <p:par>
+                    <p:cTn id="3" fill="hold">
+                      <p:stCondLst>
+                        <p:cond delay="indefinite"/>
+                      </p:stCondLst>
+                      <p:childTnLst>
+                        <p:par>
+                          <p:cTn id="4" fill="hold">
+                            <p:stCondLst>
+                              <p:cond delay="0"/>
+                            </p:stCondLst>
+                            <p:childTnLst>
+                              <p:par>
+                                <p:cTn id="5" presetID="1" presetClass="entr" presetSubtype="0" fill="hold" nodeType="clickEffect">
+                                  <p:stCondLst>
+                                    <p:cond delay="0"/>
+                                  </p:stCondLst>
+                                  <p:childTnLst>
+                                    <p:set>
+                                      <p:cBhvr>
+                                        <p:cTn id="6" dur="1" fill="hold">
+                                          <p:stCondLst>
+                                            <p:cond delay="0"/>
+                                          </p:stCondLst>
+                                        </p:cTn>
+                                        <p:tgtEl>
+                                          <p:spTgt spid="6"/>
+                                        </p:tgtEl>
+                                        <p:attrNameLst>
+                                          <p:attrName>style.visibility</p:attrName>
+                                        </p:attrNameLst>
+                                      </p:cBhvr>
+                                      <p:to>
+                                        <p:strVal val="visible"/>
+                                      </p:to>
+                                    </p:set>
+                                  </p:childTnLst>
+                                </p:cTn>
+                              </p:par>
+                            </p:childTnLst>
+                          </p:cTn>
+                        </p:par>
+                      </p:childTnLst>
+                    </p:cTn>
+                  </p:par>
+                </p:childTnLst>
+              </p:cTn>
+              <p:prevCondLst>
+                <p:cond evt="onPrev" delay="0">
+                  <p:tgtEl>
+                    <p:sldTgt/>
+                  </p:tgtEl>
+                </p:cond>
+              </p:prevCondLst>
+              <p:nextCondLst>
+                <p:cond evt="onNext" delay="0">
+                  <p:tgtEl>
+                    <p:sldTgt/>
+                  </p:tgtEl>
+                </p:cond>
+              </p:nextCondLst>
+            </p:seq>
+          </p:childTnLst>
+        </p:cTn>
+      </p:par>
+    </p:tnLst>
+  </p:timing>
+</p:sld>
+</file>
+
+<file path=ppt/slides/slide8.xml><?xml version="1.0" encoding="utf-8"?>
+<p:sld xmlns:a="http://schemas.openxmlformats.org/drawingml/2006/main" xmlns:r="http://schemas.openxmlformats.org/officeDocument/2006/relationships" xmlns:p="http://schemas.openxmlformats.org/presentationml/2006/main">
+  <p:cSld>
+    <p:spTree>
+      <p:nvGrpSpPr>
+        <p:cNvPr id="1" name=""/>
+        <p:cNvGrpSpPr/>
+        <p:nvPr/>
+      </p:nvGrpSpPr>
+      <p:grpSpPr>
+        <a:xfrm>
+          <a:off x="0" y="0"/>
+          <a:ext cx="0" cy="0"/>
+          <a:chOff x="0" y="0"/>
+          <a:chExt cx="0" cy="0"/>
+        </a:xfrm>
+      </p:grpSpPr>
+      <p:sp>
+        <p:nvSpPr>
+          <p:cNvPr id="2" name="Title 1"/>
+          <p:cNvSpPr>
+            <a:spLocks noGrp="1"/>
+          </p:cNvSpPr>
+          <p:nvPr>
+            <p:ph type="title"/>
+          </p:nvPr>
+        </p:nvSpPr>
+        <p:spPr/>
+        <p:txBody>
+          <a:bodyPr/>
+          <a:lstStyle/>
+          <a:p>
+            <a:pPr algn="l"/>
+            <a:r>
+              <a:rPr lang="en-US" dirty="0" smtClean="0"/>
               <a:t>Next Steps</a:t>
             </a:r>
             <a:endParaRPr lang="en-US" dirty="0"/>
@@ -10428,7 +11258,7 @@
           <a:p>
             <a:fld id="{7B7E4D09-A1A9-C14F-A048-20573D76504F}" type="slidenum">
               <a:rPr lang="en-US" smtClean="0"/>
-              <a:t>7</a:t>
+              <a:t>8</a:t>
             </a:fld>
             <a:endParaRPr lang="en-US" dirty="0"/>
           </a:p>
@@ -10589,7 +11419,7 @@
 </p:sld>
 </file>
 
-<file path=ppt/slides/slide8.xml><?xml version="1.0" encoding="utf-8"?>
+<file path=ppt/slides/slide9.xml><?xml version="1.0" encoding="utf-8"?>
 <p:sld xmlns:a="http://schemas.openxmlformats.org/drawingml/2006/main" xmlns:r="http://schemas.openxmlformats.org/officeDocument/2006/relationships" xmlns:p="http://schemas.openxmlformats.org/presentationml/2006/main">
   <p:cSld>
     <p:spTree>
@@ -10636,6 +11466,37 @@
               <a:rPr lang="en-US" sz="3600" dirty="0" smtClean="0"/>
             </a:br>
             <a:r>
+              <a:rPr lang="en-US" sz="3600" dirty="0"/>
+              <a:t/>
+            </a:r>
+            <a:br>
+              <a:rPr lang="en-US" sz="3600" dirty="0"/>
+            </a:br>
+            <a:r>
+              <a:rPr lang="en-US" sz="3600" dirty="0" err="1" smtClean="0"/>
+              <a:t>www.usfca.edu</a:t>
+            </a:r>
+            <a:r>
+              <a:rPr lang="en-US" sz="3600" dirty="0"/>
+              <a:t>/</a:t>
+            </a:r>
+            <a:r>
+              <a:rPr lang="en-US" sz="3600" dirty="0" err="1"/>
+              <a:t>artsci</a:t>
+            </a:r>
+            <a:r>
+              <a:rPr lang="en-US" sz="3600" dirty="0"/>
+              <a:t>/</a:t>
+            </a:r>
+            <a:r>
+              <a:rPr lang="en-US" sz="3600" dirty="0" err="1"/>
+              <a:t>msan</a:t>
+            </a:r>
+            <a:r>
+              <a:rPr lang="en-US" sz="3600" dirty="0"/>
+              <a:t>/students/</a:t>
+            </a:r>
+            <a:r>
               <a:rPr lang="en-US" sz="3600" dirty="0" smtClean="0"/>
               <a:t/>
             </a:r>
@@ -10644,43 +11505,18 @@
             </a:br>
             <a:r>
               <a:rPr lang="en-US" sz="3600" dirty="0" smtClean="0"/>
-              <a:t>jrbaker2@usfca.edu</a:t>
+              <a:t/>
             </a:r>
             <a:br>
               <a:rPr lang="en-US" sz="3600" dirty="0" smtClean="0"/>
             </a:br>
             <a:r>
-              <a:rPr lang="en-US" sz="3600" dirty="0" err="1" smtClean="0"/>
-              <a:t>gmokamoto@usfca.edu</a:t>
-            </a:r>
-            <a:r>
-              <a:rPr lang="en-US" sz="3600" dirty="0" smtClean="0"/>
-              <a:t/>
-            </a:r>
-            <a:br>
-              <a:rPr lang="en-US" sz="3600" dirty="0" smtClean="0"/>
-            </a:br>
-            <a:r>
-              <a:rPr lang="en-US" sz="3600" dirty="0" err="1" smtClean="0"/>
-              <a:t>kmhoo@usfca.edu</a:t>
-            </a:r>
-            <a:r>
-              <a:rPr lang="en-US" sz="3600" dirty="0" smtClean="0"/>
-              <a:t/>
-            </a:r>
-            <a:br>
-              <a:rPr lang="en-US" sz="3600" dirty="0" smtClean="0"/>
-            </a:br>
-            <a:r>
-              <a:rPr lang="en-US" dirty="0" smtClean="0"/>
-              <a:t/>
-            </a:r>
-            <a:br>
-              <a:rPr lang="en-US" dirty="0" smtClean="0"/>
-            </a:br>
-            <a:r>
               <a:rPr lang="en-US" b="1" dirty="0" smtClean="0"/>
-              <a:t>Thanks!</a:t>
+              <a:t>Thanks</a:t>
+            </a:r>
+            <a:r>
+              <a:rPr lang="en-US" b="1" dirty="0" smtClean="0"/>
+              <a:t>!</a:t>
             </a:r>
             <a:endParaRPr lang="en-US" b="1" dirty="0"/>
           </a:p>

--- a/advML_final_presentation.pptx
+++ b/advML_final_presentation.pptx
@@ -4387,6 +4387,53 @@
       </p:grpSpPr>
       <p:sp>
         <p:nvSpPr>
+          <p:cNvPr id="11" name="Rectangle 10"/>
+          <p:cNvSpPr/>
+          <p:nvPr userDrawn="1"/>
+        </p:nvSpPr>
+        <p:spPr>
+          <a:xfrm>
+            <a:off x="1143000" y="2140328"/>
+            <a:ext cx="8001000" cy="3508375"/>
+          </a:xfrm>
+          <a:prstGeom prst="rect">
+            <a:avLst/>
+          </a:prstGeom>
+          <a:solidFill>
+            <a:srgbClr val="800000"/>
+          </a:solidFill>
+          <a:ln>
+            <a:solidFill>
+              <a:srgbClr val="800000"/>
+            </a:solidFill>
+          </a:ln>
+          <a:effectLst/>
+        </p:spPr>
+        <p:style>
+          <a:lnRef idx="1">
+            <a:schemeClr val="accent1"/>
+          </a:lnRef>
+          <a:fillRef idx="3">
+            <a:schemeClr val="accent1"/>
+          </a:fillRef>
+          <a:effectRef idx="2">
+            <a:schemeClr val="accent1"/>
+          </a:effectRef>
+          <a:fontRef idx="minor">
+            <a:schemeClr val="lt1"/>
+          </a:fontRef>
+        </p:style>
+        <p:txBody>
+          <a:bodyPr rtlCol="0" anchor="ctr"/>
+          <a:lstStyle/>
+          <a:p>
+            <a:pPr algn="ctr"/>
+            <a:endParaRPr lang="en-US"/>
+          </a:p>
+        </p:txBody>
+      </p:sp>
+      <p:sp>
+        <p:nvSpPr>
           <p:cNvPr id="8" name="Rectangle 7"/>
           <p:cNvSpPr/>
           <p:nvPr userDrawn="1"/>
@@ -4444,8 +4491,8 @@
         </p:nvSpPr>
         <p:spPr>
           <a:xfrm>
-            <a:off x="1143000" y="2130425"/>
-            <a:ext cx="8001000" cy="3518278"/>
+            <a:off x="0" y="2120522"/>
+            <a:ext cx="899068" cy="3518278"/>
           </a:xfrm>
           <a:prstGeom prst="rect">
             <a:avLst/>
@@ -4692,53 +4739,6 @@
               <a:pPr/>
               <a:t>‹#›</a:t>
             </a:fld>
-            <a:endParaRPr lang="en-US"/>
-          </a:p>
-        </p:txBody>
-      </p:sp>
-      <p:sp>
-        <p:nvSpPr>
-          <p:cNvPr id="10" name="Rectangle 9"/>
-          <p:cNvSpPr/>
-          <p:nvPr userDrawn="1"/>
-        </p:nvSpPr>
-        <p:spPr>
-          <a:xfrm>
-            <a:off x="0" y="2130425"/>
-            <a:ext cx="899068" cy="3508375"/>
-          </a:xfrm>
-          <a:prstGeom prst="rect">
-            <a:avLst/>
-          </a:prstGeom>
-          <a:solidFill>
-            <a:srgbClr val="800000"/>
-          </a:solidFill>
-          <a:ln>
-            <a:solidFill>
-              <a:srgbClr val="800000"/>
-            </a:solidFill>
-          </a:ln>
-          <a:effectLst/>
-        </p:spPr>
-        <p:style>
-          <a:lnRef idx="1">
-            <a:schemeClr val="accent1"/>
-          </a:lnRef>
-          <a:fillRef idx="3">
-            <a:schemeClr val="accent1"/>
-          </a:fillRef>
-          <a:effectRef idx="2">
-            <a:schemeClr val="accent1"/>
-          </a:effectRef>
-          <a:fontRef idx="minor">
-            <a:schemeClr val="lt1"/>
-          </a:fontRef>
-        </p:style>
-        <p:txBody>
-          <a:bodyPr rtlCol="0" anchor="ctr"/>
-          <a:lstStyle/>
-          <a:p>
-            <a:pPr algn="ctr"/>
             <a:endParaRPr lang="en-US"/>
           </a:p>
         </p:txBody>
@@ -8584,240 +8584,6 @@
       </p:grpSpPr>
       <p:sp>
         <p:nvSpPr>
-          <p:cNvPr id="2" name="Title 1"/>
-          <p:cNvSpPr>
-            <a:spLocks noGrp="1"/>
-          </p:cNvSpPr>
-          <p:nvPr>
-            <p:ph type="ctrTitle"/>
-          </p:nvPr>
-        </p:nvSpPr>
-        <p:spPr>
-          <a:xfrm>
-            <a:off x="1143000" y="2130425"/>
-            <a:ext cx="8001000" cy="1470025"/>
-          </a:xfrm>
-        </p:spPr>
-        <p:txBody>
-          <a:bodyPr/>
-          <a:lstStyle/>
-          <a:p>
-            <a:r>
-              <a:rPr lang="en-US" b="1" dirty="0" smtClean="0"/>
-              <a:t>Recommendation Engine</a:t>
-            </a:r>
-            <a:endParaRPr lang="en-US" b="1" dirty="0"/>
-          </a:p>
-        </p:txBody>
-      </p:sp>
-      <p:sp>
-        <p:nvSpPr>
-          <p:cNvPr id="3" name="Subtitle 2"/>
-          <p:cNvSpPr>
-            <a:spLocks noGrp="1"/>
-          </p:cNvSpPr>
-          <p:nvPr>
-            <p:ph type="subTitle" idx="1"/>
-          </p:nvPr>
-        </p:nvSpPr>
-        <p:spPr>
-          <a:xfrm>
-            <a:off x="1283586" y="3487276"/>
-            <a:ext cx="7744110" cy="2038350"/>
-          </a:xfrm>
-        </p:spPr>
-        <p:txBody>
-          <a:bodyPr/>
-          <a:lstStyle/>
-          <a:p>
-            <a:pPr algn="r"/>
-            <a:r>
-              <a:rPr lang="en-US" dirty="0" smtClean="0"/>
-              <a:t>Jeff Baker</a:t>
-            </a:r>
-            <a:endParaRPr lang="en-US" dirty="0"/>
-          </a:p>
-          <a:p>
-            <a:pPr algn="r"/>
-            <a:r>
-              <a:rPr lang="en-US" dirty="0" smtClean="0"/>
-              <a:t>Griffin Okamoto</a:t>
-            </a:r>
-          </a:p>
-          <a:p>
-            <a:pPr algn="r"/>
-            <a:r>
-              <a:rPr lang="en-US" dirty="0" smtClean="0"/>
-              <a:t> Kailey Hoo</a:t>
-            </a:r>
-            <a:endParaRPr lang="en-US" dirty="0"/>
-          </a:p>
-        </p:txBody>
-      </p:sp>
-      <p:pic>
-        <p:nvPicPr>
-          <p:cNvPr id="6" name="Picture 5" descr="yelp.png"/>
-          <p:cNvPicPr>
-            <a:picLocks noChangeAspect="1"/>
-          </p:cNvPicPr>
-          <p:nvPr/>
-        </p:nvPicPr>
-        <p:blipFill rotWithShape="1">
-          <a:blip r:embed="rId3">
-            <a:extLst>
-              <a:ext uri="{BEBA8EAE-BF5A-486C-A8C5-ECC9F3942E4B}">
-                <a14:imgProps xmlns:a14="http://schemas.microsoft.com/office/drawing/2010/main">
-                  <a14:imgLayer r:embed="rId4">
-                    <a14:imgEffect>
-                      <a14:backgroundRemoval t="10000" b="90000" l="10000" r="90000">
-                        <a14:foregroundMark x1="46528" y1="50087" x2="46528" y2="50087"/>
-                        <a14:foregroundMark x1="41493" y1="50694" x2="41493" y2="50694"/>
-                        <a14:foregroundMark x1="43663" y1="51563" x2="43663" y2="51563"/>
-                        <a14:foregroundMark x1="44010" y1="50260" x2="44010" y2="50260"/>
-                        <a14:foregroundMark x1="32639" y1="51389" x2="32639" y2="51389"/>
-                        <a14:foregroundMark x1="30642" y1="51128" x2="30642" y2="51128"/>
-                        <a14:foregroundMark x1="61719" y1="50260" x2="61719" y2="50260"/>
-                        <a14:foregroundMark x1="65799" y1="42882" x2="65799" y2="42882"/>
-                        <a14:foregroundMark x1="70226" y1="48003" x2="70226" y2="48003"/>
-                        <a14:foregroundMark x1="71181" y1="53906" x2="71181" y2="53906"/>
-                        <a14:foregroundMark x1="65885" y1="55122" x2="65885" y2="55122"/>
-                        <a14:foregroundMark x1="63194" y1="57465" x2="63194" y2="57465"/>
-                        <a14:foregroundMark x1="59549" y1="57378" x2="59549" y2="57378"/>
-                        <a14:foregroundMark x1="61285" y1="54601" x2="61285" y2="54601"/>
-                        <a14:foregroundMark x1="58247" y1="48438" x2="58247" y2="48438"/>
-                        <a14:foregroundMark x1="34288" y1="52170" x2="34288" y2="52170"/>
-                        <a14:foregroundMark x1="34722" y1="53559" x2="34722" y2="53559"/>
-                        <a14:foregroundMark x1="33247" y1="55990" x2="33247" y2="55990"/>
-                        <a14:foregroundMark x1="35417" y1="57118" x2="35417" y2="57118"/>
-                        <a14:foregroundMark x1="39931" y1="54948" x2="39931" y2="54948"/>
-                        <a14:foregroundMark x1="44097" y1="55382" x2="44097" y2="55382"/>
-                        <a14:foregroundMark x1="43490" y1="56858" x2="43490" y2="56858"/>
-                        <a14:foregroundMark x1="48524" y1="54601" x2="48524" y2="54601"/>
-                        <a14:foregroundMark x1="48264" y1="50260" x2="48264" y2="50260"/>
-                        <a14:foregroundMark x1="49132" y1="53125" x2="49132" y2="53125"/>
-                        <a14:foregroundMark x1="54774" y1="53038" x2="54774" y2="53038"/>
-                        <a14:foregroundMark x1="48785" y1="48958" x2="48785" y2="48958"/>
-                        <a14:foregroundMark x1="44358" y1="45660" x2="44358" y2="45660"/>
-                        <a14:foregroundMark x1="46094" y1="44531" x2="46094" y2="44531"/>
-                        <a14:foregroundMark x1="50781" y1="47656" x2="50781" y2="47656"/>
-                        <a14:foregroundMark x1="55642" y1="47830" x2="55642" y2="47830"/>
-                        <a14:foregroundMark x1="51910" y1="48090" x2="51910" y2="48090"/>
-                        <a14:foregroundMark x1="56944" y1="48177" x2="56944" y2="48177"/>
-                        <a14:foregroundMark x1="34896" y1="49306" x2="34896" y2="49306"/>
-                        <a14:foregroundMark x1="66319" y1="50608" x2="66319" y2="50608"/>
-                        <a14:foregroundMark x1="63802" y1="48264" x2="63802" y2="48264"/>
-                        <a14:foregroundMark x1="68403" y1="50521" x2="68403" y2="50521"/>
-                        <a14:foregroundMark x1="73611" y1="49392" x2="73611" y2="49392"/>
-                        <a14:foregroundMark x1="67969" y1="46354" x2="67969" y2="46354"/>
-                        <a14:foregroundMark x1="66493" y1="49219" x2="66493" y2="49219"/>
-                        <a14:foregroundMark x1="61372" y1="42795" x2="61372" y2="42795"/>
-                        <a14:foregroundMark x1="62674" y1="45052" x2="62674" y2="45052"/>
-                        <a14:foregroundMark x1="63455" y1="38976" x2="63455" y2="38976"/>
-                        <a14:foregroundMark x1="67101" y1="40104" x2="67101" y2="40104"/>
-                        <a14:foregroundMark x1="67448" y1="44878" x2="67448" y2="44878"/>
-                        <a14:foregroundMark x1="60417" y1="40712" x2="60417" y2="40712"/>
-                        <a14:foregroundMark x1="70313" y1="44097" x2="70313" y2="44097"/>
-                        <a14:foregroundMark x1="61632" y1="47222" x2="61632" y2="47222"/>
-                        <a14:foregroundMark x1="59201" y1="47830" x2="59201" y2="47830"/>
-                        <a14:foregroundMark x1="58854" y1="52865" x2="58854" y2="52865"/>
-                        <a14:foregroundMark x1="62847" y1="52778" x2="62847" y2="52778"/>
-                        <a14:foregroundMark x1="67708" y1="53646" x2="67708" y2="53646"/>
-                        <a14:foregroundMark x1="71181" y1="49653" x2="71181" y2="49653"/>
-                        <a14:foregroundMark x1="74306" y1="47483" x2="74306" y2="47483"/>
-                        <a14:foregroundMark x1="72569" y1="44531" x2="72569" y2="44531"/>
-                        <a14:foregroundMark x1="53906" y1="59809" x2="57986" y2="56424"/>
-                        <a14:foregroundMark x1="67882" y1="55122" x2="67622" y2="57986"/>
-                        <a14:foregroundMark x1="70660" y1="56858" x2="70660" y2="56858"/>
-                        <a14:foregroundMark x1="72569" y1="56510" x2="74653" y2="53559"/>
-                        <a14:foregroundMark x1="64844" y1="58247" x2="64844" y2="58247"/>
-                        <a14:foregroundMark x1="47917" y1="57031" x2="47917" y2="57031"/>
-                        <a14:foregroundMark x1="38108" y1="58767" x2="38108" y2="58767"/>
-                        <a14:foregroundMark x1="37934" y1="47917" x2="37934" y2="47917"/>
-                        <a14:foregroundMark x1="26128" y1="48003" x2="26128" y2="48003"/>
-                        <a14:foregroundMark x1="27951" y1="55642" x2="27951" y2="55642"/>
-                        <a14:foregroundMark x1="25347" y1="50087" x2="27517" y2="54514"/>
-                        <a14:foregroundMark x1="28385" y1="57378" x2="28385" y2="57378"/>
-                        <a14:foregroundMark x1="31337" y1="60677" x2="31337" y2="60677"/>
-                        <a14:foregroundMark x1="27170" y1="60764" x2="27170" y2="60764"/>
-                      </a14:backgroundRemoval>
-                    </a14:imgEffect>
-                  </a14:imgLayer>
-                </a14:imgProps>
-              </a:ext>
-              <a:ext uri="{28A0092B-C50C-407E-A947-70E740481C1C}">
-                <a14:useLocalDpi xmlns:a14="http://schemas.microsoft.com/office/drawing/2010/main" val="0"/>
-              </a:ext>
-            </a:extLst>
-          </a:blip>
-          <a:srcRect l="21745" t="35661" r="17040" b="34341"/>
-          <a:stretch/>
-        </p:blipFill>
-        <p:spPr>
-          <a:xfrm>
-            <a:off x="178421" y="293897"/>
-            <a:ext cx="2270401" cy="1112603"/>
-          </a:xfrm>
-          <a:prstGeom prst="rect">
-            <a:avLst/>
-          </a:prstGeom>
-        </p:spPr>
-      </p:pic>
-      <p:sp>
-        <p:nvSpPr>
-          <p:cNvPr id="7" name="Title 1"/>
-          <p:cNvSpPr txBox="1">
-            <a:spLocks/>
-          </p:cNvSpPr>
-          <p:nvPr/>
-        </p:nvSpPr>
-        <p:spPr>
-          <a:xfrm>
-            <a:off x="1132505" y="2122211"/>
-            <a:ext cx="8001000" cy="1470025"/>
-          </a:xfrm>
-          <a:prstGeom prst="rect">
-            <a:avLst/>
-          </a:prstGeom>
-        </p:spPr>
-        <p:txBody>
-          <a:bodyPr vert="horz" lIns="91440" tIns="45720" rIns="91440" bIns="45720" rtlCol="0" anchor="ctr">
-            <a:normAutofit/>
-          </a:bodyPr>
-          <a:lstStyle>
-            <a:lvl1pPr algn="ctr" defTabSz="457200" rtl="0" eaLnBrk="1" latinLnBrk="0" hangingPunct="1">
-              <a:spcBef>
-                <a:spcPct val="0"/>
-              </a:spcBef>
-              <a:buNone/>
-              <a:defRPr sz="4400" kern="1200">
-                <a:solidFill>
-                  <a:schemeClr val="tx1"/>
-                </a:solidFill>
-                <a:latin typeface="Cambria"/>
-                <a:ea typeface="+mj-ea"/>
-                <a:cs typeface="Cambria"/>
-              </a:defRPr>
-            </a:lvl1pPr>
-          </a:lstStyle>
-          <a:p>
-            <a:r>
-              <a:rPr lang="en-US" b="1" smtClean="0">
-                <a:solidFill>
-                  <a:schemeClr val="bg1"/>
-                </a:solidFill>
-              </a:rPr>
-              <a:t>Recommendation Engine</a:t>
-            </a:r>
-            <a:endParaRPr lang="en-US" b="1" dirty="0">
-              <a:solidFill>
-                <a:schemeClr val="bg1"/>
-              </a:solidFill>
-            </a:endParaRPr>
-          </a:p>
-        </p:txBody>
-      </p:sp>
-      <p:sp>
-        <p:nvSpPr>
           <p:cNvPr id="8" name="Subtitle 2"/>
           <p:cNvSpPr txBox="1">
             <a:spLocks/>
@@ -8826,8 +8592,8 @@
         </p:nvSpPr>
         <p:spPr>
           <a:xfrm>
-            <a:off x="1268066" y="3482236"/>
-            <a:ext cx="7744110" cy="2038350"/>
+            <a:off x="1284808" y="3346824"/>
+            <a:ext cx="7097192" cy="2038350"/>
           </a:xfrm>
           <a:prstGeom prst="rect">
             <a:avLst/>
@@ -8998,18 +8764,15 @@
                   <a:srgbClr val="FFFFFF"/>
                 </a:solidFill>
               </a:rPr>
-              <a:t>Jeff Baker</a:t>
-            </a:r>
-          </a:p>
-          <a:p>
-            <a:pPr algn="r"/>
+              <a:t>Jeff </a:t>
+            </a:r>
             <a:r>
               <a:rPr lang="en-US" dirty="0" smtClean="0">
                 <a:solidFill>
                   <a:srgbClr val="FFFFFF"/>
                 </a:solidFill>
               </a:rPr>
-              <a:t>Griffin Okamoto</a:t>
+              <a:t>Baker</a:t>
             </a:r>
           </a:p>
           <a:p>
@@ -9020,11 +8783,197 @@
                   <a:srgbClr val="FFFFFF"/>
                 </a:solidFill>
               </a:rPr>
-              <a:t> Kailey Hoo</a:t>
-            </a:r>
-            <a:endParaRPr lang="en-US" dirty="0">
+              <a:t>Kailey Hoo</a:t>
+            </a:r>
+            <a:endParaRPr lang="en-US" dirty="0" smtClean="0">
               <a:solidFill>
                 <a:srgbClr val="FFFFFF"/>
+              </a:solidFill>
+            </a:endParaRPr>
+          </a:p>
+          <a:p>
+            <a:pPr algn="r"/>
+            <a:r>
+              <a:rPr lang="en-US" dirty="0" smtClean="0">
+                <a:solidFill>
+                  <a:srgbClr val="FFFFFF"/>
+                </a:solidFill>
+              </a:rPr>
+              <a:t>Griffin </a:t>
+            </a:r>
+            <a:r>
+              <a:rPr lang="en-US" dirty="0" smtClean="0">
+                <a:solidFill>
+                  <a:srgbClr val="FFFFFF"/>
+                </a:solidFill>
+              </a:rPr>
+              <a:t>Okamoto</a:t>
+            </a:r>
+            <a:endParaRPr lang="en-US" dirty="0" smtClean="0">
+              <a:solidFill>
+                <a:srgbClr val="FFFFFF"/>
+              </a:solidFill>
+            </a:endParaRPr>
+          </a:p>
+        </p:txBody>
+      </p:sp>
+      <p:pic>
+        <p:nvPicPr>
+          <p:cNvPr id="6" name="Picture 5" descr="yelp.png"/>
+          <p:cNvPicPr>
+            <a:picLocks noChangeAspect="1"/>
+          </p:cNvPicPr>
+          <p:nvPr/>
+        </p:nvPicPr>
+        <p:blipFill rotWithShape="1">
+          <a:blip r:embed="rId3">
+            <a:extLst>
+              <a:ext uri="{BEBA8EAE-BF5A-486C-A8C5-ECC9F3942E4B}">
+                <a14:imgProps xmlns:a14="http://schemas.microsoft.com/office/drawing/2010/main">
+                  <a14:imgLayer r:embed="rId4">
+                    <a14:imgEffect>
+                      <a14:backgroundRemoval t="10000" b="90000" l="10000" r="90000">
+                        <a14:foregroundMark x1="46528" y1="50087" x2="46528" y2="50087"/>
+                        <a14:foregroundMark x1="41493" y1="50694" x2="41493" y2="50694"/>
+                        <a14:foregroundMark x1="43663" y1="51563" x2="43663" y2="51563"/>
+                        <a14:foregroundMark x1="44010" y1="50260" x2="44010" y2="50260"/>
+                        <a14:foregroundMark x1="32639" y1="51389" x2="32639" y2="51389"/>
+                        <a14:foregroundMark x1="30642" y1="51128" x2="30642" y2="51128"/>
+                        <a14:foregroundMark x1="61719" y1="50260" x2="61719" y2="50260"/>
+                        <a14:foregroundMark x1="65799" y1="42882" x2="65799" y2="42882"/>
+                        <a14:foregroundMark x1="70226" y1="48003" x2="70226" y2="48003"/>
+                        <a14:foregroundMark x1="71181" y1="53906" x2="71181" y2="53906"/>
+                        <a14:foregroundMark x1="65885" y1="55122" x2="65885" y2="55122"/>
+                        <a14:foregroundMark x1="63194" y1="57465" x2="63194" y2="57465"/>
+                        <a14:foregroundMark x1="59549" y1="57378" x2="59549" y2="57378"/>
+                        <a14:foregroundMark x1="61285" y1="54601" x2="61285" y2="54601"/>
+                        <a14:foregroundMark x1="58247" y1="48438" x2="58247" y2="48438"/>
+                        <a14:foregroundMark x1="34288" y1="52170" x2="34288" y2="52170"/>
+                        <a14:foregroundMark x1="34722" y1="53559" x2="34722" y2="53559"/>
+                        <a14:foregroundMark x1="33247" y1="55990" x2="33247" y2="55990"/>
+                        <a14:foregroundMark x1="35417" y1="57118" x2="35417" y2="57118"/>
+                        <a14:foregroundMark x1="39931" y1="54948" x2="39931" y2="54948"/>
+                        <a14:foregroundMark x1="44097" y1="55382" x2="44097" y2="55382"/>
+                        <a14:foregroundMark x1="43490" y1="56858" x2="43490" y2="56858"/>
+                        <a14:foregroundMark x1="48524" y1="54601" x2="48524" y2="54601"/>
+                        <a14:foregroundMark x1="48264" y1="50260" x2="48264" y2="50260"/>
+                        <a14:foregroundMark x1="49132" y1="53125" x2="49132" y2="53125"/>
+                        <a14:foregroundMark x1="54774" y1="53038" x2="54774" y2="53038"/>
+                        <a14:foregroundMark x1="48785" y1="48958" x2="48785" y2="48958"/>
+                        <a14:foregroundMark x1="44358" y1="45660" x2="44358" y2="45660"/>
+                        <a14:foregroundMark x1="46094" y1="44531" x2="46094" y2="44531"/>
+                        <a14:foregroundMark x1="50781" y1="47656" x2="50781" y2="47656"/>
+                        <a14:foregroundMark x1="55642" y1="47830" x2="55642" y2="47830"/>
+                        <a14:foregroundMark x1="51910" y1="48090" x2="51910" y2="48090"/>
+                        <a14:foregroundMark x1="56944" y1="48177" x2="56944" y2="48177"/>
+                        <a14:foregroundMark x1="34896" y1="49306" x2="34896" y2="49306"/>
+                        <a14:foregroundMark x1="66319" y1="50608" x2="66319" y2="50608"/>
+                        <a14:foregroundMark x1="63802" y1="48264" x2="63802" y2="48264"/>
+                        <a14:foregroundMark x1="68403" y1="50521" x2="68403" y2="50521"/>
+                        <a14:foregroundMark x1="73611" y1="49392" x2="73611" y2="49392"/>
+                        <a14:foregroundMark x1="67969" y1="46354" x2="67969" y2="46354"/>
+                        <a14:foregroundMark x1="66493" y1="49219" x2="66493" y2="49219"/>
+                        <a14:foregroundMark x1="61372" y1="42795" x2="61372" y2="42795"/>
+                        <a14:foregroundMark x1="62674" y1="45052" x2="62674" y2="45052"/>
+                        <a14:foregroundMark x1="63455" y1="38976" x2="63455" y2="38976"/>
+                        <a14:foregroundMark x1="67101" y1="40104" x2="67101" y2="40104"/>
+                        <a14:foregroundMark x1="67448" y1="44878" x2="67448" y2="44878"/>
+                        <a14:foregroundMark x1="60417" y1="40712" x2="60417" y2="40712"/>
+                        <a14:foregroundMark x1="70313" y1="44097" x2="70313" y2="44097"/>
+                        <a14:foregroundMark x1="61632" y1="47222" x2="61632" y2="47222"/>
+                        <a14:foregroundMark x1="59201" y1="47830" x2="59201" y2="47830"/>
+                        <a14:foregroundMark x1="58854" y1="52865" x2="58854" y2="52865"/>
+                        <a14:foregroundMark x1="62847" y1="52778" x2="62847" y2="52778"/>
+                        <a14:foregroundMark x1="67708" y1="53646" x2="67708" y2="53646"/>
+                        <a14:foregroundMark x1="71181" y1="49653" x2="71181" y2="49653"/>
+                        <a14:foregroundMark x1="74306" y1="47483" x2="74306" y2="47483"/>
+                        <a14:foregroundMark x1="72569" y1="44531" x2="72569" y2="44531"/>
+                        <a14:foregroundMark x1="53906" y1="59809" x2="57986" y2="56424"/>
+                        <a14:foregroundMark x1="67882" y1="55122" x2="67622" y2="57986"/>
+                        <a14:foregroundMark x1="70660" y1="56858" x2="70660" y2="56858"/>
+                        <a14:foregroundMark x1="72569" y1="56510" x2="74653" y2="53559"/>
+                        <a14:foregroundMark x1="64844" y1="58247" x2="64844" y2="58247"/>
+                        <a14:foregroundMark x1="47917" y1="57031" x2="47917" y2="57031"/>
+                        <a14:foregroundMark x1="38108" y1="58767" x2="38108" y2="58767"/>
+                        <a14:foregroundMark x1="37934" y1="47917" x2="37934" y2="47917"/>
+                        <a14:foregroundMark x1="26128" y1="48003" x2="26128" y2="48003"/>
+                        <a14:foregroundMark x1="27951" y1="55642" x2="27951" y2="55642"/>
+                        <a14:foregroundMark x1="25347" y1="50087" x2="27517" y2="54514"/>
+                        <a14:foregroundMark x1="28385" y1="57378" x2="28385" y2="57378"/>
+                        <a14:foregroundMark x1="31337" y1="60677" x2="31337" y2="60677"/>
+                        <a14:foregroundMark x1="27170" y1="60764" x2="27170" y2="60764"/>
+                      </a14:backgroundRemoval>
+                    </a14:imgEffect>
+                  </a14:imgLayer>
+                </a14:imgProps>
+              </a:ext>
+              <a:ext uri="{28A0092B-C50C-407E-A947-70E740481C1C}">
+                <a14:useLocalDpi xmlns:a14="http://schemas.microsoft.com/office/drawing/2010/main" val="0"/>
+              </a:ext>
+            </a:extLst>
+          </a:blip>
+          <a:srcRect l="21745" t="35661" r="17040" b="34341"/>
+          <a:stretch/>
+        </p:blipFill>
+        <p:spPr>
+          <a:xfrm>
+            <a:off x="178421" y="293897"/>
+            <a:ext cx="2270401" cy="1112603"/>
+          </a:xfrm>
+          <a:prstGeom prst="rect">
+            <a:avLst/>
+          </a:prstGeom>
+        </p:spPr>
+      </p:pic>
+      <p:sp>
+        <p:nvSpPr>
+          <p:cNvPr id="9" name="Title 1"/>
+          <p:cNvSpPr txBox="1">
+            <a:spLocks/>
+          </p:cNvSpPr>
+          <p:nvPr/>
+        </p:nvSpPr>
+        <p:spPr>
+          <a:xfrm>
+            <a:off x="1132505" y="2122211"/>
+            <a:ext cx="8001000" cy="1470025"/>
+          </a:xfrm>
+          <a:prstGeom prst="rect">
+            <a:avLst/>
+          </a:prstGeom>
+        </p:spPr>
+        <p:txBody>
+          <a:bodyPr vert="horz" lIns="91440" tIns="45720" rIns="91440" bIns="45720" rtlCol="0" anchor="ctr">
+            <a:normAutofit/>
+          </a:bodyPr>
+          <a:lstStyle>
+            <a:lvl1pPr algn="ctr" defTabSz="457200" rtl="0" eaLnBrk="1" latinLnBrk="0" hangingPunct="1">
+              <a:spcBef>
+                <a:spcPct val="0"/>
+              </a:spcBef>
+              <a:buNone/>
+              <a:defRPr sz="4400" kern="1200">
+                <a:solidFill>
+                  <a:schemeClr val="tx1"/>
+                </a:solidFill>
+                <a:latin typeface="Cambria"/>
+                <a:ea typeface="+mj-ea"/>
+                <a:cs typeface="Cambria"/>
+              </a:defRPr>
+            </a:lvl1pPr>
+          </a:lstStyle>
+          <a:p>
+            <a:r>
+              <a:rPr lang="en-US" b="1" dirty="0" smtClean="0">
+                <a:solidFill>
+                  <a:schemeClr val="bg1"/>
+                </a:solidFill>
+              </a:rPr>
+              <a:t>Recommendation Engine</a:t>
+            </a:r>
+            <a:endParaRPr lang="en-US" b="1" dirty="0">
+              <a:solidFill>
+                <a:schemeClr val="bg1"/>
               </a:solidFill>
             </a:endParaRPr>
           </a:p>
@@ -9569,6 +9518,29 @@
           </a:p>
         </p:txBody>
       </p:sp>
+      <p:sp>
+        <p:nvSpPr>
+          <p:cNvPr id="4" name="Slide Number Placeholder 3"/>
+          <p:cNvSpPr>
+            <a:spLocks noGrp="1"/>
+          </p:cNvSpPr>
+          <p:nvPr>
+            <p:ph type="sldNum" sz="quarter" idx="12"/>
+          </p:nvPr>
+        </p:nvSpPr>
+        <p:spPr/>
+        <p:txBody>
+          <a:bodyPr/>
+          <a:lstStyle/>
+          <a:p>
+            <a:fld id="{7B7E4D09-A1A9-C14F-A048-20573D76504F}" type="slidenum">
+              <a:rPr lang="en-US" smtClean="0"/>
+              <a:t>3</a:t>
+            </a:fld>
+            <a:endParaRPr lang="en-US" dirty="0"/>
+          </a:p>
+        </p:txBody>
+      </p:sp>
       <p:pic>
         <p:nvPicPr>
           <p:cNvPr id="5" name="Picture 4" descr="mapReviewsZoom.png"/>
@@ -10112,36 +10084,15 @@
           <a:p>
             <a:r>
               <a:rPr lang="en-US" dirty="0" smtClean="0"/>
-              <a:t>PCA </a:t>
-            </a:r>
-            <a:r>
-              <a:rPr lang="en-US" dirty="0" smtClean="0"/>
-              <a:t>on </a:t>
-            </a:r>
-            <a:r>
-              <a:rPr lang="en-US" dirty="0" smtClean="0"/>
-              <a:t>business </a:t>
-            </a:r>
-            <a:r>
-              <a:rPr lang="en-US" dirty="0" smtClean="0"/>
-              <a:t>categories</a:t>
+              <a:t>PCA on business categories</a:t>
             </a:r>
           </a:p>
           <a:p>
             <a:pPr lvl="1"/>
             <a:r>
               <a:rPr lang="en-US" sz="2400" dirty="0" smtClean="0"/>
-              <a:t>i.e. </a:t>
-            </a:r>
-            <a:r>
-              <a:rPr lang="en-US" sz="2400" dirty="0" smtClean="0"/>
-              <a:t>r</a:t>
-            </a:r>
-            <a:r>
-              <a:rPr lang="en-US" sz="2400" dirty="0" smtClean="0"/>
-              <a:t>estaurants, beauty spas, automotive</a:t>
-            </a:r>
-            <a:endParaRPr lang="en-US" sz="2400" dirty="0" smtClean="0"/>
+              <a:t>i.e. restaurants, beauty spas, automotive</a:t>
+            </a:r>
           </a:p>
           <a:p>
             <a:pPr>
@@ -10151,11 +10102,7 @@
             </a:pPr>
             <a:r>
               <a:rPr lang="en-US" dirty="0" smtClean="0"/>
-              <a:t>K-means clustering of </a:t>
-            </a:r>
-            <a:r>
-              <a:rPr lang="en-US" dirty="0" smtClean="0"/>
-              <a:t>users</a:t>
+              <a:t>K-means clustering of users</a:t>
             </a:r>
           </a:p>
           <a:p>
@@ -10164,7 +10111,6 @@
               <a:rPr lang="en-US" sz="2400" dirty="0" smtClean="0"/>
               <a:t>i.e. user review counts, avg. star ratings</a:t>
             </a:r>
-            <a:endParaRPr lang="en-US" sz="2400" dirty="0" smtClean="0"/>
           </a:p>
           <a:p>
             <a:pPr>
@@ -10174,11 +10120,7 @@
             </a:pPr>
             <a:r>
               <a:rPr lang="en-US" dirty="0" smtClean="0"/>
-              <a:t>N-gram text features from user </a:t>
-            </a:r>
-            <a:r>
-              <a:rPr lang="en-US" dirty="0" smtClean="0"/>
-              <a:t>reviews</a:t>
+              <a:t>N-gram text features from user reviews</a:t>
             </a:r>
           </a:p>
           <a:p>
@@ -10187,7 +10129,6 @@
               <a:rPr lang="en-US" sz="2400" dirty="0" smtClean="0"/>
               <a:t>i.e. “so bad”, “very good”, “sweet potato fries”</a:t>
             </a:r>
-            <a:endParaRPr lang="en-US" sz="2400" dirty="0" smtClean="0"/>
           </a:p>
           <a:p>
             <a:pPr>
@@ -10207,7 +10148,6 @@
               <a:rPr lang="en-US" sz="2400" dirty="0" smtClean="0"/>
               <a:t>Users similar in rating behavior</a:t>
             </a:r>
-            <a:endParaRPr lang="en-US" sz="2400" dirty="0" smtClean="0"/>
           </a:p>
         </p:txBody>
       </p:sp>
@@ -10271,53 +10211,6 @@
           <a:chExt cx="0" cy="0"/>
         </a:xfrm>
       </p:grpSpPr>
-      <p:sp>
-        <p:nvSpPr>
-          <p:cNvPr id="2" name="Title 1"/>
-          <p:cNvSpPr>
-            <a:spLocks noGrp="1"/>
-          </p:cNvSpPr>
-          <p:nvPr>
-            <p:ph type="title"/>
-          </p:nvPr>
-        </p:nvSpPr>
-        <p:spPr/>
-        <p:txBody>
-          <a:bodyPr/>
-          <a:lstStyle/>
-          <a:p>
-            <a:pPr algn="l"/>
-            <a:r>
-              <a:rPr lang="en-US" dirty="0" smtClean="0"/>
-              <a:t>Model Selection</a:t>
-            </a:r>
-            <a:endParaRPr lang="en-US" dirty="0"/>
-          </a:p>
-        </p:txBody>
-      </p:sp>
-      <p:sp>
-        <p:nvSpPr>
-          <p:cNvPr id="4" name="Slide Number Placeholder 3"/>
-          <p:cNvSpPr>
-            <a:spLocks noGrp="1"/>
-          </p:cNvSpPr>
-          <p:nvPr>
-            <p:ph type="sldNum" sz="quarter" idx="12"/>
-          </p:nvPr>
-        </p:nvSpPr>
-        <p:spPr/>
-        <p:txBody>
-          <a:bodyPr/>
-          <a:lstStyle/>
-          <a:p>
-            <a:fld id="{7B7E4D09-A1A9-C14F-A048-20573D76504F}" type="slidenum">
-              <a:rPr lang="en-US" smtClean="0"/>
-              <a:t>7</a:t>
-            </a:fld>
-            <a:endParaRPr lang="en-US" dirty="0"/>
-          </a:p>
-        </p:txBody>
-      </p:sp>
       <p:graphicFrame>
         <p:nvGraphicFramePr>
           <p:cNvPr id="5" name="Table 4"/>
@@ -10327,7 +10220,7 @@
           <p:nvPr>
             <p:extLst>
               <p:ext uri="{D42A27DB-BD31-4B8C-83A1-F6EECF244321}">
-                <p14:modId xmlns:p14="http://schemas.microsoft.com/office/powerpoint/2010/main" val="4266944632"/>
+                <p14:modId xmlns:p14="http://schemas.microsoft.com/office/powerpoint/2010/main" val="2067136404"/>
               </p:ext>
             </p:extLst>
           </p:nvPr>
@@ -10374,7 +10267,7 @@
                       </a:endParaRPr>
                     </a:p>
                   </a:txBody>
-                  <a:tcPr anchor="ctr"/>
+                  <a:tcPr/>
                 </a:tc>
                 <a:tc>
                   <a:txBody>
@@ -10395,7 +10288,7 @@
                       </a:endParaRPr>
                     </a:p>
                   </a:txBody>
-                  <a:tcPr anchor="ctr"/>
+                  <a:tcPr/>
                 </a:tc>
                 <a:tc>
                   <a:txBody>
@@ -10416,7 +10309,7 @@
                       </a:endParaRPr>
                     </a:p>
                   </a:txBody>
-                  <a:tcPr anchor="ctr"/>
+                  <a:tcPr/>
                 </a:tc>
               </a:tr>
             </a:tbl>
@@ -10432,7 +10325,7 @@
           <p:nvPr>
             <p:extLst>
               <p:ext uri="{D42A27DB-BD31-4B8C-83A1-F6EECF244321}">
-                <p14:modId xmlns:p14="http://schemas.microsoft.com/office/powerpoint/2010/main" val="1468157187"/>
+                <p14:modId xmlns:p14="http://schemas.microsoft.com/office/powerpoint/2010/main" val="3651651009"/>
               </p:ext>
             </p:extLst>
           </p:nvPr>
@@ -10466,27 +10359,7 @@
                           <a:latin typeface="Cambria"/>
                           <a:cs typeface="Cambria"/>
                         </a:rPr>
-                        <a:t>Category </a:t>
-                      </a:r>
-                      <a:r>
-                        <a:rPr lang="en-US" sz="2800" b="0" dirty="0" smtClean="0">
-                          <a:solidFill>
-                            <a:srgbClr val="000000"/>
-                          </a:solidFill>
-                          <a:latin typeface="Cambria"/>
-                          <a:cs typeface="Cambria"/>
-                        </a:rPr>
-                        <a:t>Principal </a:t>
-                      </a:r>
-                      <a:r>
-                        <a:rPr lang="en-US" sz="2800" b="0" dirty="0" smtClean="0">
-                          <a:solidFill>
-                            <a:srgbClr val="000000"/>
-                          </a:solidFill>
-                          <a:latin typeface="Cambria"/>
-                          <a:cs typeface="Cambria"/>
-                        </a:rPr>
-                        <a:t>Components</a:t>
+                        <a:t>Category Principal Components</a:t>
                       </a:r>
                       <a:endParaRPr lang="en-US" sz="2800" b="0" dirty="0">
                         <a:solidFill>
@@ -10497,7 +10370,7 @@
                       </a:endParaRPr>
                     </a:p>
                   </a:txBody>
-                  <a:tcPr anchor="ctr">
+                  <a:tcPr>
                     <a:noFill/>
                   </a:tcPr>
                 </a:tc>
@@ -10536,7 +10409,7 @@
                       </a:endParaRPr>
                     </a:p>
                   </a:txBody>
-                  <a:tcPr anchor="ctr">
+                  <a:tcPr>
                     <a:noFill/>
                   </a:tcPr>
                 </a:tc>
@@ -10577,7 +10450,7 @@
                       </a:endParaRPr>
                     </a:p>
                   </a:txBody>
-                  <a:tcPr anchor="ctr">
+                  <a:tcPr>
                     <a:noFill/>
                   </a:tcPr>
                 </a:tc>
@@ -10625,7 +10498,7 @@
                       </a:endParaRPr>
                     </a:p>
                   </a:txBody>
-                  <a:tcPr anchor="ctr">
+                  <a:tcPr>
                     <a:noFill/>
                   </a:tcPr>
                 </a:tc>
@@ -10634,135 +10507,18 @@
           </a:graphicData>
         </a:graphic>
       </p:graphicFrame>
-      <p:sp>
-        <p:nvSpPr>
-          <p:cNvPr id="10" name="Rectangle 9"/>
-          <p:cNvSpPr/>
-          <p:nvPr/>
-        </p:nvSpPr>
-        <p:spPr>
-          <a:xfrm>
-            <a:off x="1344702" y="1374588"/>
-            <a:ext cx="6917768" cy="552824"/>
-          </a:xfrm>
-          <a:prstGeom prst="rect">
-            <a:avLst/>
-          </a:prstGeom>
-          <a:solidFill>
-            <a:srgbClr val="800000"/>
-          </a:solidFill>
-          <a:ln>
-            <a:noFill/>
-          </a:ln>
-          <a:effectLst/>
-        </p:spPr>
-        <p:style>
-          <a:lnRef idx="1">
-            <a:schemeClr val="accent1"/>
-          </a:lnRef>
-          <a:fillRef idx="3">
-            <a:schemeClr val="accent1"/>
-          </a:fillRef>
-          <a:effectRef idx="2">
-            <a:schemeClr val="accent1"/>
-          </a:effectRef>
-          <a:fontRef idx="minor">
-            <a:schemeClr val="lt1"/>
-          </a:fontRef>
-        </p:style>
-        <p:txBody>
-          <a:bodyPr rtlCol="0" anchor="ctr"/>
-          <a:lstStyle/>
-          <a:p>
-            <a:pPr algn="ctr"/>
-            <a:r>
-              <a:rPr lang="en-US" sz="2800" b="1" dirty="0" smtClean="0">
-                <a:latin typeface="Cambria"/>
-                <a:cs typeface="Cambria"/>
-              </a:rPr>
-              <a:t>Final </a:t>
-            </a:r>
-            <a:r>
-              <a:rPr lang="en-US" sz="2800" b="1" dirty="0" smtClean="0">
-                <a:latin typeface="Cambria"/>
-                <a:cs typeface="Cambria"/>
-              </a:rPr>
-              <a:t>Algorithms</a:t>
-            </a:r>
-            <a:endParaRPr lang="en-US" sz="2800" b="1" dirty="0">
-              <a:latin typeface="Cambria"/>
-              <a:cs typeface="Cambria"/>
-            </a:endParaRPr>
-          </a:p>
-        </p:txBody>
-      </p:sp>
-      <p:sp>
-        <p:nvSpPr>
-          <p:cNvPr id="11" name="Rectangle 10"/>
-          <p:cNvSpPr/>
-          <p:nvPr/>
-        </p:nvSpPr>
-        <p:spPr>
-          <a:xfrm>
-            <a:off x="1344702" y="3406588"/>
-            <a:ext cx="6917768" cy="552824"/>
-          </a:xfrm>
-          <a:prstGeom prst="rect">
-            <a:avLst/>
-          </a:prstGeom>
-          <a:solidFill>
-            <a:srgbClr val="800000"/>
-          </a:solidFill>
-          <a:ln>
-            <a:noFill/>
-          </a:ln>
-          <a:effectLst/>
-        </p:spPr>
-        <p:style>
-          <a:lnRef idx="1">
-            <a:schemeClr val="accent1"/>
-          </a:lnRef>
-          <a:fillRef idx="3">
-            <a:schemeClr val="accent1"/>
-          </a:fillRef>
-          <a:effectRef idx="2">
-            <a:schemeClr val="accent1"/>
-          </a:effectRef>
-          <a:fontRef idx="minor">
-            <a:schemeClr val="lt1"/>
-          </a:fontRef>
-        </p:style>
-        <p:txBody>
-          <a:bodyPr rtlCol="0" anchor="ctr"/>
-          <a:lstStyle/>
-          <a:p>
-            <a:pPr algn="ctr"/>
-            <a:r>
-              <a:rPr lang="en-US" sz="2800" b="1" dirty="0" smtClean="0">
-                <a:latin typeface="Cambria"/>
-                <a:cs typeface="Cambria"/>
-              </a:rPr>
-              <a:t>Features</a:t>
-            </a:r>
-            <a:endParaRPr lang="en-US" sz="2800" b="1" dirty="0">
-              <a:latin typeface="Cambria"/>
-              <a:cs typeface="Cambria"/>
-            </a:endParaRPr>
-          </a:p>
-        </p:txBody>
-      </p:sp>
       <p:grpSp>
         <p:nvGrpSpPr>
-          <p:cNvPr id="6" name="Group 5"/>
+          <p:cNvPr id="7" name="Group 6"/>
           <p:cNvGrpSpPr/>
           <p:nvPr/>
         </p:nvGrpSpPr>
         <p:grpSpPr>
           <a:xfrm>
             <a:off x="1135528" y="1999131"/>
-            <a:ext cx="7470588" cy="3920660"/>
+            <a:ext cx="7470588" cy="3711201"/>
             <a:chOff x="1135528" y="1999131"/>
-            <a:chExt cx="7470588" cy="3920660"/>
+            <a:chExt cx="7470588" cy="3711201"/>
           </a:xfrm>
         </p:grpSpPr>
         <p:sp>
@@ -10816,14 +10572,14 @@
           </p:nvSpPr>
           <p:spPr>
             <a:xfrm>
-              <a:off x="5059082" y="5035015"/>
+              <a:off x="5059082" y="5094779"/>
               <a:ext cx="2934447" cy="615553"/>
             </a:xfrm>
             <a:prstGeom prst="rect">
               <a:avLst/>
             </a:prstGeom>
             <a:solidFill>
-              <a:schemeClr val="bg1"/>
+              <a:srgbClr val="FFFFFF"/>
             </a:solidFill>
           </p:spPr>
           <p:txBody>
@@ -10852,7 +10608,7 @@
           </p:nvSpPr>
           <p:spPr>
             <a:xfrm>
-              <a:off x="1443319" y="5396571"/>
+              <a:off x="1443319" y="5127633"/>
               <a:ext cx="2934447" cy="523220"/>
             </a:xfrm>
             <a:prstGeom prst="rect">
@@ -10899,7 +10655,7 @@
           </p:nvSpPr>
           <p:spPr>
             <a:xfrm>
-              <a:off x="4882777" y="4368617"/>
+              <a:off x="4882777" y="4099679"/>
               <a:ext cx="3603811" cy="523220"/>
             </a:xfrm>
             <a:prstGeom prst="rect">
@@ -10993,7 +10749,7 @@
           </p:nvSpPr>
           <p:spPr>
             <a:xfrm>
-              <a:off x="5671669" y="2316201"/>
+              <a:off x="5671669" y="2107027"/>
               <a:ext cx="2934447" cy="523220"/>
             </a:xfrm>
             <a:prstGeom prst="rect">
@@ -11040,14 +10796,14 @@
           </p:nvSpPr>
           <p:spPr>
             <a:xfrm>
-              <a:off x="1344704" y="3977597"/>
-              <a:ext cx="3137649" cy="1569660"/>
+              <a:off x="1135529" y="4037361"/>
+              <a:ext cx="3747248" cy="1077218"/>
             </a:xfrm>
             <a:prstGeom prst="rect">
               <a:avLst/>
             </a:prstGeom>
             <a:solidFill>
-              <a:schemeClr val="bg1"/>
+              <a:srgbClr val="FFFFFF"/>
             </a:solidFill>
           </p:spPr>
           <p:txBody>
@@ -11069,6 +10825,163 @@
           </p:txBody>
         </p:sp>
       </p:grpSp>
+      <p:sp>
+        <p:nvSpPr>
+          <p:cNvPr id="2" name="Title 1"/>
+          <p:cNvSpPr>
+            <a:spLocks noGrp="1"/>
+          </p:cNvSpPr>
+          <p:nvPr>
+            <p:ph type="title"/>
+          </p:nvPr>
+        </p:nvSpPr>
+        <p:spPr/>
+        <p:txBody>
+          <a:bodyPr/>
+          <a:lstStyle/>
+          <a:p>
+            <a:pPr algn="l"/>
+            <a:r>
+              <a:rPr lang="en-US" dirty="0" smtClean="0"/>
+              <a:t>Model Selection</a:t>
+            </a:r>
+            <a:endParaRPr lang="en-US" dirty="0"/>
+          </a:p>
+        </p:txBody>
+      </p:sp>
+      <p:sp>
+        <p:nvSpPr>
+          <p:cNvPr id="4" name="Slide Number Placeholder 3"/>
+          <p:cNvSpPr>
+            <a:spLocks noGrp="1"/>
+          </p:cNvSpPr>
+          <p:nvPr>
+            <p:ph type="sldNum" sz="quarter" idx="12"/>
+          </p:nvPr>
+        </p:nvSpPr>
+        <p:spPr/>
+        <p:txBody>
+          <a:bodyPr/>
+          <a:lstStyle/>
+          <a:p>
+            <a:fld id="{7B7E4D09-A1A9-C14F-A048-20573D76504F}" type="slidenum">
+              <a:rPr lang="en-US" smtClean="0"/>
+              <a:t>7</a:t>
+            </a:fld>
+            <a:endParaRPr lang="en-US" dirty="0"/>
+          </a:p>
+        </p:txBody>
+      </p:sp>
+      <p:sp>
+        <p:nvSpPr>
+          <p:cNvPr id="10" name="Rectangle 9"/>
+          <p:cNvSpPr/>
+          <p:nvPr/>
+        </p:nvSpPr>
+        <p:spPr>
+          <a:xfrm>
+            <a:off x="1344702" y="1374588"/>
+            <a:ext cx="6917768" cy="552824"/>
+          </a:xfrm>
+          <a:prstGeom prst="rect">
+            <a:avLst/>
+          </a:prstGeom>
+          <a:solidFill>
+            <a:srgbClr val="800000"/>
+          </a:solidFill>
+          <a:ln>
+            <a:noFill/>
+          </a:ln>
+          <a:effectLst/>
+        </p:spPr>
+        <p:style>
+          <a:lnRef idx="1">
+            <a:schemeClr val="accent1"/>
+          </a:lnRef>
+          <a:fillRef idx="3">
+            <a:schemeClr val="accent1"/>
+          </a:fillRef>
+          <a:effectRef idx="2">
+            <a:schemeClr val="accent1"/>
+          </a:effectRef>
+          <a:fontRef idx="minor">
+            <a:schemeClr val="lt1"/>
+          </a:fontRef>
+        </p:style>
+        <p:txBody>
+          <a:bodyPr rtlCol="0" anchor="ctr"/>
+          <a:lstStyle/>
+          <a:p>
+            <a:pPr algn="ctr"/>
+            <a:r>
+              <a:rPr lang="en-US" sz="2800" b="1" dirty="0" smtClean="0">
+                <a:latin typeface="Cambria"/>
+                <a:cs typeface="Cambria"/>
+              </a:rPr>
+              <a:t>Final Algorithms</a:t>
+            </a:r>
+            <a:endParaRPr lang="en-US" sz="2800" b="1" dirty="0">
+              <a:latin typeface="Cambria"/>
+              <a:cs typeface="Cambria"/>
+            </a:endParaRPr>
+          </a:p>
+        </p:txBody>
+      </p:sp>
+      <p:sp>
+        <p:nvSpPr>
+          <p:cNvPr id="11" name="Rectangle 10"/>
+          <p:cNvSpPr/>
+          <p:nvPr/>
+        </p:nvSpPr>
+        <p:spPr>
+          <a:xfrm>
+            <a:off x="1344702" y="3406588"/>
+            <a:ext cx="6917768" cy="552824"/>
+          </a:xfrm>
+          <a:prstGeom prst="rect">
+            <a:avLst/>
+          </a:prstGeom>
+          <a:solidFill>
+            <a:srgbClr val="800000"/>
+          </a:solidFill>
+          <a:ln>
+            <a:noFill/>
+          </a:ln>
+          <a:effectLst/>
+        </p:spPr>
+        <p:style>
+          <a:lnRef idx="1">
+            <a:schemeClr val="accent1"/>
+          </a:lnRef>
+          <a:fillRef idx="3">
+            <a:schemeClr val="accent1"/>
+          </a:fillRef>
+          <a:effectRef idx="2">
+            <a:schemeClr val="accent1"/>
+          </a:effectRef>
+          <a:fontRef idx="minor">
+            <a:schemeClr val="lt1"/>
+          </a:fontRef>
+        </p:style>
+        <p:txBody>
+          <a:bodyPr rtlCol="0" anchor="ctr"/>
+          <a:lstStyle/>
+          <a:p>
+            <a:pPr algn="ctr"/>
+            <a:r>
+              <a:rPr lang="en-US" sz="2800" b="1" dirty="0" smtClean="0">
+                <a:latin typeface="Cambria"/>
+                <a:cs typeface="Cambria"/>
+              </a:rPr>
+              <a:t>Features</a:t>
+            </a:r>
+            <a:endParaRPr lang="en-US" sz="2800" b="1" dirty="0">
+              <a:latin typeface="Cambria"/>
+              <a:cs typeface="Cambria"/>
+            </a:endParaRPr>
+          </a:p>
+        </p:txBody>
+      </p:sp>
     </p:spTree>
     <p:extLst>
       <p:ext uri="{BB962C8B-B14F-4D97-AF65-F5344CB8AC3E}">
@@ -11113,7 +11026,7 @@
                                           </p:stCondLst>
                                         </p:cTn>
                                         <p:tgtEl>
-                                          <p:spTgt spid="6"/>
+                                          <p:spTgt spid="7"/>
                                         </p:tgtEl>
                                         <p:attrNameLst>
                                           <p:attrName>style.visibility</p:attrName>
@@ -11448,7 +11361,7 @@
         </p:nvSpPr>
         <p:spPr>
           <a:xfrm>
-            <a:off x="358588" y="2436813"/>
+            <a:off x="373529" y="2638238"/>
             <a:ext cx="8785412" cy="1470025"/>
           </a:xfrm>
         </p:spPr>
@@ -11466,6 +11379,73 @@
               <a:rPr lang="en-US" sz="3600" dirty="0" smtClean="0"/>
             </a:br>
             <a:r>
+              <a:rPr lang="en-US" sz="3600" dirty="0" smtClean="0"/>
+              <a:t/>
+            </a:r>
+            <a:br>
+              <a:rPr lang="en-US" sz="3600" dirty="0" smtClean="0"/>
+            </a:br>
+            <a:r>
+              <a:rPr lang="en-US" sz="3600" dirty="0" smtClean="0"/>
+              <a:t>jrbaker2@usfca.edu</a:t>
+            </a:r>
+            <a:br>
+              <a:rPr lang="en-US" sz="3600" dirty="0" smtClean="0"/>
+            </a:br>
+            <a:r>
+              <a:rPr lang="en-US" sz="3600" dirty="0" err="1" smtClean="0"/>
+              <a:t>kmhoo@usfca.edu</a:t>
+            </a:r>
+            <a:r>
+              <a:rPr lang="en-US" sz="3600" dirty="0" smtClean="0"/>
+              <a:t/>
+            </a:r>
+            <a:br>
+              <a:rPr lang="en-US" sz="3600" dirty="0" smtClean="0"/>
+            </a:br>
+            <a:r>
+              <a:rPr lang="en-US" sz="3600" dirty="0" err="1" smtClean="0"/>
+              <a:t>gmokamoto@usfca.edu</a:t>
+            </a:r>
+            <a:r>
+              <a:rPr lang="en-US" sz="3600" dirty="0" smtClean="0"/>
+              <a:t/>
+            </a:r>
+            <a:br>
+              <a:rPr lang="en-US" sz="3600" dirty="0" smtClean="0"/>
+            </a:br>
+            <a:r>
+              <a:rPr lang="en-US" sz="3600" dirty="0" smtClean="0"/>
+              <a:t/>
+            </a:r>
+            <a:br>
+              <a:rPr lang="en-US" sz="3600" dirty="0" smtClean="0"/>
+            </a:br>
+            <a:r>
+              <a:rPr lang="en-US" sz="2700" dirty="0"/>
+              <a:t>https://</a:t>
+            </a:r>
+            <a:r>
+              <a:rPr lang="en-US" sz="2700" dirty="0" err="1"/>
+              <a:t>github.com</a:t>
+            </a:r>
+            <a:r>
+              <a:rPr lang="en-US" sz="2700" dirty="0"/>
+              <a:t>/</a:t>
+            </a:r>
+            <a:r>
+              <a:rPr lang="en-US" sz="2700" dirty="0" err="1"/>
+              <a:t>kmhoo</a:t>
+            </a:r>
+            <a:r>
+              <a:rPr lang="en-US" sz="2700" dirty="0"/>
+              <a:t>/</a:t>
+            </a:r>
+            <a:r>
+              <a:rPr lang="en-US" sz="2700" dirty="0" err="1"/>
+              <a:t>AdvancedMLProject</a:t>
+            </a:r>
+            <a:r>
               <a:rPr lang="en-US" sz="3600" dirty="0"/>
               <a:t/>
             </a:r>
@@ -11473,29 +11453,36 @@
               <a:rPr lang="en-US" sz="3600" dirty="0"/>
             </a:br>
             <a:r>
-              <a:rPr lang="en-US" sz="3600" dirty="0" err="1" smtClean="0"/>
+              <a:rPr lang="en-US" sz="3100" dirty="0" err="1" smtClean="0"/>
               <a:t>www.usfca.edu</a:t>
             </a:r>
             <a:r>
-              <a:rPr lang="en-US" sz="3600" dirty="0"/>
+              <a:rPr lang="en-US" sz="3100" dirty="0"/>
               <a:t>/</a:t>
             </a:r>
             <a:r>
-              <a:rPr lang="en-US" sz="3600" dirty="0" err="1"/>
+              <a:rPr lang="en-US" sz="3100" dirty="0" err="1"/>
               <a:t>artsci</a:t>
             </a:r>
             <a:r>
-              <a:rPr lang="en-US" sz="3600" dirty="0"/>
+              <a:rPr lang="en-US" sz="3100" dirty="0"/>
               <a:t>/</a:t>
             </a:r>
             <a:r>
-              <a:rPr lang="en-US" sz="3600" dirty="0" err="1"/>
+              <a:rPr lang="en-US" sz="3100" dirty="0" err="1"/>
               <a:t>msan</a:t>
             </a:r>
             <a:r>
-              <a:rPr lang="en-US" sz="3600" dirty="0"/>
+              <a:rPr lang="en-US" sz="3100" dirty="0"/>
               <a:t>/students/</a:t>
             </a:r>
+            <a:r>
+              <a:rPr lang="en-US" sz="3100" dirty="0" smtClean="0"/>
+              <a:t/>
+            </a:r>
+            <a:br>
+              <a:rPr lang="en-US" sz="3100" dirty="0" smtClean="0"/>
+            </a:br>
             <a:r>
               <a:rPr lang="en-US" sz="3600" dirty="0" smtClean="0"/>
               <a:t/>
@@ -11504,19 +11491,8 @@
               <a:rPr lang="en-US" sz="3600" dirty="0" smtClean="0"/>
             </a:br>
             <a:r>
-              <a:rPr lang="en-US" sz="3600" dirty="0" smtClean="0"/>
-              <a:t/>
-            </a:r>
-            <a:br>
-              <a:rPr lang="en-US" sz="3600" dirty="0" smtClean="0"/>
-            </a:br>
-            <a:r>
               <a:rPr lang="en-US" b="1" dirty="0" smtClean="0"/>
-              <a:t>Thanks</a:t>
-            </a:r>
-            <a:r>
-              <a:rPr lang="en-US" b="1" dirty="0" smtClean="0"/>
-              <a:t>!</a:t>
+              <a:t>Thanks!</a:t>
             </a:r>
             <a:endParaRPr lang="en-US" b="1" dirty="0"/>
           </a:p>

--- a/advML_final_presentation.pptx
+++ b/advML_final_presentation.pptx
@@ -11147,6 +11147,14 @@
             <a:endParaRPr lang="en-US" dirty="0" smtClean="0"/>
           </a:p>
           <a:p>
+            <a:pPr lvl="1"/>
+            <a:r>
+              <a:rPr lang="en-US" dirty="0" smtClean="0"/>
+              <a:t>Using Yelp API and web scraping</a:t>
+            </a:r>
+            <a:endParaRPr lang="en-US" dirty="0" smtClean="0"/>
+          </a:p>
+          <a:p>
             <a:endParaRPr lang="en-US" dirty="0" smtClean="0"/>
           </a:p>
           <a:p>
@@ -11199,8 +11207,8 @@
         </p:blipFill>
         <p:spPr>
           <a:xfrm>
-            <a:off x="3649519" y="2599379"/>
-            <a:ext cx="1844963" cy="1838534"/>
+            <a:off x="3754107" y="3368217"/>
+            <a:ext cx="1553220" cy="1547808"/>
           </a:xfrm>
           <a:prstGeom prst="rect">
             <a:avLst/>
@@ -11229,8 +11237,8 @@
         </p:blipFill>
         <p:spPr>
           <a:xfrm>
-            <a:off x="716149" y="4034268"/>
-            <a:ext cx="2243263" cy="807289"/>
+            <a:off x="895441" y="4266511"/>
+            <a:ext cx="1888537" cy="679633"/>
           </a:xfrm>
           <a:prstGeom prst="rect">
             <a:avLst/>
@@ -11264,8 +11272,8 @@
         </p:blipFill>
         <p:spPr>
           <a:xfrm>
-            <a:off x="3123765" y="5075690"/>
-            <a:ext cx="2643530" cy="859552"/>
+            <a:off x="3422585" y="5316197"/>
+            <a:ext cx="2225509" cy="723631"/>
           </a:xfrm>
           <a:prstGeom prst="rect">
             <a:avLst/>
@@ -11299,8 +11307,8 @@
         </p:blipFill>
         <p:spPr>
           <a:xfrm>
-            <a:off x="6089692" y="3978849"/>
-            <a:ext cx="2456661" cy="862707"/>
+            <a:off x="6194280" y="4219856"/>
+            <a:ext cx="2068190" cy="726287"/>
           </a:xfrm>
           <a:prstGeom prst="rect">
             <a:avLst/>
